--- a/O3652-6 Deep Dive into Provider Hosted Apps/O3652-6 Deep Dive into Provider Hosted Apps.pptx
+++ b/O3652-6 Deep Dive into Provider Hosted Apps/O3652-6 Deep Dive into Provider Hosted Apps.pptx
@@ -358,7 +358,7 @@
           <a:p>
             <a:fld id="{DE219B1A-AE41-483B-A766-69B9363DDA6A}" type="datetimeFigureOut">
               <a:rPr lang="en-US" smtClean="0"/>
-              <a:t>8/1/2014</a:t>
+              <a:t>8/4/2014</a:t>
             </a:fld>
             <a:endParaRPr lang="en-US"/>
           </a:p>
@@ -640,7 +640,7 @@
           <a:p>
             <a:fld id="{D51B1278-D92B-4AF3-A9C1-71DD298190CE}" type="datetimeFigureOut">
               <a:rPr lang="en-US" smtClean="0"/>
-              <a:t>8/1/2014</a:t>
+              <a:t>8/4/2014</a:t>
             </a:fld>
             <a:endParaRPr lang="en-US"/>
           </a:p>
@@ -1248,7 +1248,7 @@
           <a:p>
             <a:fld id="{978E40F9-06EC-432F-9301-2E07F244FD92}" type="datetime1">
               <a:rPr lang="en-US" smtClean="0"/>
-              <a:t>8/1/2014</a:t>
+              <a:t>8/4/2014</a:t>
             </a:fld>
             <a:endParaRPr lang="en-US"/>
           </a:p>
@@ -1466,7 +1466,7 @@
           <a:p>
             <a:fld id="{20E03D06-7C91-4981-946C-5F87F4FCF9AD}" type="datetime1">
               <a:rPr lang="en-US" smtClean="0"/>
-              <a:t>8/1/2014</a:t>
+              <a:t>8/4/2014</a:t>
             </a:fld>
             <a:endParaRPr lang="en-US"/>
           </a:p>
@@ -1670,9 +1670,9 @@
           <a:bodyPr/>
           <a:lstStyle/>
           <a:p>
-            <a:fld id="{6DFBD1BE-6A4F-4D98-BF0B-ADDB5A85FBE3}" type="datetime1">
+            <a:fld id="{94EE102F-BBA5-47B5-B3E7-AF35CCCF9F4D}" type="datetime1">
               <a:rPr lang="en-US" smtClean="0"/>
-              <a:t>8/1/2014</a:t>
+              <a:t>8/4/2014</a:t>
             </a:fld>
             <a:endParaRPr lang="en-US"/>
           </a:p>
@@ -1695,7 +1695,7 @@
           <a:p>
             <a:fld id="{B4008EB6-D09E-4580-8CD6-DDB14511944F}" type="slidenum">
               <a:rPr lang="en-US" smtClean="0"/>
-              <a:t>19</a:t>
+              <a:t>18</a:t>
             </a:fld>
             <a:endParaRPr lang="en-US" dirty="0"/>
           </a:p>
@@ -1803,7 +1803,7 @@
     </p:spTree>
     <p:extLst>
       <p:ext uri="{BB962C8B-B14F-4D97-AF65-F5344CB8AC3E}">
-        <p14:creationId xmlns:p14="http://schemas.microsoft.com/office/powerpoint/2010/main" val="3703688786"/>
+        <p14:creationId xmlns:p14="http://schemas.microsoft.com/office/powerpoint/2010/main" val="1113436874"/>
       </p:ext>
     </p:extLst>
   </p:cSld>
@@ -1857,32 +1857,6 @@
           <a:bodyPr/>
           <a:lstStyle/>
           <a:p>
-            <a:r>
-              <a:rPr lang="en-US" dirty="0" smtClean="0"/>
-              <a:t>This is an optional component</a:t>
-            </a:r>
-          </a:p>
-          <a:p>
-            <a:r>
-              <a:rPr lang="en-US" dirty="0" smtClean="0"/>
-              <a:t>You could also use HTML5 to build your own cache</a:t>
-            </a:r>
-          </a:p>
-          <a:p>
-            <a:r>
-              <a:rPr lang="en-US" dirty="0" smtClean="0"/>
-              <a:t>But you really need to save the standard tokens because you will</a:t>
-            </a:r>
-            <a:r>
-              <a:rPr lang="en-US" baseline="0" dirty="0" smtClean="0"/>
-              <a:t> need them on other pages in the app</a:t>
-            </a:r>
-          </a:p>
-          <a:p>
-            <a:r>
-              <a:rPr lang="en-US" baseline="0" dirty="0" smtClean="0"/>
-              <a:t>That’s the basic problem: you need the standard tokens in many places, so you can cache them or pass them along</a:t>
-            </a:r>
             <a:endParaRPr lang="en-US" dirty="0"/>
           </a:p>
         </p:txBody>
@@ -1902,9 +1876,9 @@
           <a:bodyPr/>
           <a:lstStyle/>
           <a:p>
-            <a:fld id="{5CA12F01-F32E-42E6-9812-70BEA5DBCFD4}" type="datetime1">
+            <a:fld id="{6DFBD1BE-6A4F-4D98-BF0B-ADDB5A85FBE3}" type="datetime1">
               <a:rPr lang="en-US" smtClean="0"/>
-              <a:t>8/1/2014</a:t>
+              <a:t>8/4/2014</a:t>
             </a:fld>
             <a:endParaRPr lang="en-US"/>
           </a:p>
@@ -1927,7 +1901,7 @@
           <a:p>
             <a:fld id="{B4008EB6-D09E-4580-8CD6-DDB14511944F}" type="slidenum">
               <a:rPr lang="en-US" smtClean="0"/>
-              <a:t>21</a:t>
+              <a:t>19</a:t>
             </a:fld>
             <a:endParaRPr lang="en-US" dirty="0"/>
           </a:p>
@@ -2035,7 +2009,7 @@
     </p:spTree>
     <p:extLst>
       <p:ext uri="{BB962C8B-B14F-4D97-AF65-F5344CB8AC3E}">
-        <p14:creationId xmlns:p14="http://schemas.microsoft.com/office/powerpoint/2010/main" val="834101685"/>
+        <p14:creationId xmlns:p14="http://schemas.microsoft.com/office/powerpoint/2010/main" val="3703688786"/>
       </p:ext>
     </p:extLst>
   </p:cSld>
@@ -2091,7 +2065,29 @@
           <a:p>
             <a:r>
               <a:rPr lang="en-US" dirty="0" smtClean="0"/>
-              <a:t>Makes it possible to call the app web or host web from JavaScript in the remote web</a:t>
+              <a:t>This is an optional component</a:t>
+            </a:r>
+          </a:p>
+          <a:p>
+            <a:r>
+              <a:rPr lang="en-US" dirty="0" smtClean="0"/>
+              <a:t>You could also use HTML5 to build your own cache</a:t>
+            </a:r>
+          </a:p>
+          <a:p>
+            <a:r>
+              <a:rPr lang="en-US" dirty="0" smtClean="0"/>
+              <a:t>But you really need to save the standard tokens because you will</a:t>
+            </a:r>
+            <a:r>
+              <a:rPr lang="en-US" baseline="0" dirty="0" smtClean="0"/>
+              <a:t> need them on other pages in the app</a:t>
+            </a:r>
+          </a:p>
+          <a:p>
+            <a:r>
+              <a:rPr lang="en-US" baseline="0" dirty="0" smtClean="0"/>
+              <a:t>That’s the basic problem: you need the standard tokens in many places, so you can cache them or pass them along</a:t>
             </a:r>
             <a:endParaRPr lang="en-US" dirty="0"/>
           </a:p>
@@ -2112,9 +2108,9 @@
           <a:bodyPr/>
           <a:lstStyle/>
           <a:p>
-            <a:fld id="{4ADE35DD-7265-41C6-9E2A-205ADF0B08D5}" type="datetime1">
+            <a:fld id="{5CA12F01-F32E-42E6-9812-70BEA5DBCFD4}" type="datetime1">
               <a:rPr lang="en-US" smtClean="0"/>
-              <a:t>8/1/2014</a:t>
+              <a:t>8/4/2014</a:t>
             </a:fld>
             <a:endParaRPr lang="en-US"/>
           </a:p>
@@ -2137,7 +2133,7 @@
           <a:p>
             <a:fld id="{B4008EB6-D09E-4580-8CD6-DDB14511944F}" type="slidenum">
               <a:rPr lang="en-US" smtClean="0"/>
-              <a:t>22</a:t>
+              <a:t>21</a:t>
             </a:fld>
             <a:endParaRPr lang="en-US" dirty="0"/>
           </a:p>
@@ -2245,7 +2241,7 @@
     </p:spTree>
     <p:extLst>
       <p:ext uri="{BB962C8B-B14F-4D97-AF65-F5344CB8AC3E}">
-        <p14:creationId xmlns:p14="http://schemas.microsoft.com/office/powerpoint/2010/main" val="2842563969"/>
+        <p14:creationId xmlns:p14="http://schemas.microsoft.com/office/powerpoint/2010/main" val="834101685"/>
       </p:ext>
     </p:extLst>
   </p:cSld>
@@ -2299,81 +2295,9 @@
           <a:bodyPr/>
           <a:lstStyle/>
           <a:p>
-            <a:pPr marL="228600" indent="-228600">
-              <a:buAutoNum type="arabicPeriod"/>
-            </a:pPr>
             <a:r>
               <a:rPr lang="en-US" dirty="0" smtClean="0"/>
-              <a:t>The remote web loads the SPRequestExecutor.js library</a:t>
-            </a:r>
-          </a:p>
-          <a:p>
-            <a:pPr marL="228600" indent="-228600">
-              <a:buAutoNum type="arabicPeriod"/>
-            </a:pPr>
-            <a:r>
-              <a:rPr lang="en-US" dirty="0" smtClean="0"/>
-              <a:t>The remote web create a new </a:t>
-            </a:r>
-            <a:r>
-              <a:rPr lang="en-US" dirty="0" err="1" smtClean="0"/>
-              <a:t>SP.RequestExecutor</a:t>
-            </a:r>
-            <a:r>
-              <a:rPr lang="en-US" dirty="0" smtClean="0"/>
-              <a:t> object, initializing it with the URL of the app web</a:t>
-            </a:r>
-          </a:p>
-          <a:p>
-            <a:pPr marL="228600" indent="-228600">
-              <a:buAutoNum type="arabicPeriod"/>
-            </a:pPr>
-            <a:r>
-              <a:rPr lang="en-US" dirty="0" smtClean="0"/>
-              <a:t>This causes a hidden IFRAME to be created, which loads APPWebProxy.aspx from the LAYOUTS directory</a:t>
-            </a:r>
-          </a:p>
-          <a:p>
-            <a:pPr marL="228600" indent="-228600">
-              <a:buAutoNum type="arabicPeriod"/>
-            </a:pPr>
-            <a:r>
-              <a:rPr lang="en-US" dirty="0" smtClean="0"/>
-              <a:t>The </a:t>
-            </a:r>
-            <a:r>
-              <a:rPr lang="en-US" dirty="0" err="1" smtClean="0"/>
-              <a:t>SP.RequestExecutor</a:t>
-            </a:r>
-            <a:r>
-              <a:rPr lang="en-US" dirty="0" smtClean="0"/>
-              <a:t> object uses the HTML5 </a:t>
-            </a:r>
-            <a:r>
-              <a:rPr lang="en-US" dirty="0" err="1" smtClean="0"/>
-              <a:t>postmessage</a:t>
-            </a:r>
-            <a:r>
-              <a:rPr lang="en-US" dirty="0" smtClean="0"/>
-              <a:t> command to send requests from the remote web</a:t>
-            </a:r>
-          </a:p>
-          <a:p>
-            <a:pPr marL="228600" indent="-228600">
-              <a:buAutoNum type="arabicPeriod"/>
-            </a:pPr>
-            <a:r>
-              <a:rPr lang="en-US" dirty="0" smtClean="0"/>
-              <a:t>The request is executed by the AppWebProxy.aspx page</a:t>
-            </a:r>
-          </a:p>
-          <a:p>
-            <a:pPr marL="228600" indent="-228600">
-              <a:buAutoNum type="arabicPeriod"/>
-            </a:pPr>
-            <a:r>
-              <a:rPr lang="en-US" dirty="0" smtClean="0"/>
-              <a:t>The response is returned</a:t>
+              <a:t>Makes it possible to call the app web or host web from JavaScript in the remote web</a:t>
             </a:r>
             <a:endParaRPr lang="en-US" dirty="0"/>
           </a:p>
@@ -2394,9 +2318,9 @@
           <a:bodyPr/>
           <a:lstStyle/>
           <a:p>
-            <a:fld id="{011330EA-3A2F-4AA6-9551-59328781FD06}" type="datetime1">
+            <a:fld id="{4ADE35DD-7265-41C6-9E2A-205ADF0B08D5}" type="datetime1">
               <a:rPr lang="en-US" smtClean="0"/>
-              <a:t>8/1/2014</a:t>
+              <a:t>8/4/2014</a:t>
             </a:fld>
             <a:endParaRPr lang="en-US"/>
           </a:p>
@@ -2419,7 +2343,7 @@
           <a:p>
             <a:fld id="{B4008EB6-D09E-4580-8CD6-DDB14511944F}" type="slidenum">
               <a:rPr lang="en-US" smtClean="0"/>
-              <a:t>24</a:t>
+              <a:t>22</a:t>
             </a:fld>
             <a:endParaRPr lang="en-US" dirty="0"/>
           </a:p>
@@ -2527,7 +2451,7 @@
     </p:spTree>
     <p:extLst>
       <p:ext uri="{BB962C8B-B14F-4D97-AF65-F5344CB8AC3E}">
-        <p14:creationId xmlns:p14="http://schemas.microsoft.com/office/powerpoint/2010/main" val="1504649696"/>
+        <p14:creationId xmlns:p14="http://schemas.microsoft.com/office/powerpoint/2010/main" val="2842563969"/>
       </p:ext>
     </p:extLst>
   </p:cSld>
@@ -2581,9 +2505,81 @@
           <a:bodyPr/>
           <a:lstStyle/>
           <a:p>
+            <a:pPr marL="228600" indent="-228600">
+              <a:buAutoNum type="arabicPeriod"/>
+            </a:pPr>
             <a:r>
               <a:rPr lang="en-US" dirty="0" smtClean="0"/>
-              <a:t>When calling the host web, you must switch the context</a:t>
+              <a:t>The remote web loads the SPRequestExecutor.js library</a:t>
+            </a:r>
+          </a:p>
+          <a:p>
+            <a:pPr marL="228600" indent="-228600">
+              <a:buAutoNum type="arabicPeriod"/>
+            </a:pPr>
+            <a:r>
+              <a:rPr lang="en-US" dirty="0" smtClean="0"/>
+              <a:t>The remote web create a new </a:t>
+            </a:r>
+            <a:r>
+              <a:rPr lang="en-US" dirty="0" err="1" smtClean="0"/>
+              <a:t>SP.RequestExecutor</a:t>
+            </a:r>
+            <a:r>
+              <a:rPr lang="en-US" dirty="0" smtClean="0"/>
+              <a:t> object, initializing it with the URL of the app web</a:t>
+            </a:r>
+          </a:p>
+          <a:p>
+            <a:pPr marL="228600" indent="-228600">
+              <a:buAutoNum type="arabicPeriod"/>
+            </a:pPr>
+            <a:r>
+              <a:rPr lang="en-US" dirty="0" smtClean="0"/>
+              <a:t>This causes a hidden IFRAME to be created, which loads APPWebProxy.aspx from the LAYOUTS directory</a:t>
+            </a:r>
+          </a:p>
+          <a:p>
+            <a:pPr marL="228600" indent="-228600">
+              <a:buAutoNum type="arabicPeriod"/>
+            </a:pPr>
+            <a:r>
+              <a:rPr lang="en-US" dirty="0" smtClean="0"/>
+              <a:t>The </a:t>
+            </a:r>
+            <a:r>
+              <a:rPr lang="en-US" dirty="0" err="1" smtClean="0"/>
+              <a:t>SP.RequestExecutor</a:t>
+            </a:r>
+            <a:r>
+              <a:rPr lang="en-US" dirty="0" smtClean="0"/>
+              <a:t> object uses the HTML5 </a:t>
+            </a:r>
+            <a:r>
+              <a:rPr lang="en-US" dirty="0" err="1" smtClean="0"/>
+              <a:t>postmessage</a:t>
+            </a:r>
+            <a:r>
+              <a:rPr lang="en-US" dirty="0" smtClean="0"/>
+              <a:t> command to send requests from the remote web</a:t>
+            </a:r>
+          </a:p>
+          <a:p>
+            <a:pPr marL="228600" indent="-228600">
+              <a:buAutoNum type="arabicPeriod"/>
+            </a:pPr>
+            <a:r>
+              <a:rPr lang="en-US" dirty="0" smtClean="0"/>
+              <a:t>The request is executed by the AppWebProxy.aspx page</a:t>
+            </a:r>
+          </a:p>
+          <a:p>
+            <a:pPr marL="228600" indent="-228600">
+              <a:buAutoNum type="arabicPeriod"/>
+            </a:pPr>
+            <a:r>
+              <a:rPr lang="en-US" dirty="0" smtClean="0"/>
+              <a:t>The response is returned</a:t>
             </a:r>
             <a:endParaRPr lang="en-US" dirty="0"/>
           </a:p>
@@ -2604,9 +2600,9 @@
           <a:bodyPr/>
           <a:lstStyle/>
           <a:p>
-            <a:fld id="{64C927B8-48AC-4209-AA95-18D990AB88E8}" type="datetime1">
+            <a:fld id="{011330EA-3A2F-4AA6-9551-59328781FD06}" type="datetime1">
               <a:rPr lang="en-US" smtClean="0"/>
-              <a:t>8/1/2014</a:t>
+              <a:t>8/4/2014</a:t>
             </a:fld>
             <a:endParaRPr lang="en-US"/>
           </a:p>
@@ -2629,7 +2625,7 @@
           <a:p>
             <a:fld id="{B4008EB6-D09E-4580-8CD6-DDB14511944F}" type="slidenum">
               <a:rPr lang="en-US" smtClean="0"/>
-              <a:t>25</a:t>
+              <a:t>24</a:t>
             </a:fld>
             <a:endParaRPr lang="en-US" dirty="0"/>
           </a:p>
@@ -2737,7 +2733,7 @@
     </p:spTree>
     <p:extLst>
       <p:ext uri="{BB962C8B-B14F-4D97-AF65-F5344CB8AC3E}">
-        <p14:creationId xmlns:p14="http://schemas.microsoft.com/office/powerpoint/2010/main" val="279782320"/>
+        <p14:creationId xmlns:p14="http://schemas.microsoft.com/office/powerpoint/2010/main" val="1504649696"/>
       </p:ext>
     </p:extLst>
   </p:cSld>
@@ -2791,29 +2787,10 @@
           <a:bodyPr/>
           <a:lstStyle/>
           <a:p>
-            <a:pPr marL="0" marR="0" indent="0" algn="l" defTabSz="914363" rtl="0" eaLnBrk="1" fontAlgn="auto" latinLnBrk="0" hangingPunct="1">
-              <a:lnSpc>
-                <a:spcPct val="90000"/>
-              </a:lnSpc>
-              <a:spcBef>
-                <a:spcPts val="0"/>
-              </a:spcBef>
-              <a:spcAft>
-                <a:spcPts val="333"/>
-              </a:spcAft>
-              <a:buClrTx/>
-              <a:buSzTx/>
-              <a:buFontTx/>
-              <a:buNone/>
-              <a:tabLst/>
-              <a:defRPr/>
-            </a:pPr>
             <a:r>
               <a:rPr lang="en-US" dirty="0" smtClean="0"/>
               <a:t>When calling the host web, you must switch the context</a:t>
             </a:r>
-          </a:p>
-          <a:p>
             <a:endParaRPr lang="en-US" dirty="0"/>
           </a:p>
         </p:txBody>
@@ -2833,9 +2810,9 @@
           <a:bodyPr/>
           <a:lstStyle/>
           <a:p>
-            <a:fld id="{BC8BD616-3C53-4769-B049-3FE930DDEF97}" type="datetime1">
+            <a:fld id="{64C927B8-48AC-4209-AA95-18D990AB88E8}" type="datetime1">
               <a:rPr lang="en-US" smtClean="0"/>
-              <a:t>8/1/2014</a:t>
+              <a:t>8/4/2014</a:t>
             </a:fld>
             <a:endParaRPr lang="en-US"/>
           </a:p>
@@ -2858,7 +2835,7 @@
           <a:p>
             <a:fld id="{B4008EB6-D09E-4580-8CD6-DDB14511944F}" type="slidenum">
               <a:rPr lang="en-US" smtClean="0"/>
-              <a:t>26</a:t>
+              <a:t>25</a:t>
             </a:fld>
             <a:endParaRPr lang="en-US" dirty="0"/>
           </a:p>
@@ -2966,7 +2943,7 @@
     </p:spTree>
     <p:extLst>
       <p:ext uri="{BB962C8B-B14F-4D97-AF65-F5344CB8AC3E}">
-        <p14:creationId xmlns:p14="http://schemas.microsoft.com/office/powerpoint/2010/main" val="3143704054"/>
+        <p14:creationId xmlns:p14="http://schemas.microsoft.com/office/powerpoint/2010/main" val="279782320"/>
       </p:ext>
     </p:extLst>
   </p:cSld>
@@ -3020,6 +2997,29 @@
           <a:bodyPr/>
           <a:lstStyle/>
           <a:p>
+            <a:pPr marL="0" marR="0" indent="0" algn="l" defTabSz="914363" rtl="0" eaLnBrk="1" fontAlgn="auto" latinLnBrk="0" hangingPunct="1">
+              <a:lnSpc>
+                <a:spcPct val="90000"/>
+              </a:lnSpc>
+              <a:spcBef>
+                <a:spcPts val="0"/>
+              </a:spcBef>
+              <a:spcAft>
+                <a:spcPts val="333"/>
+              </a:spcAft>
+              <a:buClrTx/>
+              <a:buSzTx/>
+              <a:buFontTx/>
+              <a:buNone/>
+              <a:tabLst/>
+              <a:defRPr/>
+            </a:pPr>
+            <a:r>
+              <a:rPr lang="en-US" dirty="0" smtClean="0"/>
+              <a:t>When calling the host web, you must switch the context</a:t>
+            </a:r>
+          </a:p>
+          <a:p>
             <a:endParaRPr lang="en-US" dirty="0"/>
           </a:p>
         </p:txBody>
@@ -3039,9 +3039,9 @@
           <a:bodyPr/>
           <a:lstStyle/>
           <a:p>
-            <a:fld id="{6DFBD1BE-6A4F-4D98-BF0B-ADDB5A85FBE3}" type="datetime1">
+            <a:fld id="{BC8BD616-3C53-4769-B049-3FE930DDEF97}" type="datetime1">
               <a:rPr lang="en-US" smtClean="0"/>
-              <a:t>8/1/2014</a:t>
+              <a:t>8/4/2014</a:t>
             </a:fld>
             <a:endParaRPr lang="en-US"/>
           </a:p>
@@ -3064,7 +3064,7 @@
           <a:p>
             <a:fld id="{B4008EB6-D09E-4580-8CD6-DDB14511944F}" type="slidenum">
               <a:rPr lang="en-US" smtClean="0"/>
-              <a:t>27</a:t>
+              <a:t>26</a:t>
             </a:fld>
             <a:endParaRPr lang="en-US" dirty="0"/>
           </a:p>
@@ -3172,7 +3172,7 @@
     </p:spTree>
     <p:extLst>
       <p:ext uri="{BB962C8B-B14F-4D97-AF65-F5344CB8AC3E}">
-        <p14:creationId xmlns:p14="http://schemas.microsoft.com/office/powerpoint/2010/main" val="483350293"/>
+        <p14:creationId xmlns:p14="http://schemas.microsoft.com/office/powerpoint/2010/main" val="3143704054"/>
       </p:ext>
     </p:extLst>
   </p:cSld>
@@ -3226,20 +3226,6 @@
           <a:bodyPr/>
           <a:lstStyle/>
           <a:p>
-            <a:r>
-              <a:rPr lang="en-US" dirty="0" smtClean="0"/>
-              <a:t>When you create a remote web, it’s nice to have it borrow some of the characteristics of the host web</a:t>
-            </a:r>
-          </a:p>
-          <a:p>
-            <a:r>
-              <a:rPr lang="en-US" dirty="0" smtClean="0"/>
-              <a:t>This way, it doesn’t surprise</a:t>
-            </a:r>
-            <a:r>
-              <a:rPr lang="en-US" baseline="0" dirty="0" smtClean="0"/>
-              <a:t> the user by changing the UI drastically</a:t>
-            </a:r>
             <a:endParaRPr lang="en-US" dirty="0"/>
           </a:p>
         </p:txBody>
@@ -3259,9 +3245,9 @@
           <a:bodyPr/>
           <a:lstStyle/>
           <a:p>
-            <a:fld id="{14FCA8DF-D437-4F44-A7FA-1D633C225705}" type="datetime1">
+            <a:fld id="{6DFBD1BE-6A4F-4D98-BF0B-ADDB5A85FBE3}" type="datetime1">
               <a:rPr lang="en-US" smtClean="0"/>
-              <a:t>8/1/2014</a:t>
+              <a:t>8/4/2014</a:t>
             </a:fld>
             <a:endParaRPr lang="en-US"/>
           </a:p>
@@ -3284,7 +3270,7 @@
           <a:p>
             <a:fld id="{B4008EB6-D09E-4580-8CD6-DDB14511944F}" type="slidenum">
               <a:rPr lang="en-US" smtClean="0"/>
-              <a:t>29</a:t>
+              <a:t>27</a:t>
             </a:fld>
             <a:endParaRPr lang="en-US" dirty="0"/>
           </a:p>
@@ -3392,7 +3378,7 @@
     </p:spTree>
     <p:extLst>
       <p:ext uri="{BB962C8B-B14F-4D97-AF65-F5344CB8AC3E}">
-        <p14:creationId xmlns:p14="http://schemas.microsoft.com/office/powerpoint/2010/main" val="1296623883"/>
+        <p14:creationId xmlns:p14="http://schemas.microsoft.com/office/powerpoint/2010/main" val="483350293"/>
       </p:ext>
     </p:extLst>
   </p:cSld>
@@ -3521,7 +3507,7 @@
           <a:p>
             <a:fld id="{B079C3B8-7366-4A44-A34B-3977080C19E7}" type="datetime1">
               <a:rPr lang="en-US" smtClean="0"/>
-              <a:t>8/1/2014</a:t>
+              <a:t>8/4/2014</a:t>
             </a:fld>
             <a:endParaRPr lang="en-US" dirty="0"/>
           </a:p>
@@ -3633,35 +3619,17 @@
           <a:p>
             <a:r>
               <a:rPr lang="en-US" dirty="0" smtClean="0"/>
-              <a:t>Create a div tag</a:t>
+              <a:t>When you create a remote web, it’s nice to have it borrow some of the characteristics of the host web</a:t>
             </a:r>
           </a:p>
           <a:p>
             <a:r>
               <a:rPr lang="en-US" dirty="0" smtClean="0"/>
-              <a:t>Use the attributes data-</a:t>
-            </a:r>
-            <a:r>
-              <a:rPr lang="en-US" dirty="0" err="1" smtClean="0"/>
-              <a:t>ms</a:t>
-            </a:r>
-            <a:r>
-              <a:rPr lang="en-US" dirty="0" smtClean="0"/>
-              <a:t>-control and data-</a:t>
-            </a:r>
-            <a:r>
-              <a:rPr lang="en-US" dirty="0" err="1" smtClean="0"/>
-              <a:t>ms</a:t>
-            </a:r>
-            <a:r>
-              <a:rPr lang="en-US" dirty="0" smtClean="0"/>
-              <a:t>-options</a:t>
-            </a:r>
-          </a:p>
-          <a:p>
-            <a:r>
-              <a:rPr lang="en-US" dirty="0" smtClean="0"/>
-              <a:t>The chrome control will look for these attributes and render itself in this div</a:t>
+              <a:t>This way, it doesn’t surprise</a:t>
+            </a:r>
+            <a:r>
+              <a:rPr lang="en-US" baseline="0" dirty="0" smtClean="0"/>
+              <a:t> the user by changing the UI drastically</a:t>
             </a:r>
             <a:endParaRPr lang="en-US" dirty="0"/>
           </a:p>
@@ -3682,9 +3650,9 @@
           <a:bodyPr/>
           <a:lstStyle/>
           <a:p>
-            <a:fld id="{A889F05F-80B9-41D3-BF23-A8E444F74255}" type="datetime1">
+            <a:fld id="{14FCA8DF-D437-4F44-A7FA-1D633C225705}" type="datetime1">
               <a:rPr lang="en-US" smtClean="0"/>
-              <a:t>8/1/2014</a:t>
+              <a:t>8/4/2014</a:t>
             </a:fld>
             <a:endParaRPr lang="en-US"/>
           </a:p>
@@ -3707,7 +3675,7 @@
           <a:p>
             <a:fld id="{B4008EB6-D09E-4580-8CD6-DDB14511944F}" type="slidenum">
               <a:rPr lang="en-US" smtClean="0"/>
-              <a:t>31</a:t>
+              <a:t>29</a:t>
             </a:fld>
             <a:endParaRPr lang="en-US" dirty="0"/>
           </a:p>
@@ -3815,7 +3783,7 @@
     </p:spTree>
     <p:extLst>
       <p:ext uri="{BB962C8B-B14F-4D97-AF65-F5344CB8AC3E}">
-        <p14:creationId xmlns:p14="http://schemas.microsoft.com/office/powerpoint/2010/main" val="557417589"/>
+        <p14:creationId xmlns:p14="http://schemas.microsoft.com/office/powerpoint/2010/main" val="1296623883"/>
       </p:ext>
     </p:extLst>
   </p:cSld>
@@ -3871,23 +3839,35 @@
           <a:p>
             <a:r>
               <a:rPr lang="en-US" dirty="0" smtClean="0"/>
-              <a:t>Here a new chrome control is created in code</a:t>
+              <a:t>Create a div tag</a:t>
             </a:r>
           </a:p>
           <a:p>
             <a:r>
               <a:rPr lang="en-US" dirty="0" smtClean="0"/>
-              <a:t>When created, it</a:t>
-            </a:r>
-            <a:r>
-              <a:rPr lang="en-US" baseline="0" dirty="0" smtClean="0"/>
-              <a:t> expects you to supply the options and the ID of the div where it should render</a:t>
-            </a:r>
-          </a:p>
-          <a:p>
-            <a:r>
-              <a:rPr lang="en-US" baseline="0" dirty="0" smtClean="0"/>
-              <a:t>Then it renders itself in the div</a:t>
+              <a:t>Use the attributes data-</a:t>
+            </a:r>
+            <a:r>
+              <a:rPr lang="en-US" dirty="0" err="1" smtClean="0"/>
+              <a:t>ms</a:t>
+            </a:r>
+            <a:r>
+              <a:rPr lang="en-US" dirty="0" smtClean="0"/>
+              <a:t>-control and data-</a:t>
+            </a:r>
+            <a:r>
+              <a:rPr lang="en-US" dirty="0" err="1" smtClean="0"/>
+              <a:t>ms</a:t>
+            </a:r>
+            <a:r>
+              <a:rPr lang="en-US" dirty="0" smtClean="0"/>
+              <a:t>-options</a:t>
+            </a:r>
+          </a:p>
+          <a:p>
+            <a:r>
+              <a:rPr lang="en-US" dirty="0" smtClean="0"/>
+              <a:t>The chrome control will look for these attributes and render itself in this div</a:t>
             </a:r>
             <a:endParaRPr lang="en-US" dirty="0"/>
           </a:p>
@@ -3908,9 +3888,9 @@
           <a:bodyPr/>
           <a:lstStyle/>
           <a:p>
-            <a:fld id="{312D89D2-8BAD-4162-8E57-B687236DD4F5}" type="datetime1">
+            <a:fld id="{A889F05F-80B9-41D3-BF23-A8E444F74255}" type="datetime1">
               <a:rPr lang="en-US" smtClean="0"/>
-              <a:t>8/1/2014</a:t>
+              <a:t>8/4/2014</a:t>
             </a:fld>
             <a:endParaRPr lang="en-US"/>
           </a:p>
@@ -3933,7 +3913,7 @@
           <a:p>
             <a:fld id="{B4008EB6-D09E-4580-8CD6-DDB14511944F}" type="slidenum">
               <a:rPr lang="en-US" smtClean="0"/>
-              <a:t>32</a:t>
+              <a:t>31</a:t>
             </a:fld>
             <a:endParaRPr lang="en-US" dirty="0"/>
           </a:p>
@@ -4041,7 +4021,7 @@
     </p:spTree>
     <p:extLst>
       <p:ext uri="{BB962C8B-B14F-4D97-AF65-F5344CB8AC3E}">
-        <p14:creationId xmlns:p14="http://schemas.microsoft.com/office/powerpoint/2010/main" val="2775110973"/>
+        <p14:creationId xmlns:p14="http://schemas.microsoft.com/office/powerpoint/2010/main" val="557417589"/>
       </p:ext>
     </p:extLst>
   </p:cSld>
@@ -4095,6 +4075,26 @@
           <a:bodyPr/>
           <a:lstStyle/>
           <a:p>
+            <a:r>
+              <a:rPr lang="en-US" dirty="0" smtClean="0"/>
+              <a:t>Here a new chrome control is created in code</a:t>
+            </a:r>
+          </a:p>
+          <a:p>
+            <a:r>
+              <a:rPr lang="en-US" dirty="0" smtClean="0"/>
+              <a:t>When created, it</a:t>
+            </a:r>
+            <a:r>
+              <a:rPr lang="en-US" baseline="0" dirty="0" smtClean="0"/>
+              <a:t> expects you to supply the options and the ID of the div where it should render</a:t>
+            </a:r>
+          </a:p>
+          <a:p>
+            <a:r>
+              <a:rPr lang="en-US" baseline="0" dirty="0" smtClean="0"/>
+              <a:t>Then it renders itself in the div</a:t>
+            </a:r>
             <a:endParaRPr lang="en-US" dirty="0"/>
           </a:p>
         </p:txBody>
@@ -4114,9 +4114,9 @@
           <a:bodyPr/>
           <a:lstStyle/>
           <a:p>
-            <a:fld id="{6DFBD1BE-6A4F-4D98-BF0B-ADDB5A85FBE3}" type="datetime1">
+            <a:fld id="{312D89D2-8BAD-4162-8E57-B687236DD4F5}" type="datetime1">
               <a:rPr lang="en-US" smtClean="0"/>
-              <a:t>8/1/2014</a:t>
+              <a:t>8/4/2014</a:t>
             </a:fld>
             <a:endParaRPr lang="en-US"/>
           </a:p>
@@ -4139,7 +4139,7 @@
           <a:p>
             <a:fld id="{B4008EB6-D09E-4580-8CD6-DDB14511944F}" type="slidenum">
               <a:rPr lang="en-US" smtClean="0"/>
-              <a:t>33</a:t>
+              <a:t>32</a:t>
             </a:fld>
             <a:endParaRPr lang="en-US" dirty="0"/>
           </a:p>
@@ -4247,7 +4247,7 @@
     </p:spTree>
     <p:extLst>
       <p:ext uri="{BB962C8B-B14F-4D97-AF65-F5344CB8AC3E}">
-        <p14:creationId xmlns:p14="http://schemas.microsoft.com/office/powerpoint/2010/main" val="2667516962"/>
+        <p14:creationId xmlns:p14="http://schemas.microsoft.com/office/powerpoint/2010/main" val="2775110973"/>
       </p:ext>
     </p:extLst>
   </p:cSld>
@@ -4301,48 +4301,6 @@
           <a:bodyPr/>
           <a:lstStyle/>
           <a:p>
-            <a:r>
-              <a:rPr lang="en-US" dirty="0" smtClean="0"/>
-              <a:t>The event handler infrastructure follows the same pattern as</a:t>
-            </a:r>
-            <a:r>
-              <a:rPr lang="en-US" baseline="0" dirty="0" smtClean="0"/>
-              <a:t> the in-process handlers of old</a:t>
-            </a:r>
-          </a:p>
-          <a:p>
-            <a:r>
-              <a:rPr lang="en-US" baseline="0" dirty="0" smtClean="0"/>
-              <a:t>We have both “before” and “after” event</a:t>
-            </a:r>
-          </a:p>
-          <a:p>
-            <a:r>
-              <a:rPr lang="en-US" baseline="0" dirty="0" smtClean="0"/>
-              <a:t>These are also known as “ING” and “ED” events like “</a:t>
-            </a:r>
-            <a:r>
-              <a:rPr lang="en-US" baseline="0" dirty="0" err="1" smtClean="0"/>
-              <a:t>ItemAdding</a:t>
-            </a:r>
-            <a:r>
-              <a:rPr lang="en-US" baseline="0" dirty="0" smtClean="0"/>
-              <a:t>” and “</a:t>
-            </a:r>
-            <a:r>
-              <a:rPr lang="en-US" baseline="0" dirty="0" err="1" smtClean="0"/>
-              <a:t>ItemAdded</a:t>
-            </a:r>
-            <a:r>
-              <a:rPr lang="en-US" baseline="0" dirty="0" smtClean="0"/>
-              <a:t>”</a:t>
-            </a:r>
-          </a:p>
-          <a:p>
-            <a:r>
-              <a:rPr lang="en-US" baseline="0" dirty="0" smtClean="0"/>
-              <a:t>Two-way events are synchronous</a:t>
-            </a:r>
             <a:endParaRPr lang="en-US" dirty="0"/>
           </a:p>
         </p:txBody>
@@ -4362,9 +4320,9 @@
           <a:bodyPr/>
           <a:lstStyle/>
           <a:p>
-            <a:fld id="{381A498E-1F91-490C-B0FC-CB0211CC8B4D}" type="datetime1">
+            <a:fld id="{6DFBD1BE-6A4F-4D98-BF0B-ADDB5A85FBE3}" type="datetime1">
               <a:rPr lang="en-US" smtClean="0"/>
-              <a:t>8/1/2014</a:t>
+              <a:t>8/4/2014</a:t>
             </a:fld>
             <a:endParaRPr lang="en-US"/>
           </a:p>
@@ -4387,7 +4345,7 @@
           <a:p>
             <a:fld id="{B4008EB6-D09E-4580-8CD6-DDB14511944F}" type="slidenum">
               <a:rPr lang="en-US" smtClean="0"/>
-              <a:t>35</a:t>
+              <a:t>33</a:t>
             </a:fld>
             <a:endParaRPr lang="en-US" dirty="0"/>
           </a:p>
@@ -4495,7 +4453,7 @@
     </p:spTree>
     <p:extLst>
       <p:ext uri="{BB962C8B-B14F-4D97-AF65-F5344CB8AC3E}">
-        <p14:creationId xmlns:p14="http://schemas.microsoft.com/office/powerpoint/2010/main" val="2772282231"/>
+        <p14:creationId xmlns:p14="http://schemas.microsoft.com/office/powerpoint/2010/main" val="2667516962"/>
       </p:ext>
     </p:extLst>
   </p:cSld>
@@ -4549,6 +4507,48 @@
           <a:bodyPr/>
           <a:lstStyle/>
           <a:p>
+            <a:r>
+              <a:rPr lang="en-US" dirty="0" smtClean="0"/>
+              <a:t>The event handler infrastructure follows the same pattern as</a:t>
+            </a:r>
+            <a:r>
+              <a:rPr lang="en-US" baseline="0" dirty="0" smtClean="0"/>
+              <a:t> the in-process handlers of old</a:t>
+            </a:r>
+          </a:p>
+          <a:p>
+            <a:r>
+              <a:rPr lang="en-US" baseline="0" dirty="0" smtClean="0"/>
+              <a:t>We have both “before” and “after” event</a:t>
+            </a:r>
+          </a:p>
+          <a:p>
+            <a:r>
+              <a:rPr lang="en-US" baseline="0" dirty="0" smtClean="0"/>
+              <a:t>These are also known as “ING” and “ED” events like “</a:t>
+            </a:r>
+            <a:r>
+              <a:rPr lang="en-US" baseline="0" dirty="0" err="1" smtClean="0"/>
+              <a:t>ItemAdding</a:t>
+            </a:r>
+            <a:r>
+              <a:rPr lang="en-US" baseline="0" dirty="0" smtClean="0"/>
+              <a:t>” and “</a:t>
+            </a:r>
+            <a:r>
+              <a:rPr lang="en-US" baseline="0" dirty="0" err="1" smtClean="0"/>
+              <a:t>ItemAdded</a:t>
+            </a:r>
+            <a:r>
+              <a:rPr lang="en-US" baseline="0" dirty="0" smtClean="0"/>
+              <a:t>”</a:t>
+            </a:r>
+          </a:p>
+          <a:p>
+            <a:r>
+              <a:rPr lang="en-US" baseline="0" dirty="0" smtClean="0"/>
+              <a:t>Two-way events are synchronous</a:t>
+            </a:r>
             <a:endParaRPr lang="en-US" dirty="0"/>
           </a:p>
         </p:txBody>
@@ -4568,9 +4568,9 @@
           <a:bodyPr/>
           <a:lstStyle/>
           <a:p>
-            <a:fld id="{6DFBD1BE-6A4F-4D98-BF0B-ADDB5A85FBE3}" type="datetime1">
+            <a:fld id="{381A498E-1F91-490C-B0FC-CB0211CC8B4D}" type="datetime1">
               <a:rPr lang="en-US" smtClean="0"/>
-              <a:t>8/1/2014</a:t>
+              <a:t>8/4/2014</a:t>
             </a:fld>
             <a:endParaRPr lang="en-US"/>
           </a:p>
@@ -4593,7 +4593,7 @@
           <a:p>
             <a:fld id="{B4008EB6-D09E-4580-8CD6-DDB14511944F}" type="slidenum">
               <a:rPr lang="en-US" smtClean="0"/>
-              <a:t>42</a:t>
+              <a:t>35</a:t>
             </a:fld>
             <a:endParaRPr lang="en-US" dirty="0"/>
           </a:p>
@@ -4701,7 +4701,7 @@
     </p:spTree>
     <p:extLst>
       <p:ext uri="{BB962C8B-B14F-4D97-AF65-F5344CB8AC3E}">
-        <p14:creationId xmlns:p14="http://schemas.microsoft.com/office/powerpoint/2010/main" val="4086493756"/>
+        <p14:creationId xmlns:p14="http://schemas.microsoft.com/office/powerpoint/2010/main" val="2772282231"/>
       </p:ext>
     </p:extLst>
   </p:cSld>
@@ -4755,6 +4755,212 @@
           <a:bodyPr/>
           <a:lstStyle/>
           <a:p>
+            <a:endParaRPr lang="en-US" dirty="0"/>
+          </a:p>
+        </p:txBody>
+      </p:sp>
+      <p:sp>
+        <p:nvSpPr>
+          <p:cNvPr id="4" name="Date Placeholder 3"/>
+          <p:cNvSpPr>
+            <a:spLocks noGrp="1"/>
+          </p:cNvSpPr>
+          <p:nvPr>
+            <p:ph type="dt" idx="10"/>
+          </p:nvPr>
+        </p:nvSpPr>
+        <p:spPr/>
+        <p:txBody>
+          <a:bodyPr/>
+          <a:lstStyle/>
+          <a:p>
+            <a:fld id="{6DFBD1BE-6A4F-4D98-BF0B-ADDB5A85FBE3}" type="datetime1">
+              <a:rPr lang="en-US" smtClean="0"/>
+              <a:t>8/4/2014</a:t>
+            </a:fld>
+            <a:endParaRPr lang="en-US"/>
+          </a:p>
+        </p:txBody>
+      </p:sp>
+      <p:sp>
+        <p:nvSpPr>
+          <p:cNvPr id="5" name="Slide Number Placeholder 4"/>
+          <p:cNvSpPr>
+            <a:spLocks noGrp="1"/>
+          </p:cNvSpPr>
+          <p:nvPr>
+            <p:ph type="sldNum" sz="quarter" idx="11"/>
+          </p:nvPr>
+        </p:nvSpPr>
+        <p:spPr/>
+        <p:txBody>
+          <a:bodyPr/>
+          <a:lstStyle/>
+          <a:p>
+            <a:fld id="{B4008EB6-D09E-4580-8CD6-DDB14511944F}" type="slidenum">
+              <a:rPr lang="en-US" smtClean="0"/>
+              <a:t>42</a:t>
+            </a:fld>
+            <a:endParaRPr lang="en-US" dirty="0"/>
+          </a:p>
+        </p:txBody>
+      </p:sp>
+      <p:sp>
+        <p:nvSpPr>
+          <p:cNvPr id="6" name="Header Placeholder 5"/>
+          <p:cNvSpPr>
+            <a:spLocks noGrp="1"/>
+          </p:cNvSpPr>
+          <p:nvPr>
+            <p:ph type="hdr" sz="quarter" idx="12"/>
+          </p:nvPr>
+        </p:nvSpPr>
+        <p:spPr/>
+        <p:txBody>
+          <a:bodyPr/>
+          <a:lstStyle/>
+          <a:p>
+            <a:r>
+              <a:rPr lang="en-US" smtClean="0"/>
+              <a:t>Microsoft Office</a:t>
+            </a:r>
+            <a:endParaRPr lang="en-US" dirty="0"/>
+          </a:p>
+        </p:txBody>
+      </p:sp>
+      <p:sp>
+        <p:nvSpPr>
+          <p:cNvPr id="7" name="Footer Placeholder 6"/>
+          <p:cNvSpPr>
+            <a:spLocks noGrp="1"/>
+          </p:cNvSpPr>
+          <p:nvPr>
+            <p:ph type="ftr" sz="quarter" idx="13"/>
+          </p:nvPr>
+        </p:nvSpPr>
+        <p:spPr/>
+        <p:txBody>
+          <a:bodyPr/>
+          <a:lstStyle/>
+          <a:p>
+            <a:pPr marL="231775" defTabSz="914099" eaLnBrk="0" hangingPunct="0"/>
+            <a:r>
+              <a:rPr lang="en-US" sz="500" smtClean="0">
+                <a:gradFill>
+                  <a:gsLst>
+                    <a:gs pos="0">
+                      <a:schemeClr val="tx1"/>
+                    </a:gs>
+                    <a:gs pos="100000">
+                      <a:schemeClr val="tx1"/>
+                    </a:gs>
+                  </a:gsLst>
+                  <a:lin ang="5400000" scaled="0"/>
+                </a:gradFill>
+                <a:latin typeface="Segoe UI" pitchFamily="34" charset="0"/>
+                <a:ea typeface="Segoe UI" pitchFamily="34" charset="0"/>
+                <a:cs typeface="Segoe UI" pitchFamily="34" charset="0"/>
+              </a:rPr>
+              <a:t>© 2012 Microsoft Corporation. All rights reserved. Microsoft, Windows, and other product names are or may be registered trademarks and/or trademarks in the U.S. and/or other countries.</a:t>
+            </a:r>
+          </a:p>
+          <a:p>
+            <a:pPr marL="231775" defTabSz="914099" eaLnBrk="0" hangingPunct="0"/>
+            <a:r>
+              <a:rPr lang="en-US" sz="500" smtClean="0">
+                <a:gradFill>
+                  <a:gsLst>
+                    <a:gs pos="0">
+                      <a:schemeClr val="tx1"/>
+                    </a:gs>
+                    <a:gs pos="100000">
+                      <a:schemeClr val="tx1"/>
+                    </a:gs>
+                  </a:gsLst>
+                  <a:lin ang="5400000" scaled="0"/>
+                </a:gradFill>
+                <a:latin typeface="Segoe UI" pitchFamily="34" charset="0"/>
+                <a:ea typeface="Segoe UI" pitchFamily="34" charset="0"/>
+                <a:cs typeface="Segoe UI" pitchFamily="34" charset="0"/>
+              </a:rPr>
+              <a:t>The information herein is for informational purposes only and represents the current view of Microsoft Corporation as of the date of this presentation.  Because Microsoft must respond to changing market conditions, it should not be interpreted to be a commitment on the part of Microsoft, and Microsoft cannot guarantee the accuracy of any information provided after the date of this presentation.  MICROSOFT MAKES NO WARRANTIES, EXPRESS, IMPLIED OR STATUTORY, AS TO THE INFORMATION IN THIS PRESENTATION.</a:t>
+            </a:r>
+            <a:endParaRPr lang="en-US" sz="500" dirty="0">
+              <a:gradFill>
+                <a:gsLst>
+                  <a:gs pos="0">
+                    <a:schemeClr val="tx1"/>
+                  </a:gs>
+                  <a:gs pos="100000">
+                    <a:schemeClr val="tx1"/>
+                  </a:gs>
+                </a:gsLst>
+                <a:lin ang="5400000" scaled="0"/>
+              </a:gradFill>
+              <a:latin typeface="Segoe UI" pitchFamily="34" charset="0"/>
+              <a:ea typeface="Segoe UI" pitchFamily="34" charset="0"/>
+              <a:cs typeface="Segoe UI" pitchFamily="34" charset="0"/>
+            </a:endParaRPr>
+          </a:p>
+        </p:txBody>
+      </p:sp>
+    </p:spTree>
+    <p:extLst>
+      <p:ext uri="{BB962C8B-B14F-4D97-AF65-F5344CB8AC3E}">
+        <p14:creationId xmlns:p14="http://schemas.microsoft.com/office/powerpoint/2010/main" val="4086493756"/>
+      </p:ext>
+    </p:extLst>
+  </p:cSld>
+  <p:clrMapOvr>
+    <a:masterClrMapping/>
+  </p:clrMapOvr>
+</p:notes>
+</file>
+
+<file path=ppt/notesSlides/notesSlide26.xml><?xml version="1.0" encoding="utf-8"?>
+<p:notes xmlns:a="http://schemas.openxmlformats.org/drawingml/2006/main" xmlns:r="http://schemas.openxmlformats.org/officeDocument/2006/relationships" xmlns:p="http://schemas.openxmlformats.org/presentationml/2006/main">
+  <p:cSld>
+    <p:spTree>
+      <p:nvGrpSpPr>
+        <p:cNvPr id="1" name=""/>
+        <p:cNvGrpSpPr/>
+        <p:nvPr/>
+      </p:nvGrpSpPr>
+      <p:grpSpPr>
+        <a:xfrm>
+          <a:off x="0" y="0"/>
+          <a:ext cx="0" cy="0"/>
+          <a:chOff x="0" y="0"/>
+          <a:chExt cx="0" cy="0"/>
+        </a:xfrm>
+      </p:grpSpPr>
+      <p:sp>
+        <p:nvSpPr>
+          <p:cNvPr id="2" name="Slide Image Placeholder 1"/>
+          <p:cNvSpPr>
+            <a:spLocks noGrp="1" noRot="1" noChangeAspect="1"/>
+          </p:cNvSpPr>
+          <p:nvPr>
+            <p:ph type="sldImg"/>
+          </p:nvPr>
+        </p:nvSpPr>
+        <p:spPr/>
+      </p:sp>
+      <p:sp>
+        <p:nvSpPr>
+          <p:cNvPr id="3" name="Notes Placeholder 2"/>
+          <p:cNvSpPr>
+            <a:spLocks noGrp="1"/>
+          </p:cNvSpPr>
+          <p:nvPr>
+            <p:ph type="body" idx="1"/>
+          </p:nvPr>
+        </p:nvSpPr>
+        <p:spPr/>
+        <p:txBody>
+          <a:bodyPr/>
+          <a:lstStyle/>
+          <a:p>
             <a:endParaRPr lang="en-US"/>
           </a:p>
         </p:txBody>
@@ -4887,7 +5093,7 @@
           <a:p>
             <a:fld id="{0BB6559B-C68D-49B4-97AE-9BB74C417927}" type="datetime1">
               <a:rPr lang="en-US" smtClean="0"/>
-              <a:t>8/1/2014</a:t>
+              <a:t>8/4/2014</a:t>
             </a:fld>
             <a:endParaRPr lang="en-US"/>
           </a:p>
@@ -5038,7 +5244,7 @@
           <a:p>
             <a:fld id="{0C3C20F7-22CF-4B06-A2C4-710BBA74F6A5}" type="datetime1">
               <a:rPr lang="en-US" smtClean="0"/>
-              <a:t>8/1/2014</a:t>
+              <a:t>8/4/2014</a:t>
             </a:fld>
             <a:endParaRPr lang="en-US"/>
           </a:p>
@@ -5280,7 +5486,7 @@
           <a:p>
             <a:fld id="{0C3C20F7-22CF-4B06-A2C4-710BBA74F6A5}" type="datetime1">
               <a:rPr lang="en-US" smtClean="0"/>
-              <a:t>8/1/2014</a:t>
+              <a:t>8/4/2014</a:t>
             </a:fld>
             <a:endParaRPr lang="en-US"/>
           </a:p>
@@ -5486,7 +5692,7 @@
           <a:p>
             <a:fld id="{6E50E453-F0F1-4F28-9386-D0CC835A3436}" type="datetime1">
               <a:rPr lang="en-US" smtClean="0"/>
-              <a:t>8/1/2014</a:t>
+              <a:t>8/4/2014</a:t>
             </a:fld>
             <a:endParaRPr lang="en-US"/>
           </a:p>
@@ -5712,7 +5918,7 @@
           <a:p>
             <a:fld id="{C032A2CD-423F-467E-9AF6-DEA41E45D21C}" type="datetime1">
               <a:rPr lang="en-US" smtClean="0"/>
-              <a:t>8/1/2014</a:t>
+              <a:t>8/4/2014</a:t>
             </a:fld>
             <a:endParaRPr lang="en-US"/>
           </a:p>
@@ -5998,7 +6204,7 @@
           <a:p>
             <a:fld id="{09D58FB4-9AD0-481B-8C84-A17E43C7859F}" type="datetime1">
               <a:rPr lang="en-US" smtClean="0"/>
-              <a:t>8/1/2014</a:t>
+              <a:t>8/4/2014</a:t>
             </a:fld>
             <a:endParaRPr lang="en-US"/>
           </a:p>
@@ -6240,7 +6446,7 @@
           <a:p>
             <a:fld id="{89BD0C63-4500-46F0-B671-0411AD55F261}" type="datetime1">
               <a:rPr lang="en-US" smtClean="0"/>
-              <a:t>8/1/2014</a:t>
+              <a:t>8/4/2014</a:t>
             </a:fld>
             <a:endParaRPr lang="en-US"/>
           </a:p>
@@ -6483,7 +6689,7 @@
           <a:p>
             <a:fld id="{71F2E3B6-EB4C-45C4-A447-56FB08D12314}" type="datetime1">
               <a:rPr lang="en-US" smtClean="0"/>
-              <a:t>8/1/2014</a:t>
+              <a:t>8/4/2014</a:t>
             </a:fld>
             <a:endParaRPr lang="en-US"/>
           </a:p>
@@ -17630,11 +17836,7 @@
           <a:p>
             <a:r>
               <a:rPr lang="en-US" dirty="0" smtClean="0"/>
-              <a:t>Managing </a:t>
-            </a:r>
-            <a:r>
-              <a:rPr lang="en-US" dirty="0" smtClean="0"/>
-              <a:t>SharePoint Context</a:t>
+              <a:t>Managing SharePoint Context</a:t>
             </a:r>
             <a:endParaRPr lang="en-US" dirty="0"/>
           </a:p>
@@ -17818,11 +18020,7 @@
           <a:p>
             <a:r>
               <a:rPr lang="en-US" dirty="0" smtClean="0"/>
-              <a:t>Managing </a:t>
-            </a:r>
-            <a:r>
-              <a:rPr lang="en-US" dirty="0" smtClean="0"/>
-              <a:t>Security Tokens</a:t>
+              <a:t>Managing Security Tokens</a:t>
             </a:r>
             <a:endParaRPr lang="en-US" dirty="0"/>
           </a:p>
@@ -18058,14 +18256,14 @@
       </p:sp>
       <p:pic>
         <p:nvPicPr>
-          <p:cNvPr id="4" name="Picture 3"/>
+          <p:cNvPr id="5" name="Picture 4"/>
           <p:cNvPicPr>
             <a:picLocks noChangeAspect="1"/>
           </p:cNvPicPr>
           <p:nvPr/>
         </p:nvPicPr>
         <p:blipFill>
-          <a:blip r:embed="rId2">
+          <a:blip r:embed="rId3">
             <a:extLst>
               <a:ext uri="{28A0092B-C50C-407E-A947-70E740481C1C}">
                 <a14:useLocalDpi xmlns:a14="http://schemas.microsoft.com/office/drawing/2010/main" val="0"/>
@@ -18078,8 +18276,8 @@
         </p:blipFill>
         <p:spPr>
           <a:xfrm>
-            <a:off x="1185646" y="1635621"/>
-            <a:ext cx="8711981" cy="3472035"/>
+            <a:off x="922078" y="1648607"/>
+            <a:ext cx="9837220" cy="4029704"/>
           </a:xfrm>
           <a:prstGeom prst="rect">
             <a:avLst/>
@@ -18267,7 +18465,7 @@
                 <a:gridCol w="11225057">
                   <a:extLst>
                     <a:ext uri="{9D8B030D-6E8A-4147-A177-3AD203B41FA5}">
-                      <a16:colId xmlns="" xmlns:a16="http://schemas.microsoft.com/office/drawing/2014/main" val="1253488153"/>
+                      <a16:colId xmlns:a16="http://schemas.microsoft.com/office/drawing/2014/main" xmlns="" val="1253488153"/>
                     </a:ext>
                   </a:extLst>
                 </a:gridCol>
@@ -18297,7 +18495,7 @@
                 </a:tc>
                 <a:extLst>
                   <a:ext uri="{0D108BD9-81ED-4DB2-BD59-A6C34878D82A}">
-                    <a16:rowId xmlns="" xmlns:a16="http://schemas.microsoft.com/office/drawing/2014/main" val="829859176"/>
+                    <a16:rowId xmlns:a16="http://schemas.microsoft.com/office/drawing/2014/main" xmlns="" val="829859176"/>
                   </a:ext>
                 </a:extLst>
               </a:tr>
@@ -18318,7 +18516,7 @@
                 </a:tc>
                 <a:extLst>
                   <a:ext uri="{0D108BD9-81ED-4DB2-BD59-A6C34878D82A}">
-                    <a16:rowId xmlns="" xmlns:a16="http://schemas.microsoft.com/office/drawing/2014/main" val="1946132611"/>
+                    <a16:rowId xmlns:a16="http://schemas.microsoft.com/office/drawing/2014/main" xmlns="" val="1946132611"/>
                   </a:ext>
                 </a:extLst>
               </a:tr>
@@ -18355,7 +18553,7 @@
                 </a:tc>
                 <a:extLst>
                   <a:ext uri="{0D108BD9-81ED-4DB2-BD59-A6C34878D82A}">
-                    <a16:rowId xmlns="" xmlns:a16="http://schemas.microsoft.com/office/drawing/2014/main" val="3204002662"/>
+                    <a16:rowId xmlns:a16="http://schemas.microsoft.com/office/drawing/2014/main" xmlns="" val="3204002662"/>
                   </a:ext>
                 </a:extLst>
               </a:tr>
@@ -18396,7 +18594,7 @@
                 </a:tc>
                 <a:extLst>
                   <a:ext uri="{0D108BD9-81ED-4DB2-BD59-A6C34878D82A}">
-                    <a16:rowId xmlns="" xmlns:a16="http://schemas.microsoft.com/office/drawing/2014/main" val="4266278162"/>
+                    <a16:rowId xmlns:a16="http://schemas.microsoft.com/office/drawing/2014/main" xmlns="" val="4266278162"/>
                   </a:ext>
                 </a:extLst>
               </a:tr>
@@ -19733,11 +19931,6 @@
               </a:rPr>
               <a:t>Remote Web</a:t>
             </a:r>
-            <a:endParaRPr lang="en-US" sz="2400" spc="-70" dirty="0" smtClean="0">
-              <a:solidFill>
-                <a:srgbClr val="002060"/>
-              </a:solidFill>
-            </a:endParaRPr>
           </a:p>
         </p:txBody>
       </p:sp>
@@ -19771,11 +19964,6 @@
               </a:rPr>
               <a:t>SharePoint</a:t>
             </a:r>
-            <a:endParaRPr lang="en-US" sz="2400" spc="-70" dirty="0" smtClean="0">
-              <a:solidFill>
-                <a:srgbClr val="002060"/>
-              </a:solidFill>
-            </a:endParaRPr>
           </a:p>
         </p:txBody>
       </p:sp>
@@ -19809,11 +19997,6 @@
               </a:rPr>
               <a:t>Web Page</a:t>
             </a:r>
-            <a:endParaRPr lang="en-US" spc="-70" dirty="0" smtClean="0">
-              <a:solidFill>
-                <a:schemeClr val="bg1"/>
-              </a:solidFill>
-            </a:endParaRPr>
           </a:p>
         </p:txBody>
       </p:sp>
@@ -19843,7 +20026,6 @@
               <a:rPr lang="en-US" spc="-70" dirty="0" smtClean="0"/>
               <a:t>SP.RequestExecutor.js</a:t>
             </a:r>
-            <a:endParaRPr lang="en-US" spc="-70" dirty="0" smtClean="0"/>
           </a:p>
         </p:txBody>
       </p:sp>
@@ -19873,7 +20055,6 @@
               <a:rPr lang="en-US" spc="-70" dirty="0" smtClean="0"/>
               <a:t>IFRAME</a:t>
             </a:r>
-            <a:endParaRPr lang="en-US" spc="-70" dirty="0" smtClean="0"/>
           </a:p>
         </p:txBody>
       </p:sp>
@@ -19903,7 +20084,6 @@
               <a:rPr lang="en-US" spc="-70" dirty="0" smtClean="0"/>
               <a:t>App Web</a:t>
             </a:r>
-            <a:endParaRPr lang="en-US" spc="-70" dirty="0" smtClean="0"/>
           </a:p>
         </p:txBody>
       </p:sp>
@@ -19933,7 +20113,6 @@
               <a:rPr lang="en-US" spc="-70" dirty="0" smtClean="0"/>
               <a:t>AppWebProxy.aspx</a:t>
             </a:r>
-            <a:endParaRPr lang="en-US" spc="-70" dirty="0" smtClean="0"/>
           </a:p>
         </p:txBody>
       </p:sp>
@@ -20245,13 +20424,6 @@
                 </a:rPr>
                 <a:t>AppWebProxy.aspx</a:t>
               </a:r>
-              <a:endParaRPr lang="en-US" sz="1000" spc="-70" dirty="0" smtClean="0">
-                <a:solidFill>
-                  <a:schemeClr val="bg1">
-                    <a:lumMod val="50000"/>
-                  </a:schemeClr>
-                </a:solidFill>
-              </a:endParaRPr>
             </a:p>
           </p:txBody>
         </p:sp>
@@ -20514,19 +20686,6 @@
               </a:rPr>
               <a:t>Call targeting App Web</a:t>
             </a:r>
-            <a:endParaRPr lang="en-US" sz="2400" spc="-70" dirty="0" smtClean="0">
-              <a:gradFill>
-                <a:gsLst>
-                  <a:gs pos="2917">
-                    <a:schemeClr val="bg2"/>
-                  </a:gs>
-                  <a:gs pos="95000">
-                    <a:schemeClr val="bg2"/>
-                  </a:gs>
-                </a:gsLst>
-                <a:lin ang="5400000" scaled="0"/>
-              </a:gradFill>
-            </a:endParaRPr>
           </a:p>
         </p:txBody>
       </p:sp>
@@ -20568,19 +20727,6 @@
               </a:rPr>
               <a:t>Call targeting Host Web</a:t>
             </a:r>
-            <a:endParaRPr lang="en-US" sz="2400" spc="-70" dirty="0" smtClean="0">
-              <a:gradFill>
-                <a:gsLst>
-                  <a:gs pos="2917">
-                    <a:schemeClr val="bg2"/>
-                  </a:gs>
-                  <a:gs pos="95000">
-                    <a:schemeClr val="bg2"/>
-                  </a:gs>
-                </a:gsLst>
-                <a:lin ang="5400000" scaled="0"/>
-              </a:gradFill>
-            </a:endParaRPr>
           </a:p>
         </p:txBody>
       </p:sp>
@@ -20779,19 +20925,6 @@
               </a:rPr>
               <a:t>Call targeting App Web</a:t>
             </a:r>
-            <a:endParaRPr lang="en-US" sz="2400" spc="-70" dirty="0" smtClean="0">
-              <a:gradFill>
-                <a:gsLst>
-                  <a:gs pos="2917">
-                    <a:schemeClr val="bg2"/>
-                  </a:gs>
-                  <a:gs pos="95000">
-                    <a:schemeClr val="bg2"/>
-                  </a:gs>
-                </a:gsLst>
-                <a:lin ang="5400000" scaled="0"/>
-              </a:gradFill>
-            </a:endParaRPr>
           </a:p>
         </p:txBody>
       </p:sp>
@@ -20833,19 +20966,6 @@
               </a:rPr>
               <a:t>Call targeting Host Web</a:t>
             </a:r>
-            <a:endParaRPr lang="en-US" sz="2400" spc="-70" dirty="0" smtClean="0">
-              <a:gradFill>
-                <a:gsLst>
-                  <a:gs pos="2917">
-                    <a:schemeClr val="bg2"/>
-                  </a:gs>
-                  <a:gs pos="95000">
-                    <a:schemeClr val="bg2"/>
-                  </a:gs>
-                </a:gsLst>
-                <a:lin ang="5400000" scaled="0"/>
-              </a:gradFill>
-            </a:endParaRPr>
           </a:p>
         </p:txBody>
       </p:sp>
@@ -23312,19 +23432,6 @@
               </a:rPr>
               <a:t>Schema events</a:t>
             </a:r>
-            <a:endParaRPr lang="en-US" sz="2400" spc="-70" dirty="0" smtClean="0">
-              <a:gradFill>
-                <a:gsLst>
-                  <a:gs pos="2917">
-                    <a:schemeClr val="bg2"/>
-                  </a:gs>
-                  <a:gs pos="95000">
-                    <a:schemeClr val="bg2"/>
-                  </a:gs>
-                </a:gsLst>
-                <a:lin ang="5400000" scaled="0"/>
-              </a:gradFill>
-            </a:endParaRPr>
           </a:p>
         </p:txBody>
       </p:sp>
@@ -23400,19 +23507,6 @@
               </a:rPr>
               <a:t>or App events</a:t>
             </a:r>
-            <a:endParaRPr lang="en-US" sz="2400" spc="-70" dirty="0" smtClean="0">
-              <a:gradFill>
-                <a:gsLst>
-                  <a:gs pos="2917">
-                    <a:schemeClr val="bg2"/>
-                  </a:gs>
-                  <a:gs pos="95000">
-                    <a:schemeClr val="bg2"/>
-                  </a:gs>
-                </a:gsLst>
-                <a:lin ang="5400000" scaled="0"/>
-              </a:gradFill>
-            </a:endParaRPr>
           </a:p>
         </p:txBody>
       </p:sp>
@@ -24135,19 +24229,6 @@
               </a:rPr>
               <a:t>CAML Element for Lists, Items, Sites, Schema events</a:t>
             </a:r>
-            <a:endParaRPr lang="en-US" sz="2400" spc="-70" dirty="0" smtClean="0">
-              <a:gradFill>
-                <a:gsLst>
-                  <a:gs pos="2917">
-                    <a:schemeClr val="bg2"/>
-                  </a:gs>
-                  <a:gs pos="95000">
-                    <a:schemeClr val="bg2"/>
-                  </a:gs>
-                </a:gsLst>
-                <a:lin ang="5400000" scaled="0"/>
-              </a:gradFill>
-            </a:endParaRPr>
           </a:p>
         </p:txBody>
       </p:sp>
@@ -24207,19 +24288,6 @@
               </a:rPr>
               <a:t>App events</a:t>
             </a:r>
-            <a:endParaRPr lang="en-US" sz="2400" spc="-70" dirty="0" smtClean="0">
-              <a:gradFill>
-                <a:gsLst>
-                  <a:gs pos="2917">
-                    <a:schemeClr val="bg2"/>
-                  </a:gs>
-                  <a:gs pos="95000">
-                    <a:schemeClr val="bg2"/>
-                  </a:gs>
-                </a:gsLst>
-                <a:lin ang="5400000" scaled="0"/>
-              </a:gradFill>
-            </a:endParaRPr>
           </a:p>
         </p:txBody>
       </p:sp>
@@ -28925,12 +28993,6 @@
 </file>
 
 <file path=customXml/item1.xml><?xml version="1.0" encoding="utf-8"?>
-<p:properties xmlns:p="http://schemas.microsoft.com/office/2006/metadata/properties" xmlns:xsi="http://www.w3.org/2001/XMLSchema-instance" xmlns:pc="http://schemas.microsoft.com/office/infopath/2007/PartnerControls">
-  <documentManagement/>
-</p:properties>
-</file>
-
-<file path=customXml/item2.xml><?xml version="1.0" encoding="utf-8"?>
 <ct:contentTypeSchema xmlns:ct="http://schemas.microsoft.com/office/2006/metadata/contentType" xmlns:ma="http://schemas.microsoft.com/office/2006/metadata/properties/metaAttributes" ct:_="" ma:_="" ma:contentTypeName="Document" ma:contentTypeID="0x010100A2E4C90AA7333249A7DBC8CC6F49919B" ma:contentTypeVersion="1" ma:contentTypeDescription="Create a new document." ma:contentTypeScope="" ma:versionID="e7b09f0f38d7ed30c7da14951e97abcc">
   <xsd:schema xmlns:xsd="http://www.w3.org/2001/XMLSchema" xmlns:xs="http://www.w3.org/2001/XMLSchema" xmlns:p="http://schemas.microsoft.com/office/2006/metadata/properties" xmlns:ns2="5fad15d0-477e-40da-a20d-40d4ca777cbd" targetNamespace="http://schemas.microsoft.com/office/2006/metadata/properties" ma:root="true" ma:fieldsID="0cee24db179c30c5ebec40b677cadf70" ns2:_="">
     <xsd:import namespace="5fad15d0-477e-40da-a20d-40d4ca777cbd"/>
@@ -29070,7 +29132,7 @@
 </ct:contentTypeSchema>
 </file>
 
-<file path=customXml/item3.xml><?xml version="1.0" encoding="utf-8"?>
+<file path=customXml/item2.xml><?xml version="1.0" encoding="utf-8"?>
 <?mso-contentType ?>
 <FormTemplates xmlns="http://schemas.microsoft.com/sharepoint/v3/contenttype/forms">
   <Display>DocumentLibraryForm</Display>
@@ -29079,23 +29141,13 @@
 </FormTemplates>
 </file>
 
-<file path=customXml/itemProps1.xml><?xml version="1.0" encoding="utf-8"?>
-<ds:datastoreItem xmlns:ds="http://schemas.openxmlformats.org/officeDocument/2006/customXml" ds:itemID="{DA593625-DB14-4FB0-B5A9-3269FA9C120B}">
-  <ds:schemaRefs>
-    <ds:schemaRef ds:uri="http://schemas.microsoft.com/office/2006/documentManagement/types"/>
-    <ds:schemaRef ds:uri="http://purl.org/dc/elements/1.1/"/>
-    <ds:schemaRef ds:uri="http://schemas.microsoft.com/office/2006/metadata/properties"/>
-    <ds:schemaRef ds:uri="5fad15d0-477e-40da-a20d-40d4ca777cbd"/>
-    <ds:schemaRef ds:uri="http://www.w3.org/XML/1998/namespace"/>
-    <ds:schemaRef ds:uri="http://schemas.microsoft.com/office/infopath/2007/PartnerControls"/>
-    <ds:schemaRef ds:uri="http://purl.org/dc/dcmitype/"/>
-    <ds:schemaRef ds:uri="http://schemas.openxmlformats.org/package/2006/metadata/core-properties"/>
-    <ds:schemaRef ds:uri="http://purl.org/dc/terms/"/>
-  </ds:schemaRefs>
-</ds:datastoreItem>
+<file path=customXml/item3.xml><?xml version="1.0" encoding="utf-8"?>
+<p:properties xmlns:p="http://schemas.microsoft.com/office/2006/metadata/properties" xmlns:xsi="http://www.w3.org/2001/XMLSchema-instance" xmlns:pc="http://schemas.microsoft.com/office/infopath/2007/PartnerControls">
+  <documentManagement/>
+</p:properties>
 </file>
 
-<file path=customXml/itemProps2.xml><?xml version="1.0" encoding="utf-8"?>
+<file path=customXml/itemProps1.xml><?xml version="1.0" encoding="utf-8"?>
 <ds:datastoreItem xmlns:ds="http://schemas.openxmlformats.org/officeDocument/2006/customXml" ds:itemID="{F17DCE38-6787-497B-B958-75817420EB1E}">
   <ds:schemaRefs>
     <ds:schemaRef ds:uri="http://schemas.microsoft.com/office/2006/metadata/contentType"/>
@@ -29113,10 +29165,26 @@
 </ds:datastoreItem>
 </file>
 
-<file path=customXml/itemProps3.xml><?xml version="1.0" encoding="utf-8"?>
+<file path=customXml/itemProps2.xml><?xml version="1.0" encoding="utf-8"?>
 <ds:datastoreItem xmlns:ds="http://schemas.openxmlformats.org/officeDocument/2006/customXml" ds:itemID="{E1E0CE18-CA03-4891-9CD8-3448778E3D53}">
   <ds:schemaRefs>
     <ds:schemaRef ds:uri="http://schemas.microsoft.com/sharepoint/v3/contenttype/forms"/>
   </ds:schemaRefs>
 </ds:datastoreItem>
+</file>
+
+<file path=customXml/itemProps3.xml><?xml version="1.0" encoding="utf-8"?>
+<ds:datastoreItem xmlns:ds="http://schemas.openxmlformats.org/officeDocument/2006/customXml" ds:itemID="{DA593625-DB14-4FB0-B5A9-3269FA9C120B}">
+  <ds:schemaRefs>
+    <ds:schemaRef ds:uri="http://schemas.microsoft.com/office/2006/documentManagement/types"/>
+    <ds:schemaRef ds:uri="http://purl.org/dc/elements/1.1/"/>
+    <ds:schemaRef ds:uri="http://schemas.microsoft.com/office/2006/metadata/properties"/>
+    <ds:schemaRef ds:uri="5fad15d0-477e-40da-a20d-40d4ca777cbd"/>
+    <ds:schemaRef ds:uri="http://www.w3.org/XML/1998/namespace"/>
+    <ds:schemaRef ds:uri="http://schemas.microsoft.com/office/infopath/2007/PartnerControls"/>
+    <ds:schemaRef ds:uri="http://purl.org/dc/dcmitype/"/>
+    <ds:schemaRef ds:uri="http://schemas.openxmlformats.org/package/2006/metadata/core-properties"/>
+    <ds:schemaRef ds:uri="http://purl.org/dc/terms/"/>
+  </ds:schemaRefs>
+</ds:datastoreItem>
 </file>
--- a/O3652-6 Deep Dive into Provider Hosted Apps/O3652-6 Deep Dive into Provider Hosted Apps.pptx
+++ b/O3652-6 Deep Dive into Provider Hosted Apps/O3652-6 Deep Dive into Provider Hosted Apps.pptx
@@ -6,10 +6,10 @@
     <p:sldMasterId id="2147484046" r:id="rId5"/>
   </p:sldMasterIdLst>
   <p:notesMasterIdLst>
-    <p:notesMasterId r:id="rId50"/>
+    <p:notesMasterId r:id="rId51"/>
   </p:notesMasterIdLst>
   <p:handoutMasterIdLst>
-    <p:handoutMasterId r:id="rId51"/>
+    <p:handoutMasterId r:id="rId52"/>
   </p:handoutMasterIdLst>
   <p:sldIdLst>
     <p:sldId id="778" r:id="rId6"/>
@@ -53,9 +53,10 @@
     <p:sldId id="888" r:id="rId44"/>
     <p:sldId id="889" r:id="rId45"/>
     <p:sldId id="886" r:id="rId46"/>
-    <p:sldId id="864" r:id="rId47"/>
-    <p:sldId id="853" r:id="rId48"/>
-    <p:sldId id="654" r:id="rId49"/>
+    <p:sldId id="890" r:id="rId47"/>
+    <p:sldId id="864" r:id="rId48"/>
+    <p:sldId id="853" r:id="rId49"/>
+    <p:sldId id="654" r:id="rId50"/>
   </p:sldIdLst>
   <p:sldSz cx="12188825" cy="6858000"/>
   <p:notesSz cx="6858000" cy="9144000"/>
@@ -4799,7 +4800,7 @@
           <a:p>
             <a:fld id="{B4008EB6-D09E-4580-8CD6-DDB14511944F}" type="slidenum">
               <a:rPr lang="en-US" smtClean="0"/>
-              <a:t>42</a:t>
+              <a:t>43</a:t>
             </a:fld>
             <a:endParaRPr lang="en-US" dirty="0"/>
           </a:p>
@@ -5116,7 +5117,7 @@
           <a:p>
             <a:fld id="{B4008EB6-D09E-4580-8CD6-DDB14511944F}" type="slidenum">
               <a:rPr lang="en-US" smtClean="0"/>
-              <a:t>44</a:t>
+              <a:t>45</a:t>
             </a:fld>
             <a:endParaRPr lang="en-US" dirty="0"/>
           </a:p>
@@ -18465,7 +18466,7 @@
                 <a:gridCol w="11225057">
                   <a:extLst>
                     <a:ext uri="{9D8B030D-6E8A-4147-A177-3AD203B41FA5}">
-                      <a16:colId xmlns:a16="http://schemas.microsoft.com/office/drawing/2014/main" xmlns="" val="1253488153"/>
+                      <a16:colId xmlns="" xmlns:a16="http://schemas.microsoft.com/office/drawing/2014/main" val="1253488153"/>
                     </a:ext>
                   </a:extLst>
                 </a:gridCol>
@@ -18495,7 +18496,7 @@
                 </a:tc>
                 <a:extLst>
                   <a:ext uri="{0D108BD9-81ED-4DB2-BD59-A6C34878D82A}">
-                    <a16:rowId xmlns:a16="http://schemas.microsoft.com/office/drawing/2014/main" xmlns="" val="829859176"/>
+                    <a16:rowId xmlns="" xmlns:a16="http://schemas.microsoft.com/office/drawing/2014/main" val="829859176"/>
                   </a:ext>
                 </a:extLst>
               </a:tr>
@@ -18516,7 +18517,7 @@
                 </a:tc>
                 <a:extLst>
                   <a:ext uri="{0D108BD9-81ED-4DB2-BD59-A6C34878D82A}">
-                    <a16:rowId xmlns:a16="http://schemas.microsoft.com/office/drawing/2014/main" xmlns="" val="1946132611"/>
+                    <a16:rowId xmlns="" xmlns:a16="http://schemas.microsoft.com/office/drawing/2014/main" val="1946132611"/>
                   </a:ext>
                 </a:extLst>
               </a:tr>
@@ -18553,7 +18554,7 @@
                 </a:tc>
                 <a:extLst>
                   <a:ext uri="{0D108BD9-81ED-4DB2-BD59-A6C34878D82A}">
-                    <a16:rowId xmlns:a16="http://schemas.microsoft.com/office/drawing/2014/main" xmlns="" val="3204002662"/>
+                    <a16:rowId xmlns="" xmlns:a16="http://schemas.microsoft.com/office/drawing/2014/main" val="3204002662"/>
                   </a:ext>
                 </a:extLst>
               </a:tr>
@@ -18594,7 +18595,7 @@
                 </a:tc>
                 <a:extLst>
                   <a:ext uri="{0D108BD9-81ED-4DB2-BD59-A6C34878D82A}">
-                    <a16:rowId xmlns:a16="http://schemas.microsoft.com/office/drawing/2014/main" xmlns="" val="4266278162"/>
+                    <a16:rowId xmlns="" xmlns:a16="http://schemas.microsoft.com/office/drawing/2014/main" val="4266278162"/>
                   </a:ext>
                 </a:extLst>
               </a:tr>
@@ -24368,6 +24369,261 @@
       </p:grpSpPr>
       <p:sp>
         <p:nvSpPr>
+          <p:cNvPr id="2" name="Text Placeholder 1"/>
+          <p:cNvSpPr>
+            <a:spLocks noGrp="1"/>
+          </p:cNvSpPr>
+          <p:nvPr>
+            <p:ph type="body" sz="quarter" idx="10"/>
+          </p:nvPr>
+        </p:nvSpPr>
+        <p:spPr>
+          <a:xfrm>
+            <a:off x="519112" y="1447799"/>
+            <a:ext cx="11149013" cy="1080912"/>
+          </a:xfrm>
+        </p:spPr>
+        <p:txBody>
+          <a:bodyPr/>
+          <a:lstStyle/>
+          <a:p>
+            <a:r>
+              <a:rPr lang="en-US" dirty="0" smtClean="0"/>
+              <a:t>Remote Event Receivers require Azure Service Bus to support debugging</a:t>
+            </a:r>
+          </a:p>
+          <a:p>
+            <a:pPr lvl="1"/>
+            <a:r>
+              <a:rPr lang="en-US" dirty="0" smtClean="0"/>
+              <a:t>Create a Service Bus Namespace</a:t>
+            </a:r>
+          </a:p>
+          <a:p>
+            <a:pPr lvl="1"/>
+            <a:r>
+              <a:rPr lang="en-US" dirty="0" smtClean="0"/>
+              <a:t>Copy the Connection String into the SharePoint Project Properties</a:t>
+            </a:r>
+            <a:endParaRPr lang="en-US" dirty="0"/>
+          </a:p>
+        </p:txBody>
+      </p:sp>
+      <p:sp>
+        <p:nvSpPr>
+          <p:cNvPr id="3" name="Title 2"/>
+          <p:cNvSpPr>
+            <a:spLocks noGrp="1"/>
+          </p:cNvSpPr>
+          <p:nvPr>
+            <p:ph type="title"/>
+          </p:nvPr>
+        </p:nvSpPr>
+        <p:spPr/>
+        <p:txBody>
+          <a:bodyPr/>
+          <a:lstStyle/>
+          <a:p>
+            <a:r>
+              <a:rPr lang="en-US" dirty="0" smtClean="0"/>
+              <a:t>Debugging Considerations</a:t>
+            </a:r>
+            <a:endParaRPr lang="en-US" dirty="0"/>
+          </a:p>
+        </p:txBody>
+      </p:sp>
+      <p:sp>
+        <p:nvSpPr>
+          <p:cNvPr id="4" name="Slide Number Placeholder 3"/>
+          <p:cNvSpPr>
+            <a:spLocks noGrp="1"/>
+          </p:cNvSpPr>
+          <p:nvPr>
+            <p:ph type="sldNum" sz="quarter" idx="12"/>
+          </p:nvPr>
+        </p:nvSpPr>
+        <p:spPr/>
+        <p:txBody>
+          <a:bodyPr/>
+          <a:lstStyle/>
+          <a:p>
+            <a:fld id="{727B4C2D-45E2-4621-8491-2995EB46A674}" type="slidenum">
+              <a:rPr lang="en-US" smtClean="0"/>
+              <a:pPr/>
+              <a:t>42</a:t>
+            </a:fld>
+            <a:endParaRPr lang="en-US" dirty="0"/>
+          </a:p>
+        </p:txBody>
+      </p:sp>
+      <p:pic>
+        <p:nvPicPr>
+          <p:cNvPr id="5" name="Picture 4"/>
+          <p:cNvPicPr>
+            <a:picLocks noChangeAspect="1"/>
+          </p:cNvPicPr>
+          <p:nvPr/>
+        </p:nvPicPr>
+        <p:blipFill>
+          <a:blip r:embed="rId2">
+            <a:extLst>
+              <a:ext uri="{28A0092B-C50C-407E-A947-70E740481C1C}">
+                <a14:useLocalDpi xmlns:a14="http://schemas.microsoft.com/office/drawing/2010/main" val="0"/>
+              </a:ext>
+            </a:extLst>
+          </a:blip>
+          <a:stretch>
+            <a:fillRect/>
+          </a:stretch>
+        </p:blipFill>
+        <p:spPr>
+          <a:xfrm>
+            <a:off x="435803" y="3400462"/>
+            <a:ext cx="7727350" cy="1783235"/>
+          </a:xfrm>
+          <a:prstGeom prst="rect">
+            <a:avLst/>
+          </a:prstGeom>
+        </p:spPr>
+      </p:pic>
+      <p:pic>
+        <p:nvPicPr>
+          <p:cNvPr id="6" name="Picture 5"/>
+          <p:cNvPicPr>
+            <a:picLocks noChangeAspect="1"/>
+          </p:cNvPicPr>
+          <p:nvPr/>
+        </p:nvPicPr>
+        <p:blipFill>
+          <a:blip r:embed="rId3">
+            <a:extLst>
+              <a:ext uri="{28A0092B-C50C-407E-A947-70E740481C1C}">
+                <a14:useLocalDpi xmlns:a14="http://schemas.microsoft.com/office/drawing/2010/main" val="0"/>
+              </a:ext>
+            </a:extLst>
+          </a:blip>
+          <a:stretch>
+            <a:fillRect/>
+          </a:stretch>
+        </p:blipFill>
+        <p:spPr>
+          <a:xfrm>
+            <a:off x="1636869" y="5303978"/>
+            <a:ext cx="6526284" cy="975297"/>
+          </a:xfrm>
+          <a:prstGeom prst="rect">
+            <a:avLst/>
+          </a:prstGeom>
+        </p:spPr>
+      </p:pic>
+      <p:sp>
+        <p:nvSpPr>
+          <p:cNvPr id="8" name="Curved Left Arrow 7"/>
+          <p:cNvSpPr/>
+          <p:nvPr/>
+        </p:nvSpPr>
+        <p:spPr bwMode="auto">
+          <a:xfrm>
+            <a:off x="8163153" y="4064000"/>
+            <a:ext cx="1014714" cy="1991448"/>
+          </a:xfrm>
+          <a:prstGeom prst="curvedLeftArrow">
+            <a:avLst/>
+          </a:prstGeom>
+          <a:solidFill>
+            <a:schemeClr val="accent1"/>
+          </a:solidFill>
+          <a:ln>
+            <a:noFill/>
+            <a:headEnd type="none" w="med" len="med"/>
+            <a:tailEnd type="none" w="med" len="med"/>
+          </a:ln>
+          <a:effectLst/>
+        </p:spPr>
+        <p:style>
+          <a:lnRef idx="1">
+            <a:schemeClr val="accent2"/>
+          </a:lnRef>
+          <a:fillRef idx="3">
+            <a:schemeClr val="accent2"/>
+          </a:fillRef>
+          <a:effectRef idx="2">
+            <a:schemeClr val="accent2"/>
+          </a:effectRef>
+          <a:fontRef idx="minor">
+            <a:schemeClr val="lt1"/>
+          </a:fontRef>
+        </p:style>
+        <p:txBody>
+          <a:bodyPr rot="0" spcFirstLastPara="0" vertOverflow="overflow" horzOverflow="overflow" vert="horz" wrap="square" lIns="45720" tIns="45720" rIns="45720" bIns="45720" numCol="1" spcCol="0" rtlCol="0" fromWordArt="0" anchor="ctr" anchorCtr="0" forceAA="0" compatLnSpc="1">
+            <a:prstTxWarp prst="textNoShape">
+              <a:avLst/>
+            </a:prstTxWarp>
+            <a:noAutofit/>
+          </a:bodyPr>
+          <a:lstStyle/>
+          <a:p>
+            <a:pPr algn="ctr" defTabSz="914099" fontAlgn="base">
+              <a:spcBef>
+                <a:spcPct val="0"/>
+              </a:spcBef>
+              <a:spcAft>
+                <a:spcPct val="0"/>
+              </a:spcAft>
+            </a:pPr>
+            <a:endParaRPr lang="en-US" sz="2200" dirty="0" smtClean="0">
+              <a:gradFill>
+                <a:gsLst>
+                  <a:gs pos="0">
+                    <a:srgbClr val="FFFFFF"/>
+                  </a:gs>
+                  <a:gs pos="100000">
+                    <a:srgbClr val="FFFFFF"/>
+                  </a:gs>
+                </a:gsLst>
+                <a:lin ang="5400000" scaled="0"/>
+              </a:gradFill>
+              <a:ea typeface="Segoe UI" pitchFamily="34" charset="0"/>
+              <a:cs typeface="Segoe UI" pitchFamily="34" charset="0"/>
+            </a:endParaRPr>
+          </a:p>
+        </p:txBody>
+      </p:sp>
+    </p:spTree>
+    <p:extLst>
+      <p:ext uri="{BB962C8B-B14F-4D97-AF65-F5344CB8AC3E}">
+        <p14:creationId xmlns:p14="http://schemas.microsoft.com/office/powerpoint/2010/main" val="4007477202"/>
+      </p:ext>
+    </p:extLst>
+  </p:cSld>
+  <p:clrMapOvr>
+    <a:masterClrMapping/>
+  </p:clrMapOvr>
+  <p:transition>
+    <p:fade/>
+  </p:transition>
+</p:sld>
+</file>
+
+<file path=ppt/slides/slide43.xml><?xml version="1.0" encoding="utf-8"?>
+<p:sld xmlns:a="http://schemas.openxmlformats.org/drawingml/2006/main" xmlns:r="http://schemas.openxmlformats.org/officeDocument/2006/relationships" xmlns:p="http://schemas.openxmlformats.org/presentationml/2006/main">
+  <p:cSld>
+    <p:spTree>
+      <p:nvGrpSpPr>
+        <p:cNvPr id="1" name=""/>
+        <p:cNvGrpSpPr/>
+        <p:nvPr/>
+      </p:nvGrpSpPr>
+      <p:grpSpPr>
+        <a:xfrm>
+          <a:off x="0" y="0"/>
+          <a:ext cx="0" cy="0"/>
+          <a:chOff x="0" y="0"/>
+          <a:chExt cx="0" cy="0"/>
+        </a:xfrm>
+      </p:grpSpPr>
+      <p:sp>
+        <p:nvSpPr>
           <p:cNvPr id="4" name="Subtitle 3"/>
           <p:cNvSpPr>
             <a:spLocks noGrp="1"/>
@@ -24438,7 +24694,7 @@
 </p:sld>
 </file>
 
-<file path=ppt/slides/slide43.xml><?xml version="1.0" encoding="utf-8"?>
+<file path=ppt/slides/slide44.xml><?xml version="1.0" encoding="utf-8"?>
 <p:sld xmlns:a="http://schemas.openxmlformats.org/drawingml/2006/main" xmlns:r="http://schemas.openxmlformats.org/officeDocument/2006/relationships" xmlns:p="http://schemas.openxmlformats.org/presentationml/2006/main">
   <p:cSld>
     <p:spTree>
@@ -24550,7 +24806,7 @@
             <a:fld id="{727B4C2D-45E2-4621-8491-2995EB46A674}" type="slidenum">
               <a:rPr lang="en-US" smtClean="0"/>
               <a:pPr/>
-              <a:t>43</a:t>
+              <a:t>44</a:t>
             </a:fld>
             <a:endParaRPr lang="en-US" dirty="0"/>
           </a:p>
@@ -24572,7 +24828,7 @@
 </p:sld>
 </file>
 
-<file path=ppt/slides/slide44.xml><?xml version="1.0" encoding="utf-8"?>
+<file path=ppt/slides/slide45.xml><?xml version="1.0" encoding="utf-8"?>
 <p:sld xmlns:a="http://schemas.openxmlformats.org/drawingml/2006/main" xmlns:r="http://schemas.openxmlformats.org/officeDocument/2006/relationships" xmlns:p="http://schemas.openxmlformats.org/presentationml/2006/main">
   <p:cSld>
     <p:spTree>
@@ -28993,6 +29249,21 @@
 </file>
 
 <file path=customXml/item1.xml><?xml version="1.0" encoding="utf-8"?>
+<?mso-contentType ?>
+<FormTemplates xmlns="http://schemas.microsoft.com/sharepoint/v3/contenttype/forms">
+  <Display>DocumentLibraryForm</Display>
+  <Edit>DocumentLibraryForm</Edit>
+  <New>DocumentLibraryForm</New>
+</FormTemplates>
+</file>
+
+<file path=customXml/item2.xml><?xml version="1.0" encoding="utf-8"?>
+<p:properties xmlns:p="http://schemas.microsoft.com/office/2006/metadata/properties" xmlns:xsi="http://www.w3.org/2001/XMLSchema-instance" xmlns:pc="http://schemas.microsoft.com/office/infopath/2007/PartnerControls">
+  <documentManagement/>
+</p:properties>
+</file>
+
+<file path=customXml/item3.xml><?xml version="1.0" encoding="utf-8"?>
 <ct:contentTypeSchema xmlns:ct="http://schemas.microsoft.com/office/2006/metadata/contentType" xmlns:ma="http://schemas.microsoft.com/office/2006/metadata/properties/metaAttributes" ct:_="" ma:_="" ma:contentTypeName="Document" ma:contentTypeID="0x010100A2E4C90AA7333249A7DBC8CC6F49919B" ma:contentTypeVersion="1" ma:contentTypeDescription="Create a new document." ma:contentTypeScope="" ma:versionID="e7b09f0f38d7ed30c7da14951e97abcc">
   <xsd:schema xmlns:xsd="http://www.w3.org/2001/XMLSchema" xmlns:xs="http://www.w3.org/2001/XMLSchema" xmlns:p="http://schemas.microsoft.com/office/2006/metadata/properties" xmlns:ns2="5fad15d0-477e-40da-a20d-40d4ca777cbd" targetNamespace="http://schemas.microsoft.com/office/2006/metadata/properties" ma:root="true" ma:fieldsID="0cee24db179c30c5ebec40b677cadf70" ns2:_="">
     <xsd:import namespace="5fad15d0-477e-40da-a20d-40d4ca777cbd"/>
@@ -29132,22 +29403,31 @@
 </ct:contentTypeSchema>
 </file>
 
-<file path=customXml/item2.xml><?xml version="1.0" encoding="utf-8"?>
-<?mso-contentType ?>
-<FormTemplates xmlns="http://schemas.microsoft.com/sharepoint/v3/contenttype/forms">
-  <Display>DocumentLibraryForm</Display>
-  <Edit>DocumentLibraryForm</Edit>
-  <New>DocumentLibraryForm</New>
-</FormTemplates>
+<file path=customXml/itemProps1.xml><?xml version="1.0" encoding="utf-8"?>
+<ds:datastoreItem xmlns:ds="http://schemas.openxmlformats.org/officeDocument/2006/customXml" ds:itemID="{E1E0CE18-CA03-4891-9CD8-3448778E3D53}">
+  <ds:schemaRefs>
+    <ds:schemaRef ds:uri="http://schemas.microsoft.com/sharepoint/v3/contenttype/forms"/>
+  </ds:schemaRefs>
+</ds:datastoreItem>
 </file>
 
-<file path=customXml/item3.xml><?xml version="1.0" encoding="utf-8"?>
-<p:properties xmlns:p="http://schemas.microsoft.com/office/2006/metadata/properties" xmlns:xsi="http://www.w3.org/2001/XMLSchema-instance" xmlns:pc="http://schemas.microsoft.com/office/infopath/2007/PartnerControls">
-  <documentManagement/>
-</p:properties>
+<file path=customXml/itemProps2.xml><?xml version="1.0" encoding="utf-8"?>
+<ds:datastoreItem xmlns:ds="http://schemas.openxmlformats.org/officeDocument/2006/customXml" ds:itemID="{DA593625-DB14-4FB0-B5A9-3269FA9C120B}">
+  <ds:schemaRefs>
+    <ds:schemaRef ds:uri="http://schemas.microsoft.com/office/2006/documentManagement/types"/>
+    <ds:schemaRef ds:uri="http://purl.org/dc/elements/1.1/"/>
+    <ds:schemaRef ds:uri="http://schemas.microsoft.com/office/2006/metadata/properties"/>
+    <ds:schemaRef ds:uri="5fad15d0-477e-40da-a20d-40d4ca777cbd"/>
+    <ds:schemaRef ds:uri="http://www.w3.org/XML/1998/namespace"/>
+    <ds:schemaRef ds:uri="http://schemas.microsoft.com/office/infopath/2007/PartnerControls"/>
+    <ds:schemaRef ds:uri="http://purl.org/dc/dcmitype/"/>
+    <ds:schemaRef ds:uri="http://schemas.openxmlformats.org/package/2006/metadata/core-properties"/>
+    <ds:schemaRef ds:uri="http://purl.org/dc/terms/"/>
+  </ds:schemaRefs>
+</ds:datastoreItem>
 </file>
 
-<file path=customXml/itemProps1.xml><?xml version="1.0" encoding="utf-8"?>
+<file path=customXml/itemProps3.xml><?xml version="1.0" encoding="utf-8"?>
 <ds:datastoreItem xmlns:ds="http://schemas.openxmlformats.org/officeDocument/2006/customXml" ds:itemID="{F17DCE38-6787-497B-B958-75817420EB1E}">
   <ds:schemaRefs>
     <ds:schemaRef ds:uri="http://schemas.microsoft.com/office/2006/metadata/contentType"/>
@@ -29163,28 +29443,4 @@
     <ds:schemaRef ds:uri="http://schemas.microsoft.com/internal/obd"/>
   </ds:schemaRefs>
 </ds:datastoreItem>
-</file>
-
-<file path=customXml/itemProps2.xml><?xml version="1.0" encoding="utf-8"?>
-<ds:datastoreItem xmlns:ds="http://schemas.openxmlformats.org/officeDocument/2006/customXml" ds:itemID="{E1E0CE18-CA03-4891-9CD8-3448778E3D53}">
-  <ds:schemaRefs>
-    <ds:schemaRef ds:uri="http://schemas.microsoft.com/sharepoint/v3/contenttype/forms"/>
-  </ds:schemaRefs>
-</ds:datastoreItem>
-</file>
-
-<file path=customXml/itemProps3.xml><?xml version="1.0" encoding="utf-8"?>
-<ds:datastoreItem xmlns:ds="http://schemas.openxmlformats.org/officeDocument/2006/customXml" ds:itemID="{DA593625-DB14-4FB0-B5A9-3269FA9C120B}">
-  <ds:schemaRefs>
-    <ds:schemaRef ds:uri="http://schemas.microsoft.com/office/2006/documentManagement/types"/>
-    <ds:schemaRef ds:uri="http://purl.org/dc/elements/1.1/"/>
-    <ds:schemaRef ds:uri="http://schemas.microsoft.com/office/2006/metadata/properties"/>
-    <ds:schemaRef ds:uri="5fad15d0-477e-40da-a20d-40d4ca777cbd"/>
-    <ds:schemaRef ds:uri="http://www.w3.org/XML/1998/namespace"/>
-    <ds:schemaRef ds:uri="http://schemas.microsoft.com/office/infopath/2007/PartnerControls"/>
-    <ds:schemaRef ds:uri="http://purl.org/dc/dcmitype/"/>
-    <ds:schemaRef ds:uri="http://schemas.openxmlformats.org/package/2006/metadata/core-properties"/>
-    <ds:schemaRef ds:uri="http://purl.org/dc/terms/"/>
-  </ds:schemaRefs>
-</ds:datastoreItem>
 </file>
--- a/O3652-6 Deep Dive into Provider Hosted Apps/O3652-6 Deep Dive into Provider Hosted Apps.pptx
+++ b/O3652-6 Deep Dive into Provider Hosted Apps/O3652-6 Deep Dive into Provider Hosted Apps.pptx
@@ -359,7 +359,7 @@
           <a:p>
             <a:fld id="{DE219B1A-AE41-483B-A766-69B9363DDA6A}" type="datetimeFigureOut">
               <a:rPr lang="en-US" smtClean="0"/>
-              <a:t>8/4/2014</a:t>
+              <a:t>8/5/2014</a:t>
             </a:fld>
             <a:endParaRPr lang="en-US"/>
           </a:p>
@@ -641,7 +641,7 @@
           <a:p>
             <a:fld id="{D51B1278-D92B-4AF3-A9C1-71DD298190CE}" type="datetimeFigureOut">
               <a:rPr lang="en-US" smtClean="0"/>
-              <a:t>8/4/2014</a:t>
+              <a:t>8/5/2014</a:t>
             </a:fld>
             <a:endParaRPr lang="en-US"/>
           </a:p>
@@ -1249,7 +1249,7 @@
           <a:p>
             <a:fld id="{978E40F9-06EC-432F-9301-2E07F244FD92}" type="datetime1">
               <a:rPr lang="en-US" smtClean="0"/>
-              <a:t>8/4/2014</a:t>
+              <a:t>8/5/2014</a:t>
             </a:fld>
             <a:endParaRPr lang="en-US"/>
           </a:p>
@@ -1467,7 +1467,7 @@
           <a:p>
             <a:fld id="{20E03D06-7C91-4981-946C-5F87F4FCF9AD}" type="datetime1">
               <a:rPr lang="en-US" smtClean="0"/>
-              <a:t>8/4/2014</a:t>
+              <a:t>8/5/2014</a:t>
             </a:fld>
             <a:endParaRPr lang="en-US"/>
           </a:p>
@@ -1673,7 +1673,7 @@
           <a:p>
             <a:fld id="{94EE102F-BBA5-47B5-B3E7-AF35CCCF9F4D}" type="datetime1">
               <a:rPr lang="en-US" smtClean="0"/>
-              <a:t>8/4/2014</a:t>
+              <a:t>8/5/2014</a:t>
             </a:fld>
             <a:endParaRPr lang="en-US"/>
           </a:p>
@@ -1879,7 +1879,7 @@
           <a:p>
             <a:fld id="{6DFBD1BE-6A4F-4D98-BF0B-ADDB5A85FBE3}" type="datetime1">
               <a:rPr lang="en-US" smtClean="0"/>
-              <a:t>8/4/2014</a:t>
+              <a:t>8/5/2014</a:t>
             </a:fld>
             <a:endParaRPr lang="en-US"/>
           </a:p>
@@ -2111,7 +2111,7 @@
           <a:p>
             <a:fld id="{5CA12F01-F32E-42E6-9812-70BEA5DBCFD4}" type="datetime1">
               <a:rPr lang="en-US" smtClean="0"/>
-              <a:t>8/4/2014</a:t>
+              <a:t>8/5/2014</a:t>
             </a:fld>
             <a:endParaRPr lang="en-US"/>
           </a:p>
@@ -2321,7 +2321,7 @@
           <a:p>
             <a:fld id="{4ADE35DD-7265-41C6-9E2A-205ADF0B08D5}" type="datetime1">
               <a:rPr lang="en-US" smtClean="0"/>
-              <a:t>8/4/2014</a:t>
+              <a:t>8/5/2014</a:t>
             </a:fld>
             <a:endParaRPr lang="en-US"/>
           </a:p>
@@ -2603,7 +2603,7 @@
           <a:p>
             <a:fld id="{011330EA-3A2F-4AA6-9551-59328781FD06}" type="datetime1">
               <a:rPr lang="en-US" smtClean="0"/>
-              <a:t>8/4/2014</a:t>
+              <a:t>8/5/2014</a:t>
             </a:fld>
             <a:endParaRPr lang="en-US"/>
           </a:p>
@@ -2813,7 +2813,7 @@
           <a:p>
             <a:fld id="{64C927B8-48AC-4209-AA95-18D990AB88E8}" type="datetime1">
               <a:rPr lang="en-US" smtClean="0"/>
-              <a:t>8/4/2014</a:t>
+              <a:t>8/5/2014</a:t>
             </a:fld>
             <a:endParaRPr lang="en-US"/>
           </a:p>
@@ -3042,7 +3042,7 @@
           <a:p>
             <a:fld id="{BC8BD616-3C53-4769-B049-3FE930DDEF97}" type="datetime1">
               <a:rPr lang="en-US" smtClean="0"/>
-              <a:t>8/4/2014</a:t>
+              <a:t>8/5/2014</a:t>
             </a:fld>
             <a:endParaRPr lang="en-US"/>
           </a:p>
@@ -3248,7 +3248,7 @@
           <a:p>
             <a:fld id="{6DFBD1BE-6A4F-4D98-BF0B-ADDB5A85FBE3}" type="datetime1">
               <a:rPr lang="en-US" smtClean="0"/>
-              <a:t>8/4/2014</a:t>
+              <a:t>8/5/2014</a:t>
             </a:fld>
             <a:endParaRPr lang="en-US"/>
           </a:p>
@@ -3508,7 +3508,7 @@
           <a:p>
             <a:fld id="{B079C3B8-7366-4A44-A34B-3977080C19E7}" type="datetime1">
               <a:rPr lang="en-US" smtClean="0"/>
-              <a:t>8/4/2014</a:t>
+              <a:t>8/5/2014</a:t>
             </a:fld>
             <a:endParaRPr lang="en-US" dirty="0"/>
           </a:p>
@@ -3653,7 +3653,7 @@
           <a:p>
             <a:fld id="{14FCA8DF-D437-4F44-A7FA-1D633C225705}" type="datetime1">
               <a:rPr lang="en-US" smtClean="0"/>
-              <a:t>8/4/2014</a:t>
+              <a:t>8/5/2014</a:t>
             </a:fld>
             <a:endParaRPr lang="en-US"/>
           </a:p>
@@ -3891,7 +3891,7 @@
           <a:p>
             <a:fld id="{A889F05F-80B9-41D3-BF23-A8E444F74255}" type="datetime1">
               <a:rPr lang="en-US" smtClean="0"/>
-              <a:t>8/4/2014</a:t>
+              <a:t>8/5/2014</a:t>
             </a:fld>
             <a:endParaRPr lang="en-US"/>
           </a:p>
@@ -4117,7 +4117,7 @@
           <a:p>
             <a:fld id="{312D89D2-8BAD-4162-8E57-B687236DD4F5}" type="datetime1">
               <a:rPr lang="en-US" smtClean="0"/>
-              <a:t>8/4/2014</a:t>
+              <a:t>8/5/2014</a:t>
             </a:fld>
             <a:endParaRPr lang="en-US"/>
           </a:p>
@@ -4323,7 +4323,7 @@
           <a:p>
             <a:fld id="{6DFBD1BE-6A4F-4D98-BF0B-ADDB5A85FBE3}" type="datetime1">
               <a:rPr lang="en-US" smtClean="0"/>
-              <a:t>8/4/2014</a:t>
+              <a:t>8/5/2014</a:t>
             </a:fld>
             <a:endParaRPr lang="en-US"/>
           </a:p>
@@ -4571,7 +4571,7 @@
           <a:p>
             <a:fld id="{381A498E-1F91-490C-B0FC-CB0211CC8B4D}" type="datetime1">
               <a:rPr lang="en-US" smtClean="0"/>
-              <a:t>8/4/2014</a:t>
+              <a:t>8/5/2014</a:t>
             </a:fld>
             <a:endParaRPr lang="en-US"/>
           </a:p>
@@ -4777,7 +4777,7 @@
           <a:p>
             <a:fld id="{6DFBD1BE-6A4F-4D98-BF0B-ADDB5A85FBE3}" type="datetime1">
               <a:rPr lang="en-US" smtClean="0"/>
-              <a:t>8/4/2014</a:t>
+              <a:t>8/5/2014</a:t>
             </a:fld>
             <a:endParaRPr lang="en-US"/>
           </a:p>
@@ -5094,7 +5094,7 @@
           <a:p>
             <a:fld id="{0BB6559B-C68D-49B4-97AE-9BB74C417927}" type="datetime1">
               <a:rPr lang="en-US" smtClean="0"/>
-              <a:t>8/4/2014</a:t>
+              <a:t>8/5/2014</a:t>
             </a:fld>
             <a:endParaRPr lang="en-US"/>
           </a:p>
@@ -5245,7 +5245,7 @@
           <a:p>
             <a:fld id="{0C3C20F7-22CF-4B06-A2C4-710BBA74F6A5}" type="datetime1">
               <a:rPr lang="en-US" smtClean="0"/>
-              <a:t>8/4/2014</a:t>
+              <a:t>8/5/2014</a:t>
             </a:fld>
             <a:endParaRPr lang="en-US"/>
           </a:p>
@@ -5487,7 +5487,7 @@
           <a:p>
             <a:fld id="{0C3C20F7-22CF-4B06-A2C4-710BBA74F6A5}" type="datetime1">
               <a:rPr lang="en-US" smtClean="0"/>
-              <a:t>8/4/2014</a:t>
+              <a:t>8/5/2014</a:t>
             </a:fld>
             <a:endParaRPr lang="en-US"/>
           </a:p>
@@ -5693,7 +5693,7 @@
           <a:p>
             <a:fld id="{6E50E453-F0F1-4F28-9386-D0CC835A3436}" type="datetime1">
               <a:rPr lang="en-US" smtClean="0"/>
-              <a:t>8/4/2014</a:t>
+              <a:t>8/5/2014</a:t>
             </a:fld>
             <a:endParaRPr lang="en-US"/>
           </a:p>
@@ -5919,7 +5919,7 @@
           <a:p>
             <a:fld id="{C032A2CD-423F-467E-9AF6-DEA41E45D21C}" type="datetime1">
               <a:rPr lang="en-US" smtClean="0"/>
-              <a:t>8/4/2014</a:t>
+              <a:t>8/5/2014</a:t>
             </a:fld>
             <a:endParaRPr lang="en-US"/>
           </a:p>
@@ -6205,7 +6205,7 @@
           <a:p>
             <a:fld id="{09D58FB4-9AD0-481B-8C84-A17E43C7859F}" type="datetime1">
               <a:rPr lang="en-US" smtClean="0"/>
-              <a:t>8/4/2014</a:t>
+              <a:t>8/5/2014</a:t>
             </a:fld>
             <a:endParaRPr lang="en-US"/>
           </a:p>
@@ -6447,7 +6447,7 @@
           <a:p>
             <a:fld id="{89BD0C63-4500-46F0-B671-0411AD55F261}" type="datetime1">
               <a:rPr lang="en-US" smtClean="0"/>
-              <a:t>8/4/2014</a:t>
+              <a:t>8/5/2014</a:t>
             </a:fld>
             <a:endParaRPr lang="en-US"/>
           </a:p>
@@ -6690,7 +6690,7 @@
           <a:p>
             <a:fld id="{71F2E3B6-EB4C-45C4-A447-56FB08D12314}" type="datetime1">
               <a:rPr lang="en-US" smtClean="0"/>
-              <a:t>8/4/2014</a:t>
+              <a:t>8/5/2014</a:t>
             </a:fld>
             <a:endParaRPr lang="en-US"/>
           </a:p>
@@ -18466,7 +18466,7 @@
                 <a:gridCol w="11225057">
                   <a:extLst>
                     <a:ext uri="{9D8B030D-6E8A-4147-A177-3AD203B41FA5}">
-                      <a16:colId xmlns="" xmlns:a16="http://schemas.microsoft.com/office/drawing/2014/main" val="1253488153"/>
+                      <a16:colId xmlns:a16="http://schemas.microsoft.com/office/drawing/2014/main" xmlns="" val="1253488153"/>
                     </a:ext>
                   </a:extLst>
                 </a:gridCol>
@@ -18496,7 +18496,7 @@
                 </a:tc>
                 <a:extLst>
                   <a:ext uri="{0D108BD9-81ED-4DB2-BD59-A6C34878D82A}">
-                    <a16:rowId xmlns="" xmlns:a16="http://schemas.microsoft.com/office/drawing/2014/main" val="829859176"/>
+                    <a16:rowId xmlns:a16="http://schemas.microsoft.com/office/drawing/2014/main" xmlns="" val="829859176"/>
                   </a:ext>
                 </a:extLst>
               </a:tr>
@@ -18517,7 +18517,7 @@
                 </a:tc>
                 <a:extLst>
                   <a:ext uri="{0D108BD9-81ED-4DB2-BD59-A6C34878D82A}">
-                    <a16:rowId xmlns="" xmlns:a16="http://schemas.microsoft.com/office/drawing/2014/main" val="1946132611"/>
+                    <a16:rowId xmlns:a16="http://schemas.microsoft.com/office/drawing/2014/main" xmlns="" val="1946132611"/>
                   </a:ext>
                 </a:extLst>
               </a:tr>
@@ -18554,7 +18554,7 @@
                 </a:tc>
                 <a:extLst>
                   <a:ext uri="{0D108BD9-81ED-4DB2-BD59-A6C34878D82A}">
-                    <a16:rowId xmlns="" xmlns:a16="http://schemas.microsoft.com/office/drawing/2014/main" val="3204002662"/>
+                    <a16:rowId xmlns:a16="http://schemas.microsoft.com/office/drawing/2014/main" xmlns="" val="3204002662"/>
                   </a:ext>
                 </a:extLst>
               </a:tr>
@@ -18595,7 +18595,7 @@
                 </a:tc>
                 <a:extLst>
                   <a:ext uri="{0D108BD9-81ED-4DB2-BD59-A6C34878D82A}">
-                    <a16:rowId xmlns="" xmlns:a16="http://schemas.microsoft.com/office/drawing/2014/main" val="4266278162"/>
+                    <a16:rowId xmlns:a16="http://schemas.microsoft.com/office/drawing/2014/main" xmlns="" val="4266278162"/>
                   </a:ext>
                 </a:extLst>
               </a:tr>
@@ -26318,8 +26318,8 @@
         </p:nvSpPr>
         <p:spPr>
           <a:xfrm>
-            <a:off x="7417549" y="5683932"/>
-            <a:ext cx="3779561" cy="492443"/>
+            <a:off x="7409078" y="5982418"/>
+            <a:ext cx="1738938" cy="246221"/>
           </a:xfrm>
           <a:prstGeom prst="rect">
             <a:avLst/>
@@ -26362,10 +26362,8 @@
                   <a:lin ang="5400000" scaled="0"/>
                 </a:gradFill>
               </a:rPr>
-              <a:t>App Web presence is dependent upon</a:t>
-            </a:r>
-          </a:p>
-          <a:p>
+              <a:t>App Web </a:t>
+            </a:r>
             <a:r>
               <a:rPr lang="en-US" sz="1600" spc="-70" dirty="0" smtClean="0">
                 <a:gradFill>
@@ -26380,8 +26378,21 @@
                   <a:lin ang="5400000" scaled="0"/>
                 </a:gradFill>
               </a:rPr>
-              <a:t>  whether or not artifacts like lists are deployed</a:t>
-            </a:r>
+              <a:t>is optional</a:t>
+            </a:r>
+            <a:endParaRPr lang="en-US" sz="1600" spc="-70" dirty="0" smtClean="0">
+              <a:gradFill>
+                <a:gsLst>
+                  <a:gs pos="2917">
+                    <a:schemeClr val="bg2"/>
+                  </a:gs>
+                  <a:gs pos="95000">
+                    <a:schemeClr val="bg2"/>
+                  </a:gs>
+                </a:gsLst>
+                <a:lin ang="5400000" scaled="0"/>
+              </a:gradFill>
+            </a:endParaRPr>
           </a:p>
         </p:txBody>
       </p:sp>
@@ -27561,8 +27572,8 @@
         </p:nvSpPr>
         <p:spPr>
           <a:xfrm>
-            <a:off x="7417549" y="5683932"/>
-            <a:ext cx="3779561" cy="492443"/>
+            <a:off x="7409078" y="5908251"/>
+            <a:ext cx="1786066" cy="246221"/>
           </a:xfrm>
           <a:prstGeom prst="rect">
             <a:avLst/>
@@ -27605,10 +27616,8 @@
                   <a:lin ang="5400000" scaled="0"/>
                 </a:gradFill>
               </a:rPr>
-              <a:t>App Web presence is dependent upon</a:t>
-            </a:r>
-          </a:p>
-          <a:p>
+              <a:t>App Web </a:t>
+            </a:r>
             <a:r>
               <a:rPr lang="en-US" sz="1600" spc="-70" dirty="0" smtClean="0">
                 <a:gradFill>
@@ -27623,8 +27632,21 @@
                   <a:lin ang="5400000" scaled="0"/>
                 </a:gradFill>
               </a:rPr>
-              <a:t>  whether or not artifacts like lists are deployed</a:t>
-            </a:r>
+              <a:t>is optional </a:t>
+            </a:r>
+            <a:endParaRPr lang="en-US" sz="1600" spc="-70" dirty="0" smtClean="0">
+              <a:gradFill>
+                <a:gsLst>
+                  <a:gs pos="2917">
+                    <a:schemeClr val="bg2"/>
+                  </a:gs>
+                  <a:gs pos="95000">
+                    <a:schemeClr val="bg2"/>
+                  </a:gs>
+                </a:gsLst>
+                <a:lin ang="5400000" scaled="0"/>
+              </a:gradFill>
+            </a:endParaRPr>
           </a:p>
         </p:txBody>
       </p:sp>
@@ -29249,21 +29271,12 @@
 </file>
 
 <file path=customXml/item1.xml><?xml version="1.0" encoding="utf-8"?>
-<?mso-contentType ?>
-<FormTemplates xmlns="http://schemas.microsoft.com/sharepoint/v3/contenttype/forms">
-  <Display>DocumentLibraryForm</Display>
-  <Edit>DocumentLibraryForm</Edit>
-  <New>DocumentLibraryForm</New>
-</FormTemplates>
-</file>
-
-<file path=customXml/item2.xml><?xml version="1.0" encoding="utf-8"?>
 <p:properties xmlns:p="http://schemas.microsoft.com/office/2006/metadata/properties" xmlns:xsi="http://www.w3.org/2001/XMLSchema-instance" xmlns:pc="http://schemas.microsoft.com/office/infopath/2007/PartnerControls">
   <documentManagement/>
 </p:properties>
 </file>
 
-<file path=customXml/item3.xml><?xml version="1.0" encoding="utf-8"?>
+<file path=customXml/item2.xml><?xml version="1.0" encoding="utf-8"?>
 <ct:contentTypeSchema xmlns:ct="http://schemas.microsoft.com/office/2006/metadata/contentType" xmlns:ma="http://schemas.microsoft.com/office/2006/metadata/properties/metaAttributes" ct:_="" ma:_="" ma:contentTypeName="Document" ma:contentTypeID="0x010100A2E4C90AA7333249A7DBC8CC6F49919B" ma:contentTypeVersion="1" ma:contentTypeDescription="Create a new document." ma:contentTypeScope="" ma:versionID="e7b09f0f38d7ed30c7da14951e97abcc">
   <xsd:schema xmlns:xsd="http://www.w3.org/2001/XMLSchema" xmlns:xs="http://www.w3.org/2001/XMLSchema" xmlns:p="http://schemas.microsoft.com/office/2006/metadata/properties" xmlns:ns2="5fad15d0-477e-40da-a20d-40d4ca777cbd" targetNamespace="http://schemas.microsoft.com/office/2006/metadata/properties" ma:root="true" ma:fieldsID="0cee24db179c30c5ebec40b677cadf70" ns2:_="">
     <xsd:import namespace="5fad15d0-477e-40da-a20d-40d4ca777cbd"/>
@@ -29403,15 +29416,16 @@
 </ct:contentTypeSchema>
 </file>
 
-<file path=customXml/itemProps1.xml><?xml version="1.0" encoding="utf-8"?>
-<ds:datastoreItem xmlns:ds="http://schemas.openxmlformats.org/officeDocument/2006/customXml" ds:itemID="{E1E0CE18-CA03-4891-9CD8-3448778E3D53}">
-  <ds:schemaRefs>
-    <ds:schemaRef ds:uri="http://schemas.microsoft.com/sharepoint/v3/contenttype/forms"/>
-  </ds:schemaRefs>
-</ds:datastoreItem>
+<file path=customXml/item3.xml><?xml version="1.0" encoding="utf-8"?>
+<?mso-contentType ?>
+<FormTemplates xmlns="http://schemas.microsoft.com/sharepoint/v3/contenttype/forms">
+  <Display>DocumentLibraryForm</Display>
+  <Edit>DocumentLibraryForm</Edit>
+  <New>DocumentLibraryForm</New>
+</FormTemplates>
 </file>
 
-<file path=customXml/itemProps2.xml><?xml version="1.0" encoding="utf-8"?>
+<file path=customXml/itemProps1.xml><?xml version="1.0" encoding="utf-8"?>
 <ds:datastoreItem xmlns:ds="http://schemas.openxmlformats.org/officeDocument/2006/customXml" ds:itemID="{DA593625-DB14-4FB0-B5A9-3269FA9C120B}">
   <ds:schemaRefs>
     <ds:schemaRef ds:uri="http://schemas.microsoft.com/office/2006/documentManagement/types"/>
@@ -29427,7 +29441,7 @@
 </ds:datastoreItem>
 </file>
 
-<file path=customXml/itemProps3.xml><?xml version="1.0" encoding="utf-8"?>
+<file path=customXml/itemProps2.xml><?xml version="1.0" encoding="utf-8"?>
 <ds:datastoreItem xmlns:ds="http://schemas.openxmlformats.org/officeDocument/2006/customXml" ds:itemID="{F17DCE38-6787-497B-B958-75817420EB1E}">
   <ds:schemaRefs>
     <ds:schemaRef ds:uri="http://schemas.microsoft.com/office/2006/metadata/contentType"/>
@@ -29443,4 +29457,12 @@
     <ds:schemaRef ds:uri="http://schemas.microsoft.com/internal/obd"/>
   </ds:schemaRefs>
 </ds:datastoreItem>
+</file>
+
+<file path=customXml/itemProps3.xml><?xml version="1.0" encoding="utf-8"?>
+<ds:datastoreItem xmlns:ds="http://schemas.openxmlformats.org/officeDocument/2006/customXml" ds:itemID="{E1E0CE18-CA03-4891-9CD8-3448778E3D53}">
+  <ds:schemaRefs>
+    <ds:schemaRef ds:uri="http://schemas.microsoft.com/sharepoint/v3/contenttype/forms"/>
+  </ds:schemaRefs>
+</ds:datastoreItem>
 </file>
--- a/O3652-6 Deep Dive into Provider Hosted Apps/O3652-6 Deep Dive into Provider Hosted Apps.pptx
+++ b/O3652-6 Deep Dive into Provider Hosted Apps/O3652-6 Deep Dive into Provider Hosted Apps.pptx
@@ -17,8 +17,8 @@
     <p:sldId id="780" r:id="rId8"/>
     <p:sldId id="788" r:id="rId9"/>
     <p:sldId id="783" r:id="rId10"/>
-    <p:sldId id="854" r:id="rId11"/>
-    <p:sldId id="856" r:id="rId12"/>
+    <p:sldId id="891" r:id="rId11"/>
+    <p:sldId id="892" r:id="rId12"/>
     <p:sldId id="873" r:id="rId13"/>
     <p:sldId id="871" r:id="rId14"/>
     <p:sldId id="855" r:id="rId15"/>
@@ -359,7 +359,7 @@
           <a:p>
             <a:fld id="{DE219B1A-AE41-483B-A766-69B9363DDA6A}" type="datetimeFigureOut">
               <a:rPr lang="en-US" smtClean="0"/>
-              <a:t>8/5/2014</a:t>
+              <a:t>9/8/2014</a:t>
             </a:fld>
             <a:endParaRPr lang="en-US"/>
           </a:p>
@@ -641,7 +641,7 @@
           <a:p>
             <a:fld id="{D51B1278-D92B-4AF3-A9C1-71DD298190CE}" type="datetimeFigureOut">
               <a:rPr lang="en-US" smtClean="0"/>
-              <a:t>8/5/2014</a:t>
+              <a:t>9/8/2014</a:t>
             </a:fld>
             <a:endParaRPr lang="en-US"/>
           </a:p>
@@ -1201,33 +1201,6 @@
           <a:bodyPr/>
           <a:lstStyle/>
           <a:p>
-            <a:r>
-              <a:rPr lang="en-US" dirty="0" err="1" smtClean="0"/>
-              <a:t>SharePointAcsContext</a:t>
-            </a:r>
-            <a:r>
-              <a:rPr lang="en-US" dirty="0" smtClean="0"/>
-              <a:t> and </a:t>
-            </a:r>
-            <a:r>
-              <a:rPr lang="en-US" dirty="0" err="1" smtClean="0"/>
-              <a:t>SharePointHightTrustContext</a:t>
-            </a:r>
-            <a:r>
-              <a:rPr lang="en-US" dirty="0" smtClean="0"/>
-              <a:t> both inherit from </a:t>
-            </a:r>
-            <a:r>
-              <a:rPr lang="en-US" dirty="0" err="1" smtClean="0"/>
-              <a:t>SharePointContext</a:t>
-            </a:r>
-            <a:endParaRPr lang="en-US" dirty="0" smtClean="0"/>
-          </a:p>
-          <a:p>
-            <a:r>
-              <a:rPr lang="en-US" dirty="0" smtClean="0"/>
-              <a:t>This means that the same code works in both cloud and on-premises environments</a:t>
-            </a:r>
             <a:endParaRPr lang="en-US" dirty="0"/>
           </a:p>
         </p:txBody>
@@ -1247,9 +1220,9 @@
           <a:bodyPr/>
           <a:lstStyle/>
           <a:p>
-            <a:fld id="{978E40F9-06EC-432F-9301-2E07F244FD92}" type="datetime1">
+            <a:fld id="{94EE102F-BBA5-47B5-B3E7-AF35CCCF9F4D}" type="datetime1">
               <a:rPr lang="en-US" smtClean="0"/>
-              <a:t>8/5/2014</a:t>
+              <a:t>9/8/2014</a:t>
             </a:fld>
             <a:endParaRPr lang="en-US"/>
           </a:p>
@@ -1272,7 +1245,7 @@
           <a:p>
             <a:fld id="{B4008EB6-D09E-4580-8CD6-DDB14511944F}" type="slidenum">
               <a:rPr lang="en-US" smtClean="0"/>
-              <a:t>15</a:t>
+              <a:t>18</a:t>
             </a:fld>
             <a:endParaRPr lang="en-US" dirty="0"/>
           </a:p>
@@ -1380,7 +1353,7 @@
     </p:spTree>
     <p:extLst>
       <p:ext uri="{BB962C8B-B14F-4D97-AF65-F5344CB8AC3E}">
-        <p14:creationId xmlns:p14="http://schemas.microsoft.com/office/powerpoint/2010/main" val="1314518799"/>
+        <p14:creationId xmlns:p14="http://schemas.microsoft.com/office/powerpoint/2010/main" val="1113436874"/>
       </p:ext>
     </p:extLst>
   </p:cSld>
@@ -1434,18 +1407,6 @@
           <a:bodyPr/>
           <a:lstStyle/>
           <a:p>
-            <a:r>
-              <a:rPr lang="en-US" dirty="0" smtClean="0"/>
-              <a:t>The </a:t>
-            </a:r>
-            <a:r>
-              <a:rPr lang="en-US" dirty="0" err="1" smtClean="0"/>
-              <a:t>SharePointContext</a:t>
-            </a:r>
-            <a:r>
-              <a:rPr lang="en-US" baseline="0" dirty="0" smtClean="0"/>
-              <a:t> makes it easy to get the tokens you need</a:t>
-            </a:r>
             <a:endParaRPr lang="en-US" dirty="0"/>
           </a:p>
         </p:txBody>
@@ -1465,9 +1426,9 @@
           <a:bodyPr/>
           <a:lstStyle/>
           <a:p>
-            <a:fld id="{20E03D06-7C91-4981-946C-5F87F4FCF9AD}" type="datetime1">
+            <a:fld id="{6DFBD1BE-6A4F-4D98-BF0B-ADDB5A85FBE3}" type="datetime1">
               <a:rPr lang="en-US" smtClean="0"/>
-              <a:t>8/5/2014</a:t>
+              <a:t>9/8/2014</a:t>
             </a:fld>
             <a:endParaRPr lang="en-US"/>
           </a:p>
@@ -1490,7 +1451,7 @@
           <a:p>
             <a:fld id="{B4008EB6-D09E-4580-8CD6-DDB14511944F}" type="slidenum">
               <a:rPr lang="en-US" smtClean="0"/>
-              <a:t>16</a:t>
+              <a:t>19</a:t>
             </a:fld>
             <a:endParaRPr lang="en-US" dirty="0"/>
           </a:p>
@@ -1598,7 +1559,7 @@
     </p:spTree>
     <p:extLst>
       <p:ext uri="{BB962C8B-B14F-4D97-AF65-F5344CB8AC3E}">
-        <p14:creationId xmlns:p14="http://schemas.microsoft.com/office/powerpoint/2010/main" val="1364623966"/>
+        <p14:creationId xmlns:p14="http://schemas.microsoft.com/office/powerpoint/2010/main" val="3703688786"/>
       </p:ext>
     </p:extLst>
   </p:cSld>
@@ -1652,6 +1613,32 @@
           <a:bodyPr/>
           <a:lstStyle/>
           <a:p>
+            <a:r>
+              <a:rPr lang="en-US" dirty="0" smtClean="0"/>
+              <a:t>This is an optional component</a:t>
+            </a:r>
+          </a:p>
+          <a:p>
+            <a:r>
+              <a:rPr lang="en-US" dirty="0" smtClean="0"/>
+              <a:t>You could also use HTML5 to build your own cache</a:t>
+            </a:r>
+          </a:p>
+          <a:p>
+            <a:r>
+              <a:rPr lang="en-US" dirty="0" smtClean="0"/>
+              <a:t>But you really need to save the standard tokens because you will</a:t>
+            </a:r>
+            <a:r>
+              <a:rPr lang="en-US" baseline="0" dirty="0" smtClean="0"/>
+              <a:t> need them on other pages in the app</a:t>
+            </a:r>
+          </a:p>
+          <a:p>
+            <a:r>
+              <a:rPr lang="en-US" baseline="0" dirty="0" smtClean="0"/>
+              <a:t>That’s the basic problem: you need the standard tokens in many places, so you can cache them or pass them along</a:t>
+            </a:r>
             <a:endParaRPr lang="en-US" dirty="0"/>
           </a:p>
         </p:txBody>
@@ -1671,9 +1658,9 @@
           <a:bodyPr/>
           <a:lstStyle/>
           <a:p>
-            <a:fld id="{94EE102F-BBA5-47B5-B3E7-AF35CCCF9F4D}" type="datetime1">
+            <a:fld id="{5CA12F01-F32E-42E6-9812-70BEA5DBCFD4}" type="datetime1">
               <a:rPr lang="en-US" smtClean="0"/>
-              <a:t>8/5/2014</a:t>
+              <a:t>9/8/2014</a:t>
             </a:fld>
             <a:endParaRPr lang="en-US"/>
           </a:p>
@@ -1696,7 +1683,7 @@
           <a:p>
             <a:fld id="{B4008EB6-D09E-4580-8CD6-DDB14511944F}" type="slidenum">
               <a:rPr lang="en-US" smtClean="0"/>
-              <a:t>18</a:t>
+              <a:t>21</a:t>
             </a:fld>
             <a:endParaRPr lang="en-US" dirty="0"/>
           </a:p>
@@ -1804,7 +1791,7 @@
     </p:spTree>
     <p:extLst>
       <p:ext uri="{BB962C8B-B14F-4D97-AF65-F5344CB8AC3E}">
-        <p14:creationId xmlns:p14="http://schemas.microsoft.com/office/powerpoint/2010/main" val="1113436874"/>
+        <p14:creationId xmlns:p14="http://schemas.microsoft.com/office/powerpoint/2010/main" val="834101685"/>
       </p:ext>
     </p:extLst>
   </p:cSld>
@@ -1858,6 +1845,10 @@
           <a:bodyPr/>
           <a:lstStyle/>
           <a:p>
+            <a:r>
+              <a:rPr lang="en-US" dirty="0" smtClean="0"/>
+              <a:t>Makes it possible to call the app web or host web from JavaScript in the remote web</a:t>
+            </a:r>
             <a:endParaRPr lang="en-US" dirty="0"/>
           </a:p>
         </p:txBody>
@@ -1877,9 +1868,9 @@
           <a:bodyPr/>
           <a:lstStyle/>
           <a:p>
-            <a:fld id="{6DFBD1BE-6A4F-4D98-BF0B-ADDB5A85FBE3}" type="datetime1">
+            <a:fld id="{4ADE35DD-7265-41C6-9E2A-205ADF0B08D5}" type="datetime1">
               <a:rPr lang="en-US" smtClean="0"/>
-              <a:t>8/5/2014</a:t>
+              <a:t>9/8/2014</a:t>
             </a:fld>
             <a:endParaRPr lang="en-US"/>
           </a:p>
@@ -1902,7 +1893,7 @@
           <a:p>
             <a:fld id="{B4008EB6-D09E-4580-8CD6-DDB14511944F}" type="slidenum">
               <a:rPr lang="en-US" smtClean="0"/>
-              <a:t>19</a:t>
+              <a:t>22</a:t>
             </a:fld>
             <a:endParaRPr lang="en-US" dirty="0"/>
           </a:p>
@@ -2010,7 +2001,7 @@
     </p:spTree>
     <p:extLst>
       <p:ext uri="{BB962C8B-B14F-4D97-AF65-F5344CB8AC3E}">
-        <p14:creationId xmlns:p14="http://schemas.microsoft.com/office/powerpoint/2010/main" val="3703688786"/>
+        <p14:creationId xmlns:p14="http://schemas.microsoft.com/office/powerpoint/2010/main" val="2842563969"/>
       </p:ext>
     </p:extLst>
   </p:cSld>
@@ -2064,31 +2055,81 @@
           <a:bodyPr/>
           <a:lstStyle/>
           <a:p>
+            <a:pPr marL="228600" indent="-228600">
+              <a:buAutoNum type="arabicPeriod"/>
+            </a:pPr>
             <a:r>
               <a:rPr lang="en-US" dirty="0" smtClean="0"/>
-              <a:t>This is an optional component</a:t>
-            </a:r>
-          </a:p>
-          <a:p>
+              <a:t>The remote web loads the SPRequestExecutor.js library</a:t>
+            </a:r>
+          </a:p>
+          <a:p>
+            <a:pPr marL="228600" indent="-228600">
+              <a:buAutoNum type="arabicPeriod"/>
+            </a:pPr>
             <a:r>
               <a:rPr lang="en-US" dirty="0" smtClean="0"/>
-              <a:t>You could also use HTML5 to build your own cache</a:t>
-            </a:r>
-          </a:p>
-          <a:p>
+              <a:t>The remote web create a new </a:t>
+            </a:r>
+            <a:r>
+              <a:rPr lang="en-US" dirty="0" err="1" smtClean="0"/>
+              <a:t>SP.RequestExecutor</a:t>
+            </a:r>
             <a:r>
               <a:rPr lang="en-US" dirty="0" smtClean="0"/>
-              <a:t>But you really need to save the standard tokens because you will</a:t>
-            </a:r>
-            <a:r>
-              <a:rPr lang="en-US" baseline="0" dirty="0" smtClean="0"/>
-              <a:t> need them on other pages in the app</a:t>
-            </a:r>
-          </a:p>
-          <a:p>
-            <a:r>
-              <a:rPr lang="en-US" baseline="0" dirty="0" smtClean="0"/>
-              <a:t>That’s the basic problem: you need the standard tokens in many places, so you can cache them or pass them along</a:t>
+              <a:t> object, initializing it with the URL of the app web</a:t>
+            </a:r>
+          </a:p>
+          <a:p>
+            <a:pPr marL="228600" indent="-228600">
+              <a:buAutoNum type="arabicPeriod"/>
+            </a:pPr>
+            <a:r>
+              <a:rPr lang="en-US" dirty="0" smtClean="0"/>
+              <a:t>This causes a hidden IFRAME to be created, which loads APPWebProxy.aspx from the LAYOUTS directory</a:t>
+            </a:r>
+          </a:p>
+          <a:p>
+            <a:pPr marL="228600" indent="-228600">
+              <a:buAutoNum type="arabicPeriod"/>
+            </a:pPr>
+            <a:r>
+              <a:rPr lang="en-US" dirty="0" smtClean="0"/>
+              <a:t>The </a:t>
+            </a:r>
+            <a:r>
+              <a:rPr lang="en-US" dirty="0" err="1" smtClean="0"/>
+              <a:t>SP.RequestExecutor</a:t>
+            </a:r>
+            <a:r>
+              <a:rPr lang="en-US" dirty="0" smtClean="0"/>
+              <a:t> object uses the HTML5 </a:t>
+            </a:r>
+            <a:r>
+              <a:rPr lang="en-US" dirty="0" err="1" smtClean="0"/>
+              <a:t>postmessage</a:t>
+            </a:r>
+            <a:r>
+              <a:rPr lang="en-US" dirty="0" smtClean="0"/>
+              <a:t> command to send requests from the remote web</a:t>
+            </a:r>
+          </a:p>
+          <a:p>
+            <a:pPr marL="228600" indent="-228600">
+              <a:buAutoNum type="arabicPeriod"/>
+            </a:pPr>
+            <a:r>
+              <a:rPr lang="en-US" dirty="0" smtClean="0"/>
+              <a:t>The request is executed by the AppWebProxy.aspx page</a:t>
+            </a:r>
+          </a:p>
+          <a:p>
+            <a:pPr marL="228600" indent="-228600">
+              <a:buAutoNum type="arabicPeriod"/>
+            </a:pPr>
+            <a:r>
+              <a:rPr lang="en-US" dirty="0" smtClean="0"/>
+              <a:t>The response is returned</a:t>
             </a:r>
             <a:endParaRPr lang="en-US" dirty="0"/>
           </a:p>
@@ -2109,9 +2150,9 @@
           <a:bodyPr/>
           <a:lstStyle/>
           <a:p>
-            <a:fld id="{5CA12F01-F32E-42E6-9812-70BEA5DBCFD4}" type="datetime1">
+            <a:fld id="{011330EA-3A2F-4AA6-9551-59328781FD06}" type="datetime1">
               <a:rPr lang="en-US" smtClean="0"/>
-              <a:t>8/5/2014</a:t>
+              <a:t>9/8/2014</a:t>
             </a:fld>
             <a:endParaRPr lang="en-US"/>
           </a:p>
@@ -2134,7 +2175,7 @@
           <a:p>
             <a:fld id="{B4008EB6-D09E-4580-8CD6-DDB14511944F}" type="slidenum">
               <a:rPr lang="en-US" smtClean="0"/>
-              <a:t>21</a:t>
+              <a:t>24</a:t>
             </a:fld>
             <a:endParaRPr lang="en-US" dirty="0"/>
           </a:p>
@@ -2242,7 +2283,7 @@
     </p:spTree>
     <p:extLst>
       <p:ext uri="{BB962C8B-B14F-4D97-AF65-F5344CB8AC3E}">
-        <p14:creationId xmlns:p14="http://schemas.microsoft.com/office/powerpoint/2010/main" val="834101685"/>
+        <p14:creationId xmlns:p14="http://schemas.microsoft.com/office/powerpoint/2010/main" val="1504649696"/>
       </p:ext>
     </p:extLst>
   </p:cSld>
@@ -2298,7 +2339,7 @@
           <a:p>
             <a:r>
               <a:rPr lang="en-US" dirty="0" smtClean="0"/>
-              <a:t>Makes it possible to call the app web or host web from JavaScript in the remote web</a:t>
+              <a:t>When calling the host web, you must switch the context</a:t>
             </a:r>
             <a:endParaRPr lang="en-US" dirty="0"/>
           </a:p>
@@ -2319,9 +2360,9 @@
           <a:bodyPr/>
           <a:lstStyle/>
           <a:p>
-            <a:fld id="{4ADE35DD-7265-41C6-9E2A-205ADF0B08D5}" type="datetime1">
+            <a:fld id="{64C927B8-48AC-4209-AA95-18D990AB88E8}" type="datetime1">
               <a:rPr lang="en-US" smtClean="0"/>
-              <a:t>8/5/2014</a:t>
+              <a:t>9/8/2014</a:t>
             </a:fld>
             <a:endParaRPr lang="en-US"/>
           </a:p>
@@ -2344,7 +2385,7 @@
           <a:p>
             <a:fld id="{B4008EB6-D09E-4580-8CD6-DDB14511944F}" type="slidenum">
               <a:rPr lang="en-US" smtClean="0"/>
-              <a:t>22</a:t>
+              <a:t>25</a:t>
             </a:fld>
             <a:endParaRPr lang="en-US" dirty="0"/>
           </a:p>
@@ -2452,7 +2493,7 @@
     </p:spTree>
     <p:extLst>
       <p:ext uri="{BB962C8B-B14F-4D97-AF65-F5344CB8AC3E}">
-        <p14:creationId xmlns:p14="http://schemas.microsoft.com/office/powerpoint/2010/main" val="2842563969"/>
+        <p14:creationId xmlns:p14="http://schemas.microsoft.com/office/powerpoint/2010/main" val="279782320"/>
       </p:ext>
     </p:extLst>
   </p:cSld>
@@ -2506,82 +2547,29 @@
           <a:bodyPr/>
           <a:lstStyle/>
           <a:p>
-            <a:pPr marL="228600" indent="-228600">
-              <a:buAutoNum type="arabicPeriod"/>
+            <a:pPr marL="0" marR="0" indent="0" algn="l" defTabSz="914363" rtl="0" eaLnBrk="1" fontAlgn="auto" latinLnBrk="0" hangingPunct="1">
+              <a:lnSpc>
+                <a:spcPct val="90000"/>
+              </a:lnSpc>
+              <a:spcBef>
+                <a:spcPts val="0"/>
+              </a:spcBef>
+              <a:spcAft>
+                <a:spcPts val="333"/>
+              </a:spcAft>
+              <a:buClrTx/>
+              <a:buSzTx/>
+              <a:buFontTx/>
+              <a:buNone/>
+              <a:tabLst/>
+              <a:defRPr/>
             </a:pPr>
             <a:r>
               <a:rPr lang="en-US" dirty="0" smtClean="0"/>
-              <a:t>The remote web loads the SPRequestExecutor.js library</a:t>
-            </a:r>
-          </a:p>
-          <a:p>
-            <a:pPr marL="228600" indent="-228600">
-              <a:buAutoNum type="arabicPeriod"/>
-            </a:pPr>
-            <a:r>
-              <a:rPr lang="en-US" dirty="0" smtClean="0"/>
-              <a:t>The remote web create a new </a:t>
-            </a:r>
-            <a:r>
-              <a:rPr lang="en-US" dirty="0" err="1" smtClean="0"/>
-              <a:t>SP.RequestExecutor</a:t>
-            </a:r>
-            <a:r>
-              <a:rPr lang="en-US" dirty="0" smtClean="0"/>
-              <a:t> object, initializing it with the URL of the app web</a:t>
-            </a:r>
-          </a:p>
-          <a:p>
-            <a:pPr marL="228600" indent="-228600">
-              <a:buAutoNum type="arabicPeriod"/>
-            </a:pPr>
-            <a:r>
-              <a:rPr lang="en-US" dirty="0" smtClean="0"/>
-              <a:t>This causes a hidden IFRAME to be created, which loads APPWebProxy.aspx from the LAYOUTS directory</a:t>
-            </a:r>
-          </a:p>
-          <a:p>
-            <a:pPr marL="228600" indent="-228600">
-              <a:buAutoNum type="arabicPeriod"/>
-            </a:pPr>
-            <a:r>
-              <a:rPr lang="en-US" dirty="0" smtClean="0"/>
-              <a:t>The </a:t>
-            </a:r>
-            <a:r>
-              <a:rPr lang="en-US" dirty="0" err="1" smtClean="0"/>
-              <a:t>SP.RequestExecutor</a:t>
-            </a:r>
-            <a:r>
-              <a:rPr lang="en-US" dirty="0" smtClean="0"/>
-              <a:t> object uses the HTML5 </a:t>
-            </a:r>
-            <a:r>
-              <a:rPr lang="en-US" dirty="0" err="1" smtClean="0"/>
-              <a:t>postmessage</a:t>
-            </a:r>
-            <a:r>
-              <a:rPr lang="en-US" dirty="0" smtClean="0"/>
-              <a:t> command to send requests from the remote web</a:t>
-            </a:r>
-          </a:p>
-          <a:p>
-            <a:pPr marL="228600" indent="-228600">
-              <a:buAutoNum type="arabicPeriod"/>
-            </a:pPr>
-            <a:r>
-              <a:rPr lang="en-US" dirty="0" smtClean="0"/>
-              <a:t>The request is executed by the AppWebProxy.aspx page</a:t>
-            </a:r>
-          </a:p>
-          <a:p>
-            <a:pPr marL="228600" indent="-228600">
-              <a:buAutoNum type="arabicPeriod"/>
-            </a:pPr>
-            <a:r>
-              <a:rPr lang="en-US" dirty="0" smtClean="0"/>
-              <a:t>The response is returned</a:t>
-            </a:r>
+              <a:t>When calling the host web, you must switch the context</a:t>
+            </a:r>
+          </a:p>
+          <a:p>
             <a:endParaRPr lang="en-US" dirty="0"/>
           </a:p>
         </p:txBody>
@@ -2601,9 +2589,9 @@
           <a:bodyPr/>
           <a:lstStyle/>
           <a:p>
-            <a:fld id="{011330EA-3A2F-4AA6-9551-59328781FD06}" type="datetime1">
+            <a:fld id="{BC8BD616-3C53-4769-B049-3FE930DDEF97}" type="datetime1">
               <a:rPr lang="en-US" smtClean="0"/>
-              <a:t>8/5/2014</a:t>
+              <a:t>9/8/2014</a:t>
             </a:fld>
             <a:endParaRPr lang="en-US"/>
           </a:p>
@@ -2626,7 +2614,7 @@
           <a:p>
             <a:fld id="{B4008EB6-D09E-4580-8CD6-DDB14511944F}" type="slidenum">
               <a:rPr lang="en-US" smtClean="0"/>
-              <a:t>24</a:t>
+              <a:t>26</a:t>
             </a:fld>
             <a:endParaRPr lang="en-US" dirty="0"/>
           </a:p>
@@ -2734,7 +2722,7 @@
     </p:spTree>
     <p:extLst>
       <p:ext uri="{BB962C8B-B14F-4D97-AF65-F5344CB8AC3E}">
-        <p14:creationId xmlns:p14="http://schemas.microsoft.com/office/powerpoint/2010/main" val="1504649696"/>
+        <p14:creationId xmlns:p14="http://schemas.microsoft.com/office/powerpoint/2010/main" val="3143704054"/>
       </p:ext>
     </p:extLst>
   </p:cSld>
@@ -2788,10 +2776,6 @@
           <a:bodyPr/>
           <a:lstStyle/>
           <a:p>
-            <a:r>
-              <a:rPr lang="en-US" dirty="0" smtClean="0"/>
-              <a:t>When calling the host web, you must switch the context</a:t>
-            </a:r>
             <a:endParaRPr lang="en-US" dirty="0"/>
           </a:p>
         </p:txBody>
@@ -2811,9 +2795,9 @@
           <a:bodyPr/>
           <a:lstStyle/>
           <a:p>
-            <a:fld id="{64C927B8-48AC-4209-AA95-18D990AB88E8}" type="datetime1">
+            <a:fld id="{6DFBD1BE-6A4F-4D98-BF0B-ADDB5A85FBE3}" type="datetime1">
               <a:rPr lang="en-US" smtClean="0"/>
-              <a:t>8/5/2014</a:t>
+              <a:t>9/8/2014</a:t>
             </a:fld>
             <a:endParaRPr lang="en-US"/>
           </a:p>
@@ -2836,7 +2820,7 @@
           <a:p>
             <a:fld id="{B4008EB6-D09E-4580-8CD6-DDB14511944F}" type="slidenum">
               <a:rPr lang="en-US" smtClean="0"/>
-              <a:t>25</a:t>
+              <a:t>27</a:t>
             </a:fld>
             <a:endParaRPr lang="en-US" dirty="0"/>
           </a:p>
@@ -2944,7 +2928,7 @@
     </p:spTree>
     <p:extLst>
       <p:ext uri="{BB962C8B-B14F-4D97-AF65-F5344CB8AC3E}">
-        <p14:creationId xmlns:p14="http://schemas.microsoft.com/office/powerpoint/2010/main" val="279782320"/>
+        <p14:creationId xmlns:p14="http://schemas.microsoft.com/office/powerpoint/2010/main" val="483350293"/>
       </p:ext>
     </p:extLst>
   </p:cSld>
@@ -2998,29 +2982,20 @@
           <a:bodyPr/>
           <a:lstStyle/>
           <a:p>
-            <a:pPr marL="0" marR="0" indent="0" algn="l" defTabSz="914363" rtl="0" eaLnBrk="1" fontAlgn="auto" latinLnBrk="0" hangingPunct="1">
-              <a:lnSpc>
-                <a:spcPct val="90000"/>
-              </a:lnSpc>
-              <a:spcBef>
-                <a:spcPts val="0"/>
-              </a:spcBef>
-              <a:spcAft>
-                <a:spcPts val="333"/>
-              </a:spcAft>
-              <a:buClrTx/>
-              <a:buSzTx/>
-              <a:buFontTx/>
-              <a:buNone/>
-              <a:tabLst/>
-              <a:defRPr/>
-            </a:pPr>
             <a:r>
               <a:rPr lang="en-US" dirty="0" smtClean="0"/>
-              <a:t>When calling the host web, you must switch the context</a:t>
-            </a:r>
-          </a:p>
-          <a:p>
+              <a:t>When you create a remote web, it’s nice to have it borrow some of the characteristics of the host web</a:t>
+            </a:r>
+          </a:p>
+          <a:p>
+            <a:r>
+              <a:rPr lang="en-US" dirty="0" smtClean="0"/>
+              <a:t>This way, it doesn’t surprise</a:t>
+            </a:r>
+            <a:r>
+              <a:rPr lang="en-US" baseline="0" dirty="0" smtClean="0"/>
+              <a:t> the user by changing the UI drastically</a:t>
+            </a:r>
             <a:endParaRPr lang="en-US" dirty="0"/>
           </a:p>
         </p:txBody>
@@ -3040,9 +3015,9 @@
           <a:bodyPr/>
           <a:lstStyle/>
           <a:p>
-            <a:fld id="{BC8BD616-3C53-4769-B049-3FE930DDEF97}" type="datetime1">
+            <a:fld id="{14FCA8DF-D437-4F44-A7FA-1D633C225705}" type="datetime1">
               <a:rPr lang="en-US" smtClean="0"/>
-              <a:t>8/5/2014</a:t>
+              <a:t>9/8/2014</a:t>
             </a:fld>
             <a:endParaRPr lang="en-US"/>
           </a:p>
@@ -3065,7 +3040,7 @@
           <a:p>
             <a:fld id="{B4008EB6-D09E-4580-8CD6-DDB14511944F}" type="slidenum">
               <a:rPr lang="en-US" smtClean="0"/>
-              <a:t>26</a:t>
+              <a:t>29</a:t>
             </a:fld>
             <a:endParaRPr lang="en-US" dirty="0"/>
           </a:p>
@@ -3173,7 +3148,7 @@
     </p:spTree>
     <p:extLst>
       <p:ext uri="{BB962C8B-B14F-4D97-AF65-F5344CB8AC3E}">
-        <p14:creationId xmlns:p14="http://schemas.microsoft.com/office/powerpoint/2010/main" val="3143704054"/>
+        <p14:creationId xmlns:p14="http://schemas.microsoft.com/office/powerpoint/2010/main" val="1296623883"/>
       </p:ext>
     </p:extLst>
   </p:cSld>
@@ -3227,6 +3202,38 @@
           <a:bodyPr/>
           <a:lstStyle/>
           <a:p>
+            <a:r>
+              <a:rPr lang="en-US" dirty="0" smtClean="0"/>
+              <a:t>Create a div tag</a:t>
+            </a:r>
+          </a:p>
+          <a:p>
+            <a:r>
+              <a:rPr lang="en-US" dirty="0" smtClean="0"/>
+              <a:t>Use the attributes data-</a:t>
+            </a:r>
+            <a:r>
+              <a:rPr lang="en-US" dirty="0" err="1" smtClean="0"/>
+              <a:t>ms</a:t>
+            </a:r>
+            <a:r>
+              <a:rPr lang="en-US" dirty="0" smtClean="0"/>
+              <a:t>-control and data-</a:t>
+            </a:r>
+            <a:r>
+              <a:rPr lang="en-US" dirty="0" err="1" smtClean="0"/>
+              <a:t>ms</a:t>
+            </a:r>
+            <a:r>
+              <a:rPr lang="en-US" dirty="0" smtClean="0"/>
+              <a:t>-options</a:t>
+            </a:r>
+          </a:p>
+          <a:p>
+            <a:r>
+              <a:rPr lang="en-US" dirty="0" smtClean="0"/>
+              <a:t>The chrome control will look for these attributes and render itself in this div</a:t>
+            </a:r>
             <a:endParaRPr lang="en-US" dirty="0"/>
           </a:p>
         </p:txBody>
@@ -3246,9 +3253,9 @@
           <a:bodyPr/>
           <a:lstStyle/>
           <a:p>
-            <a:fld id="{6DFBD1BE-6A4F-4D98-BF0B-ADDB5A85FBE3}" type="datetime1">
+            <a:fld id="{A889F05F-80B9-41D3-BF23-A8E444F74255}" type="datetime1">
               <a:rPr lang="en-US" smtClean="0"/>
-              <a:t>8/5/2014</a:t>
+              <a:t>9/8/2014</a:t>
             </a:fld>
             <a:endParaRPr lang="en-US"/>
           </a:p>
@@ -3271,7 +3278,7 @@
           <a:p>
             <a:fld id="{B4008EB6-D09E-4580-8CD6-DDB14511944F}" type="slidenum">
               <a:rPr lang="en-US" smtClean="0"/>
-              <a:t>27</a:t>
+              <a:t>31</a:t>
             </a:fld>
             <a:endParaRPr lang="en-US" dirty="0"/>
           </a:p>
@@ -3379,7 +3386,7 @@
     </p:spTree>
     <p:extLst>
       <p:ext uri="{BB962C8B-B14F-4D97-AF65-F5344CB8AC3E}">
-        <p14:creationId xmlns:p14="http://schemas.microsoft.com/office/powerpoint/2010/main" val="483350293"/>
+        <p14:creationId xmlns:p14="http://schemas.microsoft.com/office/powerpoint/2010/main" val="557417589"/>
       </p:ext>
     </p:extLst>
   </p:cSld>
@@ -3508,7 +3515,7 @@
           <a:p>
             <a:fld id="{B079C3B8-7366-4A44-A34B-3977080C19E7}" type="datetime1">
               <a:rPr lang="en-US" smtClean="0"/>
-              <a:t>8/5/2014</a:t>
+              <a:t>9/8/2014</a:t>
             </a:fld>
             <a:endParaRPr lang="en-US" dirty="0"/>
           </a:p>
@@ -3620,17 +3627,23 @@
           <a:p>
             <a:r>
               <a:rPr lang="en-US" dirty="0" smtClean="0"/>
-              <a:t>When you create a remote web, it’s nice to have it borrow some of the characteristics of the host web</a:t>
+              <a:t>Here a new chrome control is created in code</a:t>
             </a:r>
           </a:p>
           <a:p>
             <a:r>
               <a:rPr lang="en-US" dirty="0" smtClean="0"/>
-              <a:t>This way, it doesn’t surprise</a:t>
+              <a:t>When created, it</a:t>
             </a:r>
             <a:r>
               <a:rPr lang="en-US" baseline="0" dirty="0" smtClean="0"/>
-              <a:t> the user by changing the UI drastically</a:t>
+              <a:t> expects you to supply the options and the ID of the div where it should render</a:t>
+            </a:r>
+          </a:p>
+          <a:p>
+            <a:r>
+              <a:rPr lang="en-US" baseline="0" dirty="0" smtClean="0"/>
+              <a:t>Then it renders itself in the div</a:t>
             </a:r>
             <a:endParaRPr lang="en-US" dirty="0"/>
           </a:p>
@@ -3651,9 +3664,9 @@
           <a:bodyPr/>
           <a:lstStyle/>
           <a:p>
-            <a:fld id="{14FCA8DF-D437-4F44-A7FA-1D633C225705}" type="datetime1">
+            <a:fld id="{312D89D2-8BAD-4162-8E57-B687236DD4F5}" type="datetime1">
               <a:rPr lang="en-US" smtClean="0"/>
-              <a:t>8/5/2014</a:t>
+              <a:t>9/8/2014</a:t>
             </a:fld>
             <a:endParaRPr lang="en-US"/>
           </a:p>
@@ -3676,7 +3689,7 @@
           <a:p>
             <a:fld id="{B4008EB6-D09E-4580-8CD6-DDB14511944F}" type="slidenum">
               <a:rPr lang="en-US" smtClean="0"/>
-              <a:t>29</a:t>
+              <a:t>32</a:t>
             </a:fld>
             <a:endParaRPr lang="en-US" dirty="0"/>
           </a:p>
@@ -3784,7 +3797,7 @@
     </p:spTree>
     <p:extLst>
       <p:ext uri="{BB962C8B-B14F-4D97-AF65-F5344CB8AC3E}">
-        <p14:creationId xmlns:p14="http://schemas.microsoft.com/office/powerpoint/2010/main" val="1296623883"/>
+        <p14:creationId xmlns:p14="http://schemas.microsoft.com/office/powerpoint/2010/main" val="2775110973"/>
       </p:ext>
     </p:extLst>
   </p:cSld>
@@ -3838,38 +3851,6 @@
           <a:bodyPr/>
           <a:lstStyle/>
           <a:p>
-            <a:r>
-              <a:rPr lang="en-US" dirty="0" smtClean="0"/>
-              <a:t>Create a div tag</a:t>
-            </a:r>
-          </a:p>
-          <a:p>
-            <a:r>
-              <a:rPr lang="en-US" dirty="0" smtClean="0"/>
-              <a:t>Use the attributes data-</a:t>
-            </a:r>
-            <a:r>
-              <a:rPr lang="en-US" dirty="0" err="1" smtClean="0"/>
-              <a:t>ms</a:t>
-            </a:r>
-            <a:r>
-              <a:rPr lang="en-US" dirty="0" smtClean="0"/>
-              <a:t>-control and data-</a:t>
-            </a:r>
-            <a:r>
-              <a:rPr lang="en-US" dirty="0" err="1" smtClean="0"/>
-              <a:t>ms</a:t>
-            </a:r>
-            <a:r>
-              <a:rPr lang="en-US" dirty="0" smtClean="0"/>
-              <a:t>-options</a:t>
-            </a:r>
-          </a:p>
-          <a:p>
-            <a:r>
-              <a:rPr lang="en-US" dirty="0" smtClean="0"/>
-              <a:t>The chrome control will look for these attributes and render itself in this div</a:t>
-            </a:r>
             <a:endParaRPr lang="en-US" dirty="0"/>
           </a:p>
         </p:txBody>
@@ -3889,9 +3870,9 @@
           <a:bodyPr/>
           <a:lstStyle/>
           <a:p>
-            <a:fld id="{A889F05F-80B9-41D3-BF23-A8E444F74255}" type="datetime1">
+            <a:fld id="{6DFBD1BE-6A4F-4D98-BF0B-ADDB5A85FBE3}" type="datetime1">
               <a:rPr lang="en-US" smtClean="0"/>
-              <a:t>8/5/2014</a:t>
+              <a:t>9/8/2014</a:t>
             </a:fld>
             <a:endParaRPr lang="en-US"/>
           </a:p>
@@ -3914,7 +3895,7 @@
           <a:p>
             <a:fld id="{B4008EB6-D09E-4580-8CD6-DDB14511944F}" type="slidenum">
               <a:rPr lang="en-US" smtClean="0"/>
-              <a:t>31</a:t>
+              <a:t>33</a:t>
             </a:fld>
             <a:endParaRPr lang="en-US" dirty="0"/>
           </a:p>
@@ -4022,7 +4003,7 @@
     </p:spTree>
     <p:extLst>
       <p:ext uri="{BB962C8B-B14F-4D97-AF65-F5344CB8AC3E}">
-        <p14:creationId xmlns:p14="http://schemas.microsoft.com/office/powerpoint/2010/main" val="557417589"/>
+        <p14:creationId xmlns:p14="http://schemas.microsoft.com/office/powerpoint/2010/main" val="2667516962"/>
       </p:ext>
     </p:extLst>
   </p:cSld>
@@ -4078,23 +4059,45 @@
           <a:p>
             <a:r>
               <a:rPr lang="en-US" dirty="0" smtClean="0"/>
-              <a:t>Here a new chrome control is created in code</a:t>
-            </a:r>
-          </a:p>
-          <a:p>
-            <a:r>
-              <a:rPr lang="en-US" dirty="0" smtClean="0"/>
-              <a:t>When created, it</a:t>
+              <a:t>The event handler infrastructure follows the same pattern as</a:t>
             </a:r>
             <a:r>
               <a:rPr lang="en-US" baseline="0" dirty="0" smtClean="0"/>
-              <a:t> expects you to supply the options and the ID of the div where it should render</a:t>
+              <a:t> the in-process handlers of old</a:t>
             </a:r>
           </a:p>
           <a:p>
             <a:r>
               <a:rPr lang="en-US" baseline="0" dirty="0" smtClean="0"/>
-              <a:t>Then it renders itself in the div</a:t>
+              <a:t>We have both “before” and “after” event</a:t>
+            </a:r>
+          </a:p>
+          <a:p>
+            <a:r>
+              <a:rPr lang="en-US" baseline="0" dirty="0" smtClean="0"/>
+              <a:t>These are also known as “ING” and “ED” events like “</a:t>
+            </a:r>
+            <a:r>
+              <a:rPr lang="en-US" baseline="0" dirty="0" err="1" smtClean="0"/>
+              <a:t>ItemAdding</a:t>
+            </a:r>
+            <a:r>
+              <a:rPr lang="en-US" baseline="0" dirty="0" smtClean="0"/>
+              <a:t>” and “</a:t>
+            </a:r>
+            <a:r>
+              <a:rPr lang="en-US" baseline="0" dirty="0" err="1" smtClean="0"/>
+              <a:t>ItemAdded</a:t>
+            </a:r>
+            <a:r>
+              <a:rPr lang="en-US" baseline="0" dirty="0" smtClean="0"/>
+              <a:t>”</a:t>
+            </a:r>
+          </a:p>
+          <a:p>
+            <a:r>
+              <a:rPr lang="en-US" baseline="0" dirty="0" smtClean="0"/>
+              <a:t>Two-way events are synchronous</a:t>
             </a:r>
             <a:endParaRPr lang="en-US" dirty="0"/>
           </a:p>
@@ -4115,9 +4118,9 @@
           <a:bodyPr/>
           <a:lstStyle/>
           <a:p>
-            <a:fld id="{312D89D2-8BAD-4162-8E57-B687236DD4F5}" type="datetime1">
+            <a:fld id="{381A498E-1F91-490C-B0FC-CB0211CC8B4D}" type="datetime1">
               <a:rPr lang="en-US" smtClean="0"/>
-              <a:t>8/5/2014</a:t>
+              <a:t>9/8/2014</a:t>
             </a:fld>
             <a:endParaRPr lang="en-US"/>
           </a:p>
@@ -4140,7 +4143,7 @@
           <a:p>
             <a:fld id="{B4008EB6-D09E-4580-8CD6-DDB14511944F}" type="slidenum">
               <a:rPr lang="en-US" smtClean="0"/>
-              <a:t>32</a:t>
+              <a:t>35</a:t>
             </a:fld>
             <a:endParaRPr lang="en-US" dirty="0"/>
           </a:p>
@@ -4248,7 +4251,7 @@
     </p:spTree>
     <p:extLst>
       <p:ext uri="{BB962C8B-B14F-4D97-AF65-F5344CB8AC3E}">
-        <p14:creationId xmlns:p14="http://schemas.microsoft.com/office/powerpoint/2010/main" val="2775110973"/>
+        <p14:creationId xmlns:p14="http://schemas.microsoft.com/office/powerpoint/2010/main" val="2772282231"/>
       </p:ext>
     </p:extLst>
   </p:cSld>
@@ -4323,7 +4326,7 @@
           <a:p>
             <a:fld id="{6DFBD1BE-6A4F-4D98-BF0B-ADDB5A85FBE3}" type="datetime1">
               <a:rPr lang="en-US" smtClean="0"/>
-              <a:t>8/5/2014</a:t>
+              <a:t>9/8/2014</a:t>
             </a:fld>
             <a:endParaRPr lang="en-US"/>
           </a:p>
@@ -4346,7 +4349,7 @@
           <a:p>
             <a:fld id="{B4008EB6-D09E-4580-8CD6-DDB14511944F}" type="slidenum">
               <a:rPr lang="en-US" smtClean="0"/>
-              <a:t>33</a:t>
+              <a:t>43</a:t>
             </a:fld>
             <a:endParaRPr lang="en-US" dirty="0"/>
           </a:p>
@@ -4454,7 +4457,7 @@
     </p:spTree>
     <p:extLst>
       <p:ext uri="{BB962C8B-B14F-4D97-AF65-F5344CB8AC3E}">
-        <p14:creationId xmlns:p14="http://schemas.microsoft.com/office/powerpoint/2010/main" val="2667516962"/>
+        <p14:creationId xmlns:p14="http://schemas.microsoft.com/office/powerpoint/2010/main" val="4086493756"/>
       </p:ext>
     </p:extLst>
   </p:cSld>
@@ -4508,460 +4511,6 @@
           <a:bodyPr/>
           <a:lstStyle/>
           <a:p>
-            <a:r>
-              <a:rPr lang="en-US" dirty="0" smtClean="0"/>
-              <a:t>The event handler infrastructure follows the same pattern as</a:t>
-            </a:r>
-            <a:r>
-              <a:rPr lang="en-US" baseline="0" dirty="0" smtClean="0"/>
-              <a:t> the in-process handlers of old</a:t>
-            </a:r>
-          </a:p>
-          <a:p>
-            <a:r>
-              <a:rPr lang="en-US" baseline="0" dirty="0" smtClean="0"/>
-              <a:t>We have both “before” and “after” event</a:t>
-            </a:r>
-          </a:p>
-          <a:p>
-            <a:r>
-              <a:rPr lang="en-US" baseline="0" dirty="0" smtClean="0"/>
-              <a:t>These are also known as “ING” and “ED” events like “</a:t>
-            </a:r>
-            <a:r>
-              <a:rPr lang="en-US" baseline="0" dirty="0" err="1" smtClean="0"/>
-              <a:t>ItemAdding</a:t>
-            </a:r>
-            <a:r>
-              <a:rPr lang="en-US" baseline="0" dirty="0" smtClean="0"/>
-              <a:t>” and “</a:t>
-            </a:r>
-            <a:r>
-              <a:rPr lang="en-US" baseline="0" dirty="0" err="1" smtClean="0"/>
-              <a:t>ItemAdded</a:t>
-            </a:r>
-            <a:r>
-              <a:rPr lang="en-US" baseline="0" dirty="0" smtClean="0"/>
-              <a:t>”</a:t>
-            </a:r>
-          </a:p>
-          <a:p>
-            <a:r>
-              <a:rPr lang="en-US" baseline="0" dirty="0" smtClean="0"/>
-              <a:t>Two-way events are synchronous</a:t>
-            </a:r>
-            <a:endParaRPr lang="en-US" dirty="0"/>
-          </a:p>
-        </p:txBody>
-      </p:sp>
-      <p:sp>
-        <p:nvSpPr>
-          <p:cNvPr id="4" name="Date Placeholder 3"/>
-          <p:cNvSpPr>
-            <a:spLocks noGrp="1"/>
-          </p:cNvSpPr>
-          <p:nvPr>
-            <p:ph type="dt" idx="10"/>
-          </p:nvPr>
-        </p:nvSpPr>
-        <p:spPr/>
-        <p:txBody>
-          <a:bodyPr/>
-          <a:lstStyle/>
-          <a:p>
-            <a:fld id="{381A498E-1F91-490C-B0FC-CB0211CC8B4D}" type="datetime1">
-              <a:rPr lang="en-US" smtClean="0"/>
-              <a:t>8/5/2014</a:t>
-            </a:fld>
-            <a:endParaRPr lang="en-US"/>
-          </a:p>
-        </p:txBody>
-      </p:sp>
-      <p:sp>
-        <p:nvSpPr>
-          <p:cNvPr id="5" name="Slide Number Placeholder 4"/>
-          <p:cNvSpPr>
-            <a:spLocks noGrp="1"/>
-          </p:cNvSpPr>
-          <p:nvPr>
-            <p:ph type="sldNum" sz="quarter" idx="11"/>
-          </p:nvPr>
-        </p:nvSpPr>
-        <p:spPr/>
-        <p:txBody>
-          <a:bodyPr/>
-          <a:lstStyle/>
-          <a:p>
-            <a:fld id="{B4008EB6-D09E-4580-8CD6-DDB14511944F}" type="slidenum">
-              <a:rPr lang="en-US" smtClean="0"/>
-              <a:t>35</a:t>
-            </a:fld>
-            <a:endParaRPr lang="en-US" dirty="0"/>
-          </a:p>
-        </p:txBody>
-      </p:sp>
-      <p:sp>
-        <p:nvSpPr>
-          <p:cNvPr id="6" name="Header Placeholder 5"/>
-          <p:cNvSpPr>
-            <a:spLocks noGrp="1"/>
-          </p:cNvSpPr>
-          <p:nvPr>
-            <p:ph type="hdr" sz="quarter" idx="12"/>
-          </p:nvPr>
-        </p:nvSpPr>
-        <p:spPr/>
-        <p:txBody>
-          <a:bodyPr/>
-          <a:lstStyle/>
-          <a:p>
-            <a:r>
-              <a:rPr lang="en-US" smtClean="0"/>
-              <a:t>Microsoft Office</a:t>
-            </a:r>
-            <a:endParaRPr lang="en-US" dirty="0"/>
-          </a:p>
-        </p:txBody>
-      </p:sp>
-      <p:sp>
-        <p:nvSpPr>
-          <p:cNvPr id="7" name="Footer Placeholder 6"/>
-          <p:cNvSpPr>
-            <a:spLocks noGrp="1"/>
-          </p:cNvSpPr>
-          <p:nvPr>
-            <p:ph type="ftr" sz="quarter" idx="13"/>
-          </p:nvPr>
-        </p:nvSpPr>
-        <p:spPr/>
-        <p:txBody>
-          <a:bodyPr/>
-          <a:lstStyle/>
-          <a:p>
-            <a:pPr marL="231775" defTabSz="914099" eaLnBrk="0" hangingPunct="0"/>
-            <a:r>
-              <a:rPr lang="en-US" sz="500" smtClean="0">
-                <a:gradFill>
-                  <a:gsLst>
-                    <a:gs pos="0">
-                      <a:schemeClr val="tx1"/>
-                    </a:gs>
-                    <a:gs pos="100000">
-                      <a:schemeClr val="tx1"/>
-                    </a:gs>
-                  </a:gsLst>
-                  <a:lin ang="5400000" scaled="0"/>
-                </a:gradFill>
-                <a:latin typeface="Segoe UI" pitchFamily="34" charset="0"/>
-                <a:ea typeface="Segoe UI" pitchFamily="34" charset="0"/>
-                <a:cs typeface="Segoe UI" pitchFamily="34" charset="0"/>
-              </a:rPr>
-              <a:t>© 2012 Microsoft Corporation. All rights reserved. Microsoft, Windows, and other product names are or may be registered trademarks and/or trademarks in the U.S. and/or other countries.</a:t>
-            </a:r>
-          </a:p>
-          <a:p>
-            <a:pPr marL="231775" defTabSz="914099" eaLnBrk="0" hangingPunct="0"/>
-            <a:r>
-              <a:rPr lang="en-US" sz="500" smtClean="0">
-                <a:gradFill>
-                  <a:gsLst>
-                    <a:gs pos="0">
-                      <a:schemeClr val="tx1"/>
-                    </a:gs>
-                    <a:gs pos="100000">
-                      <a:schemeClr val="tx1"/>
-                    </a:gs>
-                  </a:gsLst>
-                  <a:lin ang="5400000" scaled="0"/>
-                </a:gradFill>
-                <a:latin typeface="Segoe UI" pitchFamily="34" charset="0"/>
-                <a:ea typeface="Segoe UI" pitchFamily="34" charset="0"/>
-                <a:cs typeface="Segoe UI" pitchFamily="34" charset="0"/>
-              </a:rPr>
-              <a:t>The information herein is for informational purposes only and represents the current view of Microsoft Corporation as of the date of this presentation.  Because Microsoft must respond to changing market conditions, it should not be interpreted to be a commitment on the part of Microsoft, and Microsoft cannot guarantee the accuracy of any information provided after the date of this presentation.  MICROSOFT MAKES NO WARRANTIES, EXPRESS, IMPLIED OR STATUTORY, AS TO THE INFORMATION IN THIS PRESENTATION.</a:t>
-            </a:r>
-            <a:endParaRPr lang="en-US" sz="500" dirty="0">
-              <a:gradFill>
-                <a:gsLst>
-                  <a:gs pos="0">
-                    <a:schemeClr val="tx1"/>
-                  </a:gs>
-                  <a:gs pos="100000">
-                    <a:schemeClr val="tx1"/>
-                  </a:gs>
-                </a:gsLst>
-                <a:lin ang="5400000" scaled="0"/>
-              </a:gradFill>
-              <a:latin typeface="Segoe UI" pitchFamily="34" charset="0"/>
-              <a:ea typeface="Segoe UI" pitchFamily="34" charset="0"/>
-              <a:cs typeface="Segoe UI" pitchFamily="34" charset="0"/>
-            </a:endParaRPr>
-          </a:p>
-        </p:txBody>
-      </p:sp>
-    </p:spTree>
-    <p:extLst>
-      <p:ext uri="{BB962C8B-B14F-4D97-AF65-F5344CB8AC3E}">
-        <p14:creationId xmlns:p14="http://schemas.microsoft.com/office/powerpoint/2010/main" val="2772282231"/>
-      </p:ext>
-    </p:extLst>
-  </p:cSld>
-  <p:clrMapOvr>
-    <a:masterClrMapping/>
-  </p:clrMapOvr>
-</p:notes>
-</file>
-
-<file path=ppt/notesSlides/notesSlide25.xml><?xml version="1.0" encoding="utf-8"?>
-<p:notes xmlns:a="http://schemas.openxmlformats.org/drawingml/2006/main" xmlns:r="http://schemas.openxmlformats.org/officeDocument/2006/relationships" xmlns:p="http://schemas.openxmlformats.org/presentationml/2006/main">
-  <p:cSld>
-    <p:spTree>
-      <p:nvGrpSpPr>
-        <p:cNvPr id="1" name=""/>
-        <p:cNvGrpSpPr/>
-        <p:nvPr/>
-      </p:nvGrpSpPr>
-      <p:grpSpPr>
-        <a:xfrm>
-          <a:off x="0" y="0"/>
-          <a:ext cx="0" cy="0"/>
-          <a:chOff x="0" y="0"/>
-          <a:chExt cx="0" cy="0"/>
-        </a:xfrm>
-      </p:grpSpPr>
-      <p:sp>
-        <p:nvSpPr>
-          <p:cNvPr id="2" name="Slide Image Placeholder 1"/>
-          <p:cNvSpPr>
-            <a:spLocks noGrp="1" noRot="1" noChangeAspect="1"/>
-          </p:cNvSpPr>
-          <p:nvPr>
-            <p:ph type="sldImg"/>
-          </p:nvPr>
-        </p:nvSpPr>
-        <p:spPr/>
-      </p:sp>
-      <p:sp>
-        <p:nvSpPr>
-          <p:cNvPr id="3" name="Notes Placeholder 2"/>
-          <p:cNvSpPr>
-            <a:spLocks noGrp="1"/>
-          </p:cNvSpPr>
-          <p:nvPr>
-            <p:ph type="body" idx="1"/>
-          </p:nvPr>
-        </p:nvSpPr>
-        <p:spPr/>
-        <p:txBody>
-          <a:bodyPr/>
-          <a:lstStyle/>
-          <a:p>
-            <a:endParaRPr lang="en-US" dirty="0"/>
-          </a:p>
-        </p:txBody>
-      </p:sp>
-      <p:sp>
-        <p:nvSpPr>
-          <p:cNvPr id="4" name="Date Placeholder 3"/>
-          <p:cNvSpPr>
-            <a:spLocks noGrp="1"/>
-          </p:cNvSpPr>
-          <p:nvPr>
-            <p:ph type="dt" idx="10"/>
-          </p:nvPr>
-        </p:nvSpPr>
-        <p:spPr/>
-        <p:txBody>
-          <a:bodyPr/>
-          <a:lstStyle/>
-          <a:p>
-            <a:fld id="{6DFBD1BE-6A4F-4D98-BF0B-ADDB5A85FBE3}" type="datetime1">
-              <a:rPr lang="en-US" smtClean="0"/>
-              <a:t>8/5/2014</a:t>
-            </a:fld>
-            <a:endParaRPr lang="en-US"/>
-          </a:p>
-        </p:txBody>
-      </p:sp>
-      <p:sp>
-        <p:nvSpPr>
-          <p:cNvPr id="5" name="Slide Number Placeholder 4"/>
-          <p:cNvSpPr>
-            <a:spLocks noGrp="1"/>
-          </p:cNvSpPr>
-          <p:nvPr>
-            <p:ph type="sldNum" sz="quarter" idx="11"/>
-          </p:nvPr>
-        </p:nvSpPr>
-        <p:spPr/>
-        <p:txBody>
-          <a:bodyPr/>
-          <a:lstStyle/>
-          <a:p>
-            <a:fld id="{B4008EB6-D09E-4580-8CD6-DDB14511944F}" type="slidenum">
-              <a:rPr lang="en-US" smtClean="0"/>
-              <a:t>43</a:t>
-            </a:fld>
-            <a:endParaRPr lang="en-US" dirty="0"/>
-          </a:p>
-        </p:txBody>
-      </p:sp>
-      <p:sp>
-        <p:nvSpPr>
-          <p:cNvPr id="6" name="Header Placeholder 5"/>
-          <p:cNvSpPr>
-            <a:spLocks noGrp="1"/>
-          </p:cNvSpPr>
-          <p:nvPr>
-            <p:ph type="hdr" sz="quarter" idx="12"/>
-          </p:nvPr>
-        </p:nvSpPr>
-        <p:spPr/>
-        <p:txBody>
-          <a:bodyPr/>
-          <a:lstStyle/>
-          <a:p>
-            <a:r>
-              <a:rPr lang="en-US" smtClean="0"/>
-              <a:t>Microsoft Office</a:t>
-            </a:r>
-            <a:endParaRPr lang="en-US" dirty="0"/>
-          </a:p>
-        </p:txBody>
-      </p:sp>
-      <p:sp>
-        <p:nvSpPr>
-          <p:cNvPr id="7" name="Footer Placeholder 6"/>
-          <p:cNvSpPr>
-            <a:spLocks noGrp="1"/>
-          </p:cNvSpPr>
-          <p:nvPr>
-            <p:ph type="ftr" sz="quarter" idx="13"/>
-          </p:nvPr>
-        </p:nvSpPr>
-        <p:spPr/>
-        <p:txBody>
-          <a:bodyPr/>
-          <a:lstStyle/>
-          <a:p>
-            <a:pPr marL="231775" defTabSz="914099" eaLnBrk="0" hangingPunct="0"/>
-            <a:r>
-              <a:rPr lang="en-US" sz="500" smtClean="0">
-                <a:gradFill>
-                  <a:gsLst>
-                    <a:gs pos="0">
-                      <a:schemeClr val="tx1"/>
-                    </a:gs>
-                    <a:gs pos="100000">
-                      <a:schemeClr val="tx1"/>
-                    </a:gs>
-                  </a:gsLst>
-                  <a:lin ang="5400000" scaled="0"/>
-                </a:gradFill>
-                <a:latin typeface="Segoe UI" pitchFamily="34" charset="0"/>
-                <a:ea typeface="Segoe UI" pitchFamily="34" charset="0"/>
-                <a:cs typeface="Segoe UI" pitchFamily="34" charset="0"/>
-              </a:rPr>
-              <a:t>© 2012 Microsoft Corporation. All rights reserved. Microsoft, Windows, and other product names are or may be registered trademarks and/or trademarks in the U.S. and/or other countries.</a:t>
-            </a:r>
-          </a:p>
-          <a:p>
-            <a:pPr marL="231775" defTabSz="914099" eaLnBrk="0" hangingPunct="0"/>
-            <a:r>
-              <a:rPr lang="en-US" sz="500" smtClean="0">
-                <a:gradFill>
-                  <a:gsLst>
-                    <a:gs pos="0">
-                      <a:schemeClr val="tx1"/>
-                    </a:gs>
-                    <a:gs pos="100000">
-                      <a:schemeClr val="tx1"/>
-                    </a:gs>
-                  </a:gsLst>
-                  <a:lin ang="5400000" scaled="0"/>
-                </a:gradFill>
-                <a:latin typeface="Segoe UI" pitchFamily="34" charset="0"/>
-                <a:ea typeface="Segoe UI" pitchFamily="34" charset="0"/>
-                <a:cs typeface="Segoe UI" pitchFamily="34" charset="0"/>
-              </a:rPr>
-              <a:t>The information herein is for informational purposes only and represents the current view of Microsoft Corporation as of the date of this presentation.  Because Microsoft must respond to changing market conditions, it should not be interpreted to be a commitment on the part of Microsoft, and Microsoft cannot guarantee the accuracy of any information provided after the date of this presentation.  MICROSOFT MAKES NO WARRANTIES, EXPRESS, IMPLIED OR STATUTORY, AS TO THE INFORMATION IN THIS PRESENTATION.</a:t>
-            </a:r>
-            <a:endParaRPr lang="en-US" sz="500" dirty="0">
-              <a:gradFill>
-                <a:gsLst>
-                  <a:gs pos="0">
-                    <a:schemeClr val="tx1"/>
-                  </a:gs>
-                  <a:gs pos="100000">
-                    <a:schemeClr val="tx1"/>
-                  </a:gs>
-                </a:gsLst>
-                <a:lin ang="5400000" scaled="0"/>
-              </a:gradFill>
-              <a:latin typeface="Segoe UI" pitchFamily="34" charset="0"/>
-              <a:ea typeface="Segoe UI" pitchFamily="34" charset="0"/>
-              <a:cs typeface="Segoe UI" pitchFamily="34" charset="0"/>
-            </a:endParaRPr>
-          </a:p>
-        </p:txBody>
-      </p:sp>
-    </p:spTree>
-    <p:extLst>
-      <p:ext uri="{BB962C8B-B14F-4D97-AF65-F5344CB8AC3E}">
-        <p14:creationId xmlns:p14="http://schemas.microsoft.com/office/powerpoint/2010/main" val="4086493756"/>
-      </p:ext>
-    </p:extLst>
-  </p:cSld>
-  <p:clrMapOvr>
-    <a:masterClrMapping/>
-  </p:clrMapOvr>
-</p:notes>
-</file>
-
-<file path=ppt/notesSlides/notesSlide26.xml><?xml version="1.0" encoding="utf-8"?>
-<p:notes xmlns:a="http://schemas.openxmlformats.org/drawingml/2006/main" xmlns:r="http://schemas.openxmlformats.org/officeDocument/2006/relationships" xmlns:p="http://schemas.openxmlformats.org/presentationml/2006/main">
-  <p:cSld>
-    <p:spTree>
-      <p:nvGrpSpPr>
-        <p:cNvPr id="1" name=""/>
-        <p:cNvGrpSpPr/>
-        <p:nvPr/>
-      </p:nvGrpSpPr>
-      <p:grpSpPr>
-        <a:xfrm>
-          <a:off x="0" y="0"/>
-          <a:ext cx="0" cy="0"/>
-          <a:chOff x="0" y="0"/>
-          <a:chExt cx="0" cy="0"/>
-        </a:xfrm>
-      </p:grpSpPr>
-      <p:sp>
-        <p:nvSpPr>
-          <p:cNvPr id="2" name="Slide Image Placeholder 1"/>
-          <p:cNvSpPr>
-            <a:spLocks noGrp="1" noRot="1" noChangeAspect="1"/>
-          </p:cNvSpPr>
-          <p:nvPr>
-            <p:ph type="sldImg"/>
-          </p:nvPr>
-        </p:nvSpPr>
-        <p:spPr/>
-      </p:sp>
-      <p:sp>
-        <p:nvSpPr>
-          <p:cNvPr id="3" name="Notes Placeholder 2"/>
-          <p:cNvSpPr>
-            <a:spLocks noGrp="1"/>
-          </p:cNvSpPr>
-          <p:nvPr>
-            <p:ph type="body" idx="1"/>
-          </p:nvPr>
-        </p:nvSpPr>
-        <p:spPr/>
-        <p:txBody>
-          <a:bodyPr/>
-          <a:lstStyle/>
-          <a:p>
             <a:endParaRPr lang="en-US"/>
           </a:p>
         </p:txBody>
@@ -5094,7 +4643,7 @@
           <a:p>
             <a:fld id="{0BB6559B-C68D-49B4-97AE-9BB74C417927}" type="datetime1">
               <a:rPr lang="en-US" smtClean="0"/>
-              <a:t>8/5/2014</a:t>
+              <a:t>9/8/2014</a:t>
             </a:fld>
             <a:endParaRPr lang="en-US"/>
           </a:p>
@@ -5180,50 +4729,6 @@
           <a:bodyPr/>
           <a:lstStyle/>
           <a:p>
-            <a:r>
-              <a:rPr lang="en-US" dirty="0" smtClean="0"/>
-              <a:t>Remote web is deployed on separate infrastructure</a:t>
-            </a:r>
-          </a:p>
-          <a:p>
-            <a:r>
-              <a:rPr lang="en-US" dirty="0" smtClean="0"/>
-              <a:t>Typically this is Azure web sites, but can be anything</a:t>
-            </a:r>
-          </a:p>
-          <a:p>
-            <a:r>
-              <a:rPr lang="en-US" dirty="0" smtClean="0"/>
-              <a:t>Solution may or may not have an App Web depending upon whether anything is deployed (like</a:t>
-            </a:r>
-            <a:r>
-              <a:rPr lang="en-US" baseline="0" dirty="0" smtClean="0"/>
-              <a:t> lists or libraries in the App Web)</a:t>
-            </a:r>
-          </a:p>
-          <a:p>
-            <a:r>
-              <a:rPr lang="en-US" baseline="0" dirty="0" smtClean="0"/>
-              <a:t>Host web can be accessed by remote web using </a:t>
-            </a:r>
-            <a:r>
-              <a:rPr lang="en-US" baseline="0" dirty="0" err="1" smtClean="0"/>
-              <a:t>OAuth</a:t>
-            </a:r>
-            <a:r>
-              <a:rPr lang="en-US" baseline="0" dirty="0" smtClean="0"/>
-              <a:t> or cross-domain library</a:t>
-            </a:r>
-          </a:p>
-          <a:p>
-            <a:r>
-              <a:rPr lang="en-US" dirty="0" smtClean="0"/>
-              <a:t>Additional assets like SQL Azure</a:t>
-            </a:r>
-            <a:r>
-              <a:rPr lang="en-US" baseline="0" dirty="0" smtClean="0"/>
-              <a:t> or web-based REST services can be accessed from the remote web and incorporated into the solution</a:t>
-            </a:r>
             <a:endParaRPr lang="en-US" dirty="0"/>
           </a:p>
         </p:txBody>
@@ -5243,9 +4748,9 @@
           <a:bodyPr/>
           <a:lstStyle/>
           <a:p>
-            <a:fld id="{0C3C20F7-22CF-4B06-A2C4-710BBA74F6A5}" type="datetime1">
+            <a:fld id="{6E50E453-F0F1-4F28-9386-D0CC835A3436}" type="datetime1">
               <a:rPr lang="en-US" smtClean="0"/>
-              <a:t>8/5/2014</a:t>
+              <a:t>9/8/2014</a:t>
             </a:fld>
             <a:endParaRPr lang="en-US"/>
           </a:p>
@@ -5268,7 +4773,7 @@
           <a:p>
             <a:fld id="{B4008EB6-D09E-4580-8CD6-DDB14511944F}" type="slidenum">
               <a:rPr lang="en-US" smtClean="0"/>
-              <a:t>6</a:t>
+              <a:t>8</a:t>
             </a:fld>
             <a:endParaRPr lang="en-US" dirty="0"/>
           </a:p>
@@ -5376,7 +4881,7 @@
     </p:spTree>
     <p:extLst>
       <p:ext uri="{BB962C8B-B14F-4D97-AF65-F5344CB8AC3E}">
-        <p14:creationId xmlns:p14="http://schemas.microsoft.com/office/powerpoint/2010/main" val="1537191079"/>
+        <p14:creationId xmlns:p14="http://schemas.microsoft.com/office/powerpoint/2010/main" val="1819557652"/>
       </p:ext>
     </p:extLst>
   </p:cSld>
@@ -5432,39 +4937,23 @@
           <a:p>
             <a:r>
               <a:rPr lang="en-US" dirty="0" smtClean="0"/>
-              <a:t>Remote web is deployed on separate infrastructure</a:t>
-            </a:r>
-          </a:p>
-          <a:p>
-            <a:r>
-              <a:rPr lang="en-US" dirty="0" smtClean="0"/>
-              <a:t>Typically this is IIS, but can be anything</a:t>
-            </a:r>
-          </a:p>
-          <a:p>
-            <a:r>
-              <a:rPr lang="en-US" dirty="0" smtClean="0"/>
-              <a:t>Solution may or may not have an App Web depending upon whether anything is deployed (like</a:t>
+              <a:t>Provider-hosted</a:t>
             </a:r>
             <a:r>
               <a:rPr lang="en-US" baseline="0" dirty="0" smtClean="0"/>
-              <a:t> lists or libraries in the App Web)</a:t>
+              <a:t> apps can use “app only” permissions</a:t>
             </a:r>
           </a:p>
           <a:p>
             <a:r>
               <a:rPr lang="en-US" baseline="0" dirty="0" smtClean="0"/>
-              <a:t>Host web can be accessed by remote web using Server-to-Server High Trust or cross-domain library</a:t>
-            </a:r>
-          </a:p>
-          <a:p>
-            <a:r>
-              <a:rPr lang="en-US" dirty="0" smtClean="0"/>
-              <a:t>Additional assets like SQL databases </a:t>
-            </a:r>
+              <a:t>Update the App manifest to indicate this is OK</a:t>
+            </a:r>
+          </a:p>
+          <a:p>
             <a:r>
               <a:rPr lang="en-US" baseline="0" dirty="0" smtClean="0"/>
-              <a:t>or web services can be accessed from the remote web and incorporated into the solution</a:t>
+              <a:t>Then you need an app-only token in code</a:t>
             </a:r>
             <a:endParaRPr lang="en-US" dirty="0"/>
           </a:p>
@@ -5485,9 +4974,9 @@
           <a:bodyPr/>
           <a:lstStyle/>
           <a:p>
-            <a:fld id="{0C3C20F7-22CF-4B06-A2C4-710BBA74F6A5}" type="datetime1">
+            <a:fld id="{C032A2CD-423F-467E-9AF6-DEA41E45D21C}" type="datetime1">
               <a:rPr lang="en-US" smtClean="0"/>
-              <a:t>8/5/2014</a:t>
+              <a:t>9/8/2014</a:t>
             </a:fld>
             <a:endParaRPr lang="en-US"/>
           </a:p>
@@ -5510,7 +4999,7 @@
           <a:p>
             <a:fld id="{B4008EB6-D09E-4580-8CD6-DDB14511944F}" type="slidenum">
               <a:rPr lang="en-US" smtClean="0"/>
-              <a:t>7</a:t>
+              <a:t>9</a:t>
             </a:fld>
             <a:endParaRPr lang="en-US" dirty="0"/>
           </a:p>
@@ -5618,7 +5107,7 @@
     </p:spTree>
     <p:extLst>
       <p:ext uri="{BB962C8B-B14F-4D97-AF65-F5344CB8AC3E}">
-        <p14:creationId xmlns:p14="http://schemas.microsoft.com/office/powerpoint/2010/main" val="1972100336"/>
+        <p14:creationId xmlns:p14="http://schemas.microsoft.com/office/powerpoint/2010/main" val="3529177867"/>
       </p:ext>
     </p:extLst>
   </p:cSld>
@@ -5672,6 +5161,86 @@
           <a:bodyPr/>
           <a:lstStyle/>
           <a:p>
+            <a:r>
+              <a:rPr lang="en-US" dirty="0" smtClean="0"/>
+              <a:t>Visual</a:t>
+            </a:r>
+            <a:r>
+              <a:rPr lang="en-US" baseline="0" dirty="0" smtClean="0"/>
+              <a:t> Studio supports both ASP.NET Web Forms and MVC5</a:t>
+            </a:r>
+          </a:p>
+          <a:p>
+            <a:endParaRPr lang="en-US" baseline="0" dirty="0" smtClean="0"/>
+          </a:p>
+          <a:p>
+            <a:r>
+              <a:rPr lang="en-US" baseline="0" dirty="0" smtClean="0"/>
+              <a:t>On-premises authorization uses S2S</a:t>
+            </a:r>
+          </a:p>
+          <a:p>
+            <a:r>
+              <a:rPr lang="en-US" baseline="0" dirty="0" smtClean="0"/>
+              <a:t>Cloud authorization uses </a:t>
+            </a:r>
+            <a:r>
+              <a:rPr lang="en-US" baseline="0" dirty="0" err="1" smtClean="0"/>
+              <a:t>OAuth</a:t>
+            </a:r>
+            <a:r>
+              <a:rPr lang="en-US" baseline="0" dirty="0" smtClean="0"/>
+              <a:t> </a:t>
+            </a:r>
+          </a:p>
+          <a:p>
+            <a:endParaRPr lang="en-US" dirty="0" smtClean="0"/>
+          </a:p>
+          <a:p>
+            <a:r>
+              <a:rPr lang="en-US" dirty="0" smtClean="0"/>
+              <a:t>The </a:t>
+            </a:r>
+            <a:r>
+              <a:rPr lang="en-US" dirty="0" err="1" smtClean="0"/>
+              <a:t>SharePointContextProvider</a:t>
+            </a:r>
+            <a:r>
+              <a:rPr lang="en-US" dirty="0" smtClean="0"/>
+              <a:t> simplifies token management</a:t>
+            </a:r>
+          </a:p>
+          <a:p>
+            <a:r>
+              <a:rPr lang="en-US" dirty="0" smtClean="0"/>
+              <a:t>Managed</a:t>
+            </a:r>
+            <a:r>
+              <a:rPr lang="en-US" baseline="0" dirty="0" smtClean="0"/>
+              <a:t> </a:t>
+            </a:r>
+            <a:r>
+              <a:rPr lang="en-US" baseline="0" dirty="0" err="1" smtClean="0"/>
+              <a:t>CSOm</a:t>
+            </a:r>
+            <a:r>
+              <a:rPr lang="en-US" baseline="0" dirty="0" smtClean="0"/>
+              <a:t> and </a:t>
+            </a:r>
+            <a:r>
+              <a:rPr lang="en-US" baseline="0" dirty="0" err="1" smtClean="0"/>
+              <a:t>RESt</a:t>
+            </a:r>
+            <a:r>
+              <a:rPr lang="en-US" baseline="0" dirty="0" smtClean="0"/>
+              <a:t> can be used directly from the server side</a:t>
+            </a:r>
+          </a:p>
+          <a:p>
+            <a:r>
+              <a:rPr lang="en-US" baseline="0" dirty="0" smtClean="0"/>
+              <a:t>The cross-domain library can be used from JavaScript</a:t>
+            </a:r>
             <a:endParaRPr lang="en-US" dirty="0"/>
           </a:p>
         </p:txBody>
@@ -5691,9 +5260,9 @@
           <a:bodyPr/>
           <a:lstStyle/>
           <a:p>
-            <a:fld id="{6E50E453-F0F1-4F28-9386-D0CC835A3436}" type="datetime1">
+            <a:fld id="{09D58FB4-9AD0-481B-8C84-A17E43C7859F}" type="datetime1">
               <a:rPr lang="en-US" smtClean="0"/>
-              <a:t>8/5/2014</a:t>
+              <a:t>9/8/2014</a:t>
             </a:fld>
             <a:endParaRPr lang="en-US"/>
           </a:p>
@@ -5716,7 +5285,7 @@
           <a:p>
             <a:fld id="{B4008EB6-D09E-4580-8CD6-DDB14511944F}" type="slidenum">
               <a:rPr lang="en-US" smtClean="0"/>
-              <a:t>8</a:t>
+              <a:t>10</a:t>
             </a:fld>
             <a:endParaRPr lang="en-US" dirty="0"/>
           </a:p>
@@ -5824,7 +5393,7 @@
     </p:spTree>
     <p:extLst>
       <p:ext uri="{BB962C8B-B14F-4D97-AF65-F5344CB8AC3E}">
-        <p14:creationId xmlns:p14="http://schemas.microsoft.com/office/powerpoint/2010/main" val="1819557652"/>
+        <p14:creationId xmlns:p14="http://schemas.microsoft.com/office/powerpoint/2010/main" val="582667279"/>
       </p:ext>
     </p:extLst>
   </p:cSld>
@@ -5880,23 +5449,39 @@
           <a:p>
             <a:r>
               <a:rPr lang="en-US" dirty="0" smtClean="0"/>
-              <a:t>Provider-hosted</a:t>
+              <a:t>The </a:t>
+            </a:r>
+            <a:r>
+              <a:rPr lang="en-US" dirty="0" err="1" smtClean="0"/>
+              <a:t>SharePointContext</a:t>
+            </a:r>
+            <a:r>
+              <a:rPr lang="en-US" baseline="0" dirty="0" err="1" smtClean="0"/>
+              <a:t>Provider</a:t>
             </a:r>
             <a:r>
               <a:rPr lang="en-US" baseline="0" dirty="0" smtClean="0"/>
-              <a:t> apps can use “app only” permissions</a:t>
-            </a:r>
-          </a:p>
-          <a:p>
-            <a:r>
-              <a:rPr lang="en-US" baseline="0" dirty="0" smtClean="0"/>
-              <a:t>Update the App manifest to indicate this is OK</a:t>
-            </a:r>
-          </a:p>
-          <a:p>
-            <a:r>
-              <a:rPr lang="en-US" baseline="0" dirty="0" smtClean="0"/>
-              <a:t>Then you need an app-only token in code</a:t>
+              <a:t> simplifies the management of context, and tokens</a:t>
+            </a:r>
+          </a:p>
+          <a:p>
+            <a:r>
+              <a:rPr lang="en-US" dirty="0" smtClean="0"/>
+              <a:t>It uses a cookie to store the </a:t>
+            </a:r>
+            <a:r>
+              <a:rPr lang="en-US" dirty="0" err="1" smtClean="0"/>
+              <a:t>CacheKey</a:t>
+            </a:r>
+            <a:r>
+              <a:rPr lang="en-US" dirty="0" smtClean="0"/>
+              <a:t>, and stores the actual token in session state on the server referenced by the cache key</a:t>
+            </a:r>
+          </a:p>
+          <a:p>
+            <a:r>
+              <a:rPr lang="en-US" dirty="0" smtClean="0"/>
+              <a:t>All of this improves performance and makes programming easier</a:t>
             </a:r>
             <a:endParaRPr lang="en-US" dirty="0"/>
           </a:p>
@@ -5917,9 +5502,9 @@
           <a:bodyPr/>
           <a:lstStyle/>
           <a:p>
-            <a:fld id="{C032A2CD-423F-467E-9AF6-DEA41E45D21C}" type="datetime1">
+            <a:fld id="{89BD0C63-4500-46F0-B671-0411AD55F261}" type="datetime1">
               <a:rPr lang="en-US" smtClean="0"/>
-              <a:t>8/5/2014</a:t>
+              <a:t>9/8/2014</a:t>
             </a:fld>
             <a:endParaRPr lang="en-US"/>
           </a:p>
@@ -5942,7 +5527,7 @@
           <a:p>
             <a:fld id="{B4008EB6-D09E-4580-8CD6-DDB14511944F}" type="slidenum">
               <a:rPr lang="en-US" smtClean="0"/>
-              <a:t>9</a:t>
+              <a:t>13</a:t>
             </a:fld>
             <a:endParaRPr lang="en-US" dirty="0"/>
           </a:p>
@@ -6050,7 +5635,7 @@
     </p:spTree>
     <p:extLst>
       <p:ext uri="{BB962C8B-B14F-4D97-AF65-F5344CB8AC3E}">
-        <p14:creationId xmlns:p14="http://schemas.microsoft.com/office/powerpoint/2010/main" val="3529177867"/>
+        <p14:creationId xmlns:p14="http://schemas.microsoft.com/office/powerpoint/2010/main" val="835942355"/>
       </p:ext>
     </p:extLst>
   </p:cSld>
@@ -6106,83 +5691,40 @@
           <a:p>
             <a:r>
               <a:rPr lang="en-US" dirty="0" smtClean="0"/>
-              <a:t>Visual</a:t>
+              <a:t>ASP.NET Web Forms uses the </a:t>
+            </a:r>
+            <a:r>
+              <a:rPr lang="en-US" dirty="0" err="1" smtClean="0"/>
+              <a:t>PreInit</a:t>
+            </a:r>
+            <a:r>
+              <a:rPr lang="en-US" dirty="0" smtClean="0"/>
+              <a:t> method to validate the Context Token</a:t>
+            </a:r>
+          </a:p>
+          <a:p>
+            <a:r>
+              <a:rPr lang="en-US" dirty="0" smtClean="0"/>
+              <a:t>Notice how it will redirect if the token is not valid</a:t>
+            </a:r>
+          </a:p>
+          <a:p>
+            <a:endParaRPr lang="en-US" dirty="0" smtClean="0"/>
+          </a:p>
+          <a:p>
+            <a:r>
+              <a:rPr lang="en-US" dirty="0" smtClean="0"/>
+              <a:t>ASP.NET MVC 5 uses a filter to run essentially the same code</a:t>
+            </a:r>
+          </a:p>
+          <a:p>
+            <a:r>
+              <a:rPr lang="en-US" dirty="0" smtClean="0"/>
+              <a:t>Notice how the</a:t>
             </a:r>
             <a:r>
               <a:rPr lang="en-US" baseline="0" dirty="0" smtClean="0"/>
-              <a:t> Studio supports both ASP.NET Web Forms and MVC5</a:t>
-            </a:r>
-          </a:p>
-          <a:p>
-            <a:endParaRPr lang="en-US" baseline="0" dirty="0" smtClean="0"/>
-          </a:p>
-          <a:p>
-            <a:r>
-              <a:rPr lang="en-US" baseline="0" dirty="0" smtClean="0"/>
-              <a:t>On-premises authorization uses S2S</a:t>
-            </a:r>
-          </a:p>
-          <a:p>
-            <a:r>
-              <a:rPr lang="en-US" baseline="0" dirty="0" smtClean="0"/>
-              <a:t>Cloud authorization uses </a:t>
-            </a:r>
-            <a:r>
-              <a:rPr lang="en-US" baseline="0" dirty="0" err="1" smtClean="0"/>
-              <a:t>OAuth</a:t>
-            </a:r>
-            <a:r>
-              <a:rPr lang="en-US" baseline="0" dirty="0" smtClean="0"/>
-              <a:t> </a:t>
-            </a:r>
-          </a:p>
-          <a:p>
-            <a:endParaRPr lang="en-US" dirty="0" smtClean="0"/>
-          </a:p>
-          <a:p>
-            <a:r>
-              <a:rPr lang="en-US" dirty="0" smtClean="0"/>
-              <a:t>The </a:t>
-            </a:r>
-            <a:r>
-              <a:rPr lang="en-US" dirty="0" err="1" smtClean="0"/>
-              <a:t>SharePointContextProvider</a:t>
-            </a:r>
-            <a:r>
-              <a:rPr lang="en-US" dirty="0" smtClean="0"/>
-              <a:t> simplifies token management</a:t>
-            </a:r>
-          </a:p>
-          <a:p>
-            <a:r>
-              <a:rPr lang="en-US" dirty="0" smtClean="0"/>
-              <a:t>Managed</a:t>
-            </a:r>
-            <a:r>
-              <a:rPr lang="en-US" baseline="0" dirty="0" smtClean="0"/>
-              <a:t> </a:t>
-            </a:r>
-            <a:r>
-              <a:rPr lang="en-US" baseline="0" dirty="0" err="1" smtClean="0"/>
-              <a:t>CSOm</a:t>
-            </a:r>
-            <a:r>
-              <a:rPr lang="en-US" baseline="0" dirty="0" smtClean="0"/>
-              <a:t> and </a:t>
-            </a:r>
-            <a:r>
-              <a:rPr lang="en-US" baseline="0" dirty="0" err="1" smtClean="0"/>
-              <a:t>RESt</a:t>
-            </a:r>
-            <a:r>
-              <a:rPr lang="en-US" baseline="0" dirty="0" smtClean="0"/>
-              <a:t> can be used directly from the server side</a:t>
-            </a:r>
-          </a:p>
-          <a:p>
-            <a:r>
-              <a:rPr lang="en-US" baseline="0" dirty="0" smtClean="0"/>
-              <a:t>The cross-domain library can be used from JavaScript</a:t>
+              <a:t> filter attribute is applied to the controller</a:t>
             </a:r>
             <a:endParaRPr lang="en-US" dirty="0"/>
           </a:p>
@@ -6203,9 +5745,9 @@
           <a:bodyPr/>
           <a:lstStyle/>
           <a:p>
-            <a:fld id="{09D58FB4-9AD0-481B-8C84-A17E43C7859F}" type="datetime1">
+            <a:fld id="{71F2E3B6-EB4C-45C4-A447-56FB08D12314}" type="datetime1">
               <a:rPr lang="en-US" smtClean="0"/>
-              <a:t>8/5/2014</a:t>
+              <a:t>9/8/2014</a:t>
             </a:fld>
             <a:endParaRPr lang="en-US"/>
           </a:p>
@@ -6228,7 +5770,7 @@
           <a:p>
             <a:fld id="{B4008EB6-D09E-4580-8CD6-DDB14511944F}" type="slidenum">
               <a:rPr lang="en-US" smtClean="0"/>
-              <a:t>10</a:t>
+              <a:t>14</a:t>
             </a:fld>
             <a:endParaRPr lang="en-US" dirty="0"/>
           </a:p>
@@ -6336,7 +5878,7 @@
     </p:spTree>
     <p:extLst>
       <p:ext uri="{BB962C8B-B14F-4D97-AF65-F5344CB8AC3E}">
-        <p14:creationId xmlns:p14="http://schemas.microsoft.com/office/powerpoint/2010/main" val="582667279"/>
+        <p14:creationId xmlns:p14="http://schemas.microsoft.com/office/powerpoint/2010/main" val="2863341221"/>
       </p:ext>
     </p:extLst>
   </p:cSld>
@@ -6391,40 +5933,31 @@
           <a:lstStyle/>
           <a:p>
             <a:r>
+              <a:rPr lang="en-US" dirty="0" err="1" smtClean="0"/>
+              <a:t>SharePointAcsContext</a:t>
+            </a:r>
+            <a:r>
               <a:rPr lang="en-US" dirty="0" smtClean="0"/>
-              <a:t>The </a:t>
+              <a:t> and </a:t>
+            </a:r>
+            <a:r>
+              <a:rPr lang="en-US" dirty="0" err="1" smtClean="0"/>
+              <a:t>SharePointHightTrustContext</a:t>
+            </a:r>
+            <a:r>
+              <a:rPr lang="en-US" dirty="0" smtClean="0"/>
+              <a:t> both inherit from </a:t>
             </a:r>
             <a:r>
               <a:rPr lang="en-US" dirty="0" err="1" smtClean="0"/>
               <a:t>SharePointContext</a:t>
             </a:r>
-            <a:r>
-              <a:rPr lang="en-US" baseline="0" dirty="0" err="1" smtClean="0"/>
-              <a:t>Provider</a:t>
-            </a:r>
-            <a:r>
-              <a:rPr lang="en-US" baseline="0" dirty="0" smtClean="0"/>
-              <a:t> simplifies the management of context, and tokens</a:t>
-            </a:r>
+            <a:endParaRPr lang="en-US" dirty="0" smtClean="0"/>
           </a:p>
           <a:p>
             <a:r>
               <a:rPr lang="en-US" dirty="0" smtClean="0"/>
-              <a:t>It uses a cookie to store the </a:t>
-            </a:r>
-            <a:r>
-              <a:rPr lang="en-US" dirty="0" err="1" smtClean="0"/>
-              <a:t>CacheKey</a:t>
-            </a:r>
-            <a:r>
-              <a:rPr lang="en-US" dirty="0" smtClean="0"/>
-              <a:t>, and stores the actual token in session state on the server referenced by the cache key</a:t>
-            </a:r>
-          </a:p>
-          <a:p>
-            <a:r>
-              <a:rPr lang="en-US" dirty="0" smtClean="0"/>
-              <a:t>All of this improves performance and makes programming easier</a:t>
+              <a:t>This means that the same code works in both cloud and on-premises environments</a:t>
             </a:r>
             <a:endParaRPr lang="en-US" dirty="0"/>
           </a:p>
@@ -6445,9 +5978,9 @@
           <a:bodyPr/>
           <a:lstStyle/>
           <a:p>
-            <a:fld id="{89BD0C63-4500-46F0-B671-0411AD55F261}" type="datetime1">
+            <a:fld id="{978E40F9-06EC-432F-9301-2E07F244FD92}" type="datetime1">
               <a:rPr lang="en-US" smtClean="0"/>
-              <a:t>8/5/2014</a:t>
+              <a:t>9/8/2014</a:t>
             </a:fld>
             <a:endParaRPr lang="en-US"/>
           </a:p>
@@ -6470,7 +6003,7 @@
           <a:p>
             <a:fld id="{B4008EB6-D09E-4580-8CD6-DDB14511944F}" type="slidenum">
               <a:rPr lang="en-US" smtClean="0"/>
-              <a:t>13</a:t>
+              <a:t>15</a:t>
             </a:fld>
             <a:endParaRPr lang="en-US" dirty="0"/>
           </a:p>
@@ -6578,7 +6111,7 @@
     </p:spTree>
     <p:extLst>
       <p:ext uri="{BB962C8B-B14F-4D97-AF65-F5344CB8AC3E}">
-        <p14:creationId xmlns:p14="http://schemas.microsoft.com/office/powerpoint/2010/main" val="835942355"/>
+        <p14:creationId xmlns:p14="http://schemas.microsoft.com/office/powerpoint/2010/main" val="1314518799"/>
       </p:ext>
     </p:extLst>
   </p:cSld>
@@ -6634,40 +6167,15 @@
           <a:p>
             <a:r>
               <a:rPr lang="en-US" dirty="0" smtClean="0"/>
-              <a:t>ASP.NET Web Forms uses the </a:t>
+              <a:t>The </a:t>
             </a:r>
             <a:r>
               <a:rPr lang="en-US" dirty="0" err="1" smtClean="0"/>
-              <a:t>PreInit</a:t>
-            </a:r>
-            <a:r>
-              <a:rPr lang="en-US" dirty="0" smtClean="0"/>
-              <a:t> method to validate the Context Token</a:t>
-            </a:r>
-          </a:p>
-          <a:p>
-            <a:r>
-              <a:rPr lang="en-US" dirty="0" smtClean="0"/>
-              <a:t>Notice how it will redirect if the token is not valid</a:t>
-            </a:r>
-          </a:p>
-          <a:p>
-            <a:endParaRPr lang="en-US" dirty="0" smtClean="0"/>
-          </a:p>
-          <a:p>
-            <a:r>
-              <a:rPr lang="en-US" dirty="0" smtClean="0"/>
-              <a:t>ASP.NET MVC 5 uses a filter to run essentially the same code</a:t>
-            </a:r>
-          </a:p>
-          <a:p>
-            <a:r>
-              <a:rPr lang="en-US" dirty="0" smtClean="0"/>
-              <a:t>Notice how the</a:t>
+              <a:t>SharePointContext</a:t>
             </a:r>
             <a:r>
               <a:rPr lang="en-US" baseline="0" dirty="0" smtClean="0"/>
-              <a:t> filter attribute is applied to the controller</a:t>
+              <a:t> makes it easy to get the tokens you need</a:t>
             </a:r>
             <a:endParaRPr lang="en-US" dirty="0"/>
           </a:p>
@@ -6688,9 +6196,9 @@
           <a:bodyPr/>
           <a:lstStyle/>
           <a:p>
-            <a:fld id="{71F2E3B6-EB4C-45C4-A447-56FB08D12314}" type="datetime1">
+            <a:fld id="{20E03D06-7C91-4981-946C-5F87F4FCF9AD}" type="datetime1">
               <a:rPr lang="en-US" smtClean="0"/>
-              <a:t>8/5/2014</a:t>
+              <a:t>9/8/2014</a:t>
             </a:fld>
             <a:endParaRPr lang="en-US"/>
           </a:p>
@@ -6713,7 +6221,7 @@
           <a:p>
             <a:fld id="{B4008EB6-D09E-4580-8CD6-DDB14511944F}" type="slidenum">
               <a:rPr lang="en-US" smtClean="0"/>
-              <a:t>14</a:t>
+              <a:t>16</a:t>
             </a:fld>
             <a:endParaRPr lang="en-US" dirty="0"/>
           </a:p>
@@ -6821,7 +6329,7 @@
     </p:spTree>
     <p:extLst>
       <p:ext uri="{BB962C8B-B14F-4D97-AF65-F5344CB8AC3E}">
-        <p14:creationId xmlns:p14="http://schemas.microsoft.com/office/powerpoint/2010/main" val="2863341221"/>
+        <p14:creationId xmlns:p14="http://schemas.microsoft.com/office/powerpoint/2010/main" val="1364623966"/>
       </p:ext>
     </p:extLst>
   </p:cSld>
@@ -18466,7 +17974,7 @@
                 <a:gridCol w="11225057">
                   <a:extLst>
                     <a:ext uri="{9D8B030D-6E8A-4147-A177-3AD203B41FA5}">
-                      <a16:colId xmlns:a16="http://schemas.microsoft.com/office/drawing/2014/main" xmlns="" val="1253488153"/>
+                      <a16:colId xmlns="" xmlns:a16="http://schemas.microsoft.com/office/drawing/2014/main" val="1253488153"/>
                     </a:ext>
                   </a:extLst>
                 </a:gridCol>
@@ -18496,7 +18004,7 @@
                 </a:tc>
                 <a:extLst>
                   <a:ext uri="{0D108BD9-81ED-4DB2-BD59-A6C34878D82A}">
-                    <a16:rowId xmlns:a16="http://schemas.microsoft.com/office/drawing/2014/main" xmlns="" val="829859176"/>
+                    <a16:rowId xmlns="" xmlns:a16="http://schemas.microsoft.com/office/drawing/2014/main" val="829859176"/>
                   </a:ext>
                 </a:extLst>
               </a:tr>
@@ -18517,7 +18025,7 @@
                 </a:tc>
                 <a:extLst>
                   <a:ext uri="{0D108BD9-81ED-4DB2-BD59-A6C34878D82A}">
-                    <a16:rowId xmlns:a16="http://schemas.microsoft.com/office/drawing/2014/main" xmlns="" val="1946132611"/>
+                    <a16:rowId xmlns="" xmlns:a16="http://schemas.microsoft.com/office/drawing/2014/main" val="1946132611"/>
                   </a:ext>
                 </a:extLst>
               </a:tr>
@@ -18554,7 +18062,7 @@
                 </a:tc>
                 <a:extLst>
                   <a:ext uri="{0D108BD9-81ED-4DB2-BD59-A6C34878D82A}">
-                    <a16:rowId xmlns:a16="http://schemas.microsoft.com/office/drawing/2014/main" xmlns="" val="3204002662"/>
+                    <a16:rowId xmlns="" xmlns:a16="http://schemas.microsoft.com/office/drawing/2014/main" val="3204002662"/>
                   </a:ext>
                 </a:extLst>
               </a:tr>
@@ -18595,7 +18103,7 @@
                 </a:tc>
                 <a:extLst>
                   <a:ext uri="{0D108BD9-81ED-4DB2-BD59-A6C34878D82A}">
-                    <a16:rowId xmlns:a16="http://schemas.microsoft.com/office/drawing/2014/main" xmlns="" val="4266278162"/>
+                    <a16:rowId xmlns="" xmlns:a16="http://schemas.microsoft.com/office/drawing/2014/main" val="4266278162"/>
                   </a:ext>
                 </a:extLst>
               </a:tr>
@@ -25315,44 +24823,244 @@
       </p:grpSpPr>
       <p:sp>
         <p:nvSpPr>
-          <p:cNvPr id="27" name="Rectangle 26"/>
+          <p:cNvPr id="3" name="Title 2"/>
+          <p:cNvSpPr>
+            <a:spLocks noGrp="1"/>
+          </p:cNvSpPr>
+          <p:nvPr>
+            <p:ph type="title"/>
+          </p:nvPr>
+        </p:nvSpPr>
+        <p:spPr/>
+        <p:txBody>
+          <a:bodyPr/>
+          <a:lstStyle/>
+          <a:p>
+            <a:r>
+              <a:rPr lang="en-US" dirty="0" smtClean="0"/>
+              <a:t>Cloud Architecture</a:t>
+            </a:r>
+            <a:endParaRPr lang="en-US" dirty="0"/>
+          </a:p>
+        </p:txBody>
+      </p:sp>
+      <p:grpSp>
+        <p:nvGrpSpPr>
+          <p:cNvPr id="4" name="Group 3"/>
+          <p:cNvGrpSpPr/>
+          <p:nvPr/>
+        </p:nvGrpSpPr>
+        <p:grpSpPr>
+          <a:xfrm>
+            <a:off x="7441673" y="2620658"/>
+            <a:ext cx="1998859" cy="1026956"/>
+            <a:chOff x="9088674" y="4951780"/>
+            <a:chExt cx="1998859" cy="1026956"/>
+          </a:xfrm>
+        </p:grpSpPr>
+        <p:grpSp>
+          <p:nvGrpSpPr>
+            <p:cNvPr id="5" name="Group 4"/>
+            <p:cNvGrpSpPr/>
+            <p:nvPr/>
+          </p:nvGrpSpPr>
+          <p:grpSpPr>
+            <a:xfrm>
+              <a:off x="9088674" y="4951780"/>
+              <a:ext cx="1998859" cy="1026956"/>
+              <a:chOff x="7066818" y="2726778"/>
+              <a:chExt cx="1998859" cy="1026956"/>
+            </a:xfrm>
+          </p:grpSpPr>
+          <p:sp>
+            <p:nvSpPr>
+              <p:cNvPr id="8" name="Rectangle 7"/>
+              <p:cNvSpPr/>
+              <p:nvPr/>
+            </p:nvSpPr>
+            <p:spPr bwMode="auto">
+              <a:xfrm>
+                <a:off x="7066818" y="2726778"/>
+                <a:ext cx="1785802" cy="1026956"/>
+              </a:xfrm>
+              <a:prstGeom prst="rect">
+                <a:avLst/>
+              </a:prstGeom>
+              <a:solidFill>
+                <a:schemeClr val="bg2">
+                  <a:lumMod val="20000"/>
+                  <a:lumOff val="80000"/>
+                  <a:alpha val="75000"/>
+                </a:schemeClr>
+              </a:solidFill>
+              <a:ln>
+                <a:headEnd type="none" w="med" len="med"/>
+                <a:tailEnd type="none" w="med" len="med"/>
+              </a:ln>
+            </p:spPr>
+            <p:style>
+              <a:lnRef idx="2">
+                <a:schemeClr val="accent5"/>
+              </a:lnRef>
+              <a:fillRef idx="1">
+                <a:schemeClr val="lt1"/>
+              </a:fillRef>
+              <a:effectRef idx="0">
+                <a:schemeClr val="accent5"/>
+              </a:effectRef>
+              <a:fontRef idx="minor">
+                <a:schemeClr val="dk1"/>
+              </a:fontRef>
+            </p:style>
+            <p:txBody>
+              <a:bodyPr rot="0" spcFirstLastPara="0" vertOverflow="overflow" horzOverflow="overflow" vert="horz" wrap="square" lIns="45720" tIns="45720" rIns="45720" bIns="45720" numCol="1" spcCol="0" rtlCol="0" fromWordArt="0" anchor="t" anchorCtr="0" forceAA="0" compatLnSpc="1">
+                <a:prstTxWarp prst="textNoShape">
+                  <a:avLst/>
+                </a:prstTxWarp>
+                <a:noAutofit/>
+              </a:bodyPr>
+              <a:lstStyle/>
+              <a:p>
+                <a:pPr defTabSz="914099" fontAlgn="base">
+                  <a:spcBef>
+                    <a:spcPct val="0"/>
+                  </a:spcBef>
+                  <a:spcAft>
+                    <a:spcPct val="0"/>
+                  </a:spcAft>
+                </a:pPr>
+                <a:r>
+                  <a:rPr lang="en-US" sz="1600" dirty="0" smtClean="0">
+                    <a:solidFill>
+                      <a:schemeClr val="tx1">
+                        <a:lumMod val="65000"/>
+                        <a:lumOff val="35000"/>
+                      </a:schemeClr>
+                    </a:solidFill>
+                    <a:ea typeface="Segoe UI" pitchFamily="34" charset="0"/>
+                    <a:cs typeface="Segoe UI" pitchFamily="34" charset="0"/>
+                  </a:rPr>
+                  <a:t>Azure Data Market</a:t>
+                </a:r>
+              </a:p>
+            </p:txBody>
+          </p:sp>
+          <p:pic>
+            <p:nvPicPr>
+              <p:cNvPr id="9" name="Picture 8"/>
+              <p:cNvPicPr>
+                <a:picLocks noChangeAspect="1"/>
+              </p:cNvPicPr>
+              <p:nvPr/>
+            </p:nvPicPr>
+            <p:blipFill>
+              <a:blip r:embed="rId2"/>
+              <a:stretch>
+                <a:fillRect/>
+              </a:stretch>
+            </p:blipFill>
+            <p:spPr>
+              <a:xfrm>
+                <a:off x="8551192" y="3206557"/>
+                <a:ext cx="514485" cy="528960"/>
+              </a:xfrm>
+              <a:prstGeom prst="rect">
+                <a:avLst/>
+              </a:prstGeom>
+            </p:spPr>
+          </p:pic>
+        </p:grpSp>
+        <p:pic>
+          <p:nvPicPr>
+            <p:cNvPr id="6" name="Picture 5"/>
+            <p:cNvPicPr>
+              <a:picLocks noChangeAspect="1"/>
+            </p:cNvPicPr>
+            <p:nvPr/>
+          </p:nvPicPr>
+          <p:blipFill>
+            <a:blip r:embed="rId3"/>
+            <a:stretch>
+              <a:fillRect/>
+            </a:stretch>
+          </p:blipFill>
+          <p:spPr>
+            <a:xfrm>
+              <a:off x="9950992" y="5331762"/>
+              <a:ext cx="479723" cy="535920"/>
+            </a:xfrm>
+            <a:prstGeom prst="rect">
+              <a:avLst/>
+            </a:prstGeom>
+          </p:spPr>
+        </p:pic>
+        <p:pic>
+          <p:nvPicPr>
+            <p:cNvPr id="7" name="Picture 6"/>
+            <p:cNvPicPr>
+              <a:picLocks noChangeAspect="1"/>
+            </p:cNvPicPr>
+            <p:nvPr/>
+          </p:nvPicPr>
+          <p:blipFill>
+            <a:blip r:embed="rId4"/>
+            <a:stretch>
+              <a:fillRect/>
+            </a:stretch>
+          </p:blipFill>
+          <p:spPr>
+            <a:xfrm>
+              <a:off x="9279923" y="5332826"/>
+              <a:ext cx="597915" cy="598560"/>
+            </a:xfrm>
+            <a:prstGeom prst="rect">
+              <a:avLst/>
+            </a:prstGeom>
+          </p:spPr>
+        </p:pic>
+      </p:grpSp>
+      <p:sp>
+        <p:nvSpPr>
+          <p:cNvPr id="10" name="Rectangle 9"/>
           <p:cNvSpPr/>
           <p:nvPr/>
         </p:nvSpPr>
         <p:spPr bwMode="auto">
           <a:xfrm>
-            <a:off x="1889090" y="1408577"/>
-            <a:ext cx="3466681" cy="3716083"/>
+            <a:off x="7152860" y="3891135"/>
+            <a:ext cx="3034675" cy="2232704"/>
           </a:xfrm>
           <a:prstGeom prst="rect">
             <a:avLst/>
           </a:prstGeom>
           <a:solidFill>
-            <a:srgbClr val="EB3C00"/>
+            <a:schemeClr val="bg2">
+              <a:lumMod val="20000"/>
+              <a:lumOff val="80000"/>
+              <a:alpha val="75000"/>
+            </a:schemeClr>
           </a:solidFill>
           <a:ln>
-            <a:noFill/>
             <a:headEnd type="none" w="med" len="med"/>
             <a:tailEnd type="none" w="med" len="med"/>
           </a:ln>
-          <a:effectLst/>
         </p:spPr>
         <p:style>
-          <a:lnRef idx="1">
-            <a:schemeClr val="accent2"/>
+          <a:lnRef idx="2">
+            <a:schemeClr val="accent5"/>
           </a:lnRef>
-          <a:fillRef idx="3">
-            <a:schemeClr val="accent2"/>
+          <a:fillRef idx="1">
+            <a:schemeClr val="lt1"/>
           </a:fillRef>
-          <a:effectRef idx="2">
-            <a:schemeClr val="accent2"/>
+          <a:effectRef idx="0">
+            <a:schemeClr val="accent5"/>
           </a:effectRef>
           <a:fontRef idx="minor">
-            <a:schemeClr val="lt1"/>
+            <a:schemeClr val="dk1"/>
           </a:fontRef>
         </p:style>
         <p:txBody>
-          <a:bodyPr rot="0" spcFirstLastPara="0" vertOverflow="overflow" horzOverflow="overflow" vert="horz" wrap="square" lIns="45720" tIns="45720" rIns="45720" bIns="45720" numCol="1" spcCol="0" rtlCol="0" fromWordArt="0" anchor="ctr" anchorCtr="0" forceAA="0" compatLnSpc="1">
+          <a:bodyPr rot="0" spcFirstLastPara="0" vertOverflow="overflow" horzOverflow="overflow" vert="horz" wrap="square" lIns="108000" tIns="45720" rIns="45720" bIns="45720" numCol="1" spcCol="0" rtlCol="0" fromWordArt="0" anchor="t" anchorCtr="0" forceAA="0" compatLnSpc="1">
             <a:prstTxWarp prst="textNoShape">
               <a:avLst/>
             </a:prstTxWarp>
@@ -25360,7 +25068,7 @@
           </a:bodyPr>
           <a:lstStyle/>
           <a:p>
-            <a:pPr algn="ctr" defTabSz="914099" fontAlgn="base">
+            <a:pPr defTabSz="914099" fontAlgn="base">
               <a:spcBef>
                 <a:spcPct val="0"/>
               </a:spcBef>
@@ -25368,275 +25076,208 @@
                 <a:spcPct val="0"/>
               </a:spcAft>
             </a:pPr>
-            <a:endParaRPr lang="en-US" sz="2200" dirty="0" smtClean="0">
-              <a:gradFill>
-                <a:gsLst>
-                  <a:gs pos="0">
-                    <a:srgbClr val="FFFFFF"/>
-                  </a:gs>
-                  <a:gs pos="100000">
-                    <a:srgbClr val="FFFFFF"/>
-                  </a:gs>
-                </a:gsLst>
-                <a:lin ang="5400000" scaled="0"/>
-              </a:gradFill>
-              <a:ea typeface="Segoe UI" pitchFamily="34" charset="0"/>
-              <a:cs typeface="Segoe UI" pitchFamily="34" charset="0"/>
-            </a:endParaRPr>
-          </a:p>
-        </p:txBody>
-      </p:sp>
-      <p:sp>
-        <p:nvSpPr>
-          <p:cNvPr id="2" name="Title 1"/>
-          <p:cNvSpPr>
-            <a:spLocks noGrp="1"/>
-          </p:cNvSpPr>
-          <p:nvPr>
-            <p:ph type="title"/>
-          </p:nvPr>
-        </p:nvSpPr>
-        <p:spPr/>
-        <p:txBody>
-          <a:bodyPr/>
-          <a:lstStyle/>
-          <a:p>
-            <a:r>
-              <a:rPr lang="en-US" dirty="0" smtClean="0"/>
-              <a:t>Cloud Architecture</a:t>
-            </a:r>
-            <a:endParaRPr lang="en-US" dirty="0"/>
-          </a:p>
-        </p:txBody>
-      </p:sp>
-      <p:sp>
-        <p:nvSpPr>
-          <p:cNvPr id="3" name="Slide Number Placeholder 2"/>
-          <p:cNvSpPr>
-            <a:spLocks noGrp="1"/>
-          </p:cNvSpPr>
-          <p:nvPr>
-            <p:ph type="sldNum" sz="quarter" idx="12"/>
-          </p:nvPr>
-        </p:nvSpPr>
-        <p:spPr/>
-        <p:txBody>
-          <a:bodyPr/>
-          <a:lstStyle/>
-          <a:p>
-            <a:fld id="{727B4C2D-45E2-4621-8491-2995EB46A674}" type="slidenum">
-              <a:rPr lang="en-US" smtClean="0"/>
-              <a:pPr/>
-              <a:t>6</a:t>
-            </a:fld>
-            <a:endParaRPr lang="en-US" dirty="0"/>
-          </a:p>
-        </p:txBody>
-      </p:sp>
-      <p:sp>
-        <p:nvSpPr>
-          <p:cNvPr id="4" name="Rectangle 3"/>
-          <p:cNvSpPr/>
-          <p:nvPr/>
-        </p:nvSpPr>
-        <p:spPr bwMode="auto">
-          <a:xfrm>
-            <a:off x="2351314" y="2176366"/>
-            <a:ext cx="2582426" cy="2476021"/>
-          </a:xfrm>
-          <a:prstGeom prst="rect">
-            <a:avLst/>
-          </a:prstGeom>
-          <a:solidFill>
-            <a:schemeClr val="accent1">
-              <a:lumMod val="20000"/>
-              <a:lumOff val="80000"/>
-            </a:schemeClr>
-          </a:solidFill>
-          <a:ln>
-            <a:noFill/>
-            <a:headEnd type="none" w="med" len="med"/>
-            <a:tailEnd type="none" w="med" len="med"/>
-          </a:ln>
-          <a:effectLst/>
-        </p:spPr>
-        <p:style>
-          <a:lnRef idx="1">
-            <a:schemeClr val="accent2"/>
-          </a:lnRef>
-          <a:fillRef idx="3">
-            <a:schemeClr val="accent2"/>
-          </a:fillRef>
-          <a:effectRef idx="2">
-            <a:schemeClr val="accent2"/>
-          </a:effectRef>
-          <a:fontRef idx="minor">
-            <a:schemeClr val="lt1"/>
-          </a:fontRef>
-        </p:style>
-        <p:txBody>
-          <a:bodyPr rot="0" spcFirstLastPara="0" vertOverflow="overflow" horzOverflow="overflow" vert="horz" wrap="square" lIns="45720" tIns="45720" rIns="45720" bIns="45720" numCol="1" spcCol="0" rtlCol="0" fromWordArt="0" anchor="ctr" anchorCtr="0" forceAA="0" compatLnSpc="1">
-            <a:prstTxWarp prst="textNoShape">
-              <a:avLst/>
-            </a:prstTxWarp>
-            <a:noAutofit/>
-          </a:bodyPr>
-          <a:lstStyle/>
-          <a:p>
-            <a:pPr algn="ctr" defTabSz="914099" fontAlgn="base">
-              <a:spcBef>
-                <a:spcPct val="0"/>
-              </a:spcBef>
-              <a:spcAft>
-                <a:spcPct val="0"/>
-              </a:spcAft>
-            </a:pPr>
-            <a:r>
-              <a:rPr lang="en-US" sz="2200" dirty="0" smtClean="0">
+            <a:r>
+              <a:rPr lang="en-US" sz="2000" dirty="0" smtClean="0">
                 <a:solidFill>
-                  <a:schemeClr val="bg1">
-                    <a:lumMod val="50000"/>
+                  <a:schemeClr val="tx1">
+                    <a:lumMod val="65000"/>
+                    <a:lumOff val="35000"/>
                   </a:schemeClr>
                 </a:solidFill>
                 <a:ea typeface="Segoe UI" pitchFamily="34" charset="0"/>
                 <a:cs typeface="Segoe UI" pitchFamily="34" charset="0"/>
               </a:rPr>
-              <a:t>Remote Web</a:t>
-            </a:r>
-          </a:p>
-        </p:txBody>
-      </p:sp>
-      <p:sp>
-        <p:nvSpPr>
-          <p:cNvPr id="5" name="Flowchart: Magnetic Disk 4"/>
-          <p:cNvSpPr/>
+              <a:t>SharePoint Online</a:t>
+            </a:r>
+          </a:p>
+        </p:txBody>
+      </p:sp>
+      <p:grpSp>
+        <p:nvGrpSpPr>
+          <p:cNvPr id="11" name="Group 10"/>
+          <p:cNvGrpSpPr/>
           <p:nvPr/>
-        </p:nvSpPr>
-        <p:spPr bwMode="auto">
+        </p:nvGrpSpPr>
+        <p:grpSpPr>
           <a:xfrm>
-            <a:off x="7084087" y="2176366"/>
-            <a:ext cx="2703008" cy="874207"/>
+            <a:off x="7476835" y="4454131"/>
+            <a:ext cx="905401" cy="937147"/>
+            <a:chOff x="9477541" y="1148235"/>
+            <a:chExt cx="1059810" cy="1096970"/>
           </a:xfrm>
-          <a:prstGeom prst="flowChartMagneticDisk">
-            <a:avLst/>
-          </a:prstGeom>
-          <a:solidFill>
-            <a:srgbClr val="0070C0"/>
-          </a:solidFill>
-          <a:ln>
-            <a:solidFill>
-              <a:schemeClr val="tx1"/>
-            </a:solidFill>
-            <a:headEnd type="none" w="med" len="med"/>
-            <a:tailEnd type="none" w="med" len="med"/>
-          </a:ln>
-          <a:effectLst/>
-        </p:spPr>
-        <p:style>
-          <a:lnRef idx="1">
-            <a:schemeClr val="accent2"/>
-          </a:lnRef>
-          <a:fillRef idx="3">
-            <a:schemeClr val="accent2"/>
-          </a:fillRef>
-          <a:effectRef idx="2">
-            <a:schemeClr val="accent2"/>
-          </a:effectRef>
-          <a:fontRef idx="minor">
-            <a:schemeClr val="lt1"/>
-          </a:fontRef>
-        </p:style>
-        <p:txBody>
-          <a:bodyPr rot="0" spcFirstLastPara="0" vertOverflow="overflow" horzOverflow="overflow" vert="horz" wrap="square" lIns="45720" tIns="45720" rIns="45720" bIns="45720" numCol="1" spcCol="0" rtlCol="0" fromWordArt="0" anchor="ctr" anchorCtr="0" forceAA="0" compatLnSpc="1">
-            <a:prstTxWarp prst="textNoShape">
+        </p:grpSpPr>
+        <p:pic>
+          <p:nvPicPr>
+            <p:cNvPr id="12" name="Picture 11"/>
+            <p:cNvPicPr>
+              <a:picLocks noChangeAspect="1"/>
+            </p:cNvPicPr>
+            <p:nvPr/>
+          </p:nvPicPr>
+          <p:blipFill>
+            <a:blip r:embed="rId5"/>
+            <a:stretch>
+              <a:fillRect/>
+            </a:stretch>
+          </p:blipFill>
+          <p:spPr>
+            <a:xfrm>
+              <a:off x="9586780" y="1148235"/>
+              <a:ext cx="841328" cy="775240"/>
+            </a:xfrm>
+            <a:prstGeom prst="rect">
               <a:avLst/>
-            </a:prstTxWarp>
-            <a:noAutofit/>
-          </a:bodyPr>
-          <a:lstStyle/>
-          <a:p>
-            <a:pPr algn="ctr" defTabSz="914099" fontAlgn="base">
-              <a:spcBef>
-                <a:spcPct val="0"/>
-              </a:spcBef>
-              <a:spcAft>
-                <a:spcPct val="0"/>
-              </a:spcAft>
-            </a:pPr>
-            <a:r>
-              <a:rPr lang="en-US" sz="2200" dirty="0" smtClean="0">
-                <a:gradFill>
-                  <a:gsLst>
-                    <a:gs pos="0">
-                      <a:srgbClr val="FFFFFF"/>
-                    </a:gs>
-                    <a:gs pos="100000">
-                      <a:srgbClr val="FFFFFF"/>
-                    </a:gs>
-                  </a:gsLst>
-                  <a:lin ang="5400000" scaled="0"/>
-                </a:gradFill>
-                <a:ea typeface="Segoe UI" pitchFamily="34" charset="0"/>
-                <a:cs typeface="Segoe UI" pitchFamily="34" charset="0"/>
-              </a:rPr>
-              <a:t>Azure Data Market</a:t>
-            </a:r>
-          </a:p>
-        </p:txBody>
-      </p:sp>
-      <p:pic>
-        <p:nvPicPr>
-          <p:cNvPr id="7" name="Picture 6"/>
-          <p:cNvPicPr>
-            <a:picLocks noChangeAspect="1"/>
-          </p:cNvPicPr>
+            </a:prstGeom>
+          </p:spPr>
+        </p:pic>
+        <p:sp>
+          <p:nvSpPr>
+            <p:cNvPr id="13" name="TextBox 12"/>
+            <p:cNvSpPr txBox="1"/>
+            <p:nvPr/>
+          </p:nvSpPr>
+          <p:spPr>
+            <a:xfrm>
+              <a:off x="9477541" y="1930410"/>
+              <a:ext cx="1059810" cy="314795"/>
+            </a:xfrm>
+            <a:prstGeom prst="rect">
+              <a:avLst/>
+            </a:prstGeom>
+            <a:noFill/>
+          </p:spPr>
+          <p:txBody>
+            <a:bodyPr wrap="none" lIns="0" tIns="0" rIns="0" bIns="0" rtlCol="0">
+              <a:spAutoFit/>
+            </a:bodyPr>
+            <a:lstStyle/>
+            <a:p>
+              <a:pPr algn="ctr"/>
+              <a:r>
+                <a:rPr lang="en-US" spc="-70" dirty="0" smtClean="0">
+                  <a:gradFill>
+                    <a:gsLst>
+                      <a:gs pos="2917">
+                        <a:schemeClr val="bg2"/>
+                      </a:gs>
+                      <a:gs pos="95000">
+                        <a:schemeClr val="bg2"/>
+                      </a:gs>
+                    </a:gsLst>
+                    <a:lin ang="5400000" scaled="0"/>
+                  </a:gradFill>
+                </a:rPr>
+                <a:t>Host Web</a:t>
+              </a:r>
+            </a:p>
+          </p:txBody>
+        </p:sp>
+      </p:grpSp>
+      <p:grpSp>
+        <p:nvGrpSpPr>
+          <p:cNvPr id="14" name="Group 13"/>
+          <p:cNvGrpSpPr/>
           <p:nvPr/>
-        </p:nvPicPr>
-        <p:blipFill>
-          <a:blip r:embed="rId3">
-            <a:extLst>
-              <a:ext uri="{28A0092B-C50C-407E-A947-70E740481C1C}">
-                <a14:useLocalDpi xmlns:a14="http://schemas.microsoft.com/office/drawing/2010/main" val="0"/>
-              </a:ext>
-            </a:extLst>
-          </a:blip>
-          <a:stretch>
-            <a:fillRect/>
-          </a:stretch>
-        </p:blipFill>
-        <p:spPr>
-          <a:xfrm flipH="1">
-            <a:off x="5618774" y="5124659"/>
-            <a:ext cx="949687" cy="1029813"/>
+        </p:nvGrpSpPr>
+        <p:grpSpPr>
+          <a:xfrm>
+            <a:off x="8504463" y="5404705"/>
+            <a:ext cx="862759" cy="662028"/>
+            <a:chOff x="9733361" y="2768131"/>
+            <a:chExt cx="1009895" cy="774932"/>
           </a:xfrm>
-          <a:prstGeom prst="rect">
-            <a:avLst/>
-          </a:prstGeom>
-        </p:spPr>
-      </p:pic>
+        </p:grpSpPr>
+        <p:pic>
+          <p:nvPicPr>
+            <p:cNvPr id="15" name="Picture 14"/>
+            <p:cNvPicPr>
+              <a:picLocks noChangeAspect="1"/>
+            </p:cNvPicPr>
+            <p:nvPr/>
+          </p:nvPicPr>
+          <p:blipFill>
+            <a:blip r:embed="rId6"/>
+            <a:stretch>
+              <a:fillRect/>
+            </a:stretch>
+          </p:blipFill>
+          <p:spPr>
+            <a:xfrm>
+              <a:off x="9946303" y="2768131"/>
+              <a:ext cx="584010" cy="487200"/>
+            </a:xfrm>
+            <a:prstGeom prst="rect">
+              <a:avLst/>
+            </a:prstGeom>
+          </p:spPr>
+        </p:pic>
+        <p:sp>
+          <p:nvSpPr>
+            <p:cNvPr id="16" name="TextBox 15"/>
+            <p:cNvSpPr txBox="1"/>
+            <p:nvPr/>
+          </p:nvSpPr>
+          <p:spPr>
+            <a:xfrm>
+              <a:off x="9733361" y="3228268"/>
+              <a:ext cx="1009895" cy="314795"/>
+            </a:xfrm>
+            <a:prstGeom prst="rect">
+              <a:avLst/>
+            </a:prstGeom>
+            <a:noFill/>
+          </p:spPr>
+          <p:txBody>
+            <a:bodyPr wrap="none" lIns="0" tIns="0" rIns="0" bIns="0" rtlCol="0">
+              <a:spAutoFit/>
+            </a:bodyPr>
+            <a:lstStyle/>
+            <a:p>
+              <a:pPr algn="ctr"/>
+              <a:r>
+                <a:rPr lang="en-US" spc="-70" dirty="0" smtClean="0">
+                  <a:gradFill>
+                    <a:gsLst>
+                      <a:gs pos="2917">
+                        <a:schemeClr val="bg2"/>
+                      </a:gs>
+                      <a:gs pos="95000">
+                        <a:schemeClr val="bg2"/>
+                      </a:gs>
+                    </a:gsLst>
+                    <a:lin ang="5400000" scaled="0"/>
+                  </a:gradFill>
+                </a:rPr>
+                <a:t>App Web</a:t>
+              </a:r>
+            </a:p>
+          </p:txBody>
+        </p:sp>
+      </p:grpSp>
       <p:cxnSp>
         <p:nvCxnSpPr>
-          <p:cNvPr id="21" name="Elbow Connector 20"/>
+          <p:cNvPr id="17" name="Elbow Connector 16"/>
           <p:cNvCxnSpPr>
-            <a:stCxn id="5" idx="2"/>
-            <a:endCxn id="4" idx="3"/>
+            <a:endCxn id="15" idx="0"/>
           </p:cNvCxnSpPr>
           <p:nvPr/>
         </p:nvCxnSpPr>
         <p:spPr>
-          <a:xfrm rot="10800000" flipV="1">
-            <a:off x="4933741" y="2613469"/>
-            <a:ext cx="2150347" cy="800907"/>
+          <a:xfrm>
+            <a:off x="8288909" y="4785276"/>
+            <a:ext cx="646933" cy="619428"/>
           </a:xfrm>
-          <a:prstGeom prst="bentConnector3">
+          <a:prstGeom prst="bentConnector2">
             <a:avLst/>
           </a:prstGeom>
-          <a:ln>
+          <a:ln w="44450">
             <a:solidFill>
-              <a:schemeClr val="tx1"/>
+              <a:schemeClr val="tx1">
+                <a:alpha val="60000"/>
+              </a:schemeClr>
             </a:solidFill>
-            <a:headEnd type="triangle"/>
-            <a:tailEnd type="triangle"/>
+            <a:headEnd type="stealth" w="lg" len="lg"/>
+            <a:tailEnd type="stealth" w="lg" len="lg"/>
           </a:ln>
         </p:spPr>
         <p:style>
@@ -25654,534 +25295,1321 @@
           </a:fontRef>
         </p:style>
       </p:cxnSp>
-      <p:sp>
-        <p:nvSpPr>
-          <p:cNvPr id="28" name="TextBox 27"/>
-          <p:cNvSpPr txBox="1"/>
+      <p:grpSp>
+        <p:nvGrpSpPr>
+          <p:cNvPr id="18" name="Group 17"/>
+          <p:cNvGrpSpPr/>
           <p:nvPr/>
-        </p:nvSpPr>
+        </p:nvGrpSpPr>
+        <p:grpSpPr>
+          <a:xfrm>
+            <a:off x="1881552" y="2225670"/>
+            <a:ext cx="3034675" cy="2232704"/>
+            <a:chOff x="1656544" y="3180968"/>
+            <a:chExt cx="3034675" cy="2232704"/>
+          </a:xfrm>
+        </p:grpSpPr>
+        <p:sp>
+          <p:nvSpPr>
+            <p:cNvPr id="19" name="Rectangle 18"/>
+            <p:cNvSpPr/>
+            <p:nvPr/>
+          </p:nvSpPr>
+          <p:spPr bwMode="auto">
+            <a:xfrm>
+              <a:off x="1656544" y="3180968"/>
+              <a:ext cx="3034675" cy="2232704"/>
+            </a:xfrm>
+            <a:prstGeom prst="rect">
+              <a:avLst/>
+            </a:prstGeom>
+            <a:solidFill>
+              <a:schemeClr val="bg2">
+                <a:lumMod val="20000"/>
+                <a:lumOff val="80000"/>
+                <a:alpha val="75000"/>
+              </a:schemeClr>
+            </a:solidFill>
+            <a:ln>
+              <a:headEnd type="none" w="med" len="med"/>
+              <a:tailEnd type="none" w="med" len="med"/>
+            </a:ln>
+          </p:spPr>
+          <p:style>
+            <a:lnRef idx="2">
+              <a:schemeClr val="accent5"/>
+            </a:lnRef>
+            <a:fillRef idx="1">
+              <a:schemeClr val="lt1"/>
+            </a:fillRef>
+            <a:effectRef idx="0">
+              <a:schemeClr val="accent5"/>
+            </a:effectRef>
+            <a:fontRef idx="minor">
+              <a:schemeClr val="dk1"/>
+            </a:fontRef>
+          </p:style>
+          <p:txBody>
+            <a:bodyPr rot="0" spcFirstLastPara="0" vertOverflow="overflow" horzOverflow="overflow" vert="horz" wrap="square" lIns="108000" tIns="45720" rIns="45720" bIns="45720" numCol="1" spcCol="0" rtlCol="0" fromWordArt="0" anchor="t" anchorCtr="0" forceAA="0" compatLnSpc="1">
+              <a:prstTxWarp prst="textNoShape">
+                <a:avLst/>
+              </a:prstTxWarp>
+              <a:noAutofit/>
+            </a:bodyPr>
+            <a:lstStyle/>
+            <a:p>
+              <a:pPr defTabSz="914099" fontAlgn="base">
+                <a:spcBef>
+                  <a:spcPct val="0"/>
+                </a:spcBef>
+                <a:spcAft>
+                  <a:spcPct val="0"/>
+                </a:spcAft>
+              </a:pPr>
+              <a:r>
+                <a:rPr lang="en-US" sz="2000" dirty="0" smtClean="0">
+                  <a:solidFill>
+                    <a:schemeClr val="tx1">
+                      <a:lumMod val="65000"/>
+                      <a:lumOff val="35000"/>
+                    </a:schemeClr>
+                  </a:solidFill>
+                  <a:ea typeface="Segoe UI" pitchFamily="34" charset="0"/>
+                  <a:cs typeface="Segoe UI" pitchFamily="34" charset="0"/>
+                </a:rPr>
+                <a:t>Azure Web Sites</a:t>
+              </a:r>
+            </a:p>
+          </p:txBody>
+        </p:sp>
+        <p:grpSp>
+          <p:nvGrpSpPr>
+            <p:cNvPr id="20" name="Group 19"/>
+            <p:cNvGrpSpPr/>
+            <p:nvPr/>
+          </p:nvGrpSpPr>
+          <p:grpSpPr>
+            <a:xfrm>
+              <a:off x="2154624" y="4057920"/>
+              <a:ext cx="2038514" cy="1120320"/>
+              <a:chOff x="1929148" y="3558828"/>
+              <a:chExt cx="2038514" cy="1120320"/>
+            </a:xfrm>
+          </p:grpSpPr>
+          <p:grpSp>
+            <p:nvGrpSpPr>
+              <p:cNvPr id="21" name="Group 20"/>
+              <p:cNvGrpSpPr/>
+              <p:nvPr/>
+            </p:nvGrpSpPr>
+            <p:grpSpPr>
+              <a:xfrm>
+                <a:off x="3082467" y="3573039"/>
+                <a:ext cx="885195" cy="761294"/>
+                <a:chOff x="7956376" y="6096598"/>
+                <a:chExt cx="885320" cy="761402"/>
+              </a:xfrm>
+            </p:grpSpPr>
+            <p:sp>
+              <p:nvSpPr>
+                <p:cNvPr id="47" name="Arc 46"/>
+                <p:cNvSpPr/>
+                <p:nvPr/>
+              </p:nvSpPr>
+              <p:spPr>
+                <a:xfrm rot="16200000">
+                  <a:off x="8018335" y="6034639"/>
+                  <a:ext cx="761402" cy="885320"/>
+                </a:xfrm>
+                <a:prstGeom prst="arc">
+                  <a:avLst>
+                    <a:gd name="adj1" fmla="val 2097834"/>
+                    <a:gd name="adj2" fmla="val 366333"/>
+                  </a:avLst>
+                </a:prstGeom>
+                <a:ln w="41275">
+                  <a:solidFill>
+                    <a:schemeClr val="tx1">
+                      <a:alpha val="80000"/>
+                    </a:schemeClr>
+                  </a:solidFill>
+                  <a:headEnd type="diamond" w="sm" len="med"/>
+                  <a:tailEnd type="stealth" w="lg" len="lg"/>
+                </a:ln>
+                <a:effectLst>
+                  <a:outerShdw blurRad="50800" dist="38100" dir="2700000" algn="tl" rotWithShape="0">
+                    <a:prstClr val="black">
+                      <a:alpha val="40000"/>
+                    </a:prstClr>
+                  </a:outerShdw>
+                </a:effectLst>
+              </p:spPr>
+              <p:style>
+                <a:lnRef idx="1">
+                  <a:schemeClr val="accent4"/>
+                </a:lnRef>
+                <a:fillRef idx="0">
+                  <a:schemeClr val="accent4"/>
+                </a:fillRef>
+                <a:effectRef idx="0">
+                  <a:schemeClr val="accent4"/>
+                </a:effectRef>
+                <a:fontRef idx="minor">
+                  <a:schemeClr val="tx1"/>
+                </a:fontRef>
+              </p:style>
+              <p:txBody>
+                <a:bodyPr rtlCol="0" anchor="ctr"/>
+                <a:lstStyle/>
+                <a:p>
+                  <a:pPr algn="ctr"/>
+                  <a:endParaRPr lang="en-US">
+                    <a:latin typeface="Segoe UI Light" panose="020B0502040204020203" pitchFamily="34" charset="0"/>
+                    <a:cs typeface="Segoe UI Light" panose="020B0502040204020203" pitchFamily="34" charset="0"/>
+                  </a:endParaRPr>
+                </a:p>
+              </p:txBody>
+            </p:sp>
+            <p:pic>
+              <p:nvPicPr>
+                <p:cNvPr id="48" name="Picture 47"/>
+                <p:cNvPicPr>
+                  <a:picLocks noChangeAspect="1"/>
+                </p:cNvPicPr>
+                <p:nvPr/>
+              </p:nvPicPr>
+              <p:blipFill>
+                <a:blip r:embed="rId7"/>
+                <a:stretch>
+                  <a:fillRect/>
+                </a:stretch>
+              </p:blipFill>
+              <p:spPr>
+                <a:xfrm>
+                  <a:off x="8025412" y="6179037"/>
+                  <a:ext cx="713910" cy="636559"/>
+                </a:xfrm>
+                <a:prstGeom prst="rect">
+                  <a:avLst/>
+                </a:prstGeom>
+              </p:spPr>
+            </p:pic>
+          </p:grpSp>
+          <p:grpSp>
+            <p:nvGrpSpPr>
+              <p:cNvPr id="22" name="Group 21"/>
+              <p:cNvGrpSpPr>
+                <a:grpSpLocks noChangeAspect="1"/>
+              </p:cNvGrpSpPr>
+              <p:nvPr/>
+            </p:nvGrpSpPr>
+            <p:grpSpPr>
+              <a:xfrm>
+                <a:off x="1929148" y="4146210"/>
+                <a:ext cx="397077" cy="504000"/>
+                <a:chOff x="6278801" y="2244912"/>
+                <a:chExt cx="605042" cy="767962"/>
+              </a:xfrm>
+            </p:grpSpPr>
+            <p:pic>
+              <p:nvPicPr>
+                <p:cNvPr id="43" name="Picture 42"/>
+                <p:cNvPicPr>
+                  <a:picLocks noChangeAspect="1"/>
+                </p:cNvPicPr>
+                <p:nvPr/>
+              </p:nvPicPr>
+              <p:blipFill>
+                <a:blip r:embed="rId8"/>
+                <a:stretch>
+                  <a:fillRect/>
+                </a:stretch>
+              </p:blipFill>
+              <p:spPr>
+                <a:xfrm>
+                  <a:off x="6278801" y="2244912"/>
+                  <a:ext cx="527111" cy="689388"/>
+                </a:xfrm>
+                <a:prstGeom prst="rect">
+                  <a:avLst/>
+                </a:prstGeom>
+              </p:spPr>
+            </p:pic>
+            <p:pic>
+              <p:nvPicPr>
+                <p:cNvPr id="44" name="Picture 43"/>
+                <p:cNvPicPr>
+                  <a:picLocks noChangeAspect="1"/>
+                </p:cNvPicPr>
+                <p:nvPr/>
+              </p:nvPicPr>
+              <p:blipFill>
+                <a:blip r:embed="rId8"/>
+                <a:stretch>
+                  <a:fillRect/>
+                </a:stretch>
+              </p:blipFill>
+              <p:spPr>
+                <a:xfrm>
+                  <a:off x="6356732" y="2323486"/>
+                  <a:ext cx="527111" cy="689388"/>
+                </a:xfrm>
+                <a:prstGeom prst="rect">
+                  <a:avLst/>
+                </a:prstGeom>
+              </p:spPr>
+            </p:pic>
+            <p:sp>
+              <p:nvSpPr>
+                <p:cNvPr id="45" name="Right Triangle 44"/>
+                <p:cNvSpPr/>
+                <p:nvPr/>
+              </p:nvSpPr>
+              <p:spPr bwMode="auto">
+                <a:xfrm>
+                  <a:off x="6400103" y="2347895"/>
+                  <a:ext cx="440367" cy="626130"/>
+                </a:xfrm>
+                <a:prstGeom prst="rtTriangle">
+                  <a:avLst/>
+                </a:prstGeom>
+                <a:solidFill>
+                  <a:schemeClr val="accent2"/>
+                </a:solidFill>
+                <a:ln>
+                  <a:noFill/>
+                  <a:headEnd type="none" w="med" len="med"/>
+                  <a:tailEnd type="none" w="med" len="med"/>
+                </a:ln>
+                <a:effectLst/>
+              </p:spPr>
+              <p:style>
+                <a:lnRef idx="1">
+                  <a:schemeClr val="accent2"/>
+                </a:lnRef>
+                <a:fillRef idx="3">
+                  <a:schemeClr val="accent2"/>
+                </a:fillRef>
+                <a:effectRef idx="2">
+                  <a:schemeClr val="accent2"/>
+                </a:effectRef>
+                <a:fontRef idx="minor">
+                  <a:schemeClr val="lt1"/>
+                </a:fontRef>
+              </p:style>
+              <p:txBody>
+                <a:bodyPr rot="0" spcFirstLastPara="0" vertOverflow="overflow" horzOverflow="overflow" vert="horz" wrap="square" lIns="45720" tIns="45720" rIns="45720" bIns="45720" numCol="1" spcCol="0" rtlCol="0" fromWordArt="0" anchor="ctr" anchorCtr="0" forceAA="0" compatLnSpc="1">
+                  <a:prstTxWarp prst="textNoShape">
+                    <a:avLst/>
+                  </a:prstTxWarp>
+                  <a:noAutofit/>
+                </a:bodyPr>
+                <a:lstStyle/>
+                <a:p>
+                  <a:pPr algn="ctr" defTabSz="914099" fontAlgn="base">
+                    <a:spcBef>
+                      <a:spcPct val="0"/>
+                    </a:spcBef>
+                    <a:spcAft>
+                      <a:spcPct val="0"/>
+                    </a:spcAft>
+                  </a:pPr>
+                  <a:endParaRPr lang="en-US" sz="1600" dirty="0" smtClean="0">
+                    <a:gradFill>
+                      <a:gsLst>
+                        <a:gs pos="0">
+                          <a:srgbClr val="FFFFFF"/>
+                        </a:gs>
+                        <a:gs pos="100000">
+                          <a:srgbClr val="FFFFFF"/>
+                        </a:gs>
+                      </a:gsLst>
+                      <a:lin ang="5400000" scaled="0"/>
+                    </a:gradFill>
+                    <a:ea typeface="Segoe UI" pitchFamily="34" charset="0"/>
+                    <a:cs typeface="Segoe UI" pitchFamily="34" charset="0"/>
+                  </a:endParaRPr>
+                </a:p>
+              </p:txBody>
+            </p:sp>
+            <p:sp>
+              <p:nvSpPr>
+                <p:cNvPr id="46" name="TextBox 45"/>
+                <p:cNvSpPr txBox="1"/>
+                <p:nvPr/>
+              </p:nvSpPr>
+              <p:spPr>
+                <a:xfrm>
+                  <a:off x="6422020" y="2719459"/>
+                  <a:ext cx="320464" cy="257933"/>
+                </a:xfrm>
+                <a:prstGeom prst="rect">
+                  <a:avLst/>
+                </a:prstGeom>
+                <a:noFill/>
+              </p:spPr>
+              <p:txBody>
+                <a:bodyPr wrap="none" lIns="0" tIns="0" rIns="0" bIns="0" rtlCol="0">
+                  <a:spAutoFit/>
+                </a:bodyPr>
+                <a:lstStyle/>
+                <a:p>
+                  <a:r>
+                    <a:rPr lang="fi-FI" sz="1100" spc="-70" dirty="0" smtClean="0">
+                      <a:solidFill>
+                        <a:schemeClr val="bg1"/>
+                      </a:solidFill>
+                      <a:effectLst>
+                        <a:outerShdw blurRad="50800" dist="38100" dir="2700000" algn="tl" rotWithShape="0">
+                          <a:schemeClr val="tx2">
+                            <a:alpha val="40000"/>
+                          </a:schemeClr>
+                        </a:outerShdw>
+                      </a:effectLst>
+                    </a:rPr>
+                    <a:t>CSS</a:t>
+                  </a:r>
+                  <a:endParaRPr lang="en-US" sz="1100" spc="-70" dirty="0" smtClean="0">
+                    <a:solidFill>
+                      <a:schemeClr val="bg1"/>
+                    </a:solidFill>
+                    <a:effectLst>
+                      <a:outerShdw blurRad="50800" dist="38100" dir="2700000" algn="tl" rotWithShape="0">
+                        <a:schemeClr val="tx2">
+                          <a:alpha val="40000"/>
+                        </a:schemeClr>
+                      </a:outerShdw>
+                    </a:effectLst>
+                  </a:endParaRPr>
+                </a:p>
+              </p:txBody>
+            </p:sp>
+          </p:grpSp>
+          <p:grpSp>
+            <p:nvGrpSpPr>
+              <p:cNvPr id="23" name="Group 22"/>
+              <p:cNvGrpSpPr>
+                <a:grpSpLocks noChangeAspect="1"/>
+              </p:cNvGrpSpPr>
+              <p:nvPr/>
+            </p:nvGrpSpPr>
+            <p:grpSpPr>
+              <a:xfrm>
+                <a:off x="2160143" y="3845503"/>
+                <a:ext cx="400137" cy="504000"/>
+                <a:chOff x="6926384" y="2275112"/>
+                <a:chExt cx="605872" cy="763139"/>
+              </a:xfrm>
+            </p:grpSpPr>
+            <p:pic>
+              <p:nvPicPr>
+                <p:cNvPr id="39" name="Picture 38"/>
+                <p:cNvPicPr>
+                  <a:picLocks noChangeAspect="1"/>
+                </p:cNvPicPr>
+                <p:nvPr/>
+              </p:nvPicPr>
+              <p:blipFill>
+                <a:blip r:embed="rId8"/>
+                <a:stretch>
+                  <a:fillRect/>
+                </a:stretch>
+              </p:blipFill>
+              <p:spPr>
+                <a:xfrm>
+                  <a:off x="6926384" y="2275112"/>
+                  <a:ext cx="527111" cy="689388"/>
+                </a:xfrm>
+                <a:prstGeom prst="rect">
+                  <a:avLst/>
+                </a:prstGeom>
+              </p:spPr>
+            </p:pic>
+            <p:pic>
+              <p:nvPicPr>
+                <p:cNvPr id="40" name="Picture 39"/>
+                <p:cNvPicPr>
+                  <a:picLocks noChangeAspect="1"/>
+                </p:cNvPicPr>
+                <p:nvPr/>
+              </p:nvPicPr>
+              <p:blipFill>
+                <a:blip r:embed="rId8"/>
+                <a:stretch>
+                  <a:fillRect/>
+                </a:stretch>
+              </p:blipFill>
+              <p:spPr>
+                <a:xfrm>
+                  <a:off x="7005145" y="2348863"/>
+                  <a:ext cx="527111" cy="689388"/>
+                </a:xfrm>
+                <a:prstGeom prst="rect">
+                  <a:avLst/>
+                </a:prstGeom>
+              </p:spPr>
+            </p:pic>
+            <p:sp>
+              <p:nvSpPr>
+                <p:cNvPr id="41" name="Right Triangle 40"/>
+                <p:cNvSpPr/>
+                <p:nvPr/>
+              </p:nvSpPr>
+              <p:spPr bwMode="auto">
+                <a:xfrm>
+                  <a:off x="7048516" y="2373272"/>
+                  <a:ext cx="440367" cy="626130"/>
+                </a:xfrm>
+                <a:prstGeom prst="rtTriangle">
+                  <a:avLst/>
+                </a:prstGeom>
+                <a:solidFill>
+                  <a:schemeClr val="accent1"/>
+                </a:solidFill>
+                <a:ln>
+                  <a:noFill/>
+                  <a:headEnd type="none" w="med" len="med"/>
+                  <a:tailEnd type="none" w="med" len="med"/>
+                </a:ln>
+                <a:effectLst/>
+              </p:spPr>
+              <p:style>
+                <a:lnRef idx="1">
+                  <a:schemeClr val="accent2"/>
+                </a:lnRef>
+                <a:fillRef idx="3">
+                  <a:schemeClr val="accent2"/>
+                </a:fillRef>
+                <a:effectRef idx="2">
+                  <a:schemeClr val="accent2"/>
+                </a:effectRef>
+                <a:fontRef idx="minor">
+                  <a:schemeClr val="lt1"/>
+                </a:fontRef>
+              </p:style>
+              <p:txBody>
+                <a:bodyPr rot="0" spcFirstLastPara="0" vertOverflow="overflow" horzOverflow="overflow" vert="horz" wrap="square" lIns="45720" tIns="45720" rIns="45720" bIns="45720" numCol="1" spcCol="0" rtlCol="0" fromWordArt="0" anchor="ctr" anchorCtr="0" forceAA="0" compatLnSpc="1">
+                  <a:prstTxWarp prst="textNoShape">
+                    <a:avLst/>
+                  </a:prstTxWarp>
+                  <a:noAutofit/>
+                </a:bodyPr>
+                <a:lstStyle/>
+                <a:p>
+                  <a:pPr algn="ctr" defTabSz="914099" fontAlgn="base">
+                    <a:spcBef>
+                      <a:spcPct val="0"/>
+                    </a:spcBef>
+                    <a:spcAft>
+                      <a:spcPct val="0"/>
+                    </a:spcAft>
+                  </a:pPr>
+                  <a:endParaRPr lang="en-US" sz="1600" dirty="0" smtClean="0">
+                    <a:gradFill>
+                      <a:gsLst>
+                        <a:gs pos="0">
+                          <a:srgbClr val="FFFFFF"/>
+                        </a:gs>
+                        <a:gs pos="100000">
+                          <a:srgbClr val="FFFFFF"/>
+                        </a:gs>
+                      </a:gsLst>
+                      <a:lin ang="5400000" scaled="0"/>
+                    </a:gradFill>
+                    <a:ea typeface="Segoe UI" pitchFamily="34" charset="0"/>
+                    <a:cs typeface="Segoe UI" pitchFamily="34" charset="0"/>
+                  </a:endParaRPr>
+                </a:p>
+              </p:txBody>
+            </p:sp>
+            <p:sp>
+              <p:nvSpPr>
+                <p:cNvPr id="42" name="TextBox 41"/>
+                <p:cNvSpPr txBox="1"/>
+                <p:nvPr/>
+              </p:nvSpPr>
+              <p:spPr>
+                <a:xfrm>
+                  <a:off x="7070434" y="2744836"/>
+                  <a:ext cx="333013" cy="256313"/>
+                </a:xfrm>
+                <a:prstGeom prst="rect">
+                  <a:avLst/>
+                </a:prstGeom>
+                <a:noFill/>
+              </p:spPr>
+              <p:txBody>
+                <a:bodyPr wrap="none" lIns="0" tIns="0" rIns="0" bIns="0" rtlCol="0">
+                  <a:spAutoFit/>
+                </a:bodyPr>
+                <a:lstStyle/>
+                <a:p>
+                  <a:r>
+                    <a:rPr lang="fi-FI" sz="1100" spc="-70" dirty="0">
+                      <a:solidFill>
+                        <a:schemeClr val="bg1"/>
+                      </a:solidFill>
+                      <a:effectLst>
+                        <a:outerShdw blurRad="50800" dist="38100" dir="2700000" algn="tl" rotWithShape="0">
+                          <a:schemeClr val="tx2">
+                            <a:alpha val="40000"/>
+                          </a:schemeClr>
+                        </a:outerShdw>
+                      </a:effectLst>
+                    </a:rPr>
+                    <a:t>p</a:t>
+                  </a:r>
+                  <a:r>
+                    <a:rPr lang="fi-FI" sz="1100" spc="-70" dirty="0" smtClean="0">
+                      <a:solidFill>
+                        <a:schemeClr val="bg1"/>
+                      </a:solidFill>
+                      <a:effectLst>
+                        <a:outerShdw blurRad="50800" dist="38100" dir="2700000" algn="tl" rotWithShape="0">
+                          <a:schemeClr val="tx2">
+                            <a:alpha val="40000"/>
+                          </a:schemeClr>
+                        </a:outerShdw>
+                      </a:effectLst>
+                    </a:rPr>
+                    <a:t>ng</a:t>
+                  </a:r>
+                  <a:endParaRPr lang="en-US" sz="1100" spc="-70" dirty="0" smtClean="0">
+                    <a:solidFill>
+                      <a:schemeClr val="bg1"/>
+                    </a:solidFill>
+                    <a:effectLst>
+                      <a:outerShdw blurRad="50800" dist="38100" dir="2700000" algn="tl" rotWithShape="0">
+                        <a:schemeClr val="tx2">
+                          <a:alpha val="40000"/>
+                        </a:schemeClr>
+                      </a:outerShdw>
+                    </a:effectLst>
+                  </a:endParaRPr>
+                </a:p>
+              </p:txBody>
+            </p:sp>
+          </p:grpSp>
+          <p:grpSp>
+            <p:nvGrpSpPr>
+              <p:cNvPr id="24" name="Group 23"/>
+              <p:cNvGrpSpPr>
+                <a:grpSpLocks noChangeAspect="1"/>
+              </p:cNvGrpSpPr>
+              <p:nvPr/>
+            </p:nvGrpSpPr>
+            <p:grpSpPr>
+              <a:xfrm>
+                <a:off x="1940507" y="3558828"/>
+                <a:ext cx="400137" cy="504000"/>
+                <a:chOff x="7583233" y="2275112"/>
+                <a:chExt cx="605872" cy="763139"/>
+              </a:xfrm>
+            </p:grpSpPr>
+            <p:pic>
+              <p:nvPicPr>
+                <p:cNvPr id="35" name="Picture 34"/>
+                <p:cNvPicPr>
+                  <a:picLocks noChangeAspect="1"/>
+                </p:cNvPicPr>
+                <p:nvPr/>
+              </p:nvPicPr>
+              <p:blipFill>
+                <a:blip r:embed="rId8"/>
+                <a:stretch>
+                  <a:fillRect/>
+                </a:stretch>
+              </p:blipFill>
+              <p:spPr>
+                <a:xfrm>
+                  <a:off x="7583233" y="2275112"/>
+                  <a:ext cx="527111" cy="689388"/>
+                </a:xfrm>
+                <a:prstGeom prst="rect">
+                  <a:avLst/>
+                </a:prstGeom>
+              </p:spPr>
+            </p:pic>
+            <p:pic>
+              <p:nvPicPr>
+                <p:cNvPr id="36" name="Picture 35"/>
+                <p:cNvPicPr>
+                  <a:picLocks noChangeAspect="1"/>
+                </p:cNvPicPr>
+                <p:nvPr/>
+              </p:nvPicPr>
+              <p:blipFill>
+                <a:blip r:embed="rId8"/>
+                <a:stretch>
+                  <a:fillRect/>
+                </a:stretch>
+              </p:blipFill>
+              <p:spPr>
+                <a:xfrm>
+                  <a:off x="7661994" y="2348863"/>
+                  <a:ext cx="527111" cy="689388"/>
+                </a:xfrm>
+                <a:prstGeom prst="rect">
+                  <a:avLst/>
+                </a:prstGeom>
+              </p:spPr>
+            </p:pic>
+            <p:sp>
+              <p:nvSpPr>
+                <p:cNvPr id="37" name="Right Triangle 36"/>
+                <p:cNvSpPr/>
+                <p:nvPr/>
+              </p:nvSpPr>
+              <p:spPr bwMode="auto">
+                <a:xfrm>
+                  <a:off x="7705365" y="2373272"/>
+                  <a:ext cx="440367" cy="626130"/>
+                </a:xfrm>
+                <a:prstGeom prst="rtTriangle">
+                  <a:avLst/>
+                </a:prstGeom>
+                <a:solidFill>
+                  <a:schemeClr val="accent5"/>
+                </a:solidFill>
+                <a:ln>
+                  <a:noFill/>
+                  <a:headEnd type="none" w="med" len="med"/>
+                  <a:tailEnd type="none" w="med" len="med"/>
+                </a:ln>
+                <a:effectLst/>
+              </p:spPr>
+              <p:style>
+                <a:lnRef idx="1">
+                  <a:schemeClr val="accent2"/>
+                </a:lnRef>
+                <a:fillRef idx="3">
+                  <a:schemeClr val="accent2"/>
+                </a:fillRef>
+                <a:effectRef idx="2">
+                  <a:schemeClr val="accent2"/>
+                </a:effectRef>
+                <a:fontRef idx="minor">
+                  <a:schemeClr val="lt1"/>
+                </a:fontRef>
+              </p:style>
+              <p:txBody>
+                <a:bodyPr rot="0" spcFirstLastPara="0" vertOverflow="overflow" horzOverflow="overflow" vert="horz" wrap="square" lIns="45720" tIns="45720" rIns="45720" bIns="45720" numCol="1" spcCol="0" rtlCol="0" fromWordArt="0" anchor="ctr" anchorCtr="0" forceAA="0" compatLnSpc="1">
+                  <a:prstTxWarp prst="textNoShape">
+                    <a:avLst/>
+                  </a:prstTxWarp>
+                  <a:noAutofit/>
+                </a:bodyPr>
+                <a:lstStyle/>
+                <a:p>
+                  <a:pPr algn="ctr" defTabSz="914099" fontAlgn="base">
+                    <a:spcBef>
+                      <a:spcPct val="0"/>
+                    </a:spcBef>
+                    <a:spcAft>
+                      <a:spcPct val="0"/>
+                    </a:spcAft>
+                  </a:pPr>
+                  <a:endParaRPr lang="en-US" sz="1600" dirty="0" smtClean="0">
+                    <a:gradFill>
+                      <a:gsLst>
+                        <a:gs pos="0">
+                          <a:srgbClr val="FFFFFF"/>
+                        </a:gs>
+                        <a:gs pos="100000">
+                          <a:srgbClr val="FFFFFF"/>
+                        </a:gs>
+                      </a:gsLst>
+                      <a:lin ang="5400000" scaled="0"/>
+                    </a:gradFill>
+                    <a:ea typeface="Segoe UI" pitchFamily="34" charset="0"/>
+                    <a:cs typeface="Segoe UI" pitchFamily="34" charset="0"/>
+                  </a:endParaRPr>
+                </a:p>
+              </p:txBody>
+            </p:sp>
+            <p:sp>
+              <p:nvSpPr>
+                <p:cNvPr id="38" name="TextBox 37"/>
+                <p:cNvSpPr txBox="1"/>
+                <p:nvPr/>
+              </p:nvSpPr>
+              <p:spPr>
+                <a:xfrm>
+                  <a:off x="7727283" y="2744836"/>
+                  <a:ext cx="367964" cy="256313"/>
+                </a:xfrm>
+                <a:prstGeom prst="rect">
+                  <a:avLst/>
+                </a:prstGeom>
+                <a:noFill/>
+              </p:spPr>
+              <p:txBody>
+                <a:bodyPr wrap="none" lIns="0" tIns="0" rIns="0" bIns="0" rtlCol="0">
+                  <a:spAutoFit/>
+                </a:bodyPr>
+                <a:lstStyle/>
+                <a:p>
+                  <a:r>
+                    <a:rPr lang="fi-FI" sz="1100" spc="-70" dirty="0" err="1" smtClean="0">
+                      <a:solidFill>
+                        <a:schemeClr val="bg1"/>
+                      </a:solidFill>
+                      <a:effectLst>
+                        <a:outerShdw blurRad="50800" dist="38100" dir="2700000" algn="tl" rotWithShape="0">
+                          <a:schemeClr val="tx2">
+                            <a:alpha val="40000"/>
+                          </a:schemeClr>
+                        </a:outerShdw>
+                      </a:effectLst>
+                    </a:rPr>
+                    <a:t>aspx</a:t>
+                  </a:r>
+                  <a:endParaRPr lang="en-US" sz="1100" spc="-70" dirty="0" smtClean="0">
+                    <a:solidFill>
+                      <a:schemeClr val="bg1"/>
+                    </a:solidFill>
+                    <a:effectLst>
+                      <a:outerShdw blurRad="50800" dist="38100" dir="2700000" algn="tl" rotWithShape="0">
+                        <a:schemeClr val="tx2">
+                          <a:alpha val="40000"/>
+                        </a:schemeClr>
+                      </a:outerShdw>
+                    </a:effectLst>
+                  </a:endParaRPr>
+                </a:p>
+              </p:txBody>
+            </p:sp>
+          </p:grpSp>
+          <p:grpSp>
+            <p:nvGrpSpPr>
+              <p:cNvPr id="25" name="Group 24"/>
+              <p:cNvGrpSpPr>
+                <a:grpSpLocks noChangeAspect="1"/>
+              </p:cNvGrpSpPr>
+              <p:nvPr/>
+            </p:nvGrpSpPr>
+            <p:grpSpPr>
+              <a:xfrm>
+                <a:off x="2618857" y="3788428"/>
+                <a:ext cx="409562" cy="504000"/>
+                <a:chOff x="8228898" y="2273094"/>
+                <a:chExt cx="621781" cy="765157"/>
+              </a:xfrm>
+            </p:grpSpPr>
+            <p:pic>
+              <p:nvPicPr>
+                <p:cNvPr id="31" name="Picture 30"/>
+                <p:cNvPicPr>
+                  <a:picLocks noChangeAspect="1"/>
+                </p:cNvPicPr>
+                <p:nvPr/>
+              </p:nvPicPr>
+              <p:blipFill>
+                <a:blip r:embed="rId8"/>
+                <a:stretch>
+                  <a:fillRect/>
+                </a:stretch>
+              </p:blipFill>
+              <p:spPr>
+                <a:xfrm>
+                  <a:off x="8228898" y="2273094"/>
+                  <a:ext cx="527111" cy="689388"/>
+                </a:xfrm>
+                <a:prstGeom prst="rect">
+                  <a:avLst/>
+                </a:prstGeom>
+              </p:spPr>
+            </p:pic>
+            <p:pic>
+              <p:nvPicPr>
+                <p:cNvPr id="32" name="Picture 31"/>
+                <p:cNvPicPr>
+                  <a:picLocks noChangeAspect="1"/>
+                </p:cNvPicPr>
+                <p:nvPr/>
+              </p:nvPicPr>
+              <p:blipFill>
+                <a:blip r:embed="rId8"/>
+                <a:stretch>
+                  <a:fillRect/>
+                </a:stretch>
+              </p:blipFill>
+              <p:spPr>
+                <a:xfrm>
+                  <a:off x="8323568" y="2348863"/>
+                  <a:ext cx="527111" cy="689388"/>
+                </a:xfrm>
+                <a:prstGeom prst="rect">
+                  <a:avLst/>
+                </a:prstGeom>
+              </p:spPr>
+            </p:pic>
+            <p:sp>
+              <p:nvSpPr>
+                <p:cNvPr id="33" name="Right Triangle 32"/>
+                <p:cNvSpPr/>
+                <p:nvPr/>
+              </p:nvSpPr>
+              <p:spPr bwMode="auto">
+                <a:xfrm>
+                  <a:off x="8366939" y="2373272"/>
+                  <a:ext cx="440367" cy="626130"/>
+                </a:xfrm>
+                <a:prstGeom prst="rtTriangle">
+                  <a:avLst/>
+                </a:prstGeom>
+                <a:solidFill>
+                  <a:schemeClr val="accent2"/>
+                </a:solidFill>
+                <a:ln>
+                  <a:noFill/>
+                  <a:headEnd type="none" w="med" len="med"/>
+                  <a:tailEnd type="none" w="med" len="med"/>
+                </a:ln>
+                <a:effectLst/>
+              </p:spPr>
+              <p:style>
+                <a:lnRef idx="1">
+                  <a:schemeClr val="accent2"/>
+                </a:lnRef>
+                <a:fillRef idx="3">
+                  <a:schemeClr val="accent2"/>
+                </a:fillRef>
+                <a:effectRef idx="2">
+                  <a:schemeClr val="accent2"/>
+                </a:effectRef>
+                <a:fontRef idx="minor">
+                  <a:schemeClr val="lt1"/>
+                </a:fontRef>
+              </p:style>
+              <p:txBody>
+                <a:bodyPr rot="0" spcFirstLastPara="0" vertOverflow="overflow" horzOverflow="overflow" vert="horz" wrap="square" lIns="45720" tIns="45720" rIns="45720" bIns="45720" numCol="1" spcCol="0" rtlCol="0" fromWordArt="0" anchor="ctr" anchorCtr="0" forceAA="0" compatLnSpc="1">
+                  <a:prstTxWarp prst="textNoShape">
+                    <a:avLst/>
+                  </a:prstTxWarp>
+                  <a:noAutofit/>
+                </a:bodyPr>
+                <a:lstStyle/>
+                <a:p>
+                  <a:pPr algn="ctr" defTabSz="914099" fontAlgn="base">
+                    <a:spcBef>
+                      <a:spcPct val="0"/>
+                    </a:spcBef>
+                    <a:spcAft>
+                      <a:spcPct val="0"/>
+                    </a:spcAft>
+                  </a:pPr>
+                  <a:endParaRPr lang="en-US" sz="1600" dirty="0" smtClean="0">
+                    <a:gradFill>
+                      <a:gsLst>
+                        <a:gs pos="0">
+                          <a:srgbClr val="FFFFFF"/>
+                        </a:gs>
+                        <a:gs pos="100000">
+                          <a:srgbClr val="FFFFFF"/>
+                        </a:gs>
+                      </a:gsLst>
+                      <a:lin ang="5400000" scaled="0"/>
+                    </a:gradFill>
+                    <a:ea typeface="Segoe UI" pitchFamily="34" charset="0"/>
+                    <a:cs typeface="Segoe UI" pitchFamily="34" charset="0"/>
+                  </a:endParaRPr>
+                </a:p>
+              </p:txBody>
+            </p:sp>
+            <p:sp>
+              <p:nvSpPr>
+                <p:cNvPr id="34" name="TextBox 33"/>
+                <p:cNvSpPr txBox="1"/>
+                <p:nvPr/>
+              </p:nvSpPr>
+              <p:spPr>
+                <a:xfrm>
+                  <a:off x="8385074" y="2783306"/>
+                  <a:ext cx="446325" cy="210265"/>
+                </a:xfrm>
+                <a:prstGeom prst="rect">
+                  <a:avLst/>
+                </a:prstGeom>
+                <a:noFill/>
+              </p:spPr>
+              <p:txBody>
+                <a:bodyPr wrap="none" lIns="0" tIns="0" rIns="0" bIns="0" rtlCol="0">
+                  <a:spAutoFit/>
+                </a:bodyPr>
+                <a:lstStyle/>
+                <a:p>
+                  <a:r>
+                    <a:rPr lang="fi-FI" sz="900" spc="-70" dirty="0" err="1" smtClean="0">
+                      <a:solidFill>
+                        <a:schemeClr val="bg1"/>
+                      </a:solidFill>
+                      <a:effectLst>
+                        <a:outerShdw blurRad="50800" dist="38100" dir="2700000" algn="tl" rotWithShape="0">
+                          <a:schemeClr val="tx2">
+                            <a:alpha val="40000"/>
+                          </a:schemeClr>
+                        </a:outerShdw>
+                      </a:effectLst>
+                    </a:rPr>
+                    <a:t>master</a:t>
+                  </a:r>
+                  <a:endParaRPr lang="en-US" sz="900" spc="-70" dirty="0" smtClean="0">
+                    <a:solidFill>
+                      <a:schemeClr val="bg1"/>
+                    </a:solidFill>
+                    <a:effectLst>
+                      <a:outerShdw blurRad="50800" dist="38100" dir="2700000" algn="tl" rotWithShape="0">
+                        <a:schemeClr val="tx2">
+                          <a:alpha val="40000"/>
+                        </a:schemeClr>
+                      </a:outerShdw>
+                    </a:effectLst>
+                  </a:endParaRPr>
+                </a:p>
+              </p:txBody>
+            </p:sp>
+          </p:grpSp>
+          <p:grpSp>
+            <p:nvGrpSpPr>
+              <p:cNvPr id="26" name="Group 25"/>
+              <p:cNvGrpSpPr>
+                <a:grpSpLocks noChangeAspect="1"/>
+              </p:cNvGrpSpPr>
+              <p:nvPr/>
+            </p:nvGrpSpPr>
+            <p:grpSpPr>
+              <a:xfrm>
+                <a:off x="2468161" y="4175148"/>
+                <a:ext cx="400137" cy="504000"/>
+                <a:chOff x="8856725" y="2275112"/>
+                <a:chExt cx="605872" cy="763139"/>
+              </a:xfrm>
+            </p:grpSpPr>
+            <p:pic>
+              <p:nvPicPr>
+                <p:cNvPr id="27" name="Picture 26"/>
+                <p:cNvPicPr>
+                  <a:picLocks noChangeAspect="1"/>
+                </p:cNvPicPr>
+                <p:nvPr/>
+              </p:nvPicPr>
+              <p:blipFill>
+                <a:blip r:embed="rId8"/>
+                <a:stretch>
+                  <a:fillRect/>
+                </a:stretch>
+              </p:blipFill>
+              <p:spPr>
+                <a:xfrm>
+                  <a:off x="8856725" y="2275112"/>
+                  <a:ext cx="527111" cy="689388"/>
+                </a:xfrm>
+                <a:prstGeom prst="rect">
+                  <a:avLst/>
+                </a:prstGeom>
+              </p:spPr>
+            </p:pic>
+            <p:pic>
+              <p:nvPicPr>
+                <p:cNvPr id="28" name="Picture 27"/>
+                <p:cNvPicPr>
+                  <a:picLocks noChangeAspect="1"/>
+                </p:cNvPicPr>
+                <p:nvPr/>
+              </p:nvPicPr>
+              <p:blipFill>
+                <a:blip r:embed="rId8"/>
+                <a:stretch>
+                  <a:fillRect/>
+                </a:stretch>
+              </p:blipFill>
+              <p:spPr>
+                <a:xfrm>
+                  <a:off x="8935486" y="2348863"/>
+                  <a:ext cx="527111" cy="689388"/>
+                </a:xfrm>
+                <a:prstGeom prst="rect">
+                  <a:avLst/>
+                </a:prstGeom>
+              </p:spPr>
+            </p:pic>
+            <p:sp>
+              <p:nvSpPr>
+                <p:cNvPr id="29" name="Right Triangle 28"/>
+                <p:cNvSpPr/>
+                <p:nvPr/>
+              </p:nvSpPr>
+              <p:spPr bwMode="auto">
+                <a:xfrm>
+                  <a:off x="8978857" y="2373272"/>
+                  <a:ext cx="440367" cy="626130"/>
+                </a:xfrm>
+                <a:prstGeom prst="rtTriangle">
+                  <a:avLst/>
+                </a:prstGeom>
+                <a:solidFill>
+                  <a:schemeClr val="accent3"/>
+                </a:solidFill>
+                <a:ln>
+                  <a:noFill/>
+                  <a:headEnd type="none" w="med" len="med"/>
+                  <a:tailEnd type="none" w="med" len="med"/>
+                </a:ln>
+                <a:effectLst/>
+              </p:spPr>
+              <p:style>
+                <a:lnRef idx="1">
+                  <a:schemeClr val="accent2"/>
+                </a:lnRef>
+                <a:fillRef idx="3">
+                  <a:schemeClr val="accent2"/>
+                </a:fillRef>
+                <a:effectRef idx="2">
+                  <a:schemeClr val="accent2"/>
+                </a:effectRef>
+                <a:fontRef idx="minor">
+                  <a:schemeClr val="lt1"/>
+                </a:fontRef>
+              </p:style>
+              <p:txBody>
+                <a:bodyPr rot="0" spcFirstLastPara="0" vertOverflow="overflow" horzOverflow="overflow" vert="horz" wrap="square" lIns="45720" tIns="45720" rIns="45720" bIns="45720" numCol="1" spcCol="0" rtlCol="0" fromWordArt="0" anchor="ctr" anchorCtr="0" forceAA="0" compatLnSpc="1">
+                  <a:prstTxWarp prst="textNoShape">
+                    <a:avLst/>
+                  </a:prstTxWarp>
+                  <a:noAutofit/>
+                </a:bodyPr>
+                <a:lstStyle/>
+                <a:p>
+                  <a:pPr algn="ctr" defTabSz="914099" fontAlgn="base">
+                    <a:spcBef>
+                      <a:spcPct val="0"/>
+                    </a:spcBef>
+                    <a:spcAft>
+                      <a:spcPct val="0"/>
+                    </a:spcAft>
+                  </a:pPr>
+                  <a:endParaRPr lang="en-US" sz="1600" dirty="0" smtClean="0">
+                    <a:gradFill>
+                      <a:gsLst>
+                        <a:gs pos="0">
+                          <a:srgbClr val="FFFFFF"/>
+                        </a:gs>
+                        <a:gs pos="100000">
+                          <a:srgbClr val="FFFFFF"/>
+                        </a:gs>
+                      </a:gsLst>
+                      <a:lin ang="5400000" scaled="0"/>
+                    </a:gradFill>
+                    <a:ea typeface="Segoe UI" pitchFamily="34" charset="0"/>
+                    <a:cs typeface="Segoe UI" pitchFamily="34" charset="0"/>
+                  </a:endParaRPr>
+                </a:p>
+              </p:txBody>
+            </p:sp>
+            <p:sp>
+              <p:nvSpPr>
+                <p:cNvPr id="30" name="TextBox 29"/>
+                <p:cNvSpPr txBox="1"/>
+                <p:nvPr/>
+              </p:nvSpPr>
+              <p:spPr>
+                <a:xfrm>
+                  <a:off x="9045471" y="2698547"/>
+                  <a:ext cx="154856" cy="326218"/>
+                </a:xfrm>
+                <a:prstGeom prst="rect">
+                  <a:avLst/>
+                </a:prstGeom>
+                <a:noFill/>
+              </p:spPr>
+              <p:txBody>
+                <a:bodyPr wrap="none" lIns="0" tIns="0" rIns="0" bIns="0" rtlCol="0">
+                  <a:spAutoFit/>
+                </a:bodyPr>
+                <a:lstStyle/>
+                <a:p>
+                  <a:pPr algn="r"/>
+                  <a:r>
+                    <a:rPr lang="fi-FI" sz="1400" spc="-70" dirty="0" err="1" smtClean="0">
+                      <a:solidFill>
+                        <a:schemeClr val="bg1"/>
+                      </a:solidFill>
+                      <a:effectLst>
+                        <a:outerShdw blurRad="50800" dist="38100" dir="2700000" algn="tl" rotWithShape="0">
+                          <a:schemeClr val="tx2">
+                            <a:alpha val="40000"/>
+                          </a:schemeClr>
+                        </a:outerShdw>
+                      </a:effectLst>
+                    </a:rPr>
+                    <a:t>js</a:t>
+                  </a:r>
+                  <a:endParaRPr lang="en-US" sz="1400" spc="-70" dirty="0" smtClean="0">
+                    <a:solidFill>
+                      <a:schemeClr val="bg1"/>
+                    </a:solidFill>
+                    <a:effectLst>
+                      <a:outerShdw blurRad="50800" dist="38100" dir="2700000" algn="tl" rotWithShape="0">
+                        <a:schemeClr val="tx2">
+                          <a:alpha val="40000"/>
+                        </a:schemeClr>
+                      </a:outerShdw>
+                    </a:effectLst>
+                  </a:endParaRPr>
+                </a:p>
+              </p:txBody>
+            </p:sp>
+          </p:grpSp>
+        </p:grpSp>
+      </p:grpSp>
+      <p:grpSp>
+        <p:nvGrpSpPr>
+          <p:cNvPr id="49" name="Group 48"/>
+          <p:cNvGrpSpPr>
+            <a:grpSpLocks noChangeAspect="1"/>
+          </p:cNvGrpSpPr>
+          <p:nvPr/>
+        </p:nvGrpSpPr>
+        <p:grpSpPr>
+          <a:xfrm>
+            <a:off x="3590733" y="5200921"/>
+            <a:ext cx="1898081" cy="1148237"/>
+            <a:chOff x="781287" y="4564525"/>
+            <a:chExt cx="2582491" cy="1562274"/>
+          </a:xfrm>
+        </p:grpSpPr>
+        <p:pic>
+          <p:nvPicPr>
+            <p:cNvPr id="50" name="Picture 49"/>
+            <p:cNvPicPr>
+              <a:picLocks noChangeAspect="1"/>
+            </p:cNvPicPr>
+            <p:nvPr/>
+          </p:nvPicPr>
+          <p:blipFill>
+            <a:blip r:embed="rId9"/>
+            <a:stretch>
+              <a:fillRect/>
+            </a:stretch>
+          </p:blipFill>
+          <p:spPr>
+            <a:xfrm>
+              <a:off x="781287" y="4564525"/>
+              <a:ext cx="1334951" cy="1267414"/>
+            </a:xfrm>
+            <a:prstGeom prst="rect">
+              <a:avLst/>
+            </a:prstGeom>
+          </p:spPr>
+        </p:pic>
+        <p:pic>
+          <p:nvPicPr>
+            <p:cNvPr id="51" name="Picture 50"/>
+            <p:cNvPicPr>
+              <a:picLocks noChangeAspect="1"/>
+            </p:cNvPicPr>
+            <p:nvPr/>
+          </p:nvPicPr>
+          <p:blipFill>
+            <a:blip r:embed="rId10"/>
+            <a:stretch>
+              <a:fillRect/>
+            </a:stretch>
+          </p:blipFill>
+          <p:spPr>
+            <a:xfrm>
+              <a:off x="2722844" y="5169800"/>
+              <a:ext cx="640934" cy="956999"/>
+            </a:xfrm>
+            <a:prstGeom prst="rect">
+              <a:avLst/>
+            </a:prstGeom>
+          </p:spPr>
+        </p:pic>
+        <p:pic>
+          <p:nvPicPr>
+            <p:cNvPr id="52" name="Picture 51"/>
+            <p:cNvPicPr>
+              <a:picLocks noChangeAspect="1"/>
+            </p:cNvPicPr>
+            <p:nvPr/>
+          </p:nvPicPr>
+          <p:blipFill>
+            <a:blip r:embed="rId11"/>
+            <a:stretch>
+              <a:fillRect/>
+            </a:stretch>
+          </p:blipFill>
+          <p:spPr>
+            <a:xfrm>
+              <a:off x="1625422" y="5341440"/>
+              <a:ext cx="963439" cy="699247"/>
+            </a:xfrm>
+            <a:prstGeom prst="rect">
+              <a:avLst/>
+            </a:prstGeom>
+          </p:spPr>
+        </p:pic>
+        <p:pic>
+          <p:nvPicPr>
+            <p:cNvPr id="53" name="Picture 52"/>
+            <p:cNvPicPr>
+              <a:picLocks noChangeAspect="1"/>
+            </p:cNvPicPr>
+            <p:nvPr/>
+          </p:nvPicPr>
+          <p:blipFill>
+            <a:blip r:embed="rId12"/>
+            <a:stretch>
+              <a:fillRect/>
+            </a:stretch>
+          </p:blipFill>
+          <p:spPr>
+            <a:xfrm>
+              <a:off x="2087010" y="4919651"/>
+              <a:ext cx="907928" cy="658958"/>
+            </a:xfrm>
+            <a:prstGeom prst="rect">
+              <a:avLst/>
+            </a:prstGeom>
+          </p:spPr>
+        </p:pic>
+      </p:grpSp>
+      <p:cxnSp>
+        <p:nvCxnSpPr>
+          <p:cNvPr id="54" name="Straight Arrow Connector 53"/>
+          <p:cNvCxnSpPr/>
+          <p:nvPr/>
+        </p:nvCxnSpPr>
         <p:spPr>
-          <a:xfrm>
-            <a:off x="2610705" y="1504811"/>
-            <a:ext cx="2063642" cy="369332"/>
+          <a:xfrm flipV="1">
+            <a:off x="4574335" y="2010880"/>
+            <a:ext cx="2781127" cy="1486428"/>
           </a:xfrm>
-          <a:prstGeom prst="rect">
+          <a:prstGeom prst="straightConnector1">
             <a:avLst/>
           </a:prstGeom>
-          <a:noFill/>
-        </p:spPr>
-        <p:txBody>
-          <a:bodyPr wrap="none" lIns="0" tIns="0" rIns="0" bIns="0" rtlCol="0">
-            <a:spAutoFit/>
-          </a:bodyPr>
-          <a:lstStyle/>
-          <a:p>
-            <a:r>
-              <a:rPr lang="en-US" sz="2400" spc="-70" dirty="0" smtClean="0">
-                <a:solidFill>
-                  <a:schemeClr val="bg1"/>
-                </a:solidFill>
-              </a:rPr>
-              <a:t>Azure Web Sites</a:t>
-            </a:r>
-          </a:p>
-        </p:txBody>
-      </p:sp>
-      <p:sp>
-        <p:nvSpPr>
-          <p:cNvPr id="6" name="Rounded Rectangle 5"/>
-          <p:cNvSpPr/>
-          <p:nvPr/>
-        </p:nvSpPr>
-        <p:spPr bwMode="auto">
-          <a:xfrm>
-            <a:off x="6591717" y="3223460"/>
-            <a:ext cx="3315956" cy="1901199"/>
-          </a:xfrm>
-          <a:prstGeom prst="roundRect">
-            <a:avLst/>
-          </a:prstGeom>
-          <a:solidFill>
-            <a:srgbClr val="EB3C00"/>
-          </a:solidFill>
-          <a:ln>
-            <a:noFill/>
-            <a:headEnd type="none" w="med" len="med"/>
-            <a:tailEnd type="none" w="med" len="med"/>
+          <a:ln w="41275">
+            <a:solidFill>
+              <a:schemeClr val="bg1">
+                <a:lumMod val="65000"/>
+              </a:schemeClr>
+            </a:solidFill>
+            <a:prstDash val="sysDash"/>
+            <a:tailEnd type="stealth" w="lg" len="lg"/>
           </a:ln>
           <a:effectLst/>
         </p:spPr>
         <p:style>
           <a:lnRef idx="1">
-            <a:schemeClr val="accent2"/>
-          </a:lnRef>
-          <a:fillRef idx="3">
-            <a:schemeClr val="accent2"/>
-          </a:fillRef>
-          <a:effectRef idx="2">
-            <a:schemeClr val="accent2"/>
-          </a:effectRef>
-          <a:fontRef idx="minor">
-            <a:schemeClr val="lt1"/>
-          </a:fontRef>
-        </p:style>
-        <p:txBody>
-          <a:bodyPr rot="0" spcFirstLastPara="0" vertOverflow="overflow" horzOverflow="overflow" vert="horz" wrap="square" lIns="45720" tIns="45720" rIns="45720" bIns="45720" numCol="1" spcCol="0" rtlCol="0" fromWordArt="0" anchor="ctr" anchorCtr="0" forceAA="0" compatLnSpc="1">
-            <a:prstTxWarp prst="textNoShape">
-              <a:avLst/>
-            </a:prstTxWarp>
-            <a:noAutofit/>
-          </a:bodyPr>
-          <a:lstStyle/>
-          <a:p>
-            <a:pPr algn="ctr" defTabSz="914099" fontAlgn="base">
-              <a:spcBef>
-                <a:spcPct val="0"/>
-              </a:spcBef>
-              <a:spcAft>
-                <a:spcPct val="0"/>
-              </a:spcAft>
-            </a:pPr>
-            <a:endParaRPr lang="en-US" sz="2200" dirty="0" smtClean="0">
-              <a:gradFill>
-                <a:gsLst>
-                  <a:gs pos="0">
-                    <a:srgbClr val="FFFFFF"/>
-                  </a:gs>
-                  <a:gs pos="100000">
-                    <a:srgbClr val="FFFFFF"/>
-                  </a:gs>
-                </a:gsLst>
-                <a:lin ang="5400000" scaled="0"/>
-              </a:gradFill>
-              <a:ea typeface="Segoe UI" pitchFamily="34" charset="0"/>
-              <a:cs typeface="Segoe UI" pitchFamily="34" charset="0"/>
-            </a:endParaRPr>
-          </a:p>
-        </p:txBody>
-      </p:sp>
-      <p:sp>
-        <p:nvSpPr>
-          <p:cNvPr id="29" name="Rounded Rectangle 28"/>
-          <p:cNvSpPr/>
-          <p:nvPr/>
-        </p:nvSpPr>
-        <p:spPr bwMode="auto">
-          <a:xfrm>
-            <a:off x="6745845" y="3313896"/>
-            <a:ext cx="770320" cy="693337"/>
-          </a:xfrm>
-          <a:prstGeom prst="roundRect">
-            <a:avLst/>
-          </a:prstGeom>
-          <a:solidFill>
-            <a:schemeClr val="accent1">
-              <a:lumMod val="20000"/>
-              <a:lumOff val="80000"/>
-            </a:schemeClr>
-          </a:solidFill>
-          <a:ln>
-            <a:noFill/>
-            <a:headEnd type="none" w="med" len="med"/>
-            <a:tailEnd type="none" w="med" len="med"/>
-          </a:ln>
-          <a:effectLst/>
-        </p:spPr>
-        <p:style>
-          <a:lnRef idx="1">
-            <a:schemeClr val="accent2"/>
-          </a:lnRef>
-          <a:fillRef idx="3">
-            <a:schemeClr val="accent2"/>
-          </a:fillRef>
-          <a:effectRef idx="2">
-            <a:schemeClr val="accent2"/>
-          </a:effectRef>
-          <a:fontRef idx="minor">
-            <a:schemeClr val="lt1"/>
-          </a:fontRef>
-        </p:style>
-        <p:txBody>
-          <a:bodyPr rot="0" spcFirstLastPara="0" vertOverflow="overflow" horzOverflow="overflow" vert="horz" wrap="square" lIns="45720" tIns="45720" rIns="45720" bIns="45720" numCol="1" spcCol="0" rtlCol="0" fromWordArt="0" anchor="ctr" anchorCtr="0" forceAA="0" compatLnSpc="1">
-            <a:prstTxWarp prst="textNoShape">
-              <a:avLst/>
-            </a:prstTxWarp>
-            <a:noAutofit/>
-          </a:bodyPr>
-          <a:lstStyle/>
-          <a:p>
-            <a:pPr algn="ctr" defTabSz="914099" fontAlgn="base">
-              <a:spcBef>
-                <a:spcPct val="0"/>
-              </a:spcBef>
-              <a:spcAft>
-                <a:spcPct val="0"/>
-              </a:spcAft>
-            </a:pPr>
-            <a:endParaRPr lang="en-US" sz="2200" dirty="0" smtClean="0">
-              <a:gradFill>
-                <a:gsLst>
-                  <a:gs pos="0">
-                    <a:srgbClr val="FFFFFF"/>
-                  </a:gs>
-                  <a:gs pos="100000">
-                    <a:srgbClr val="FFFFFF"/>
-                  </a:gs>
-                </a:gsLst>
-                <a:lin ang="5400000" scaled="0"/>
-              </a:gradFill>
-              <a:ea typeface="Segoe UI" pitchFamily="34" charset="0"/>
-              <a:cs typeface="Segoe UI" pitchFamily="34" charset="0"/>
-            </a:endParaRPr>
-          </a:p>
-        </p:txBody>
-      </p:sp>
-      <p:sp>
-        <p:nvSpPr>
-          <p:cNvPr id="32" name="Rounded Rectangle 31"/>
-          <p:cNvSpPr/>
-          <p:nvPr/>
-        </p:nvSpPr>
-        <p:spPr bwMode="auto">
-          <a:xfrm>
-            <a:off x="7417549" y="4204330"/>
-            <a:ext cx="770320" cy="693337"/>
-          </a:xfrm>
-          <a:prstGeom prst="roundRect">
-            <a:avLst/>
-          </a:prstGeom>
-          <a:solidFill>
-            <a:schemeClr val="accent1">
-              <a:lumMod val="20000"/>
-              <a:lumOff val="80000"/>
-            </a:schemeClr>
-          </a:solidFill>
-          <a:ln>
-            <a:noFill/>
-            <a:headEnd type="none" w="med" len="med"/>
-            <a:tailEnd type="none" w="med" len="med"/>
-          </a:ln>
-          <a:effectLst/>
-        </p:spPr>
-        <p:style>
-          <a:lnRef idx="1">
-            <a:schemeClr val="accent2"/>
-          </a:lnRef>
-          <a:fillRef idx="3">
-            <a:schemeClr val="accent2"/>
-          </a:fillRef>
-          <a:effectRef idx="2">
-            <a:schemeClr val="accent2"/>
-          </a:effectRef>
-          <a:fontRef idx="minor">
-            <a:schemeClr val="lt1"/>
-          </a:fontRef>
-        </p:style>
-        <p:txBody>
-          <a:bodyPr rot="0" spcFirstLastPara="0" vertOverflow="overflow" horzOverflow="overflow" vert="horz" wrap="square" lIns="45720" tIns="45720" rIns="45720" bIns="45720" numCol="1" spcCol="0" rtlCol="0" fromWordArt="0" anchor="ctr" anchorCtr="0" forceAA="0" compatLnSpc="1">
-            <a:prstTxWarp prst="textNoShape">
-              <a:avLst/>
-            </a:prstTxWarp>
-            <a:noAutofit/>
-          </a:bodyPr>
-          <a:lstStyle/>
-          <a:p>
-            <a:pPr algn="ctr" defTabSz="914099" fontAlgn="base">
-              <a:spcBef>
-                <a:spcPct val="0"/>
-              </a:spcBef>
-              <a:spcAft>
-                <a:spcPct val="0"/>
-              </a:spcAft>
-            </a:pPr>
-            <a:endParaRPr lang="en-US" sz="2200" dirty="0" smtClean="0">
-              <a:gradFill>
-                <a:gsLst>
-                  <a:gs pos="0">
-                    <a:srgbClr val="FFFFFF"/>
-                  </a:gs>
-                  <a:gs pos="100000">
-                    <a:srgbClr val="FFFFFF"/>
-                  </a:gs>
-                </a:gsLst>
-                <a:lin ang="5400000" scaled="0"/>
-              </a:gradFill>
-              <a:ea typeface="Segoe UI" pitchFamily="34" charset="0"/>
-              <a:cs typeface="Segoe UI" pitchFamily="34" charset="0"/>
-            </a:endParaRPr>
-          </a:p>
-        </p:txBody>
-      </p:sp>
-      <p:sp>
-        <p:nvSpPr>
-          <p:cNvPr id="33" name="TextBox 32"/>
-          <p:cNvSpPr txBox="1"/>
-          <p:nvPr/>
-        </p:nvSpPr>
-        <p:spPr>
-          <a:xfrm>
-            <a:off x="7571803" y="4304776"/>
-            <a:ext cx="455894" cy="492443"/>
-          </a:xfrm>
-          <a:prstGeom prst="rect">
-            <a:avLst/>
-          </a:prstGeom>
-          <a:noFill/>
-        </p:spPr>
-        <p:txBody>
-          <a:bodyPr wrap="none" lIns="0" tIns="0" rIns="0" bIns="0" rtlCol="0">
-            <a:spAutoFit/>
-          </a:bodyPr>
-          <a:lstStyle/>
-          <a:p>
-            <a:pPr algn="ctr"/>
-            <a:r>
-              <a:rPr lang="en-US" sz="1600" spc="-70" dirty="0" smtClean="0">
-                <a:gradFill>
-                  <a:gsLst>
-                    <a:gs pos="2917">
-                      <a:schemeClr val="bg2"/>
-                    </a:gs>
-                    <a:gs pos="95000">
-                      <a:schemeClr val="bg2"/>
-                    </a:gs>
-                  </a:gsLst>
-                  <a:lin ang="5400000" scaled="0"/>
-                </a:gradFill>
-              </a:rPr>
-              <a:t>App</a:t>
-            </a:r>
-            <a:br>
-              <a:rPr lang="en-US" sz="1600" spc="-70" dirty="0" smtClean="0">
-                <a:gradFill>
-                  <a:gsLst>
-                    <a:gs pos="2917">
-                      <a:schemeClr val="bg2"/>
-                    </a:gs>
-                    <a:gs pos="95000">
-                      <a:schemeClr val="bg2"/>
-                    </a:gs>
-                  </a:gsLst>
-                  <a:lin ang="5400000" scaled="0"/>
-                </a:gradFill>
-              </a:rPr>
-            </a:br>
-            <a:r>
-              <a:rPr lang="en-US" sz="1600" spc="-70" dirty="0" smtClean="0">
-                <a:gradFill>
-                  <a:gsLst>
-                    <a:gs pos="2917">
-                      <a:schemeClr val="bg2"/>
-                    </a:gs>
-                    <a:gs pos="95000">
-                      <a:schemeClr val="bg2"/>
-                    </a:gs>
-                  </a:gsLst>
-                  <a:lin ang="5400000" scaled="0"/>
-                </a:gradFill>
-              </a:rPr>
-              <a:t>Web</a:t>
-            </a:r>
-            <a:r>
-              <a:rPr lang="en-US" sz="1600" spc="-70" baseline="30000" dirty="0" smtClean="0">
-                <a:gradFill>
-                  <a:gsLst>
-                    <a:gs pos="2917">
-                      <a:schemeClr val="bg2"/>
-                    </a:gs>
-                    <a:gs pos="95000">
-                      <a:schemeClr val="bg2"/>
-                    </a:gs>
-                  </a:gsLst>
-                  <a:lin ang="5400000" scaled="0"/>
-                </a:gradFill>
-              </a:rPr>
-              <a:t>1</a:t>
-            </a:r>
-          </a:p>
-        </p:txBody>
-      </p:sp>
-      <p:sp>
-        <p:nvSpPr>
-          <p:cNvPr id="36" name="TextBox 35"/>
-          <p:cNvSpPr txBox="1"/>
-          <p:nvPr/>
-        </p:nvSpPr>
-        <p:spPr>
-          <a:xfrm>
-            <a:off x="6899973" y="3413439"/>
-            <a:ext cx="388120" cy="492443"/>
-          </a:xfrm>
-          <a:prstGeom prst="rect">
-            <a:avLst/>
-          </a:prstGeom>
-          <a:noFill/>
-        </p:spPr>
-        <p:txBody>
-          <a:bodyPr wrap="none" lIns="0" tIns="0" rIns="0" bIns="0" rtlCol="0">
-            <a:spAutoFit/>
-          </a:bodyPr>
-          <a:lstStyle/>
-          <a:p>
-            <a:pPr algn="ctr"/>
-            <a:r>
-              <a:rPr lang="en-US" sz="1600" spc="-70" dirty="0" smtClean="0">
-                <a:gradFill>
-                  <a:gsLst>
-                    <a:gs pos="2917">
-                      <a:schemeClr val="bg2"/>
-                    </a:gs>
-                    <a:gs pos="95000">
-                      <a:schemeClr val="bg2"/>
-                    </a:gs>
-                  </a:gsLst>
-                  <a:lin ang="5400000" scaled="0"/>
-                </a:gradFill>
-              </a:rPr>
-              <a:t>Host</a:t>
-            </a:r>
-            <a:br>
-              <a:rPr lang="en-US" sz="1600" spc="-70" dirty="0" smtClean="0">
-                <a:gradFill>
-                  <a:gsLst>
-                    <a:gs pos="2917">
-                      <a:schemeClr val="bg2"/>
-                    </a:gs>
-                    <a:gs pos="95000">
-                      <a:schemeClr val="bg2"/>
-                    </a:gs>
-                  </a:gsLst>
-                  <a:lin ang="5400000" scaled="0"/>
-                </a:gradFill>
-              </a:rPr>
-            </a:br>
-            <a:r>
-              <a:rPr lang="en-US" sz="1600" spc="-70" dirty="0" smtClean="0">
-                <a:gradFill>
-                  <a:gsLst>
-                    <a:gs pos="2917">
-                      <a:schemeClr val="bg2"/>
-                    </a:gs>
-                    <a:gs pos="95000">
-                      <a:schemeClr val="bg2"/>
-                    </a:gs>
-                  </a:gsLst>
-                  <a:lin ang="5400000" scaled="0"/>
-                </a:gradFill>
-              </a:rPr>
-              <a:t>Web</a:t>
-            </a:r>
-          </a:p>
-        </p:txBody>
-      </p:sp>
-      <p:cxnSp>
-        <p:nvCxnSpPr>
-          <p:cNvPr id="40" name="Elbow Connector 39"/>
-          <p:cNvCxnSpPr>
-            <a:stCxn id="29" idx="2"/>
-            <a:endCxn id="32" idx="1"/>
-          </p:cNvCxnSpPr>
-          <p:nvPr/>
-        </p:nvCxnSpPr>
-        <p:spPr>
-          <a:xfrm rot="16200000" flipH="1">
-            <a:off x="7002394" y="4135844"/>
-            <a:ext cx="543766" cy="286544"/>
-          </a:xfrm>
-          <a:prstGeom prst="bentConnector2">
-            <a:avLst/>
-          </a:prstGeom>
-          <a:ln>
-            <a:solidFill>
-              <a:schemeClr val="tx1"/>
-            </a:solidFill>
-            <a:headEnd type="triangle"/>
-            <a:tailEnd type="triangle"/>
-          </a:ln>
-        </p:spPr>
-        <p:style>
-          <a:lnRef idx="1">
-            <a:schemeClr val="accent1"/>
+            <a:schemeClr val="accent4"/>
           </a:lnRef>
           <a:fillRef idx="0">
-            <a:schemeClr val="accent1"/>
+            <a:schemeClr val="accent4"/>
           </a:fillRef>
           <a:effectRef idx="0">
-            <a:schemeClr val="accent1"/>
-          </a:effectRef>
-          <a:fontRef idx="minor">
-            <a:schemeClr val="tx1"/>
-          </a:fontRef>
-        </p:style>
-      </p:cxnSp>
-      <p:sp>
-        <p:nvSpPr>
-          <p:cNvPr id="42" name="TextBox 41"/>
-          <p:cNvSpPr txBox="1"/>
-          <p:nvPr/>
-        </p:nvSpPr>
-        <p:spPr>
-          <a:xfrm>
-            <a:off x="8052129" y="3495561"/>
-            <a:ext cx="1537399" cy="738664"/>
-          </a:xfrm>
-          <a:prstGeom prst="rect">
-            <a:avLst/>
-          </a:prstGeom>
-          <a:noFill/>
-        </p:spPr>
-        <p:txBody>
-          <a:bodyPr wrap="square" lIns="0" tIns="0" rIns="0" bIns="0" rtlCol="0">
-            <a:spAutoFit/>
-          </a:bodyPr>
-          <a:lstStyle/>
-          <a:p>
-            <a:pPr algn="r"/>
-            <a:r>
-              <a:rPr lang="en-US" sz="2400" spc="-70" dirty="0" smtClean="0">
-                <a:solidFill>
-                  <a:schemeClr val="bg1"/>
-                </a:solidFill>
-              </a:rPr>
-              <a:t>SharePoint Online</a:t>
-            </a:r>
-          </a:p>
-        </p:txBody>
-      </p:sp>
-      <p:cxnSp>
-        <p:nvCxnSpPr>
-          <p:cNvPr id="19" name="Elbow Connector 18"/>
-          <p:cNvCxnSpPr>
-            <a:stCxn id="32" idx="1"/>
-            <a:endCxn id="4" idx="3"/>
-          </p:cNvCxnSpPr>
-          <p:nvPr/>
-        </p:nvCxnSpPr>
-        <p:spPr>
-          <a:xfrm rot="10800000">
-            <a:off x="4933741" y="3414377"/>
-            <a:ext cx="2483809" cy="1136622"/>
-          </a:xfrm>
-          <a:prstGeom prst="bentConnector3">
-            <a:avLst/>
-          </a:prstGeom>
-          <a:ln>
-            <a:solidFill>
-              <a:schemeClr val="tx1"/>
-            </a:solidFill>
-            <a:headEnd type="triangle"/>
-            <a:tailEnd type="triangle"/>
-          </a:ln>
-        </p:spPr>
-        <p:style>
-          <a:lnRef idx="1">
-            <a:schemeClr val="accent1"/>
-          </a:lnRef>
-          <a:fillRef idx="0">
-            <a:schemeClr val="accent1"/>
-          </a:fillRef>
-          <a:effectRef idx="0">
-            <a:schemeClr val="accent1"/>
+            <a:schemeClr val="accent4"/>
           </a:effectRef>
           <a:fontRef idx="minor">
             <a:schemeClr val="tx1"/>
@@ -26190,40 +26618,38 @@
       </p:cxnSp>
       <p:cxnSp>
         <p:nvCxnSpPr>
-          <p:cNvPr id="38" name="Elbow Connector 37"/>
-          <p:cNvCxnSpPr>
-            <a:stCxn id="29" idx="1"/>
-            <a:endCxn id="4" idx="3"/>
-          </p:cNvCxnSpPr>
+          <p:cNvPr id="55" name="Straight Arrow Connector 54"/>
+          <p:cNvCxnSpPr/>
           <p:nvPr/>
         </p:nvCxnSpPr>
         <p:spPr>
-          <a:xfrm rot="10800000">
-            <a:off x="4933741" y="3414377"/>
-            <a:ext cx="1812105" cy="246188"/>
+          <a:xfrm flipV="1">
+            <a:off x="4714875" y="3100437"/>
+            <a:ext cx="2653644" cy="457479"/>
           </a:xfrm>
-          <a:prstGeom prst="bentConnector3">
-            <a:avLst>
-              <a:gd name="adj1" fmla="val 50000"/>
-            </a:avLst>
+          <a:prstGeom prst="straightConnector1">
+            <a:avLst/>
           </a:prstGeom>
-          <a:ln>
+          <a:ln w="41275">
             <a:solidFill>
-              <a:schemeClr val="tx1"/>
+              <a:schemeClr val="bg1">
+                <a:lumMod val="65000"/>
+              </a:schemeClr>
             </a:solidFill>
-            <a:headEnd type="triangle"/>
-            <a:tailEnd type="triangle"/>
+            <a:prstDash val="sysDash"/>
+            <a:tailEnd type="stealth" w="lg" len="lg"/>
           </a:ln>
+          <a:effectLst/>
         </p:spPr>
         <p:style>
           <a:lnRef idx="1">
-            <a:schemeClr val="accent1"/>
+            <a:schemeClr val="accent4"/>
           </a:lnRef>
           <a:fillRef idx="0">
-            <a:schemeClr val="accent1"/>
+            <a:schemeClr val="accent4"/>
           </a:fillRef>
           <a:effectRef idx="0">
-            <a:schemeClr val="accent1"/>
+            <a:schemeClr val="accent4"/>
           </a:effectRef>
           <a:fontRef idx="minor">
             <a:schemeClr val="tx1"/>
@@ -26232,38 +26658,38 @@
       </p:cxnSp>
       <p:cxnSp>
         <p:nvCxnSpPr>
-          <p:cNvPr id="55" name="Elbow Connector 54"/>
-          <p:cNvCxnSpPr>
-            <a:stCxn id="4" idx="2"/>
-            <a:endCxn id="7" idx="3"/>
-          </p:cNvCxnSpPr>
+          <p:cNvPr id="56" name="Straight Arrow Connector 55"/>
+          <p:cNvCxnSpPr/>
           <p:nvPr/>
         </p:nvCxnSpPr>
         <p:spPr>
-          <a:xfrm rot="16200000" flipH="1">
-            <a:off x="4137061" y="4157852"/>
-            <a:ext cx="987179" cy="1976247"/>
+          <a:xfrm>
+            <a:off x="4574335" y="3668293"/>
+            <a:ext cx="2886322" cy="1046582"/>
           </a:xfrm>
-          <a:prstGeom prst="bentConnector2">
+          <a:prstGeom prst="straightConnector1">
             <a:avLst/>
           </a:prstGeom>
-          <a:ln>
+          <a:ln w="41275">
             <a:solidFill>
-              <a:schemeClr val="tx1"/>
+              <a:schemeClr val="bg1">
+                <a:lumMod val="65000"/>
+              </a:schemeClr>
             </a:solidFill>
-            <a:headEnd type="triangle"/>
-            <a:tailEnd type="triangle"/>
+            <a:prstDash val="sysDash"/>
+            <a:tailEnd type="stealth" w="lg" len="lg"/>
           </a:ln>
+          <a:effectLst/>
         </p:spPr>
         <p:style>
           <a:lnRef idx="1">
-            <a:schemeClr val="accent1"/>
+            <a:schemeClr val="accent4"/>
           </a:lnRef>
           <a:fillRef idx="0">
-            <a:schemeClr val="accent1"/>
+            <a:schemeClr val="accent4"/>
           </a:fillRef>
           <a:effectRef idx="0">
-            <a:schemeClr val="accent1"/>
+            <a:schemeClr val="accent4"/>
           </a:effectRef>
           <a:fontRef idx="minor">
             <a:schemeClr val="tx1"/>
@@ -26272,249 +26698,287 @@
       </p:cxnSp>
       <p:cxnSp>
         <p:nvCxnSpPr>
-          <p:cNvPr id="57" name="Elbow Connector 56"/>
-          <p:cNvCxnSpPr>
-            <a:stCxn id="6" idx="2"/>
-            <a:endCxn id="7" idx="1"/>
-          </p:cNvCxnSpPr>
+          <p:cNvPr id="57" name="Straight Arrow Connector 56"/>
+          <p:cNvCxnSpPr/>
           <p:nvPr/>
         </p:nvCxnSpPr>
         <p:spPr>
-          <a:xfrm rot="5400000">
-            <a:off x="7151625" y="4541495"/>
-            <a:ext cx="514907" cy="1681234"/>
+          <a:xfrm>
+            <a:off x="5615196" y="5820922"/>
+            <a:ext cx="1407823" cy="1"/>
           </a:xfrm>
-          <a:prstGeom prst="bentConnector2">
+          <a:prstGeom prst="straightConnector1">
             <a:avLst/>
           </a:prstGeom>
-          <a:ln>
+          <a:ln w="41275">
             <a:solidFill>
-              <a:schemeClr val="tx1"/>
+              <a:schemeClr val="bg1">
+                <a:lumMod val="65000"/>
+              </a:schemeClr>
             </a:solidFill>
-            <a:headEnd type="triangle"/>
-            <a:tailEnd type="triangle"/>
+            <a:prstDash val="sysDash"/>
+            <a:tailEnd type="stealth" w="lg" len="lg"/>
           </a:ln>
+          <a:effectLst/>
         </p:spPr>
         <p:style>
           <a:lnRef idx="1">
-            <a:schemeClr val="accent1"/>
+            <a:schemeClr val="accent4"/>
           </a:lnRef>
           <a:fillRef idx="0">
-            <a:schemeClr val="accent1"/>
+            <a:schemeClr val="accent4"/>
           </a:fillRef>
           <a:effectRef idx="0">
-            <a:schemeClr val="accent1"/>
+            <a:schemeClr val="accent4"/>
           </a:effectRef>
           <a:fontRef idx="minor">
             <a:schemeClr val="tx1"/>
           </a:fontRef>
         </p:style>
       </p:cxnSp>
-      <p:sp>
-        <p:nvSpPr>
-          <p:cNvPr id="58" name="TextBox 57"/>
-          <p:cNvSpPr txBox="1"/>
+      <p:cxnSp>
+        <p:nvCxnSpPr>
+          <p:cNvPr id="58" name="Straight Arrow Connector 57"/>
+          <p:cNvCxnSpPr/>
           <p:nvPr/>
-        </p:nvSpPr>
+        </p:nvCxnSpPr>
         <p:spPr>
-          <a:xfrm>
-            <a:off x="7409078" y="5982418"/>
-            <a:ext cx="1738938" cy="246221"/>
+          <a:xfrm flipH="1" flipV="1">
+            <a:off x="3359820" y="4567892"/>
+            <a:ext cx="613227" cy="688920"/>
           </a:xfrm>
-          <a:prstGeom prst="rect">
+          <a:prstGeom prst="straightConnector1">
             <a:avLst/>
           </a:prstGeom>
-          <a:noFill/>
-        </p:spPr>
-        <p:txBody>
-          <a:bodyPr wrap="none" lIns="0" tIns="0" rIns="0" bIns="0" rtlCol="0">
-            <a:spAutoFit/>
-          </a:bodyPr>
-          <a:lstStyle/>
-          <a:p>
-            <a:r>
-              <a:rPr lang="en-US" sz="1600" spc="-70" baseline="30000" dirty="0" smtClean="0">
-                <a:gradFill>
-                  <a:gsLst>
-                    <a:gs pos="2917">
-                      <a:schemeClr val="bg2"/>
-                    </a:gs>
-                    <a:gs pos="95000">
-                      <a:schemeClr val="bg2"/>
-                    </a:gs>
-                  </a:gsLst>
-                  <a:lin ang="5400000" scaled="0"/>
-                </a:gradFill>
-              </a:rPr>
-              <a:t>1</a:t>
-            </a:r>
-            <a:r>
-              <a:rPr lang="en-US" sz="1600" spc="-70" dirty="0" smtClean="0">
-                <a:gradFill>
-                  <a:gsLst>
-                    <a:gs pos="2917">
-                      <a:schemeClr val="bg2"/>
-                    </a:gs>
-                    <a:gs pos="95000">
-                      <a:schemeClr val="bg2"/>
-                    </a:gs>
-                  </a:gsLst>
-                  <a:lin ang="5400000" scaled="0"/>
-                </a:gradFill>
-              </a:rPr>
-              <a:t>App Web </a:t>
-            </a:r>
-            <a:r>
-              <a:rPr lang="en-US" sz="1600" spc="-70" dirty="0" smtClean="0">
-                <a:gradFill>
-                  <a:gsLst>
-                    <a:gs pos="2917">
-                      <a:schemeClr val="bg2"/>
-                    </a:gs>
-                    <a:gs pos="95000">
-                      <a:schemeClr val="bg2"/>
-                    </a:gs>
-                  </a:gsLst>
-                  <a:lin ang="5400000" scaled="0"/>
-                </a:gradFill>
-              </a:rPr>
-              <a:t>is optional</a:t>
-            </a:r>
-            <a:endParaRPr lang="en-US" sz="1600" spc="-70" dirty="0" smtClean="0">
-              <a:gradFill>
-                <a:gsLst>
-                  <a:gs pos="2917">
-                    <a:schemeClr val="bg2"/>
-                  </a:gs>
-                  <a:gs pos="95000">
-                    <a:schemeClr val="bg2"/>
-                  </a:gs>
-                </a:gsLst>
-                <a:lin ang="5400000" scaled="0"/>
-              </a:gradFill>
-            </a:endParaRPr>
-          </a:p>
-        </p:txBody>
-      </p:sp>
-      <p:sp>
-        <p:nvSpPr>
-          <p:cNvPr id="61" name="Flowchart: Magnetic Disk 60"/>
-          <p:cNvSpPr/>
-          <p:nvPr/>
-        </p:nvSpPr>
-        <p:spPr bwMode="auto">
-          <a:xfrm>
-            <a:off x="7084086" y="1231873"/>
-            <a:ext cx="2703009" cy="874207"/>
-          </a:xfrm>
-          <a:prstGeom prst="flowChartMagneticDisk">
-            <a:avLst/>
-          </a:prstGeom>
-          <a:solidFill>
-            <a:srgbClr val="0070C0"/>
-          </a:solidFill>
-          <a:ln>
+          <a:ln w="41275">
             <a:solidFill>
-              <a:schemeClr val="tx1"/>
+              <a:schemeClr val="bg1">
+                <a:lumMod val="65000"/>
+              </a:schemeClr>
             </a:solidFill>
-            <a:headEnd type="none" w="med" len="med"/>
-            <a:tailEnd type="none" w="med" len="med"/>
+            <a:prstDash val="sysDash"/>
+            <a:tailEnd type="stealth" w="lg" len="lg"/>
           </a:ln>
           <a:effectLst/>
         </p:spPr>
         <p:style>
           <a:lnRef idx="1">
-            <a:schemeClr val="accent2"/>
-          </a:lnRef>
-          <a:fillRef idx="3">
-            <a:schemeClr val="accent2"/>
-          </a:fillRef>
-          <a:effectRef idx="2">
-            <a:schemeClr val="accent2"/>
-          </a:effectRef>
-          <a:fontRef idx="minor">
-            <a:schemeClr val="lt1"/>
-          </a:fontRef>
-        </p:style>
-        <p:txBody>
-          <a:bodyPr rot="0" spcFirstLastPara="0" vertOverflow="overflow" horzOverflow="overflow" vert="horz" wrap="square" lIns="45720" tIns="45720" rIns="45720" bIns="45720" numCol="1" spcCol="0" rtlCol="0" fromWordArt="0" anchor="ctr" anchorCtr="0" forceAA="0" compatLnSpc="1">
-            <a:prstTxWarp prst="textNoShape">
-              <a:avLst/>
-            </a:prstTxWarp>
-            <a:noAutofit/>
-          </a:bodyPr>
-          <a:lstStyle/>
-          <a:p>
-            <a:pPr algn="ctr" defTabSz="914099" fontAlgn="base">
-              <a:spcBef>
-                <a:spcPct val="0"/>
-              </a:spcBef>
-              <a:spcAft>
-                <a:spcPct val="0"/>
-              </a:spcAft>
-            </a:pPr>
-            <a:r>
-              <a:rPr lang="en-US" sz="2200" dirty="0" smtClean="0">
-                <a:gradFill>
-                  <a:gsLst>
-                    <a:gs pos="0">
-                      <a:srgbClr val="FFFFFF"/>
-                    </a:gs>
-                    <a:gs pos="100000">
-                      <a:srgbClr val="FFFFFF"/>
-                    </a:gs>
-                  </a:gsLst>
-                  <a:lin ang="5400000" scaled="0"/>
-                </a:gradFill>
-                <a:ea typeface="Segoe UI" pitchFamily="34" charset="0"/>
-                <a:cs typeface="Segoe UI" pitchFamily="34" charset="0"/>
-              </a:rPr>
-              <a:t>SQL Azure</a:t>
-            </a:r>
-          </a:p>
-        </p:txBody>
-      </p:sp>
-      <p:cxnSp>
-        <p:nvCxnSpPr>
-          <p:cNvPr id="64" name="Elbow Connector 63"/>
-          <p:cNvCxnSpPr/>
-          <p:nvPr/>
-        </p:nvCxnSpPr>
-        <p:spPr>
-          <a:xfrm rot="10800000" flipV="1">
-            <a:off x="4946948" y="1668976"/>
-            <a:ext cx="2127090" cy="1644919"/>
-          </a:xfrm>
-          <a:prstGeom prst="bentConnector3">
-            <a:avLst/>
-          </a:prstGeom>
-          <a:ln>
-            <a:solidFill>
-              <a:schemeClr val="tx1"/>
-            </a:solidFill>
-            <a:headEnd type="triangle"/>
-            <a:tailEnd type="triangle"/>
-          </a:ln>
-        </p:spPr>
-        <p:style>
-          <a:lnRef idx="1">
-            <a:schemeClr val="accent1"/>
+            <a:schemeClr val="accent4"/>
           </a:lnRef>
           <a:fillRef idx="0">
-            <a:schemeClr val="accent1"/>
+            <a:schemeClr val="accent4"/>
           </a:fillRef>
           <a:effectRef idx="0">
-            <a:schemeClr val="accent1"/>
+            <a:schemeClr val="accent4"/>
           </a:effectRef>
           <a:fontRef idx="minor">
             <a:schemeClr val="tx1"/>
           </a:fontRef>
         </p:style>
       </p:cxnSp>
+      <p:pic>
+        <p:nvPicPr>
+          <p:cNvPr id="59" name="Picture 58"/>
+          <p:cNvPicPr>
+            <a:picLocks noChangeAspect="1"/>
+          </p:cNvPicPr>
+          <p:nvPr/>
+        </p:nvPicPr>
+        <p:blipFill>
+          <a:blip r:embed="rId13"/>
+          <a:stretch>
+            <a:fillRect/>
+          </a:stretch>
+        </p:blipFill>
+        <p:spPr>
+          <a:xfrm>
+            <a:off x="4211156" y="1799969"/>
+            <a:ext cx="1070685" cy="918720"/>
+          </a:xfrm>
+          <a:prstGeom prst="rect">
+            <a:avLst/>
+          </a:prstGeom>
+        </p:spPr>
+      </p:pic>
+      <p:pic>
+        <p:nvPicPr>
+          <p:cNvPr id="60" name="Picture 59"/>
+          <p:cNvPicPr>
+            <a:picLocks noChangeAspect="1"/>
+          </p:cNvPicPr>
+          <p:nvPr/>
+        </p:nvPicPr>
+        <p:blipFill>
+          <a:blip r:embed="rId14"/>
+          <a:stretch>
+            <a:fillRect/>
+          </a:stretch>
+        </p:blipFill>
+        <p:spPr>
+          <a:xfrm>
+            <a:off x="9479505" y="3757590"/>
+            <a:ext cx="1119353" cy="696000"/>
+          </a:xfrm>
+          <a:prstGeom prst="rect">
+            <a:avLst/>
+          </a:prstGeom>
+        </p:spPr>
+      </p:pic>
+      <p:grpSp>
+        <p:nvGrpSpPr>
+          <p:cNvPr id="61" name="Group 60"/>
+          <p:cNvGrpSpPr/>
+          <p:nvPr/>
+        </p:nvGrpSpPr>
+        <p:grpSpPr>
+          <a:xfrm>
+            <a:off x="7441673" y="1384383"/>
+            <a:ext cx="1825494" cy="1178821"/>
+            <a:chOff x="9829799" y="4119347"/>
+            <a:chExt cx="1825494" cy="1178821"/>
+          </a:xfrm>
+        </p:grpSpPr>
+        <p:grpSp>
+          <p:nvGrpSpPr>
+            <p:cNvPr id="62" name="Group 61"/>
+            <p:cNvGrpSpPr/>
+            <p:nvPr/>
+          </p:nvGrpSpPr>
+          <p:grpSpPr>
+            <a:xfrm>
+              <a:off x="9829799" y="4119347"/>
+              <a:ext cx="1825494" cy="1026956"/>
+              <a:chOff x="7066818" y="2726778"/>
+              <a:chExt cx="1825494" cy="1026956"/>
+            </a:xfrm>
+          </p:grpSpPr>
+          <p:sp>
+            <p:nvSpPr>
+              <p:cNvPr id="64" name="Rectangle 63"/>
+              <p:cNvSpPr/>
+              <p:nvPr/>
+            </p:nvSpPr>
+            <p:spPr bwMode="auto">
+              <a:xfrm>
+                <a:off x="7066818" y="2726778"/>
+                <a:ext cx="1560153" cy="1026956"/>
+              </a:xfrm>
+              <a:prstGeom prst="rect">
+                <a:avLst/>
+              </a:prstGeom>
+              <a:solidFill>
+                <a:schemeClr val="bg2">
+                  <a:lumMod val="20000"/>
+                  <a:lumOff val="80000"/>
+                  <a:alpha val="75000"/>
+                </a:schemeClr>
+              </a:solidFill>
+              <a:ln>
+                <a:headEnd type="none" w="med" len="med"/>
+                <a:tailEnd type="none" w="med" len="med"/>
+              </a:ln>
+            </p:spPr>
+            <p:style>
+              <a:lnRef idx="2">
+                <a:schemeClr val="accent5"/>
+              </a:lnRef>
+              <a:fillRef idx="1">
+                <a:schemeClr val="lt1"/>
+              </a:fillRef>
+              <a:effectRef idx="0">
+                <a:schemeClr val="accent5"/>
+              </a:effectRef>
+              <a:fontRef idx="minor">
+                <a:schemeClr val="dk1"/>
+              </a:fontRef>
+            </p:style>
+            <p:txBody>
+              <a:bodyPr rot="0" spcFirstLastPara="0" vertOverflow="overflow" horzOverflow="overflow" vert="horz" wrap="square" lIns="45720" tIns="45720" rIns="45720" bIns="45720" numCol="1" spcCol="0" rtlCol="0" fromWordArt="0" anchor="t" anchorCtr="0" forceAA="0" compatLnSpc="1">
+                <a:prstTxWarp prst="textNoShape">
+                  <a:avLst/>
+                </a:prstTxWarp>
+                <a:noAutofit/>
+              </a:bodyPr>
+              <a:lstStyle/>
+              <a:p>
+                <a:pPr defTabSz="914099" fontAlgn="base">
+                  <a:spcBef>
+                    <a:spcPct val="0"/>
+                  </a:spcBef>
+                  <a:spcAft>
+                    <a:spcPct val="0"/>
+                  </a:spcAft>
+                </a:pPr>
+                <a:r>
+                  <a:rPr lang="en-US" sz="1600" dirty="0" smtClean="0">
+                    <a:solidFill>
+                      <a:schemeClr val="tx1">
+                        <a:lumMod val="65000"/>
+                        <a:lumOff val="35000"/>
+                      </a:schemeClr>
+                    </a:solidFill>
+                    <a:ea typeface="Segoe UI" pitchFamily="34" charset="0"/>
+                    <a:cs typeface="Segoe UI" pitchFamily="34" charset="0"/>
+                  </a:rPr>
+                  <a:t>SQL Azure</a:t>
+                </a:r>
+              </a:p>
+            </p:txBody>
+          </p:sp>
+          <p:pic>
+            <p:nvPicPr>
+              <p:cNvPr id="65" name="Picture 64"/>
+              <p:cNvPicPr>
+                <a:picLocks noChangeAspect="1"/>
+              </p:cNvPicPr>
+              <p:nvPr/>
+            </p:nvPicPr>
+            <p:blipFill>
+              <a:blip r:embed="rId2"/>
+              <a:stretch>
+                <a:fillRect/>
+              </a:stretch>
+            </p:blipFill>
+            <p:spPr>
+              <a:xfrm>
+                <a:off x="8377827" y="3192050"/>
+                <a:ext cx="514485" cy="528960"/>
+              </a:xfrm>
+              <a:prstGeom prst="rect">
+                <a:avLst/>
+              </a:prstGeom>
+            </p:spPr>
+          </p:pic>
+        </p:grpSp>
+        <p:pic>
+          <p:nvPicPr>
+            <p:cNvPr id="63" name="Picture 62"/>
+            <p:cNvPicPr>
+              <a:picLocks noChangeAspect="1"/>
+            </p:cNvPicPr>
+            <p:nvPr/>
+          </p:nvPicPr>
+          <p:blipFill>
+            <a:blip r:embed="rId15"/>
+            <a:stretch>
+              <a:fillRect/>
+            </a:stretch>
+          </p:blipFill>
+          <p:spPr>
+            <a:xfrm>
+              <a:off x="10178386" y="4400635"/>
+              <a:ext cx="865650" cy="897533"/>
+            </a:xfrm>
+            <a:prstGeom prst="rect">
+              <a:avLst/>
+            </a:prstGeom>
+          </p:spPr>
+        </p:pic>
+      </p:grpSp>
     </p:spTree>
     <p:extLst>
       <p:ext uri="{BB962C8B-B14F-4D97-AF65-F5344CB8AC3E}">
-        <p14:creationId xmlns:p14="http://schemas.microsoft.com/office/powerpoint/2010/main" val="3699519801"/>
+        <p14:creationId xmlns:p14="http://schemas.microsoft.com/office/powerpoint/2010/main" val="3956178673"/>
       </p:ext>
     </p:extLst>
   </p:cSld>
@@ -26527,7 +26991,456 @@
   <p:timing>
     <p:tnLst>
       <p:par>
-        <p:cTn id="1" dur="indefinite" restart="never" nodeType="tmRoot"/>
+        <p:cTn id="1" dur="indefinite" restart="never" nodeType="tmRoot">
+          <p:childTnLst>
+            <p:seq concurrent="1" nextAc="seek">
+              <p:cTn id="2" dur="indefinite" nodeType="mainSeq">
+                <p:childTnLst>
+                  <p:par>
+                    <p:cTn id="3" fill="hold">
+                      <p:stCondLst>
+                        <p:cond delay="indefinite"/>
+                        <p:cond evt="onBegin" delay="0">
+                          <p:tn val="2"/>
+                        </p:cond>
+                      </p:stCondLst>
+                      <p:childTnLst>
+                        <p:par>
+                          <p:cTn id="4" fill="hold">
+                            <p:stCondLst>
+                              <p:cond delay="0"/>
+                            </p:stCondLst>
+                            <p:childTnLst>
+                              <p:par>
+                                <p:cTn id="5" presetID="42" presetClass="entr" presetSubtype="0" fill="hold" nodeType="withEffect">
+                                  <p:stCondLst>
+                                    <p:cond delay="0"/>
+                                  </p:stCondLst>
+                                  <p:childTnLst>
+                                    <p:set>
+                                      <p:cBhvr>
+                                        <p:cTn id="6" dur="1" fill="hold">
+                                          <p:stCondLst>
+                                            <p:cond delay="0"/>
+                                          </p:stCondLst>
+                                        </p:cTn>
+                                        <p:tgtEl>
+                                          <p:spTgt spid="54"/>
+                                        </p:tgtEl>
+                                        <p:attrNameLst>
+                                          <p:attrName>style.visibility</p:attrName>
+                                        </p:attrNameLst>
+                                      </p:cBhvr>
+                                      <p:to>
+                                        <p:strVal val="visible"/>
+                                      </p:to>
+                                    </p:set>
+                                    <p:animEffect transition="in" filter="fade">
+                                      <p:cBhvr>
+                                        <p:cTn id="7" dur="1000"/>
+                                        <p:tgtEl>
+                                          <p:spTgt spid="54"/>
+                                        </p:tgtEl>
+                                      </p:cBhvr>
+                                    </p:animEffect>
+                                    <p:anim calcmode="lin" valueType="num">
+                                      <p:cBhvr>
+                                        <p:cTn id="8" dur="1000" fill="hold"/>
+                                        <p:tgtEl>
+                                          <p:spTgt spid="54"/>
+                                        </p:tgtEl>
+                                        <p:attrNameLst>
+                                          <p:attrName>ppt_x</p:attrName>
+                                        </p:attrNameLst>
+                                      </p:cBhvr>
+                                      <p:tavLst>
+                                        <p:tav tm="0">
+                                          <p:val>
+                                            <p:strVal val="#ppt_x"/>
+                                          </p:val>
+                                        </p:tav>
+                                        <p:tav tm="100000">
+                                          <p:val>
+                                            <p:strVal val="#ppt_x"/>
+                                          </p:val>
+                                        </p:tav>
+                                      </p:tavLst>
+                                    </p:anim>
+                                    <p:anim calcmode="lin" valueType="num">
+                                      <p:cBhvr>
+                                        <p:cTn id="9" dur="1000" fill="hold"/>
+                                        <p:tgtEl>
+                                          <p:spTgt spid="54"/>
+                                        </p:tgtEl>
+                                        <p:attrNameLst>
+                                          <p:attrName>ppt_y</p:attrName>
+                                        </p:attrNameLst>
+                                      </p:cBhvr>
+                                      <p:tavLst>
+                                        <p:tav tm="0">
+                                          <p:val>
+                                            <p:strVal val="#ppt_y+.1"/>
+                                          </p:val>
+                                        </p:tav>
+                                        <p:tav tm="100000">
+                                          <p:val>
+                                            <p:strVal val="#ppt_y"/>
+                                          </p:val>
+                                        </p:tav>
+                                      </p:tavLst>
+                                    </p:anim>
+                                  </p:childTnLst>
+                                </p:cTn>
+                              </p:par>
+                              <p:par>
+                                <p:cTn id="10" presetID="42" presetClass="entr" presetSubtype="0" fill="hold" nodeType="withEffect">
+                                  <p:stCondLst>
+                                    <p:cond delay="0"/>
+                                  </p:stCondLst>
+                                  <p:childTnLst>
+                                    <p:set>
+                                      <p:cBhvr>
+                                        <p:cTn id="11" dur="1" fill="hold">
+                                          <p:stCondLst>
+                                            <p:cond delay="0"/>
+                                          </p:stCondLst>
+                                        </p:cTn>
+                                        <p:tgtEl>
+                                          <p:spTgt spid="55"/>
+                                        </p:tgtEl>
+                                        <p:attrNameLst>
+                                          <p:attrName>style.visibility</p:attrName>
+                                        </p:attrNameLst>
+                                      </p:cBhvr>
+                                      <p:to>
+                                        <p:strVal val="visible"/>
+                                      </p:to>
+                                    </p:set>
+                                    <p:animEffect transition="in" filter="fade">
+                                      <p:cBhvr>
+                                        <p:cTn id="12" dur="1000"/>
+                                        <p:tgtEl>
+                                          <p:spTgt spid="55"/>
+                                        </p:tgtEl>
+                                      </p:cBhvr>
+                                    </p:animEffect>
+                                    <p:anim calcmode="lin" valueType="num">
+                                      <p:cBhvr>
+                                        <p:cTn id="13" dur="1000" fill="hold"/>
+                                        <p:tgtEl>
+                                          <p:spTgt spid="55"/>
+                                        </p:tgtEl>
+                                        <p:attrNameLst>
+                                          <p:attrName>ppt_x</p:attrName>
+                                        </p:attrNameLst>
+                                      </p:cBhvr>
+                                      <p:tavLst>
+                                        <p:tav tm="0">
+                                          <p:val>
+                                            <p:strVal val="#ppt_x"/>
+                                          </p:val>
+                                        </p:tav>
+                                        <p:tav tm="100000">
+                                          <p:val>
+                                            <p:strVal val="#ppt_x"/>
+                                          </p:val>
+                                        </p:tav>
+                                      </p:tavLst>
+                                    </p:anim>
+                                    <p:anim calcmode="lin" valueType="num">
+                                      <p:cBhvr>
+                                        <p:cTn id="14" dur="1000" fill="hold"/>
+                                        <p:tgtEl>
+                                          <p:spTgt spid="55"/>
+                                        </p:tgtEl>
+                                        <p:attrNameLst>
+                                          <p:attrName>ppt_y</p:attrName>
+                                        </p:attrNameLst>
+                                      </p:cBhvr>
+                                      <p:tavLst>
+                                        <p:tav tm="0">
+                                          <p:val>
+                                            <p:strVal val="#ppt_y+.1"/>
+                                          </p:val>
+                                        </p:tav>
+                                        <p:tav tm="100000">
+                                          <p:val>
+                                            <p:strVal val="#ppt_y"/>
+                                          </p:val>
+                                        </p:tav>
+                                      </p:tavLst>
+                                    </p:anim>
+                                  </p:childTnLst>
+                                </p:cTn>
+                              </p:par>
+                              <p:par>
+                                <p:cTn id="15" presetID="42" presetClass="entr" presetSubtype="0" fill="hold" nodeType="withEffect">
+                                  <p:stCondLst>
+                                    <p:cond delay="0"/>
+                                  </p:stCondLst>
+                                  <p:childTnLst>
+                                    <p:set>
+                                      <p:cBhvr>
+                                        <p:cTn id="16" dur="1" fill="hold">
+                                          <p:stCondLst>
+                                            <p:cond delay="0"/>
+                                          </p:stCondLst>
+                                        </p:cTn>
+                                        <p:tgtEl>
+                                          <p:spTgt spid="56"/>
+                                        </p:tgtEl>
+                                        <p:attrNameLst>
+                                          <p:attrName>style.visibility</p:attrName>
+                                        </p:attrNameLst>
+                                      </p:cBhvr>
+                                      <p:to>
+                                        <p:strVal val="visible"/>
+                                      </p:to>
+                                    </p:set>
+                                    <p:animEffect transition="in" filter="fade">
+                                      <p:cBhvr>
+                                        <p:cTn id="17" dur="1000"/>
+                                        <p:tgtEl>
+                                          <p:spTgt spid="56"/>
+                                        </p:tgtEl>
+                                      </p:cBhvr>
+                                    </p:animEffect>
+                                    <p:anim calcmode="lin" valueType="num">
+                                      <p:cBhvr>
+                                        <p:cTn id="18" dur="1000" fill="hold"/>
+                                        <p:tgtEl>
+                                          <p:spTgt spid="56"/>
+                                        </p:tgtEl>
+                                        <p:attrNameLst>
+                                          <p:attrName>ppt_x</p:attrName>
+                                        </p:attrNameLst>
+                                      </p:cBhvr>
+                                      <p:tavLst>
+                                        <p:tav tm="0">
+                                          <p:val>
+                                            <p:strVal val="#ppt_x"/>
+                                          </p:val>
+                                        </p:tav>
+                                        <p:tav tm="100000">
+                                          <p:val>
+                                            <p:strVal val="#ppt_x"/>
+                                          </p:val>
+                                        </p:tav>
+                                      </p:tavLst>
+                                    </p:anim>
+                                    <p:anim calcmode="lin" valueType="num">
+                                      <p:cBhvr>
+                                        <p:cTn id="19" dur="1000" fill="hold"/>
+                                        <p:tgtEl>
+                                          <p:spTgt spid="56"/>
+                                        </p:tgtEl>
+                                        <p:attrNameLst>
+                                          <p:attrName>ppt_y</p:attrName>
+                                        </p:attrNameLst>
+                                      </p:cBhvr>
+                                      <p:tavLst>
+                                        <p:tav tm="0">
+                                          <p:val>
+                                            <p:strVal val="#ppt_y+.1"/>
+                                          </p:val>
+                                        </p:tav>
+                                        <p:tav tm="100000">
+                                          <p:val>
+                                            <p:strVal val="#ppt_y"/>
+                                          </p:val>
+                                        </p:tav>
+                                      </p:tavLst>
+                                    </p:anim>
+                                  </p:childTnLst>
+                                </p:cTn>
+                              </p:par>
+                              <p:par>
+                                <p:cTn id="20" presetID="42" presetClass="entr" presetSubtype="0" fill="hold" nodeType="withEffect">
+                                  <p:stCondLst>
+                                    <p:cond delay="0"/>
+                                  </p:stCondLst>
+                                  <p:childTnLst>
+                                    <p:set>
+                                      <p:cBhvr>
+                                        <p:cTn id="21" dur="1" fill="hold">
+                                          <p:stCondLst>
+                                            <p:cond delay="0"/>
+                                          </p:stCondLst>
+                                        </p:cTn>
+                                        <p:tgtEl>
+                                          <p:spTgt spid="57"/>
+                                        </p:tgtEl>
+                                        <p:attrNameLst>
+                                          <p:attrName>style.visibility</p:attrName>
+                                        </p:attrNameLst>
+                                      </p:cBhvr>
+                                      <p:to>
+                                        <p:strVal val="visible"/>
+                                      </p:to>
+                                    </p:set>
+                                    <p:animEffect transition="in" filter="fade">
+                                      <p:cBhvr>
+                                        <p:cTn id="22" dur="1000"/>
+                                        <p:tgtEl>
+                                          <p:spTgt spid="57"/>
+                                        </p:tgtEl>
+                                      </p:cBhvr>
+                                    </p:animEffect>
+                                    <p:anim calcmode="lin" valueType="num">
+                                      <p:cBhvr>
+                                        <p:cTn id="23" dur="1000" fill="hold"/>
+                                        <p:tgtEl>
+                                          <p:spTgt spid="57"/>
+                                        </p:tgtEl>
+                                        <p:attrNameLst>
+                                          <p:attrName>ppt_x</p:attrName>
+                                        </p:attrNameLst>
+                                      </p:cBhvr>
+                                      <p:tavLst>
+                                        <p:tav tm="0">
+                                          <p:val>
+                                            <p:strVal val="#ppt_x"/>
+                                          </p:val>
+                                        </p:tav>
+                                        <p:tav tm="100000">
+                                          <p:val>
+                                            <p:strVal val="#ppt_x"/>
+                                          </p:val>
+                                        </p:tav>
+                                      </p:tavLst>
+                                    </p:anim>
+                                    <p:anim calcmode="lin" valueType="num">
+                                      <p:cBhvr>
+                                        <p:cTn id="24" dur="1000" fill="hold"/>
+                                        <p:tgtEl>
+                                          <p:spTgt spid="57"/>
+                                        </p:tgtEl>
+                                        <p:attrNameLst>
+                                          <p:attrName>ppt_y</p:attrName>
+                                        </p:attrNameLst>
+                                      </p:cBhvr>
+                                      <p:tavLst>
+                                        <p:tav tm="0">
+                                          <p:val>
+                                            <p:strVal val="#ppt_y+.1"/>
+                                          </p:val>
+                                        </p:tav>
+                                        <p:tav tm="100000">
+                                          <p:val>
+                                            <p:strVal val="#ppt_y"/>
+                                          </p:val>
+                                        </p:tav>
+                                      </p:tavLst>
+                                    </p:anim>
+                                  </p:childTnLst>
+                                </p:cTn>
+                              </p:par>
+                              <p:par>
+                                <p:cTn id="25" presetID="42" presetClass="entr" presetSubtype="0" fill="hold" nodeType="withEffect">
+                                  <p:stCondLst>
+                                    <p:cond delay="0"/>
+                                  </p:stCondLst>
+                                  <p:childTnLst>
+                                    <p:set>
+                                      <p:cBhvr>
+                                        <p:cTn id="26" dur="1" fill="hold">
+                                          <p:stCondLst>
+                                            <p:cond delay="0"/>
+                                          </p:stCondLst>
+                                        </p:cTn>
+                                        <p:tgtEl>
+                                          <p:spTgt spid="58"/>
+                                        </p:tgtEl>
+                                        <p:attrNameLst>
+                                          <p:attrName>style.visibility</p:attrName>
+                                        </p:attrNameLst>
+                                      </p:cBhvr>
+                                      <p:to>
+                                        <p:strVal val="visible"/>
+                                      </p:to>
+                                    </p:set>
+                                    <p:animEffect transition="in" filter="fade">
+                                      <p:cBhvr>
+                                        <p:cTn id="27" dur="1000"/>
+                                        <p:tgtEl>
+                                          <p:spTgt spid="58"/>
+                                        </p:tgtEl>
+                                      </p:cBhvr>
+                                    </p:animEffect>
+                                    <p:anim calcmode="lin" valueType="num">
+                                      <p:cBhvr>
+                                        <p:cTn id="28" dur="1000" fill="hold"/>
+                                        <p:tgtEl>
+                                          <p:spTgt spid="58"/>
+                                        </p:tgtEl>
+                                        <p:attrNameLst>
+                                          <p:attrName>ppt_x</p:attrName>
+                                        </p:attrNameLst>
+                                      </p:cBhvr>
+                                      <p:tavLst>
+                                        <p:tav tm="0">
+                                          <p:val>
+                                            <p:strVal val="#ppt_x"/>
+                                          </p:val>
+                                        </p:tav>
+                                        <p:tav tm="100000">
+                                          <p:val>
+                                            <p:strVal val="#ppt_x"/>
+                                          </p:val>
+                                        </p:tav>
+                                      </p:tavLst>
+                                    </p:anim>
+                                    <p:anim calcmode="lin" valueType="num">
+                                      <p:cBhvr>
+                                        <p:cTn id="29" dur="1000" fill="hold"/>
+                                        <p:tgtEl>
+                                          <p:spTgt spid="58"/>
+                                        </p:tgtEl>
+                                        <p:attrNameLst>
+                                          <p:attrName>ppt_y</p:attrName>
+                                        </p:attrNameLst>
+                                      </p:cBhvr>
+                                      <p:tavLst>
+                                        <p:tav tm="0">
+                                          <p:val>
+                                            <p:strVal val="#ppt_y+.1"/>
+                                          </p:val>
+                                        </p:tav>
+                                        <p:tav tm="100000">
+                                          <p:val>
+                                            <p:strVal val="#ppt_y"/>
+                                          </p:val>
+                                        </p:tav>
+                                      </p:tavLst>
+                                    </p:anim>
+                                  </p:childTnLst>
+                                </p:cTn>
+                              </p:par>
+                            </p:childTnLst>
+                          </p:cTn>
+                        </p:par>
+                      </p:childTnLst>
+                    </p:cTn>
+                  </p:par>
+                </p:childTnLst>
+              </p:cTn>
+              <p:prevCondLst>
+                <p:cond evt="onPrev" delay="0">
+                  <p:tgtEl>
+                    <p:sldTgt/>
+                  </p:tgtEl>
+                </p:cond>
+              </p:prevCondLst>
+              <p:nextCondLst>
+                <p:cond evt="onNext" delay="0">
+                  <p:tgtEl>
+                    <p:sldTgt/>
+                  </p:tgtEl>
+                </p:cond>
+              </p:nextCondLst>
+            </p:seq>
+          </p:childTnLst>
+        </p:cTn>
       </p:par>
     </p:tnLst>
   </p:timing>
@@ -26553,889 +27466,2090 @@
       </p:grpSpPr>
       <p:sp>
         <p:nvSpPr>
-          <p:cNvPr id="27" name="Rectangle 26"/>
-          <p:cNvSpPr/>
+          <p:cNvPr id="2" name="Title 1"/>
+          <p:cNvSpPr>
+            <a:spLocks noGrp="1"/>
+          </p:cNvSpPr>
+          <p:nvPr>
+            <p:ph type="title"/>
+          </p:nvPr>
+        </p:nvSpPr>
+        <p:spPr/>
+        <p:txBody>
+          <a:bodyPr/>
+          <a:lstStyle/>
+          <a:p>
+            <a:r>
+              <a:rPr lang="en-US" dirty="0" smtClean="0"/>
+              <a:t>On-Premises Architecture</a:t>
+            </a:r>
+            <a:endParaRPr lang="en-US" dirty="0"/>
+          </a:p>
+        </p:txBody>
+      </p:sp>
+      <p:grpSp>
+        <p:nvGrpSpPr>
+          <p:cNvPr id="3" name="Group 2"/>
+          <p:cNvGrpSpPr>
+            <a:grpSpLocks noChangeAspect="1"/>
+          </p:cNvGrpSpPr>
           <p:nvPr/>
-        </p:nvSpPr>
-        <p:spPr bwMode="auto">
+        </p:nvGrpSpPr>
+        <p:grpSpPr>
           <a:xfrm>
-            <a:off x="1889090" y="1408577"/>
-            <a:ext cx="3466681" cy="3716083"/>
+            <a:off x="7152860" y="3676346"/>
+            <a:ext cx="3600000" cy="2447493"/>
+            <a:chOff x="6065278" y="3005923"/>
+            <a:chExt cx="4213950" cy="2864894"/>
           </a:xfrm>
-          <a:prstGeom prst="rect">
+        </p:grpSpPr>
+        <p:grpSp>
+          <p:nvGrpSpPr>
+            <p:cNvPr id="4" name="Group 3"/>
+            <p:cNvGrpSpPr>
+              <a:grpSpLocks noChangeAspect="1"/>
+            </p:cNvGrpSpPr>
+            <p:nvPr/>
+          </p:nvGrpSpPr>
+          <p:grpSpPr>
+            <a:xfrm>
+              <a:off x="6065278" y="3005923"/>
+              <a:ext cx="4213950" cy="2864894"/>
+              <a:chOff x="6065278" y="3005923"/>
+              <a:chExt cx="4213950" cy="2864894"/>
+            </a:xfrm>
+          </p:grpSpPr>
+          <p:sp>
+            <p:nvSpPr>
+              <p:cNvPr id="12" name="Rectangle 11"/>
+              <p:cNvSpPr/>
+              <p:nvPr/>
+            </p:nvSpPr>
+            <p:spPr bwMode="auto">
+              <a:xfrm>
+                <a:off x="6065278" y="3257343"/>
+                <a:ext cx="3552214" cy="2613474"/>
+              </a:xfrm>
+              <a:prstGeom prst="rect">
+                <a:avLst/>
+              </a:prstGeom>
+              <a:solidFill>
+                <a:schemeClr val="bg2">
+                  <a:lumMod val="20000"/>
+                  <a:lumOff val="80000"/>
+                  <a:alpha val="75000"/>
+                </a:schemeClr>
+              </a:solidFill>
+              <a:ln>
+                <a:headEnd type="none" w="med" len="med"/>
+                <a:tailEnd type="none" w="med" len="med"/>
+              </a:ln>
+            </p:spPr>
+            <p:style>
+              <a:lnRef idx="2">
+                <a:schemeClr val="accent5"/>
+              </a:lnRef>
+              <a:fillRef idx="1">
+                <a:schemeClr val="lt1"/>
+              </a:fillRef>
+              <a:effectRef idx="0">
+                <a:schemeClr val="accent5"/>
+              </a:effectRef>
+              <a:fontRef idx="minor">
+                <a:schemeClr val="dk1"/>
+              </a:fontRef>
+            </p:style>
+            <p:txBody>
+              <a:bodyPr rot="0" spcFirstLastPara="0" vertOverflow="overflow" horzOverflow="overflow" vert="horz" wrap="square" lIns="108000" tIns="45720" rIns="45720" bIns="45720" numCol="1" spcCol="0" rtlCol="0" fromWordArt="0" anchor="t" anchorCtr="0" forceAA="0" compatLnSpc="1">
+                <a:prstTxWarp prst="textNoShape">
+                  <a:avLst/>
+                </a:prstTxWarp>
+                <a:noAutofit/>
+              </a:bodyPr>
+              <a:lstStyle/>
+              <a:p>
+                <a:pPr defTabSz="914099" fontAlgn="base">
+                  <a:spcBef>
+                    <a:spcPct val="0"/>
+                  </a:spcBef>
+                  <a:spcAft>
+                    <a:spcPct val="0"/>
+                  </a:spcAft>
+                </a:pPr>
+                <a:r>
+                  <a:rPr lang="en-US" sz="2000" dirty="0" smtClean="0">
+                    <a:solidFill>
+                      <a:schemeClr val="tx1">
+                        <a:lumMod val="65000"/>
+                        <a:lumOff val="35000"/>
+                      </a:schemeClr>
+                    </a:solidFill>
+                    <a:ea typeface="Segoe UI" pitchFamily="34" charset="0"/>
+                    <a:cs typeface="Segoe UI" pitchFamily="34" charset="0"/>
+                  </a:rPr>
+                  <a:t>SharePoint 2013</a:t>
+                </a:r>
+              </a:p>
+            </p:txBody>
+          </p:sp>
+          <p:grpSp>
+            <p:nvGrpSpPr>
+              <p:cNvPr id="13" name="Group 12"/>
+              <p:cNvGrpSpPr>
+                <a:grpSpLocks noChangeAspect="1"/>
+              </p:cNvGrpSpPr>
+              <p:nvPr/>
+            </p:nvGrpSpPr>
+            <p:grpSpPr>
+              <a:xfrm>
+                <a:off x="8582002" y="3005923"/>
+                <a:ext cx="1697226" cy="1530153"/>
+                <a:chOff x="784636" y="1642899"/>
+                <a:chExt cx="2274396" cy="2100062"/>
+              </a:xfrm>
+            </p:grpSpPr>
+            <p:grpSp>
+              <p:nvGrpSpPr>
+                <p:cNvPr id="14" name="Group 13"/>
+                <p:cNvGrpSpPr/>
+                <p:nvPr/>
+              </p:nvGrpSpPr>
+              <p:grpSpPr>
+                <a:xfrm>
+                  <a:off x="1584678" y="1642899"/>
+                  <a:ext cx="1474354" cy="1159738"/>
+                  <a:chOff x="3259173" y="2265001"/>
+                  <a:chExt cx="1474354" cy="1159738"/>
+                </a:xfrm>
+              </p:grpSpPr>
+              <p:pic>
+                <p:nvPicPr>
+                  <p:cNvPr id="21" name="Picture 20"/>
+                  <p:cNvPicPr>
+                    <a:picLocks noChangeAspect="1"/>
+                  </p:cNvPicPr>
+                  <p:nvPr/>
+                </p:nvPicPr>
+                <p:blipFill>
+                  <a:blip r:embed="rId2"/>
+                  <a:stretch>
+                    <a:fillRect/>
+                  </a:stretch>
+                </p:blipFill>
+                <p:spPr>
+                  <a:xfrm>
+                    <a:off x="3259173" y="2493797"/>
+                    <a:ext cx="465830" cy="863861"/>
+                  </a:xfrm>
+                  <a:prstGeom prst="rect">
+                    <a:avLst/>
+                  </a:prstGeom>
+                </p:spPr>
+              </p:pic>
+              <p:pic>
+                <p:nvPicPr>
+                  <p:cNvPr id="22" name="Picture 21"/>
+                  <p:cNvPicPr>
+                    <a:picLocks noChangeAspect="1"/>
+                  </p:cNvPicPr>
+                  <p:nvPr/>
+                </p:nvPicPr>
+                <p:blipFill>
+                  <a:blip r:embed="rId2"/>
+                  <a:stretch>
+                    <a:fillRect/>
+                  </a:stretch>
+                </p:blipFill>
+                <p:spPr>
+                  <a:xfrm>
+                    <a:off x="3584595" y="2265001"/>
+                    <a:ext cx="465830" cy="863861"/>
+                  </a:xfrm>
+                  <a:prstGeom prst="rect">
+                    <a:avLst/>
+                  </a:prstGeom>
+                </p:spPr>
+              </p:pic>
+              <p:pic>
+                <p:nvPicPr>
+                  <p:cNvPr id="23" name="Picture 22"/>
+                  <p:cNvPicPr>
+                    <a:picLocks noChangeAspect="1"/>
+                  </p:cNvPicPr>
+                  <p:nvPr/>
+                </p:nvPicPr>
+                <p:blipFill>
+                  <a:blip r:embed="rId3"/>
+                  <a:stretch>
+                    <a:fillRect/>
+                  </a:stretch>
+                </p:blipFill>
+                <p:spPr>
+                  <a:xfrm>
+                    <a:off x="3829702" y="2547779"/>
+                    <a:ext cx="903825" cy="876960"/>
+                  </a:xfrm>
+                  <a:prstGeom prst="rect">
+                    <a:avLst/>
+                  </a:prstGeom>
+                </p:spPr>
+              </p:pic>
+            </p:grpSp>
+            <p:grpSp>
+              <p:nvGrpSpPr>
+                <p:cNvPr id="15" name="Group 14"/>
+                <p:cNvGrpSpPr/>
+                <p:nvPr/>
+              </p:nvGrpSpPr>
+              <p:grpSpPr>
+                <a:xfrm>
+                  <a:off x="1351763" y="2761698"/>
+                  <a:ext cx="1110204" cy="981263"/>
+                  <a:chOff x="2552214" y="4019392"/>
+                  <a:chExt cx="1110204" cy="981263"/>
+                </a:xfrm>
+              </p:grpSpPr>
+              <p:pic>
+                <p:nvPicPr>
+                  <p:cNvPr id="19" name="Picture 18"/>
+                  <p:cNvPicPr>
+                    <a:picLocks noChangeAspect="1"/>
+                  </p:cNvPicPr>
+                  <p:nvPr/>
+                </p:nvPicPr>
+                <p:blipFill>
+                  <a:blip r:embed="rId2"/>
+                  <a:stretch>
+                    <a:fillRect/>
+                  </a:stretch>
+                </p:blipFill>
+                <p:spPr>
+                  <a:xfrm>
+                    <a:off x="2552214" y="4136794"/>
+                    <a:ext cx="465830" cy="863861"/>
+                  </a:xfrm>
+                  <a:prstGeom prst="rect">
+                    <a:avLst/>
+                  </a:prstGeom>
+                </p:spPr>
+              </p:pic>
+              <p:pic>
+                <p:nvPicPr>
+                  <p:cNvPr id="20" name="Picture 19"/>
+                  <p:cNvPicPr>
+                    <a:picLocks noChangeAspect="1"/>
+                  </p:cNvPicPr>
+                  <p:nvPr/>
+                </p:nvPicPr>
+                <p:blipFill>
+                  <a:blip r:embed="rId4"/>
+                  <a:stretch>
+                    <a:fillRect/>
+                  </a:stretch>
+                </p:blipFill>
+                <p:spPr>
+                  <a:xfrm>
+                    <a:off x="2855928" y="4019392"/>
+                    <a:ext cx="806490" cy="904800"/>
+                  </a:xfrm>
+                  <a:prstGeom prst="rect">
+                    <a:avLst/>
+                  </a:prstGeom>
+                </p:spPr>
+              </p:pic>
+            </p:grpSp>
+            <p:grpSp>
+              <p:nvGrpSpPr>
+                <p:cNvPr id="16" name="Group 15"/>
+                <p:cNvGrpSpPr/>
+                <p:nvPr/>
+              </p:nvGrpSpPr>
+              <p:grpSpPr>
+                <a:xfrm>
+                  <a:off x="784636" y="2008184"/>
+                  <a:ext cx="949310" cy="1066996"/>
+                  <a:chOff x="1637814" y="2493797"/>
+                  <a:chExt cx="949310" cy="1066996"/>
+                </a:xfrm>
+              </p:grpSpPr>
+              <p:pic>
+                <p:nvPicPr>
+                  <p:cNvPr id="17" name="Picture 16"/>
+                  <p:cNvPicPr>
+                    <a:picLocks noChangeAspect="1"/>
+                  </p:cNvPicPr>
+                  <p:nvPr/>
+                </p:nvPicPr>
+                <p:blipFill>
+                  <a:blip r:embed="rId2"/>
+                  <a:stretch>
+                    <a:fillRect/>
+                  </a:stretch>
+                </p:blipFill>
+                <p:spPr>
+                  <a:xfrm>
+                    <a:off x="1637814" y="2696932"/>
+                    <a:ext cx="465830" cy="863861"/>
+                  </a:xfrm>
+                  <a:prstGeom prst="rect">
+                    <a:avLst/>
+                  </a:prstGeom>
+                </p:spPr>
+              </p:pic>
+              <p:pic>
+                <p:nvPicPr>
+                  <p:cNvPr id="18" name="Picture 17"/>
+                  <p:cNvPicPr>
+                    <a:picLocks noChangeAspect="1"/>
+                  </p:cNvPicPr>
+                  <p:nvPr/>
+                </p:nvPicPr>
+                <p:blipFill>
+                  <a:blip r:embed="rId5"/>
+                  <a:stretch>
+                    <a:fillRect/>
+                  </a:stretch>
+                </p:blipFill>
+                <p:spPr>
+                  <a:xfrm>
+                    <a:off x="1857111" y="2493797"/>
+                    <a:ext cx="730013" cy="911760"/>
+                  </a:xfrm>
+                  <a:prstGeom prst="rect">
+                    <a:avLst/>
+                  </a:prstGeom>
+                </p:spPr>
+              </p:pic>
+            </p:grpSp>
+          </p:grpSp>
+        </p:grpSp>
+        <p:grpSp>
+          <p:nvGrpSpPr>
+            <p:cNvPr id="5" name="Group 4"/>
+            <p:cNvGrpSpPr/>
+            <p:nvPr/>
+          </p:nvGrpSpPr>
+          <p:grpSpPr>
+            <a:xfrm>
+              <a:off x="6444504" y="3916353"/>
+              <a:ext cx="1059810" cy="1096970"/>
+              <a:chOff x="9477541" y="1148235"/>
+              <a:chExt cx="1059810" cy="1096970"/>
+            </a:xfrm>
+          </p:grpSpPr>
+          <p:pic>
+            <p:nvPicPr>
+              <p:cNvPr id="10" name="Picture 9"/>
+              <p:cNvPicPr>
+                <a:picLocks noChangeAspect="1"/>
+              </p:cNvPicPr>
+              <p:nvPr/>
+            </p:nvPicPr>
+            <p:blipFill>
+              <a:blip r:embed="rId6"/>
+              <a:stretch>
+                <a:fillRect/>
+              </a:stretch>
+            </p:blipFill>
+            <p:spPr>
+              <a:xfrm>
+                <a:off x="9586780" y="1148235"/>
+                <a:ext cx="841328" cy="775240"/>
+              </a:xfrm>
+              <a:prstGeom prst="rect">
+                <a:avLst/>
+              </a:prstGeom>
+            </p:spPr>
+          </p:pic>
+          <p:sp>
+            <p:nvSpPr>
+              <p:cNvPr id="11" name="TextBox 10"/>
+              <p:cNvSpPr txBox="1"/>
+              <p:nvPr/>
+            </p:nvSpPr>
+            <p:spPr>
+              <a:xfrm>
+                <a:off x="9477541" y="1930410"/>
+                <a:ext cx="1059810" cy="314795"/>
+              </a:xfrm>
+              <a:prstGeom prst="rect">
+                <a:avLst/>
+              </a:prstGeom>
+              <a:noFill/>
+            </p:spPr>
+            <p:txBody>
+              <a:bodyPr wrap="none" lIns="0" tIns="0" rIns="0" bIns="0" rtlCol="0">
+                <a:spAutoFit/>
+              </a:bodyPr>
+              <a:lstStyle/>
+              <a:p>
+                <a:pPr algn="ctr"/>
+                <a:r>
+                  <a:rPr lang="en-US" spc="-70" dirty="0" smtClean="0">
+                    <a:gradFill>
+                      <a:gsLst>
+                        <a:gs pos="2917">
+                          <a:schemeClr val="bg2"/>
+                        </a:gs>
+                        <a:gs pos="95000">
+                          <a:schemeClr val="bg2"/>
+                        </a:gs>
+                      </a:gsLst>
+                      <a:lin ang="5400000" scaled="0"/>
+                    </a:gradFill>
+                  </a:rPr>
+                  <a:t>Host Web</a:t>
+                </a:r>
+              </a:p>
+            </p:txBody>
+          </p:sp>
+        </p:grpSp>
+        <p:grpSp>
+          <p:nvGrpSpPr>
+            <p:cNvPr id="6" name="Group 5"/>
+            <p:cNvGrpSpPr/>
+            <p:nvPr/>
+          </p:nvGrpSpPr>
+          <p:grpSpPr>
+            <a:xfrm>
+              <a:off x="7647386" y="5029040"/>
+              <a:ext cx="1009895" cy="774932"/>
+              <a:chOff x="9733361" y="2768131"/>
+              <a:chExt cx="1009895" cy="774932"/>
+            </a:xfrm>
+          </p:grpSpPr>
+          <p:pic>
+            <p:nvPicPr>
+              <p:cNvPr id="8" name="Picture 7"/>
+              <p:cNvPicPr>
+                <a:picLocks noChangeAspect="1"/>
+              </p:cNvPicPr>
+              <p:nvPr/>
+            </p:nvPicPr>
+            <p:blipFill>
+              <a:blip r:embed="rId7"/>
+              <a:stretch>
+                <a:fillRect/>
+              </a:stretch>
+            </p:blipFill>
+            <p:spPr>
+              <a:xfrm>
+                <a:off x="9946303" y="2768131"/>
+                <a:ext cx="584010" cy="487200"/>
+              </a:xfrm>
+              <a:prstGeom prst="rect">
+                <a:avLst/>
+              </a:prstGeom>
+            </p:spPr>
+          </p:pic>
+          <p:sp>
+            <p:nvSpPr>
+              <p:cNvPr id="9" name="TextBox 8"/>
+              <p:cNvSpPr txBox="1"/>
+              <p:nvPr/>
+            </p:nvSpPr>
+            <p:spPr>
+              <a:xfrm>
+                <a:off x="9733361" y="3228268"/>
+                <a:ext cx="1009895" cy="314795"/>
+              </a:xfrm>
+              <a:prstGeom prst="rect">
+                <a:avLst/>
+              </a:prstGeom>
+              <a:noFill/>
+            </p:spPr>
+            <p:txBody>
+              <a:bodyPr wrap="none" lIns="0" tIns="0" rIns="0" bIns="0" rtlCol="0">
+                <a:spAutoFit/>
+              </a:bodyPr>
+              <a:lstStyle/>
+              <a:p>
+                <a:pPr algn="ctr"/>
+                <a:r>
+                  <a:rPr lang="en-US" spc="-70" dirty="0" smtClean="0">
+                    <a:gradFill>
+                      <a:gsLst>
+                        <a:gs pos="2917">
+                          <a:schemeClr val="bg2"/>
+                        </a:gs>
+                        <a:gs pos="95000">
+                          <a:schemeClr val="bg2"/>
+                        </a:gs>
+                      </a:gsLst>
+                      <a:lin ang="5400000" scaled="0"/>
+                    </a:gradFill>
+                  </a:rPr>
+                  <a:t>App Web</a:t>
+                </a:r>
+              </a:p>
+            </p:txBody>
+          </p:sp>
+        </p:grpSp>
+        <p:cxnSp>
+          <p:nvCxnSpPr>
+            <p:cNvPr id="7" name="Elbow Connector 6"/>
+            <p:cNvCxnSpPr>
+              <a:endCxn id="8" idx="0"/>
+            </p:cNvCxnSpPr>
+            <p:nvPr/>
+          </p:nvCxnSpPr>
+          <p:spPr>
+            <a:xfrm>
+              <a:off x="7395071" y="4303973"/>
+              <a:ext cx="757262" cy="725067"/>
+            </a:xfrm>
+            <a:prstGeom prst="bentConnector2">
+              <a:avLst/>
+            </a:prstGeom>
+            <a:ln w="44450">
+              <a:solidFill>
+                <a:schemeClr val="tx1">
+                  <a:alpha val="60000"/>
+                </a:schemeClr>
+              </a:solidFill>
+              <a:headEnd type="stealth" w="lg" len="lg"/>
+              <a:tailEnd type="stealth" w="lg" len="lg"/>
+            </a:ln>
+          </p:spPr>
+          <p:style>
+            <a:lnRef idx="1">
+              <a:schemeClr val="accent1"/>
+            </a:lnRef>
+            <a:fillRef idx="0">
+              <a:schemeClr val="accent1"/>
+            </a:fillRef>
+            <a:effectRef idx="0">
+              <a:schemeClr val="accent1"/>
+            </a:effectRef>
+            <a:fontRef idx="minor">
+              <a:schemeClr val="tx1"/>
+            </a:fontRef>
+          </p:style>
+        </p:cxnSp>
+      </p:grpSp>
+      <p:grpSp>
+        <p:nvGrpSpPr>
+          <p:cNvPr id="24" name="Group 23"/>
+          <p:cNvGrpSpPr/>
+          <p:nvPr/>
+        </p:nvGrpSpPr>
+        <p:grpSpPr>
+          <a:xfrm>
+            <a:off x="1881552" y="2010880"/>
+            <a:ext cx="3467604" cy="2447494"/>
+            <a:chOff x="1656544" y="2966178"/>
+            <a:chExt cx="3467604" cy="2447494"/>
+          </a:xfrm>
+        </p:grpSpPr>
+        <p:sp>
+          <p:nvSpPr>
+            <p:cNvPr id="25" name="Rectangle 24"/>
+            <p:cNvSpPr/>
+            <p:nvPr/>
+          </p:nvSpPr>
+          <p:spPr bwMode="auto">
+            <a:xfrm>
+              <a:off x="1656544" y="3180968"/>
+              <a:ext cx="3034675" cy="2232704"/>
+            </a:xfrm>
+            <a:prstGeom prst="rect">
+              <a:avLst/>
+            </a:prstGeom>
+            <a:solidFill>
+              <a:schemeClr val="bg2">
+                <a:lumMod val="20000"/>
+                <a:lumOff val="80000"/>
+                <a:alpha val="75000"/>
+              </a:schemeClr>
+            </a:solidFill>
+            <a:ln>
+              <a:headEnd type="none" w="med" len="med"/>
+              <a:tailEnd type="none" w="med" len="med"/>
+            </a:ln>
+          </p:spPr>
+          <p:style>
+            <a:lnRef idx="2">
+              <a:schemeClr val="accent5"/>
+            </a:lnRef>
+            <a:fillRef idx="1">
+              <a:schemeClr val="lt1"/>
+            </a:fillRef>
+            <a:effectRef idx="0">
+              <a:schemeClr val="accent5"/>
+            </a:effectRef>
+            <a:fontRef idx="minor">
+              <a:schemeClr val="dk1"/>
+            </a:fontRef>
+          </p:style>
+          <p:txBody>
+            <a:bodyPr rot="0" spcFirstLastPara="0" vertOverflow="overflow" horzOverflow="overflow" vert="horz" wrap="square" lIns="108000" tIns="45720" rIns="45720" bIns="45720" numCol="1" spcCol="0" rtlCol="0" fromWordArt="0" anchor="t" anchorCtr="0" forceAA="0" compatLnSpc="1">
+              <a:prstTxWarp prst="textNoShape">
+                <a:avLst/>
+              </a:prstTxWarp>
+              <a:noAutofit/>
+            </a:bodyPr>
+            <a:lstStyle/>
+            <a:p>
+              <a:pPr defTabSz="914099" fontAlgn="base">
+                <a:spcBef>
+                  <a:spcPct val="0"/>
+                </a:spcBef>
+                <a:spcAft>
+                  <a:spcPct val="0"/>
+                </a:spcAft>
+              </a:pPr>
+              <a:r>
+                <a:rPr lang="en-US" sz="2000" dirty="0" smtClean="0">
+                  <a:solidFill>
+                    <a:schemeClr val="tx1">
+                      <a:lumMod val="65000"/>
+                      <a:lumOff val="35000"/>
+                    </a:schemeClr>
+                  </a:solidFill>
+                  <a:ea typeface="Segoe UI" pitchFamily="34" charset="0"/>
+                  <a:cs typeface="Segoe UI" pitchFamily="34" charset="0"/>
+                </a:rPr>
+                <a:t>Internet Information Server</a:t>
+              </a:r>
+            </a:p>
+          </p:txBody>
+        </p:sp>
+        <p:pic>
+          <p:nvPicPr>
+            <p:cNvPr id="26" name="Picture 25"/>
+            <p:cNvPicPr>
+              <a:picLocks noChangeAspect="1"/>
+            </p:cNvPicPr>
+            <p:nvPr/>
+          </p:nvPicPr>
+          <p:blipFill>
+            <a:blip r:embed="rId8"/>
+            <a:stretch>
+              <a:fillRect/>
+            </a:stretch>
+          </p:blipFill>
+          <p:spPr>
+            <a:xfrm>
+              <a:off x="4258290" y="2966178"/>
+              <a:ext cx="865858" cy="969438"/>
+            </a:xfrm>
+            <a:prstGeom prst="rect">
+              <a:avLst/>
+            </a:prstGeom>
+          </p:spPr>
+        </p:pic>
+        <p:grpSp>
+          <p:nvGrpSpPr>
+            <p:cNvPr id="27" name="Group 26"/>
+            <p:cNvGrpSpPr/>
+            <p:nvPr/>
+          </p:nvGrpSpPr>
+          <p:grpSpPr>
+            <a:xfrm>
+              <a:off x="2154624" y="4057920"/>
+              <a:ext cx="2038514" cy="1120320"/>
+              <a:chOff x="1929148" y="3558828"/>
+              <a:chExt cx="2038514" cy="1120320"/>
+            </a:xfrm>
+          </p:grpSpPr>
+          <p:grpSp>
+            <p:nvGrpSpPr>
+              <p:cNvPr id="28" name="Group 27"/>
+              <p:cNvGrpSpPr/>
+              <p:nvPr/>
+            </p:nvGrpSpPr>
+            <p:grpSpPr>
+              <a:xfrm>
+                <a:off x="3082467" y="3573039"/>
+                <a:ext cx="885195" cy="761294"/>
+                <a:chOff x="7956376" y="6096598"/>
+                <a:chExt cx="885320" cy="761402"/>
+              </a:xfrm>
+            </p:grpSpPr>
+            <p:sp>
+              <p:nvSpPr>
+                <p:cNvPr id="54" name="Arc 53"/>
+                <p:cNvSpPr/>
+                <p:nvPr/>
+              </p:nvSpPr>
+              <p:spPr>
+                <a:xfrm rot="16200000">
+                  <a:off x="8018335" y="6034639"/>
+                  <a:ext cx="761402" cy="885320"/>
+                </a:xfrm>
+                <a:prstGeom prst="arc">
+                  <a:avLst>
+                    <a:gd name="adj1" fmla="val 2097834"/>
+                    <a:gd name="adj2" fmla="val 366333"/>
+                  </a:avLst>
+                </a:prstGeom>
+                <a:ln w="41275">
+                  <a:solidFill>
+                    <a:schemeClr val="tx1">
+                      <a:alpha val="80000"/>
+                    </a:schemeClr>
+                  </a:solidFill>
+                  <a:headEnd type="diamond" w="sm" len="med"/>
+                  <a:tailEnd type="stealth" w="lg" len="lg"/>
+                </a:ln>
+                <a:effectLst>
+                  <a:outerShdw blurRad="50800" dist="38100" dir="2700000" algn="tl" rotWithShape="0">
+                    <a:prstClr val="black">
+                      <a:alpha val="40000"/>
+                    </a:prstClr>
+                  </a:outerShdw>
+                </a:effectLst>
+              </p:spPr>
+              <p:style>
+                <a:lnRef idx="1">
+                  <a:schemeClr val="accent4"/>
+                </a:lnRef>
+                <a:fillRef idx="0">
+                  <a:schemeClr val="accent4"/>
+                </a:fillRef>
+                <a:effectRef idx="0">
+                  <a:schemeClr val="accent4"/>
+                </a:effectRef>
+                <a:fontRef idx="minor">
+                  <a:schemeClr val="tx1"/>
+                </a:fontRef>
+              </p:style>
+              <p:txBody>
+                <a:bodyPr rtlCol="0" anchor="ctr"/>
+                <a:lstStyle/>
+                <a:p>
+                  <a:pPr algn="ctr"/>
+                  <a:endParaRPr lang="en-US">
+                    <a:latin typeface="Segoe UI Light" panose="020B0502040204020203" pitchFamily="34" charset="0"/>
+                    <a:cs typeface="Segoe UI Light" panose="020B0502040204020203" pitchFamily="34" charset="0"/>
+                  </a:endParaRPr>
+                </a:p>
+              </p:txBody>
+            </p:sp>
+            <p:pic>
+              <p:nvPicPr>
+                <p:cNvPr id="55" name="Picture 54"/>
+                <p:cNvPicPr>
+                  <a:picLocks noChangeAspect="1"/>
+                </p:cNvPicPr>
+                <p:nvPr/>
+              </p:nvPicPr>
+              <p:blipFill>
+                <a:blip r:embed="rId9"/>
+                <a:stretch>
+                  <a:fillRect/>
+                </a:stretch>
+              </p:blipFill>
+              <p:spPr>
+                <a:xfrm>
+                  <a:off x="8025412" y="6179037"/>
+                  <a:ext cx="713910" cy="636559"/>
+                </a:xfrm>
+                <a:prstGeom prst="rect">
+                  <a:avLst/>
+                </a:prstGeom>
+              </p:spPr>
+            </p:pic>
+          </p:grpSp>
+          <p:grpSp>
+            <p:nvGrpSpPr>
+              <p:cNvPr id="29" name="Group 28"/>
+              <p:cNvGrpSpPr>
+                <a:grpSpLocks noChangeAspect="1"/>
+              </p:cNvGrpSpPr>
+              <p:nvPr/>
+            </p:nvGrpSpPr>
+            <p:grpSpPr>
+              <a:xfrm>
+                <a:off x="1929148" y="4146210"/>
+                <a:ext cx="397077" cy="504000"/>
+                <a:chOff x="6278801" y="2244912"/>
+                <a:chExt cx="605042" cy="767962"/>
+              </a:xfrm>
+            </p:grpSpPr>
+            <p:pic>
+              <p:nvPicPr>
+                <p:cNvPr id="50" name="Picture 49"/>
+                <p:cNvPicPr>
+                  <a:picLocks noChangeAspect="1"/>
+                </p:cNvPicPr>
+                <p:nvPr/>
+              </p:nvPicPr>
+              <p:blipFill>
+                <a:blip r:embed="rId10"/>
+                <a:stretch>
+                  <a:fillRect/>
+                </a:stretch>
+              </p:blipFill>
+              <p:spPr>
+                <a:xfrm>
+                  <a:off x="6278801" y="2244912"/>
+                  <a:ext cx="527111" cy="689388"/>
+                </a:xfrm>
+                <a:prstGeom prst="rect">
+                  <a:avLst/>
+                </a:prstGeom>
+              </p:spPr>
+            </p:pic>
+            <p:pic>
+              <p:nvPicPr>
+                <p:cNvPr id="51" name="Picture 50"/>
+                <p:cNvPicPr>
+                  <a:picLocks noChangeAspect="1"/>
+                </p:cNvPicPr>
+                <p:nvPr/>
+              </p:nvPicPr>
+              <p:blipFill>
+                <a:blip r:embed="rId10"/>
+                <a:stretch>
+                  <a:fillRect/>
+                </a:stretch>
+              </p:blipFill>
+              <p:spPr>
+                <a:xfrm>
+                  <a:off x="6356732" y="2323486"/>
+                  <a:ext cx="527111" cy="689388"/>
+                </a:xfrm>
+                <a:prstGeom prst="rect">
+                  <a:avLst/>
+                </a:prstGeom>
+              </p:spPr>
+            </p:pic>
+            <p:sp>
+              <p:nvSpPr>
+                <p:cNvPr id="52" name="Right Triangle 51"/>
+                <p:cNvSpPr/>
+                <p:nvPr/>
+              </p:nvSpPr>
+              <p:spPr bwMode="auto">
+                <a:xfrm>
+                  <a:off x="6400103" y="2347895"/>
+                  <a:ext cx="440367" cy="626130"/>
+                </a:xfrm>
+                <a:prstGeom prst="rtTriangle">
+                  <a:avLst/>
+                </a:prstGeom>
+                <a:solidFill>
+                  <a:schemeClr val="accent2"/>
+                </a:solidFill>
+                <a:ln>
+                  <a:noFill/>
+                  <a:headEnd type="none" w="med" len="med"/>
+                  <a:tailEnd type="none" w="med" len="med"/>
+                </a:ln>
+                <a:effectLst/>
+              </p:spPr>
+              <p:style>
+                <a:lnRef idx="1">
+                  <a:schemeClr val="accent2"/>
+                </a:lnRef>
+                <a:fillRef idx="3">
+                  <a:schemeClr val="accent2"/>
+                </a:fillRef>
+                <a:effectRef idx="2">
+                  <a:schemeClr val="accent2"/>
+                </a:effectRef>
+                <a:fontRef idx="minor">
+                  <a:schemeClr val="lt1"/>
+                </a:fontRef>
+              </p:style>
+              <p:txBody>
+                <a:bodyPr rot="0" spcFirstLastPara="0" vertOverflow="overflow" horzOverflow="overflow" vert="horz" wrap="square" lIns="45720" tIns="45720" rIns="45720" bIns="45720" numCol="1" spcCol="0" rtlCol="0" fromWordArt="0" anchor="ctr" anchorCtr="0" forceAA="0" compatLnSpc="1">
+                  <a:prstTxWarp prst="textNoShape">
+                    <a:avLst/>
+                  </a:prstTxWarp>
+                  <a:noAutofit/>
+                </a:bodyPr>
+                <a:lstStyle/>
+                <a:p>
+                  <a:pPr algn="ctr" defTabSz="914099" fontAlgn="base">
+                    <a:spcBef>
+                      <a:spcPct val="0"/>
+                    </a:spcBef>
+                    <a:spcAft>
+                      <a:spcPct val="0"/>
+                    </a:spcAft>
+                  </a:pPr>
+                  <a:endParaRPr lang="en-US" sz="1600" dirty="0" smtClean="0">
+                    <a:gradFill>
+                      <a:gsLst>
+                        <a:gs pos="0">
+                          <a:srgbClr val="FFFFFF"/>
+                        </a:gs>
+                        <a:gs pos="100000">
+                          <a:srgbClr val="FFFFFF"/>
+                        </a:gs>
+                      </a:gsLst>
+                      <a:lin ang="5400000" scaled="0"/>
+                    </a:gradFill>
+                    <a:ea typeface="Segoe UI" pitchFamily="34" charset="0"/>
+                    <a:cs typeface="Segoe UI" pitchFamily="34" charset="0"/>
+                  </a:endParaRPr>
+                </a:p>
+              </p:txBody>
+            </p:sp>
+            <p:sp>
+              <p:nvSpPr>
+                <p:cNvPr id="53" name="TextBox 52"/>
+                <p:cNvSpPr txBox="1"/>
+                <p:nvPr/>
+              </p:nvSpPr>
+              <p:spPr>
+                <a:xfrm>
+                  <a:off x="6422020" y="2719459"/>
+                  <a:ext cx="320464" cy="257933"/>
+                </a:xfrm>
+                <a:prstGeom prst="rect">
+                  <a:avLst/>
+                </a:prstGeom>
+                <a:noFill/>
+              </p:spPr>
+              <p:txBody>
+                <a:bodyPr wrap="none" lIns="0" tIns="0" rIns="0" bIns="0" rtlCol="0">
+                  <a:spAutoFit/>
+                </a:bodyPr>
+                <a:lstStyle/>
+                <a:p>
+                  <a:r>
+                    <a:rPr lang="fi-FI" sz="1100" spc="-70" dirty="0" smtClean="0">
+                      <a:solidFill>
+                        <a:schemeClr val="bg1"/>
+                      </a:solidFill>
+                      <a:effectLst>
+                        <a:outerShdw blurRad="50800" dist="38100" dir="2700000" algn="tl" rotWithShape="0">
+                          <a:schemeClr val="tx2">
+                            <a:alpha val="40000"/>
+                          </a:schemeClr>
+                        </a:outerShdw>
+                      </a:effectLst>
+                    </a:rPr>
+                    <a:t>CSS</a:t>
+                  </a:r>
+                  <a:endParaRPr lang="en-US" sz="1100" spc="-70" dirty="0" smtClean="0">
+                    <a:solidFill>
+                      <a:schemeClr val="bg1"/>
+                    </a:solidFill>
+                    <a:effectLst>
+                      <a:outerShdw blurRad="50800" dist="38100" dir="2700000" algn="tl" rotWithShape="0">
+                        <a:schemeClr val="tx2">
+                          <a:alpha val="40000"/>
+                        </a:schemeClr>
+                      </a:outerShdw>
+                    </a:effectLst>
+                  </a:endParaRPr>
+                </a:p>
+              </p:txBody>
+            </p:sp>
+          </p:grpSp>
+          <p:grpSp>
+            <p:nvGrpSpPr>
+              <p:cNvPr id="30" name="Group 29"/>
+              <p:cNvGrpSpPr>
+                <a:grpSpLocks noChangeAspect="1"/>
+              </p:cNvGrpSpPr>
+              <p:nvPr/>
+            </p:nvGrpSpPr>
+            <p:grpSpPr>
+              <a:xfrm>
+                <a:off x="2160143" y="3845503"/>
+                <a:ext cx="400137" cy="504000"/>
+                <a:chOff x="6926384" y="2275112"/>
+                <a:chExt cx="605872" cy="763139"/>
+              </a:xfrm>
+            </p:grpSpPr>
+            <p:pic>
+              <p:nvPicPr>
+                <p:cNvPr id="46" name="Picture 45"/>
+                <p:cNvPicPr>
+                  <a:picLocks noChangeAspect="1"/>
+                </p:cNvPicPr>
+                <p:nvPr/>
+              </p:nvPicPr>
+              <p:blipFill>
+                <a:blip r:embed="rId10"/>
+                <a:stretch>
+                  <a:fillRect/>
+                </a:stretch>
+              </p:blipFill>
+              <p:spPr>
+                <a:xfrm>
+                  <a:off x="6926384" y="2275112"/>
+                  <a:ext cx="527111" cy="689388"/>
+                </a:xfrm>
+                <a:prstGeom prst="rect">
+                  <a:avLst/>
+                </a:prstGeom>
+              </p:spPr>
+            </p:pic>
+            <p:pic>
+              <p:nvPicPr>
+                <p:cNvPr id="47" name="Picture 46"/>
+                <p:cNvPicPr>
+                  <a:picLocks noChangeAspect="1"/>
+                </p:cNvPicPr>
+                <p:nvPr/>
+              </p:nvPicPr>
+              <p:blipFill>
+                <a:blip r:embed="rId10"/>
+                <a:stretch>
+                  <a:fillRect/>
+                </a:stretch>
+              </p:blipFill>
+              <p:spPr>
+                <a:xfrm>
+                  <a:off x="7005145" y="2348863"/>
+                  <a:ext cx="527111" cy="689388"/>
+                </a:xfrm>
+                <a:prstGeom prst="rect">
+                  <a:avLst/>
+                </a:prstGeom>
+              </p:spPr>
+            </p:pic>
+            <p:sp>
+              <p:nvSpPr>
+                <p:cNvPr id="48" name="Right Triangle 47"/>
+                <p:cNvSpPr/>
+                <p:nvPr/>
+              </p:nvSpPr>
+              <p:spPr bwMode="auto">
+                <a:xfrm>
+                  <a:off x="7048516" y="2373272"/>
+                  <a:ext cx="440367" cy="626130"/>
+                </a:xfrm>
+                <a:prstGeom prst="rtTriangle">
+                  <a:avLst/>
+                </a:prstGeom>
+                <a:solidFill>
+                  <a:schemeClr val="accent1"/>
+                </a:solidFill>
+                <a:ln>
+                  <a:noFill/>
+                  <a:headEnd type="none" w="med" len="med"/>
+                  <a:tailEnd type="none" w="med" len="med"/>
+                </a:ln>
+                <a:effectLst/>
+              </p:spPr>
+              <p:style>
+                <a:lnRef idx="1">
+                  <a:schemeClr val="accent2"/>
+                </a:lnRef>
+                <a:fillRef idx="3">
+                  <a:schemeClr val="accent2"/>
+                </a:fillRef>
+                <a:effectRef idx="2">
+                  <a:schemeClr val="accent2"/>
+                </a:effectRef>
+                <a:fontRef idx="minor">
+                  <a:schemeClr val="lt1"/>
+                </a:fontRef>
+              </p:style>
+              <p:txBody>
+                <a:bodyPr rot="0" spcFirstLastPara="0" vertOverflow="overflow" horzOverflow="overflow" vert="horz" wrap="square" lIns="45720" tIns="45720" rIns="45720" bIns="45720" numCol="1" spcCol="0" rtlCol="0" fromWordArt="0" anchor="ctr" anchorCtr="0" forceAA="0" compatLnSpc="1">
+                  <a:prstTxWarp prst="textNoShape">
+                    <a:avLst/>
+                  </a:prstTxWarp>
+                  <a:noAutofit/>
+                </a:bodyPr>
+                <a:lstStyle/>
+                <a:p>
+                  <a:pPr algn="ctr" defTabSz="914099" fontAlgn="base">
+                    <a:spcBef>
+                      <a:spcPct val="0"/>
+                    </a:spcBef>
+                    <a:spcAft>
+                      <a:spcPct val="0"/>
+                    </a:spcAft>
+                  </a:pPr>
+                  <a:endParaRPr lang="en-US" sz="1600" dirty="0" smtClean="0">
+                    <a:gradFill>
+                      <a:gsLst>
+                        <a:gs pos="0">
+                          <a:srgbClr val="FFFFFF"/>
+                        </a:gs>
+                        <a:gs pos="100000">
+                          <a:srgbClr val="FFFFFF"/>
+                        </a:gs>
+                      </a:gsLst>
+                      <a:lin ang="5400000" scaled="0"/>
+                    </a:gradFill>
+                    <a:ea typeface="Segoe UI" pitchFamily="34" charset="0"/>
+                    <a:cs typeface="Segoe UI" pitchFamily="34" charset="0"/>
+                  </a:endParaRPr>
+                </a:p>
+              </p:txBody>
+            </p:sp>
+            <p:sp>
+              <p:nvSpPr>
+                <p:cNvPr id="49" name="TextBox 48"/>
+                <p:cNvSpPr txBox="1"/>
+                <p:nvPr/>
+              </p:nvSpPr>
+              <p:spPr>
+                <a:xfrm>
+                  <a:off x="7070434" y="2744836"/>
+                  <a:ext cx="333013" cy="256313"/>
+                </a:xfrm>
+                <a:prstGeom prst="rect">
+                  <a:avLst/>
+                </a:prstGeom>
+                <a:noFill/>
+              </p:spPr>
+              <p:txBody>
+                <a:bodyPr wrap="none" lIns="0" tIns="0" rIns="0" bIns="0" rtlCol="0">
+                  <a:spAutoFit/>
+                </a:bodyPr>
+                <a:lstStyle/>
+                <a:p>
+                  <a:r>
+                    <a:rPr lang="fi-FI" sz="1100" spc="-70" dirty="0">
+                      <a:solidFill>
+                        <a:schemeClr val="bg1"/>
+                      </a:solidFill>
+                      <a:effectLst>
+                        <a:outerShdw blurRad="50800" dist="38100" dir="2700000" algn="tl" rotWithShape="0">
+                          <a:schemeClr val="tx2">
+                            <a:alpha val="40000"/>
+                          </a:schemeClr>
+                        </a:outerShdw>
+                      </a:effectLst>
+                    </a:rPr>
+                    <a:t>p</a:t>
+                  </a:r>
+                  <a:r>
+                    <a:rPr lang="fi-FI" sz="1100" spc="-70" dirty="0" smtClean="0">
+                      <a:solidFill>
+                        <a:schemeClr val="bg1"/>
+                      </a:solidFill>
+                      <a:effectLst>
+                        <a:outerShdw blurRad="50800" dist="38100" dir="2700000" algn="tl" rotWithShape="0">
+                          <a:schemeClr val="tx2">
+                            <a:alpha val="40000"/>
+                          </a:schemeClr>
+                        </a:outerShdw>
+                      </a:effectLst>
+                    </a:rPr>
+                    <a:t>ng</a:t>
+                  </a:r>
+                  <a:endParaRPr lang="en-US" sz="1100" spc="-70" dirty="0" smtClean="0">
+                    <a:solidFill>
+                      <a:schemeClr val="bg1"/>
+                    </a:solidFill>
+                    <a:effectLst>
+                      <a:outerShdw blurRad="50800" dist="38100" dir="2700000" algn="tl" rotWithShape="0">
+                        <a:schemeClr val="tx2">
+                          <a:alpha val="40000"/>
+                        </a:schemeClr>
+                      </a:outerShdw>
+                    </a:effectLst>
+                  </a:endParaRPr>
+                </a:p>
+              </p:txBody>
+            </p:sp>
+          </p:grpSp>
+          <p:grpSp>
+            <p:nvGrpSpPr>
+              <p:cNvPr id="31" name="Group 30"/>
+              <p:cNvGrpSpPr>
+                <a:grpSpLocks noChangeAspect="1"/>
+              </p:cNvGrpSpPr>
+              <p:nvPr/>
+            </p:nvGrpSpPr>
+            <p:grpSpPr>
+              <a:xfrm>
+                <a:off x="1940507" y="3558828"/>
+                <a:ext cx="400137" cy="504000"/>
+                <a:chOff x="7583233" y="2275112"/>
+                <a:chExt cx="605872" cy="763139"/>
+              </a:xfrm>
+            </p:grpSpPr>
+            <p:pic>
+              <p:nvPicPr>
+                <p:cNvPr id="42" name="Picture 41"/>
+                <p:cNvPicPr>
+                  <a:picLocks noChangeAspect="1"/>
+                </p:cNvPicPr>
+                <p:nvPr/>
+              </p:nvPicPr>
+              <p:blipFill>
+                <a:blip r:embed="rId10"/>
+                <a:stretch>
+                  <a:fillRect/>
+                </a:stretch>
+              </p:blipFill>
+              <p:spPr>
+                <a:xfrm>
+                  <a:off x="7583233" y="2275112"/>
+                  <a:ext cx="527111" cy="689388"/>
+                </a:xfrm>
+                <a:prstGeom prst="rect">
+                  <a:avLst/>
+                </a:prstGeom>
+              </p:spPr>
+            </p:pic>
+            <p:pic>
+              <p:nvPicPr>
+                <p:cNvPr id="43" name="Picture 42"/>
+                <p:cNvPicPr>
+                  <a:picLocks noChangeAspect="1"/>
+                </p:cNvPicPr>
+                <p:nvPr/>
+              </p:nvPicPr>
+              <p:blipFill>
+                <a:blip r:embed="rId10"/>
+                <a:stretch>
+                  <a:fillRect/>
+                </a:stretch>
+              </p:blipFill>
+              <p:spPr>
+                <a:xfrm>
+                  <a:off x="7661994" y="2348863"/>
+                  <a:ext cx="527111" cy="689388"/>
+                </a:xfrm>
+                <a:prstGeom prst="rect">
+                  <a:avLst/>
+                </a:prstGeom>
+              </p:spPr>
+            </p:pic>
+            <p:sp>
+              <p:nvSpPr>
+                <p:cNvPr id="44" name="Right Triangle 43"/>
+                <p:cNvSpPr/>
+                <p:nvPr/>
+              </p:nvSpPr>
+              <p:spPr bwMode="auto">
+                <a:xfrm>
+                  <a:off x="7705365" y="2373272"/>
+                  <a:ext cx="440367" cy="626130"/>
+                </a:xfrm>
+                <a:prstGeom prst="rtTriangle">
+                  <a:avLst/>
+                </a:prstGeom>
+                <a:solidFill>
+                  <a:schemeClr val="accent5"/>
+                </a:solidFill>
+                <a:ln>
+                  <a:noFill/>
+                  <a:headEnd type="none" w="med" len="med"/>
+                  <a:tailEnd type="none" w="med" len="med"/>
+                </a:ln>
+                <a:effectLst/>
+              </p:spPr>
+              <p:style>
+                <a:lnRef idx="1">
+                  <a:schemeClr val="accent2"/>
+                </a:lnRef>
+                <a:fillRef idx="3">
+                  <a:schemeClr val="accent2"/>
+                </a:fillRef>
+                <a:effectRef idx="2">
+                  <a:schemeClr val="accent2"/>
+                </a:effectRef>
+                <a:fontRef idx="minor">
+                  <a:schemeClr val="lt1"/>
+                </a:fontRef>
+              </p:style>
+              <p:txBody>
+                <a:bodyPr rot="0" spcFirstLastPara="0" vertOverflow="overflow" horzOverflow="overflow" vert="horz" wrap="square" lIns="45720" tIns="45720" rIns="45720" bIns="45720" numCol="1" spcCol="0" rtlCol="0" fromWordArt="0" anchor="ctr" anchorCtr="0" forceAA="0" compatLnSpc="1">
+                  <a:prstTxWarp prst="textNoShape">
+                    <a:avLst/>
+                  </a:prstTxWarp>
+                  <a:noAutofit/>
+                </a:bodyPr>
+                <a:lstStyle/>
+                <a:p>
+                  <a:pPr algn="ctr" defTabSz="914099" fontAlgn="base">
+                    <a:spcBef>
+                      <a:spcPct val="0"/>
+                    </a:spcBef>
+                    <a:spcAft>
+                      <a:spcPct val="0"/>
+                    </a:spcAft>
+                  </a:pPr>
+                  <a:endParaRPr lang="en-US" sz="1600" dirty="0" smtClean="0">
+                    <a:gradFill>
+                      <a:gsLst>
+                        <a:gs pos="0">
+                          <a:srgbClr val="FFFFFF"/>
+                        </a:gs>
+                        <a:gs pos="100000">
+                          <a:srgbClr val="FFFFFF"/>
+                        </a:gs>
+                      </a:gsLst>
+                      <a:lin ang="5400000" scaled="0"/>
+                    </a:gradFill>
+                    <a:ea typeface="Segoe UI" pitchFamily="34" charset="0"/>
+                    <a:cs typeface="Segoe UI" pitchFamily="34" charset="0"/>
+                  </a:endParaRPr>
+                </a:p>
+              </p:txBody>
+            </p:sp>
+            <p:sp>
+              <p:nvSpPr>
+                <p:cNvPr id="45" name="TextBox 44"/>
+                <p:cNvSpPr txBox="1"/>
+                <p:nvPr/>
+              </p:nvSpPr>
+              <p:spPr>
+                <a:xfrm>
+                  <a:off x="7727283" y="2744836"/>
+                  <a:ext cx="367964" cy="256313"/>
+                </a:xfrm>
+                <a:prstGeom prst="rect">
+                  <a:avLst/>
+                </a:prstGeom>
+                <a:noFill/>
+              </p:spPr>
+              <p:txBody>
+                <a:bodyPr wrap="none" lIns="0" tIns="0" rIns="0" bIns="0" rtlCol="0">
+                  <a:spAutoFit/>
+                </a:bodyPr>
+                <a:lstStyle/>
+                <a:p>
+                  <a:r>
+                    <a:rPr lang="fi-FI" sz="1100" spc="-70" dirty="0" err="1" smtClean="0">
+                      <a:solidFill>
+                        <a:schemeClr val="bg1"/>
+                      </a:solidFill>
+                      <a:effectLst>
+                        <a:outerShdw blurRad="50800" dist="38100" dir="2700000" algn="tl" rotWithShape="0">
+                          <a:schemeClr val="tx2">
+                            <a:alpha val="40000"/>
+                          </a:schemeClr>
+                        </a:outerShdw>
+                      </a:effectLst>
+                    </a:rPr>
+                    <a:t>aspx</a:t>
+                  </a:r>
+                  <a:endParaRPr lang="en-US" sz="1100" spc="-70" dirty="0" smtClean="0">
+                    <a:solidFill>
+                      <a:schemeClr val="bg1"/>
+                    </a:solidFill>
+                    <a:effectLst>
+                      <a:outerShdw blurRad="50800" dist="38100" dir="2700000" algn="tl" rotWithShape="0">
+                        <a:schemeClr val="tx2">
+                          <a:alpha val="40000"/>
+                        </a:schemeClr>
+                      </a:outerShdw>
+                    </a:effectLst>
+                  </a:endParaRPr>
+                </a:p>
+              </p:txBody>
+            </p:sp>
+          </p:grpSp>
+          <p:grpSp>
+            <p:nvGrpSpPr>
+              <p:cNvPr id="32" name="Group 31"/>
+              <p:cNvGrpSpPr>
+                <a:grpSpLocks noChangeAspect="1"/>
+              </p:cNvGrpSpPr>
+              <p:nvPr/>
+            </p:nvGrpSpPr>
+            <p:grpSpPr>
+              <a:xfrm>
+                <a:off x="2618857" y="3788428"/>
+                <a:ext cx="409562" cy="504000"/>
+                <a:chOff x="8228898" y="2273094"/>
+                <a:chExt cx="621781" cy="765157"/>
+              </a:xfrm>
+            </p:grpSpPr>
+            <p:pic>
+              <p:nvPicPr>
+                <p:cNvPr id="38" name="Picture 37"/>
+                <p:cNvPicPr>
+                  <a:picLocks noChangeAspect="1"/>
+                </p:cNvPicPr>
+                <p:nvPr/>
+              </p:nvPicPr>
+              <p:blipFill>
+                <a:blip r:embed="rId10"/>
+                <a:stretch>
+                  <a:fillRect/>
+                </a:stretch>
+              </p:blipFill>
+              <p:spPr>
+                <a:xfrm>
+                  <a:off x="8228898" y="2273094"/>
+                  <a:ext cx="527111" cy="689388"/>
+                </a:xfrm>
+                <a:prstGeom prst="rect">
+                  <a:avLst/>
+                </a:prstGeom>
+              </p:spPr>
+            </p:pic>
+            <p:pic>
+              <p:nvPicPr>
+                <p:cNvPr id="39" name="Picture 38"/>
+                <p:cNvPicPr>
+                  <a:picLocks noChangeAspect="1"/>
+                </p:cNvPicPr>
+                <p:nvPr/>
+              </p:nvPicPr>
+              <p:blipFill>
+                <a:blip r:embed="rId10"/>
+                <a:stretch>
+                  <a:fillRect/>
+                </a:stretch>
+              </p:blipFill>
+              <p:spPr>
+                <a:xfrm>
+                  <a:off x="8323568" y="2348863"/>
+                  <a:ext cx="527111" cy="689388"/>
+                </a:xfrm>
+                <a:prstGeom prst="rect">
+                  <a:avLst/>
+                </a:prstGeom>
+              </p:spPr>
+            </p:pic>
+            <p:sp>
+              <p:nvSpPr>
+                <p:cNvPr id="40" name="Right Triangle 39"/>
+                <p:cNvSpPr/>
+                <p:nvPr/>
+              </p:nvSpPr>
+              <p:spPr bwMode="auto">
+                <a:xfrm>
+                  <a:off x="8366939" y="2373272"/>
+                  <a:ext cx="440367" cy="626130"/>
+                </a:xfrm>
+                <a:prstGeom prst="rtTriangle">
+                  <a:avLst/>
+                </a:prstGeom>
+                <a:solidFill>
+                  <a:schemeClr val="accent2"/>
+                </a:solidFill>
+                <a:ln>
+                  <a:noFill/>
+                  <a:headEnd type="none" w="med" len="med"/>
+                  <a:tailEnd type="none" w="med" len="med"/>
+                </a:ln>
+                <a:effectLst/>
+              </p:spPr>
+              <p:style>
+                <a:lnRef idx="1">
+                  <a:schemeClr val="accent2"/>
+                </a:lnRef>
+                <a:fillRef idx="3">
+                  <a:schemeClr val="accent2"/>
+                </a:fillRef>
+                <a:effectRef idx="2">
+                  <a:schemeClr val="accent2"/>
+                </a:effectRef>
+                <a:fontRef idx="minor">
+                  <a:schemeClr val="lt1"/>
+                </a:fontRef>
+              </p:style>
+              <p:txBody>
+                <a:bodyPr rot="0" spcFirstLastPara="0" vertOverflow="overflow" horzOverflow="overflow" vert="horz" wrap="square" lIns="45720" tIns="45720" rIns="45720" bIns="45720" numCol="1" spcCol="0" rtlCol="0" fromWordArt="0" anchor="ctr" anchorCtr="0" forceAA="0" compatLnSpc="1">
+                  <a:prstTxWarp prst="textNoShape">
+                    <a:avLst/>
+                  </a:prstTxWarp>
+                  <a:noAutofit/>
+                </a:bodyPr>
+                <a:lstStyle/>
+                <a:p>
+                  <a:pPr algn="ctr" defTabSz="914099" fontAlgn="base">
+                    <a:spcBef>
+                      <a:spcPct val="0"/>
+                    </a:spcBef>
+                    <a:spcAft>
+                      <a:spcPct val="0"/>
+                    </a:spcAft>
+                  </a:pPr>
+                  <a:endParaRPr lang="en-US" sz="1600" dirty="0" smtClean="0">
+                    <a:gradFill>
+                      <a:gsLst>
+                        <a:gs pos="0">
+                          <a:srgbClr val="FFFFFF"/>
+                        </a:gs>
+                        <a:gs pos="100000">
+                          <a:srgbClr val="FFFFFF"/>
+                        </a:gs>
+                      </a:gsLst>
+                      <a:lin ang="5400000" scaled="0"/>
+                    </a:gradFill>
+                    <a:ea typeface="Segoe UI" pitchFamily="34" charset="0"/>
+                    <a:cs typeface="Segoe UI" pitchFamily="34" charset="0"/>
+                  </a:endParaRPr>
+                </a:p>
+              </p:txBody>
+            </p:sp>
+            <p:sp>
+              <p:nvSpPr>
+                <p:cNvPr id="41" name="TextBox 40"/>
+                <p:cNvSpPr txBox="1"/>
+                <p:nvPr/>
+              </p:nvSpPr>
+              <p:spPr>
+                <a:xfrm>
+                  <a:off x="8385074" y="2783306"/>
+                  <a:ext cx="446325" cy="210265"/>
+                </a:xfrm>
+                <a:prstGeom prst="rect">
+                  <a:avLst/>
+                </a:prstGeom>
+                <a:noFill/>
+              </p:spPr>
+              <p:txBody>
+                <a:bodyPr wrap="none" lIns="0" tIns="0" rIns="0" bIns="0" rtlCol="0">
+                  <a:spAutoFit/>
+                </a:bodyPr>
+                <a:lstStyle/>
+                <a:p>
+                  <a:r>
+                    <a:rPr lang="fi-FI" sz="900" spc="-70" dirty="0" err="1" smtClean="0">
+                      <a:solidFill>
+                        <a:schemeClr val="bg1"/>
+                      </a:solidFill>
+                      <a:effectLst>
+                        <a:outerShdw blurRad="50800" dist="38100" dir="2700000" algn="tl" rotWithShape="0">
+                          <a:schemeClr val="tx2">
+                            <a:alpha val="40000"/>
+                          </a:schemeClr>
+                        </a:outerShdw>
+                      </a:effectLst>
+                    </a:rPr>
+                    <a:t>master</a:t>
+                  </a:r>
+                  <a:endParaRPr lang="en-US" sz="900" spc="-70" dirty="0" smtClean="0">
+                    <a:solidFill>
+                      <a:schemeClr val="bg1"/>
+                    </a:solidFill>
+                    <a:effectLst>
+                      <a:outerShdw blurRad="50800" dist="38100" dir="2700000" algn="tl" rotWithShape="0">
+                        <a:schemeClr val="tx2">
+                          <a:alpha val="40000"/>
+                        </a:schemeClr>
+                      </a:outerShdw>
+                    </a:effectLst>
+                  </a:endParaRPr>
+                </a:p>
+              </p:txBody>
+            </p:sp>
+          </p:grpSp>
+          <p:grpSp>
+            <p:nvGrpSpPr>
+              <p:cNvPr id="33" name="Group 32"/>
+              <p:cNvGrpSpPr>
+                <a:grpSpLocks noChangeAspect="1"/>
+              </p:cNvGrpSpPr>
+              <p:nvPr/>
+            </p:nvGrpSpPr>
+            <p:grpSpPr>
+              <a:xfrm>
+                <a:off x="2468161" y="4175148"/>
+                <a:ext cx="400137" cy="504000"/>
+                <a:chOff x="8856725" y="2275112"/>
+                <a:chExt cx="605872" cy="763139"/>
+              </a:xfrm>
+            </p:grpSpPr>
+            <p:pic>
+              <p:nvPicPr>
+                <p:cNvPr id="34" name="Picture 33"/>
+                <p:cNvPicPr>
+                  <a:picLocks noChangeAspect="1"/>
+                </p:cNvPicPr>
+                <p:nvPr/>
+              </p:nvPicPr>
+              <p:blipFill>
+                <a:blip r:embed="rId10"/>
+                <a:stretch>
+                  <a:fillRect/>
+                </a:stretch>
+              </p:blipFill>
+              <p:spPr>
+                <a:xfrm>
+                  <a:off x="8856725" y="2275112"/>
+                  <a:ext cx="527111" cy="689388"/>
+                </a:xfrm>
+                <a:prstGeom prst="rect">
+                  <a:avLst/>
+                </a:prstGeom>
+              </p:spPr>
+            </p:pic>
+            <p:pic>
+              <p:nvPicPr>
+                <p:cNvPr id="35" name="Picture 34"/>
+                <p:cNvPicPr>
+                  <a:picLocks noChangeAspect="1"/>
+                </p:cNvPicPr>
+                <p:nvPr/>
+              </p:nvPicPr>
+              <p:blipFill>
+                <a:blip r:embed="rId10"/>
+                <a:stretch>
+                  <a:fillRect/>
+                </a:stretch>
+              </p:blipFill>
+              <p:spPr>
+                <a:xfrm>
+                  <a:off x="8935486" y="2348863"/>
+                  <a:ext cx="527111" cy="689388"/>
+                </a:xfrm>
+                <a:prstGeom prst="rect">
+                  <a:avLst/>
+                </a:prstGeom>
+              </p:spPr>
+            </p:pic>
+            <p:sp>
+              <p:nvSpPr>
+                <p:cNvPr id="36" name="Right Triangle 35"/>
+                <p:cNvSpPr/>
+                <p:nvPr/>
+              </p:nvSpPr>
+              <p:spPr bwMode="auto">
+                <a:xfrm>
+                  <a:off x="8978857" y="2373272"/>
+                  <a:ext cx="440367" cy="626130"/>
+                </a:xfrm>
+                <a:prstGeom prst="rtTriangle">
+                  <a:avLst/>
+                </a:prstGeom>
+                <a:solidFill>
+                  <a:schemeClr val="accent3"/>
+                </a:solidFill>
+                <a:ln>
+                  <a:noFill/>
+                  <a:headEnd type="none" w="med" len="med"/>
+                  <a:tailEnd type="none" w="med" len="med"/>
+                </a:ln>
+                <a:effectLst/>
+              </p:spPr>
+              <p:style>
+                <a:lnRef idx="1">
+                  <a:schemeClr val="accent2"/>
+                </a:lnRef>
+                <a:fillRef idx="3">
+                  <a:schemeClr val="accent2"/>
+                </a:fillRef>
+                <a:effectRef idx="2">
+                  <a:schemeClr val="accent2"/>
+                </a:effectRef>
+                <a:fontRef idx="minor">
+                  <a:schemeClr val="lt1"/>
+                </a:fontRef>
+              </p:style>
+              <p:txBody>
+                <a:bodyPr rot="0" spcFirstLastPara="0" vertOverflow="overflow" horzOverflow="overflow" vert="horz" wrap="square" lIns="45720" tIns="45720" rIns="45720" bIns="45720" numCol="1" spcCol="0" rtlCol="0" fromWordArt="0" anchor="ctr" anchorCtr="0" forceAA="0" compatLnSpc="1">
+                  <a:prstTxWarp prst="textNoShape">
+                    <a:avLst/>
+                  </a:prstTxWarp>
+                  <a:noAutofit/>
+                </a:bodyPr>
+                <a:lstStyle/>
+                <a:p>
+                  <a:pPr algn="ctr" defTabSz="914099" fontAlgn="base">
+                    <a:spcBef>
+                      <a:spcPct val="0"/>
+                    </a:spcBef>
+                    <a:spcAft>
+                      <a:spcPct val="0"/>
+                    </a:spcAft>
+                  </a:pPr>
+                  <a:endParaRPr lang="en-US" sz="1600" dirty="0" smtClean="0">
+                    <a:gradFill>
+                      <a:gsLst>
+                        <a:gs pos="0">
+                          <a:srgbClr val="FFFFFF"/>
+                        </a:gs>
+                        <a:gs pos="100000">
+                          <a:srgbClr val="FFFFFF"/>
+                        </a:gs>
+                      </a:gsLst>
+                      <a:lin ang="5400000" scaled="0"/>
+                    </a:gradFill>
+                    <a:ea typeface="Segoe UI" pitchFamily="34" charset="0"/>
+                    <a:cs typeface="Segoe UI" pitchFamily="34" charset="0"/>
+                  </a:endParaRPr>
+                </a:p>
+              </p:txBody>
+            </p:sp>
+            <p:sp>
+              <p:nvSpPr>
+                <p:cNvPr id="37" name="TextBox 36"/>
+                <p:cNvSpPr txBox="1"/>
+                <p:nvPr/>
+              </p:nvSpPr>
+              <p:spPr>
+                <a:xfrm>
+                  <a:off x="9045471" y="2698547"/>
+                  <a:ext cx="154856" cy="326218"/>
+                </a:xfrm>
+                <a:prstGeom prst="rect">
+                  <a:avLst/>
+                </a:prstGeom>
+                <a:noFill/>
+              </p:spPr>
+              <p:txBody>
+                <a:bodyPr wrap="none" lIns="0" tIns="0" rIns="0" bIns="0" rtlCol="0">
+                  <a:spAutoFit/>
+                </a:bodyPr>
+                <a:lstStyle/>
+                <a:p>
+                  <a:pPr algn="r"/>
+                  <a:r>
+                    <a:rPr lang="fi-FI" sz="1400" spc="-70" dirty="0" err="1" smtClean="0">
+                      <a:solidFill>
+                        <a:schemeClr val="bg1"/>
+                      </a:solidFill>
+                      <a:effectLst>
+                        <a:outerShdw blurRad="50800" dist="38100" dir="2700000" algn="tl" rotWithShape="0">
+                          <a:schemeClr val="tx2">
+                            <a:alpha val="40000"/>
+                          </a:schemeClr>
+                        </a:outerShdw>
+                      </a:effectLst>
+                    </a:rPr>
+                    <a:t>js</a:t>
+                  </a:r>
+                  <a:endParaRPr lang="en-US" sz="1400" spc="-70" dirty="0" smtClean="0">
+                    <a:solidFill>
+                      <a:schemeClr val="bg1"/>
+                    </a:solidFill>
+                    <a:effectLst>
+                      <a:outerShdw blurRad="50800" dist="38100" dir="2700000" algn="tl" rotWithShape="0">
+                        <a:schemeClr val="tx2">
+                          <a:alpha val="40000"/>
+                        </a:schemeClr>
+                      </a:outerShdw>
+                    </a:effectLst>
+                  </a:endParaRPr>
+                </a:p>
+              </p:txBody>
+            </p:sp>
+          </p:grpSp>
+        </p:grpSp>
+      </p:grpSp>
+      <p:grpSp>
+        <p:nvGrpSpPr>
+          <p:cNvPr id="56" name="Group 55"/>
+          <p:cNvGrpSpPr/>
+          <p:nvPr/>
+        </p:nvGrpSpPr>
+        <p:grpSpPr>
+          <a:xfrm>
+            <a:off x="7355462" y="2618393"/>
+            <a:ext cx="1399999" cy="878915"/>
+            <a:chOff x="10169960" y="3361847"/>
+            <a:chExt cx="1399999" cy="878915"/>
+          </a:xfrm>
+        </p:grpSpPr>
+        <p:pic>
+          <p:nvPicPr>
+            <p:cNvPr id="57" name="Picture 56"/>
+            <p:cNvPicPr>
+              <a:picLocks noChangeAspect="1"/>
+            </p:cNvPicPr>
+            <p:nvPr/>
+          </p:nvPicPr>
+          <p:blipFill>
+            <a:blip r:embed="rId11"/>
+            <a:stretch>
+              <a:fillRect/>
+            </a:stretch>
+          </p:blipFill>
+          <p:spPr>
+            <a:xfrm>
+              <a:off x="10571003" y="3361847"/>
+              <a:ext cx="597915" cy="598560"/>
+            </a:xfrm>
+            <a:prstGeom prst="rect">
+              <a:avLst/>
+            </a:prstGeom>
+          </p:spPr>
+        </p:pic>
+        <p:sp>
+          <p:nvSpPr>
+            <p:cNvPr id="58" name="TextBox 57"/>
+            <p:cNvSpPr txBox="1"/>
+            <p:nvPr/>
+          </p:nvSpPr>
+          <p:spPr>
+            <a:xfrm>
+              <a:off x="10169960" y="3932985"/>
+              <a:ext cx="1399999" cy="307777"/>
+            </a:xfrm>
+            <a:prstGeom prst="rect">
+              <a:avLst/>
+            </a:prstGeom>
+            <a:noFill/>
+          </p:spPr>
+          <p:txBody>
+            <a:bodyPr wrap="none" lIns="0" tIns="0" rIns="0" bIns="0" rtlCol="0">
+              <a:spAutoFit/>
+            </a:bodyPr>
+            <a:lstStyle/>
+            <a:p>
+              <a:r>
+                <a:rPr lang="en-US" sz="2000" spc="-70" dirty="0" smtClean="0">
+                  <a:gradFill>
+                    <a:gsLst>
+                      <a:gs pos="2917">
+                        <a:schemeClr val="bg2"/>
+                      </a:gs>
+                      <a:gs pos="95000">
+                        <a:schemeClr val="bg2"/>
+                      </a:gs>
+                    </a:gsLst>
+                    <a:lin ang="5400000" scaled="0"/>
+                  </a:gradFill>
+                </a:rPr>
+                <a:t>Web Services</a:t>
+              </a:r>
+            </a:p>
+          </p:txBody>
+        </p:sp>
+      </p:grpSp>
+      <p:grpSp>
+        <p:nvGrpSpPr>
+          <p:cNvPr id="59" name="Group 58"/>
+          <p:cNvGrpSpPr/>
+          <p:nvPr/>
+        </p:nvGrpSpPr>
+        <p:grpSpPr>
+          <a:xfrm>
+            <a:off x="7460657" y="1252583"/>
+            <a:ext cx="1074781" cy="1258416"/>
+            <a:chOff x="5533729" y="1219725"/>
+            <a:chExt cx="1074781" cy="1258416"/>
+          </a:xfrm>
+        </p:grpSpPr>
+        <p:pic>
+          <p:nvPicPr>
+            <p:cNvPr id="60" name="Picture 59"/>
+            <p:cNvPicPr>
+              <a:picLocks noChangeAspect="1"/>
+            </p:cNvPicPr>
+            <p:nvPr/>
+          </p:nvPicPr>
+          <p:blipFill>
+            <a:blip r:embed="rId2"/>
+            <a:stretch>
+              <a:fillRect/>
+            </a:stretch>
+          </p:blipFill>
+          <p:spPr>
+            <a:xfrm>
+              <a:off x="5533729" y="1292597"/>
+              <a:ext cx="465830" cy="863861"/>
+            </a:xfrm>
+            <a:prstGeom prst="rect">
+              <a:avLst/>
+            </a:prstGeom>
+          </p:spPr>
+        </p:pic>
+        <p:pic>
+          <p:nvPicPr>
+            <p:cNvPr id="61" name="Picture 60"/>
+            <p:cNvPicPr>
+              <a:picLocks noChangeAspect="1"/>
+            </p:cNvPicPr>
+            <p:nvPr/>
+          </p:nvPicPr>
+          <p:blipFill>
+            <a:blip r:embed="rId5"/>
+            <a:stretch>
+              <a:fillRect/>
+            </a:stretch>
+          </p:blipFill>
+          <p:spPr>
+            <a:xfrm>
+              <a:off x="5835073" y="1219725"/>
+              <a:ext cx="730013" cy="911760"/>
+            </a:xfrm>
+            <a:prstGeom prst="rect">
+              <a:avLst/>
+            </a:prstGeom>
+          </p:spPr>
+        </p:pic>
+        <p:sp>
+          <p:nvSpPr>
+            <p:cNvPr id="62" name="TextBox 61"/>
+            <p:cNvSpPr txBox="1"/>
+            <p:nvPr/>
+          </p:nvSpPr>
+          <p:spPr>
+            <a:xfrm>
+              <a:off x="5533729" y="2170364"/>
+              <a:ext cx="1074781" cy="307777"/>
+            </a:xfrm>
+            <a:prstGeom prst="rect">
+              <a:avLst/>
+            </a:prstGeom>
+            <a:noFill/>
+          </p:spPr>
+          <p:txBody>
+            <a:bodyPr wrap="none" lIns="0" tIns="0" rIns="0" bIns="0" rtlCol="0">
+              <a:spAutoFit/>
+            </a:bodyPr>
+            <a:lstStyle/>
+            <a:p>
+              <a:r>
+                <a:rPr lang="en-US" sz="2000" spc="-70" dirty="0" smtClean="0">
+                  <a:gradFill>
+                    <a:gsLst>
+                      <a:gs pos="2917">
+                        <a:schemeClr val="bg2"/>
+                      </a:gs>
+                      <a:gs pos="95000">
+                        <a:schemeClr val="bg2"/>
+                      </a:gs>
+                    </a:gsLst>
+                    <a:lin ang="5400000" scaled="0"/>
+                  </a:gradFill>
+                </a:rPr>
+                <a:t>Databases</a:t>
+              </a:r>
+            </a:p>
+          </p:txBody>
+        </p:sp>
+      </p:grpSp>
+      <p:grpSp>
+        <p:nvGrpSpPr>
+          <p:cNvPr id="63" name="Group 62"/>
+          <p:cNvGrpSpPr>
+            <a:grpSpLocks noChangeAspect="1"/>
+          </p:cNvGrpSpPr>
+          <p:nvPr/>
+        </p:nvGrpSpPr>
+        <p:grpSpPr>
+          <a:xfrm>
+            <a:off x="3590733" y="5200921"/>
+            <a:ext cx="1898081" cy="1148237"/>
+            <a:chOff x="781287" y="4564525"/>
+            <a:chExt cx="2582491" cy="1562274"/>
+          </a:xfrm>
+        </p:grpSpPr>
+        <p:pic>
+          <p:nvPicPr>
+            <p:cNvPr id="64" name="Picture 63"/>
+            <p:cNvPicPr>
+              <a:picLocks noChangeAspect="1"/>
+            </p:cNvPicPr>
+            <p:nvPr/>
+          </p:nvPicPr>
+          <p:blipFill>
+            <a:blip r:embed="rId12"/>
+            <a:stretch>
+              <a:fillRect/>
+            </a:stretch>
+          </p:blipFill>
+          <p:spPr>
+            <a:xfrm>
+              <a:off x="781287" y="4564525"/>
+              <a:ext cx="1334951" cy="1267414"/>
+            </a:xfrm>
+            <a:prstGeom prst="rect">
+              <a:avLst/>
+            </a:prstGeom>
+          </p:spPr>
+        </p:pic>
+        <p:pic>
+          <p:nvPicPr>
+            <p:cNvPr id="65" name="Picture 64"/>
+            <p:cNvPicPr>
+              <a:picLocks noChangeAspect="1"/>
+            </p:cNvPicPr>
+            <p:nvPr/>
+          </p:nvPicPr>
+          <p:blipFill>
+            <a:blip r:embed="rId13"/>
+            <a:stretch>
+              <a:fillRect/>
+            </a:stretch>
+          </p:blipFill>
+          <p:spPr>
+            <a:xfrm>
+              <a:off x="2722844" y="5169800"/>
+              <a:ext cx="640934" cy="956999"/>
+            </a:xfrm>
+            <a:prstGeom prst="rect">
+              <a:avLst/>
+            </a:prstGeom>
+          </p:spPr>
+        </p:pic>
+        <p:pic>
+          <p:nvPicPr>
+            <p:cNvPr id="66" name="Picture 65"/>
+            <p:cNvPicPr>
+              <a:picLocks noChangeAspect="1"/>
+            </p:cNvPicPr>
+            <p:nvPr/>
+          </p:nvPicPr>
+          <p:blipFill>
+            <a:blip r:embed="rId14"/>
+            <a:stretch>
+              <a:fillRect/>
+            </a:stretch>
+          </p:blipFill>
+          <p:spPr>
+            <a:xfrm>
+              <a:off x="1625422" y="5341440"/>
+              <a:ext cx="963439" cy="699247"/>
+            </a:xfrm>
+            <a:prstGeom prst="rect">
+              <a:avLst/>
+            </a:prstGeom>
+          </p:spPr>
+        </p:pic>
+        <p:pic>
+          <p:nvPicPr>
+            <p:cNvPr id="67" name="Picture 66"/>
+            <p:cNvPicPr>
+              <a:picLocks noChangeAspect="1"/>
+            </p:cNvPicPr>
+            <p:nvPr/>
+          </p:nvPicPr>
+          <p:blipFill>
+            <a:blip r:embed="rId15"/>
+            <a:stretch>
+              <a:fillRect/>
+            </a:stretch>
+          </p:blipFill>
+          <p:spPr>
+            <a:xfrm>
+              <a:off x="2087010" y="4919651"/>
+              <a:ext cx="907928" cy="658958"/>
+            </a:xfrm>
+            <a:prstGeom prst="rect">
+              <a:avLst/>
+            </a:prstGeom>
+          </p:spPr>
+        </p:pic>
+      </p:grpSp>
+      <p:cxnSp>
+        <p:nvCxnSpPr>
+          <p:cNvPr id="68" name="Straight Arrow Connector 67"/>
+          <p:cNvCxnSpPr/>
+          <p:nvPr/>
+        </p:nvCxnSpPr>
+        <p:spPr>
+          <a:xfrm flipV="1">
+            <a:off x="4574335" y="2010880"/>
+            <a:ext cx="2781127" cy="1486428"/>
+          </a:xfrm>
+          <a:prstGeom prst="straightConnector1">
             <a:avLst/>
           </a:prstGeom>
-          <a:solidFill>
-            <a:srgbClr val="EB3C00"/>
-          </a:solidFill>
-          <a:ln>
-            <a:noFill/>
-            <a:headEnd type="none" w="med" len="med"/>
-            <a:tailEnd type="none" w="med" len="med"/>
+          <a:ln w="41275">
+            <a:solidFill>
+              <a:schemeClr val="bg1">
+                <a:lumMod val="65000"/>
+              </a:schemeClr>
+            </a:solidFill>
+            <a:prstDash val="sysDash"/>
+            <a:tailEnd type="stealth" w="lg" len="lg"/>
           </a:ln>
           <a:effectLst/>
         </p:spPr>
         <p:style>
           <a:lnRef idx="1">
-            <a:schemeClr val="accent2"/>
-          </a:lnRef>
-          <a:fillRef idx="3">
-            <a:schemeClr val="accent2"/>
-          </a:fillRef>
-          <a:effectRef idx="2">
-            <a:schemeClr val="accent2"/>
-          </a:effectRef>
-          <a:fontRef idx="minor">
-            <a:schemeClr val="lt1"/>
-          </a:fontRef>
-        </p:style>
-        <p:txBody>
-          <a:bodyPr rot="0" spcFirstLastPara="0" vertOverflow="overflow" horzOverflow="overflow" vert="horz" wrap="square" lIns="45720" tIns="45720" rIns="45720" bIns="45720" numCol="1" spcCol="0" rtlCol="0" fromWordArt="0" anchor="ctr" anchorCtr="0" forceAA="0" compatLnSpc="1">
-            <a:prstTxWarp prst="textNoShape">
-              <a:avLst/>
-            </a:prstTxWarp>
-            <a:noAutofit/>
-          </a:bodyPr>
-          <a:lstStyle/>
-          <a:p>
-            <a:pPr algn="ctr" defTabSz="914099" fontAlgn="base">
-              <a:spcBef>
-                <a:spcPct val="0"/>
-              </a:spcBef>
-              <a:spcAft>
-                <a:spcPct val="0"/>
-              </a:spcAft>
-            </a:pPr>
-            <a:endParaRPr lang="en-US" sz="2200" dirty="0" smtClean="0">
-              <a:gradFill>
-                <a:gsLst>
-                  <a:gs pos="0">
-                    <a:srgbClr val="FFFFFF"/>
-                  </a:gs>
-                  <a:gs pos="100000">
-                    <a:srgbClr val="FFFFFF"/>
-                  </a:gs>
-                </a:gsLst>
-                <a:lin ang="5400000" scaled="0"/>
-              </a:gradFill>
-              <a:ea typeface="Segoe UI" pitchFamily="34" charset="0"/>
-              <a:cs typeface="Segoe UI" pitchFamily="34" charset="0"/>
-            </a:endParaRPr>
-          </a:p>
-        </p:txBody>
-      </p:sp>
-      <p:sp>
-        <p:nvSpPr>
-          <p:cNvPr id="2" name="Title 1"/>
-          <p:cNvSpPr>
-            <a:spLocks noGrp="1"/>
-          </p:cNvSpPr>
-          <p:nvPr>
-            <p:ph type="title"/>
-          </p:nvPr>
-        </p:nvSpPr>
-        <p:spPr/>
-        <p:txBody>
-          <a:bodyPr/>
-          <a:lstStyle/>
-          <a:p>
-            <a:r>
-              <a:rPr lang="en-US" dirty="0" smtClean="0"/>
-              <a:t>On Premises Architecture</a:t>
-            </a:r>
-            <a:endParaRPr lang="en-US" dirty="0"/>
-          </a:p>
-        </p:txBody>
-      </p:sp>
-      <p:sp>
-        <p:nvSpPr>
-          <p:cNvPr id="3" name="Slide Number Placeholder 2"/>
-          <p:cNvSpPr>
-            <a:spLocks noGrp="1"/>
-          </p:cNvSpPr>
-          <p:nvPr>
-            <p:ph type="sldNum" sz="quarter" idx="12"/>
-          </p:nvPr>
-        </p:nvSpPr>
-        <p:spPr/>
-        <p:txBody>
-          <a:bodyPr/>
-          <a:lstStyle/>
-          <a:p>
-            <a:fld id="{727B4C2D-45E2-4621-8491-2995EB46A674}" type="slidenum">
-              <a:rPr lang="en-US" smtClean="0"/>
-              <a:pPr/>
-              <a:t>7</a:t>
-            </a:fld>
-            <a:endParaRPr lang="en-US" dirty="0"/>
-          </a:p>
-        </p:txBody>
-      </p:sp>
-      <p:sp>
-        <p:nvSpPr>
-          <p:cNvPr id="4" name="Rectangle 3"/>
-          <p:cNvSpPr/>
-          <p:nvPr/>
-        </p:nvSpPr>
-        <p:spPr bwMode="auto">
-          <a:xfrm>
-            <a:off x="2351314" y="2304401"/>
-            <a:ext cx="2582426" cy="2347986"/>
-          </a:xfrm>
-          <a:prstGeom prst="rect">
-            <a:avLst/>
-          </a:prstGeom>
-          <a:solidFill>
-            <a:schemeClr val="accent1">
-              <a:lumMod val="20000"/>
-              <a:lumOff val="80000"/>
-            </a:schemeClr>
-          </a:solidFill>
-          <a:ln>
-            <a:noFill/>
-            <a:headEnd type="none" w="med" len="med"/>
-            <a:tailEnd type="none" w="med" len="med"/>
-          </a:ln>
-          <a:effectLst/>
-        </p:spPr>
-        <p:style>
-          <a:lnRef idx="1">
-            <a:schemeClr val="accent2"/>
-          </a:lnRef>
-          <a:fillRef idx="3">
-            <a:schemeClr val="accent2"/>
-          </a:fillRef>
-          <a:effectRef idx="2">
-            <a:schemeClr val="accent2"/>
-          </a:effectRef>
-          <a:fontRef idx="minor">
-            <a:schemeClr val="lt1"/>
-          </a:fontRef>
-        </p:style>
-        <p:txBody>
-          <a:bodyPr rot="0" spcFirstLastPara="0" vertOverflow="overflow" horzOverflow="overflow" vert="horz" wrap="square" lIns="45720" tIns="45720" rIns="45720" bIns="45720" numCol="1" spcCol="0" rtlCol="0" fromWordArt="0" anchor="ctr" anchorCtr="0" forceAA="0" compatLnSpc="1">
-            <a:prstTxWarp prst="textNoShape">
-              <a:avLst/>
-            </a:prstTxWarp>
-            <a:noAutofit/>
-          </a:bodyPr>
-          <a:lstStyle/>
-          <a:p>
-            <a:pPr algn="ctr" defTabSz="914099" fontAlgn="base">
-              <a:spcBef>
-                <a:spcPct val="0"/>
-              </a:spcBef>
-              <a:spcAft>
-                <a:spcPct val="0"/>
-              </a:spcAft>
-            </a:pPr>
-            <a:r>
-              <a:rPr lang="en-US" sz="2200" dirty="0" smtClean="0">
-                <a:solidFill>
-                  <a:schemeClr val="bg1">
-                    <a:lumMod val="50000"/>
-                  </a:schemeClr>
-                </a:solidFill>
-                <a:ea typeface="Segoe UI" pitchFamily="34" charset="0"/>
-                <a:cs typeface="Segoe UI" pitchFamily="34" charset="0"/>
-              </a:rPr>
-              <a:t>Remote Web</a:t>
-            </a:r>
-          </a:p>
-        </p:txBody>
-      </p:sp>
-      <p:sp>
-        <p:nvSpPr>
-          <p:cNvPr id="5" name="Flowchart: Magnetic Disk 4"/>
-          <p:cNvSpPr/>
-          <p:nvPr/>
-        </p:nvSpPr>
-        <p:spPr bwMode="auto">
-          <a:xfrm>
-            <a:off x="7084087" y="2176366"/>
-            <a:ext cx="2703008" cy="874207"/>
-          </a:xfrm>
-          <a:prstGeom prst="flowChartMagneticDisk">
-            <a:avLst/>
-          </a:prstGeom>
-          <a:solidFill>
-            <a:srgbClr val="0070C0"/>
-          </a:solidFill>
-          <a:ln>
-            <a:solidFill>
-              <a:schemeClr val="tx1"/>
-            </a:solidFill>
-            <a:headEnd type="none" w="med" len="med"/>
-            <a:tailEnd type="none" w="med" len="med"/>
-          </a:ln>
-          <a:effectLst/>
-        </p:spPr>
-        <p:style>
-          <a:lnRef idx="1">
-            <a:schemeClr val="accent2"/>
-          </a:lnRef>
-          <a:fillRef idx="3">
-            <a:schemeClr val="accent2"/>
-          </a:fillRef>
-          <a:effectRef idx="2">
-            <a:schemeClr val="accent2"/>
-          </a:effectRef>
-          <a:fontRef idx="minor">
-            <a:schemeClr val="lt1"/>
-          </a:fontRef>
-        </p:style>
-        <p:txBody>
-          <a:bodyPr rot="0" spcFirstLastPara="0" vertOverflow="overflow" horzOverflow="overflow" vert="horz" wrap="square" lIns="45720" tIns="45720" rIns="45720" bIns="45720" numCol="1" spcCol="0" rtlCol="0" fromWordArt="0" anchor="ctr" anchorCtr="0" forceAA="0" compatLnSpc="1">
-            <a:prstTxWarp prst="textNoShape">
-              <a:avLst/>
-            </a:prstTxWarp>
-            <a:noAutofit/>
-          </a:bodyPr>
-          <a:lstStyle/>
-          <a:p>
-            <a:pPr algn="ctr" defTabSz="914099" fontAlgn="base">
-              <a:spcBef>
-                <a:spcPct val="0"/>
-              </a:spcBef>
-              <a:spcAft>
-                <a:spcPct val="0"/>
-              </a:spcAft>
-            </a:pPr>
-            <a:r>
-              <a:rPr lang="en-US" sz="2200" dirty="0" smtClean="0">
-                <a:gradFill>
-                  <a:gsLst>
-                    <a:gs pos="0">
-                      <a:srgbClr val="FFFFFF"/>
-                    </a:gs>
-                    <a:gs pos="100000">
-                      <a:srgbClr val="FFFFFF"/>
-                    </a:gs>
-                  </a:gsLst>
-                  <a:lin ang="5400000" scaled="0"/>
-                </a:gradFill>
-                <a:ea typeface="Segoe UI" pitchFamily="34" charset="0"/>
-                <a:cs typeface="Segoe UI" pitchFamily="34" charset="0"/>
-              </a:rPr>
-              <a:t>Web Services</a:t>
-            </a:r>
-          </a:p>
-        </p:txBody>
-      </p:sp>
-      <p:pic>
-        <p:nvPicPr>
-          <p:cNvPr id="7" name="Picture 6"/>
-          <p:cNvPicPr>
-            <a:picLocks noChangeAspect="1"/>
-          </p:cNvPicPr>
-          <p:nvPr/>
-        </p:nvPicPr>
-        <p:blipFill>
-          <a:blip r:embed="rId3">
-            <a:extLst>
-              <a:ext uri="{28A0092B-C50C-407E-A947-70E740481C1C}">
-                <a14:useLocalDpi xmlns:a14="http://schemas.microsoft.com/office/drawing/2010/main" val="0"/>
-              </a:ext>
-            </a:extLst>
-          </a:blip>
-          <a:stretch>
-            <a:fillRect/>
-          </a:stretch>
-        </p:blipFill>
-        <p:spPr>
-          <a:xfrm flipH="1">
-            <a:off x="5618774" y="5124659"/>
-            <a:ext cx="949687" cy="1029813"/>
-          </a:xfrm>
-          <a:prstGeom prst="rect">
-            <a:avLst/>
-          </a:prstGeom>
-        </p:spPr>
-      </p:pic>
-      <p:cxnSp>
-        <p:nvCxnSpPr>
-          <p:cNvPr id="21" name="Elbow Connector 20"/>
-          <p:cNvCxnSpPr>
-            <a:stCxn id="5" idx="2"/>
-            <a:endCxn id="4" idx="3"/>
-          </p:cNvCxnSpPr>
-          <p:nvPr/>
-        </p:nvCxnSpPr>
-        <p:spPr>
-          <a:xfrm rot="10800000" flipV="1">
-            <a:off x="4933741" y="2613470"/>
-            <a:ext cx="2150347" cy="864924"/>
-          </a:xfrm>
-          <a:prstGeom prst="bentConnector3">
-            <a:avLst/>
-          </a:prstGeom>
-          <a:ln>
-            <a:solidFill>
-              <a:schemeClr val="tx1"/>
-            </a:solidFill>
-            <a:headEnd type="triangle"/>
-            <a:tailEnd type="triangle"/>
-          </a:ln>
-        </p:spPr>
-        <p:style>
-          <a:lnRef idx="1">
-            <a:schemeClr val="accent1"/>
+            <a:schemeClr val="accent4"/>
           </a:lnRef>
           <a:fillRef idx="0">
-            <a:schemeClr val="accent1"/>
+            <a:schemeClr val="accent4"/>
           </a:fillRef>
           <a:effectRef idx="0">
-            <a:schemeClr val="accent1"/>
-          </a:effectRef>
-          <a:fontRef idx="minor">
-            <a:schemeClr val="tx1"/>
-          </a:fontRef>
-        </p:style>
-      </p:cxnSp>
-      <p:sp>
-        <p:nvSpPr>
-          <p:cNvPr id="28" name="TextBox 27"/>
-          <p:cNvSpPr txBox="1"/>
-          <p:nvPr/>
-        </p:nvSpPr>
-        <p:spPr>
-          <a:xfrm>
-            <a:off x="2338106" y="1487157"/>
-            <a:ext cx="2567626" cy="738664"/>
-          </a:xfrm>
-          <a:prstGeom prst="rect">
-            <a:avLst/>
-          </a:prstGeom>
-          <a:noFill/>
-        </p:spPr>
-        <p:txBody>
-          <a:bodyPr wrap="none" lIns="0" tIns="0" rIns="0" bIns="0" rtlCol="0">
-            <a:spAutoFit/>
-          </a:bodyPr>
-          <a:lstStyle/>
-          <a:p>
-            <a:pPr algn="ctr"/>
-            <a:r>
-              <a:rPr lang="en-US" sz="2400" spc="-70" dirty="0" smtClean="0">
-                <a:solidFill>
-                  <a:schemeClr val="bg1"/>
-                </a:solidFill>
-              </a:rPr>
-              <a:t>Internet Information</a:t>
-            </a:r>
-            <a:br>
-              <a:rPr lang="en-US" sz="2400" spc="-70" dirty="0" smtClean="0">
-                <a:solidFill>
-                  <a:schemeClr val="bg1"/>
-                </a:solidFill>
-              </a:rPr>
-            </a:br>
-            <a:r>
-              <a:rPr lang="en-US" sz="2400" spc="-70" dirty="0" smtClean="0">
-                <a:solidFill>
-                  <a:schemeClr val="bg1"/>
-                </a:solidFill>
-              </a:rPr>
-              <a:t>Server</a:t>
-            </a:r>
-          </a:p>
-        </p:txBody>
-      </p:sp>
-      <p:sp>
-        <p:nvSpPr>
-          <p:cNvPr id="6" name="Rounded Rectangle 5"/>
-          <p:cNvSpPr/>
-          <p:nvPr/>
-        </p:nvSpPr>
-        <p:spPr bwMode="auto">
-          <a:xfrm>
-            <a:off x="6591717" y="3223460"/>
-            <a:ext cx="3315956" cy="1901199"/>
-          </a:xfrm>
-          <a:prstGeom prst="roundRect">
-            <a:avLst/>
-          </a:prstGeom>
-          <a:solidFill>
-            <a:srgbClr val="EB3C00"/>
-          </a:solidFill>
-          <a:ln>
-            <a:noFill/>
-            <a:headEnd type="none" w="med" len="med"/>
-            <a:tailEnd type="none" w="med" len="med"/>
-          </a:ln>
-          <a:effectLst/>
-        </p:spPr>
-        <p:style>
-          <a:lnRef idx="1">
-            <a:schemeClr val="accent2"/>
-          </a:lnRef>
-          <a:fillRef idx="3">
-            <a:schemeClr val="accent2"/>
-          </a:fillRef>
-          <a:effectRef idx="2">
-            <a:schemeClr val="accent2"/>
-          </a:effectRef>
-          <a:fontRef idx="minor">
-            <a:schemeClr val="lt1"/>
-          </a:fontRef>
-        </p:style>
-        <p:txBody>
-          <a:bodyPr rot="0" spcFirstLastPara="0" vertOverflow="overflow" horzOverflow="overflow" vert="horz" wrap="square" lIns="45720" tIns="45720" rIns="45720" bIns="45720" numCol="1" spcCol="0" rtlCol="0" fromWordArt="0" anchor="ctr" anchorCtr="0" forceAA="0" compatLnSpc="1">
-            <a:prstTxWarp prst="textNoShape">
-              <a:avLst/>
-            </a:prstTxWarp>
-            <a:noAutofit/>
-          </a:bodyPr>
-          <a:lstStyle/>
-          <a:p>
-            <a:pPr algn="ctr" defTabSz="914099" fontAlgn="base">
-              <a:spcBef>
-                <a:spcPct val="0"/>
-              </a:spcBef>
-              <a:spcAft>
-                <a:spcPct val="0"/>
-              </a:spcAft>
-            </a:pPr>
-            <a:endParaRPr lang="en-US" sz="2200" dirty="0" smtClean="0">
-              <a:gradFill>
-                <a:gsLst>
-                  <a:gs pos="0">
-                    <a:srgbClr val="FFFFFF"/>
-                  </a:gs>
-                  <a:gs pos="100000">
-                    <a:srgbClr val="FFFFFF"/>
-                  </a:gs>
-                </a:gsLst>
-                <a:lin ang="5400000" scaled="0"/>
-              </a:gradFill>
-              <a:ea typeface="Segoe UI" pitchFamily="34" charset="0"/>
-              <a:cs typeface="Segoe UI" pitchFamily="34" charset="0"/>
-            </a:endParaRPr>
-          </a:p>
-        </p:txBody>
-      </p:sp>
-      <p:sp>
-        <p:nvSpPr>
-          <p:cNvPr id="29" name="Rounded Rectangle 28"/>
-          <p:cNvSpPr/>
-          <p:nvPr/>
-        </p:nvSpPr>
-        <p:spPr bwMode="auto">
-          <a:xfrm>
-            <a:off x="6745845" y="3313896"/>
-            <a:ext cx="770320" cy="693337"/>
-          </a:xfrm>
-          <a:prstGeom prst="roundRect">
-            <a:avLst/>
-          </a:prstGeom>
-          <a:solidFill>
-            <a:schemeClr val="accent1">
-              <a:lumMod val="20000"/>
-              <a:lumOff val="80000"/>
-            </a:schemeClr>
-          </a:solidFill>
-          <a:ln>
-            <a:noFill/>
-            <a:headEnd type="none" w="med" len="med"/>
-            <a:tailEnd type="none" w="med" len="med"/>
-          </a:ln>
-          <a:effectLst/>
-        </p:spPr>
-        <p:style>
-          <a:lnRef idx="1">
-            <a:schemeClr val="accent2"/>
-          </a:lnRef>
-          <a:fillRef idx="3">
-            <a:schemeClr val="accent2"/>
-          </a:fillRef>
-          <a:effectRef idx="2">
-            <a:schemeClr val="accent2"/>
-          </a:effectRef>
-          <a:fontRef idx="minor">
-            <a:schemeClr val="lt1"/>
-          </a:fontRef>
-        </p:style>
-        <p:txBody>
-          <a:bodyPr rot="0" spcFirstLastPara="0" vertOverflow="overflow" horzOverflow="overflow" vert="horz" wrap="square" lIns="45720" tIns="45720" rIns="45720" bIns="45720" numCol="1" spcCol="0" rtlCol="0" fromWordArt="0" anchor="ctr" anchorCtr="0" forceAA="0" compatLnSpc="1">
-            <a:prstTxWarp prst="textNoShape">
-              <a:avLst/>
-            </a:prstTxWarp>
-            <a:noAutofit/>
-          </a:bodyPr>
-          <a:lstStyle/>
-          <a:p>
-            <a:pPr algn="ctr" defTabSz="914099" fontAlgn="base">
-              <a:spcBef>
-                <a:spcPct val="0"/>
-              </a:spcBef>
-              <a:spcAft>
-                <a:spcPct val="0"/>
-              </a:spcAft>
-            </a:pPr>
-            <a:endParaRPr lang="en-US" sz="2200" dirty="0" smtClean="0">
-              <a:gradFill>
-                <a:gsLst>
-                  <a:gs pos="0">
-                    <a:srgbClr val="FFFFFF"/>
-                  </a:gs>
-                  <a:gs pos="100000">
-                    <a:srgbClr val="FFFFFF"/>
-                  </a:gs>
-                </a:gsLst>
-                <a:lin ang="5400000" scaled="0"/>
-              </a:gradFill>
-              <a:ea typeface="Segoe UI" pitchFamily="34" charset="0"/>
-              <a:cs typeface="Segoe UI" pitchFamily="34" charset="0"/>
-            </a:endParaRPr>
-          </a:p>
-        </p:txBody>
-      </p:sp>
-      <p:sp>
-        <p:nvSpPr>
-          <p:cNvPr id="32" name="Rounded Rectangle 31"/>
-          <p:cNvSpPr/>
-          <p:nvPr/>
-        </p:nvSpPr>
-        <p:spPr bwMode="auto">
-          <a:xfrm>
-            <a:off x="7417549" y="4204330"/>
-            <a:ext cx="770320" cy="693337"/>
-          </a:xfrm>
-          <a:prstGeom prst="roundRect">
-            <a:avLst/>
-          </a:prstGeom>
-          <a:solidFill>
-            <a:schemeClr val="accent1">
-              <a:lumMod val="20000"/>
-              <a:lumOff val="80000"/>
-            </a:schemeClr>
-          </a:solidFill>
-          <a:ln>
-            <a:noFill/>
-            <a:headEnd type="none" w="med" len="med"/>
-            <a:tailEnd type="none" w="med" len="med"/>
-          </a:ln>
-          <a:effectLst/>
-        </p:spPr>
-        <p:style>
-          <a:lnRef idx="1">
-            <a:schemeClr val="accent2"/>
-          </a:lnRef>
-          <a:fillRef idx="3">
-            <a:schemeClr val="accent2"/>
-          </a:fillRef>
-          <a:effectRef idx="2">
-            <a:schemeClr val="accent2"/>
-          </a:effectRef>
-          <a:fontRef idx="minor">
-            <a:schemeClr val="lt1"/>
-          </a:fontRef>
-        </p:style>
-        <p:txBody>
-          <a:bodyPr rot="0" spcFirstLastPara="0" vertOverflow="overflow" horzOverflow="overflow" vert="horz" wrap="square" lIns="45720" tIns="45720" rIns="45720" bIns="45720" numCol="1" spcCol="0" rtlCol="0" fromWordArt="0" anchor="ctr" anchorCtr="0" forceAA="0" compatLnSpc="1">
-            <a:prstTxWarp prst="textNoShape">
-              <a:avLst/>
-            </a:prstTxWarp>
-            <a:noAutofit/>
-          </a:bodyPr>
-          <a:lstStyle/>
-          <a:p>
-            <a:pPr algn="ctr" defTabSz="914099" fontAlgn="base">
-              <a:spcBef>
-                <a:spcPct val="0"/>
-              </a:spcBef>
-              <a:spcAft>
-                <a:spcPct val="0"/>
-              </a:spcAft>
-            </a:pPr>
-            <a:endParaRPr lang="en-US" sz="2200" dirty="0" smtClean="0">
-              <a:gradFill>
-                <a:gsLst>
-                  <a:gs pos="0">
-                    <a:srgbClr val="FFFFFF"/>
-                  </a:gs>
-                  <a:gs pos="100000">
-                    <a:srgbClr val="FFFFFF"/>
-                  </a:gs>
-                </a:gsLst>
-                <a:lin ang="5400000" scaled="0"/>
-              </a:gradFill>
-              <a:ea typeface="Segoe UI" pitchFamily="34" charset="0"/>
-              <a:cs typeface="Segoe UI" pitchFamily="34" charset="0"/>
-            </a:endParaRPr>
-          </a:p>
-        </p:txBody>
-      </p:sp>
-      <p:sp>
-        <p:nvSpPr>
-          <p:cNvPr id="33" name="TextBox 32"/>
-          <p:cNvSpPr txBox="1"/>
-          <p:nvPr/>
-        </p:nvSpPr>
-        <p:spPr>
-          <a:xfrm>
-            <a:off x="7571803" y="4304776"/>
-            <a:ext cx="455894" cy="492443"/>
-          </a:xfrm>
-          <a:prstGeom prst="rect">
-            <a:avLst/>
-          </a:prstGeom>
-          <a:noFill/>
-        </p:spPr>
-        <p:txBody>
-          <a:bodyPr wrap="none" lIns="0" tIns="0" rIns="0" bIns="0" rtlCol="0">
-            <a:spAutoFit/>
-          </a:bodyPr>
-          <a:lstStyle/>
-          <a:p>
-            <a:pPr algn="ctr"/>
-            <a:r>
-              <a:rPr lang="en-US" sz="1600" spc="-70" dirty="0" smtClean="0">
-                <a:gradFill>
-                  <a:gsLst>
-                    <a:gs pos="2917">
-                      <a:schemeClr val="bg2"/>
-                    </a:gs>
-                    <a:gs pos="95000">
-                      <a:schemeClr val="bg2"/>
-                    </a:gs>
-                  </a:gsLst>
-                  <a:lin ang="5400000" scaled="0"/>
-                </a:gradFill>
-              </a:rPr>
-              <a:t>App</a:t>
-            </a:r>
-            <a:br>
-              <a:rPr lang="en-US" sz="1600" spc="-70" dirty="0" smtClean="0">
-                <a:gradFill>
-                  <a:gsLst>
-                    <a:gs pos="2917">
-                      <a:schemeClr val="bg2"/>
-                    </a:gs>
-                    <a:gs pos="95000">
-                      <a:schemeClr val="bg2"/>
-                    </a:gs>
-                  </a:gsLst>
-                  <a:lin ang="5400000" scaled="0"/>
-                </a:gradFill>
-              </a:rPr>
-            </a:br>
-            <a:r>
-              <a:rPr lang="en-US" sz="1600" spc="-70" dirty="0" smtClean="0">
-                <a:gradFill>
-                  <a:gsLst>
-                    <a:gs pos="2917">
-                      <a:schemeClr val="bg2"/>
-                    </a:gs>
-                    <a:gs pos="95000">
-                      <a:schemeClr val="bg2"/>
-                    </a:gs>
-                  </a:gsLst>
-                  <a:lin ang="5400000" scaled="0"/>
-                </a:gradFill>
-              </a:rPr>
-              <a:t>Web</a:t>
-            </a:r>
-            <a:r>
-              <a:rPr lang="en-US" sz="1600" spc="-70" baseline="30000" dirty="0" smtClean="0">
-                <a:gradFill>
-                  <a:gsLst>
-                    <a:gs pos="2917">
-                      <a:schemeClr val="bg2"/>
-                    </a:gs>
-                    <a:gs pos="95000">
-                      <a:schemeClr val="bg2"/>
-                    </a:gs>
-                  </a:gsLst>
-                  <a:lin ang="5400000" scaled="0"/>
-                </a:gradFill>
-              </a:rPr>
-              <a:t>1</a:t>
-            </a:r>
-          </a:p>
-        </p:txBody>
-      </p:sp>
-      <p:sp>
-        <p:nvSpPr>
-          <p:cNvPr id="36" name="TextBox 35"/>
-          <p:cNvSpPr txBox="1"/>
-          <p:nvPr/>
-        </p:nvSpPr>
-        <p:spPr>
-          <a:xfrm>
-            <a:off x="6899973" y="3413439"/>
-            <a:ext cx="388120" cy="492443"/>
-          </a:xfrm>
-          <a:prstGeom prst="rect">
-            <a:avLst/>
-          </a:prstGeom>
-          <a:noFill/>
-        </p:spPr>
-        <p:txBody>
-          <a:bodyPr wrap="none" lIns="0" tIns="0" rIns="0" bIns="0" rtlCol="0">
-            <a:spAutoFit/>
-          </a:bodyPr>
-          <a:lstStyle/>
-          <a:p>
-            <a:pPr algn="ctr"/>
-            <a:r>
-              <a:rPr lang="en-US" sz="1600" spc="-70" dirty="0" smtClean="0">
-                <a:gradFill>
-                  <a:gsLst>
-                    <a:gs pos="2917">
-                      <a:schemeClr val="bg2"/>
-                    </a:gs>
-                    <a:gs pos="95000">
-                      <a:schemeClr val="bg2"/>
-                    </a:gs>
-                  </a:gsLst>
-                  <a:lin ang="5400000" scaled="0"/>
-                </a:gradFill>
-              </a:rPr>
-              <a:t>Host</a:t>
-            </a:r>
-            <a:br>
-              <a:rPr lang="en-US" sz="1600" spc="-70" dirty="0" smtClean="0">
-                <a:gradFill>
-                  <a:gsLst>
-                    <a:gs pos="2917">
-                      <a:schemeClr val="bg2"/>
-                    </a:gs>
-                    <a:gs pos="95000">
-                      <a:schemeClr val="bg2"/>
-                    </a:gs>
-                  </a:gsLst>
-                  <a:lin ang="5400000" scaled="0"/>
-                </a:gradFill>
-              </a:rPr>
-            </a:br>
-            <a:r>
-              <a:rPr lang="en-US" sz="1600" spc="-70" dirty="0" smtClean="0">
-                <a:gradFill>
-                  <a:gsLst>
-                    <a:gs pos="2917">
-                      <a:schemeClr val="bg2"/>
-                    </a:gs>
-                    <a:gs pos="95000">
-                      <a:schemeClr val="bg2"/>
-                    </a:gs>
-                  </a:gsLst>
-                  <a:lin ang="5400000" scaled="0"/>
-                </a:gradFill>
-              </a:rPr>
-              <a:t>Web</a:t>
-            </a:r>
-          </a:p>
-        </p:txBody>
-      </p:sp>
-      <p:cxnSp>
-        <p:nvCxnSpPr>
-          <p:cNvPr id="40" name="Elbow Connector 39"/>
-          <p:cNvCxnSpPr>
-            <a:stCxn id="29" idx="2"/>
-            <a:endCxn id="32" idx="1"/>
-          </p:cNvCxnSpPr>
-          <p:nvPr/>
-        </p:nvCxnSpPr>
-        <p:spPr>
-          <a:xfrm rot="16200000" flipH="1">
-            <a:off x="7002394" y="4135844"/>
-            <a:ext cx="543766" cy="286544"/>
-          </a:xfrm>
-          <a:prstGeom prst="bentConnector2">
-            <a:avLst/>
-          </a:prstGeom>
-          <a:ln>
-            <a:solidFill>
-              <a:schemeClr val="tx1"/>
-            </a:solidFill>
-            <a:headEnd type="triangle"/>
-            <a:tailEnd type="triangle"/>
-          </a:ln>
-        </p:spPr>
-        <p:style>
-          <a:lnRef idx="1">
-            <a:schemeClr val="accent1"/>
-          </a:lnRef>
-          <a:fillRef idx="0">
-            <a:schemeClr val="accent1"/>
-          </a:fillRef>
-          <a:effectRef idx="0">
-            <a:schemeClr val="accent1"/>
-          </a:effectRef>
-          <a:fontRef idx="minor">
-            <a:schemeClr val="tx1"/>
-          </a:fontRef>
-        </p:style>
-      </p:cxnSp>
-      <p:sp>
-        <p:nvSpPr>
-          <p:cNvPr id="42" name="TextBox 41"/>
-          <p:cNvSpPr txBox="1"/>
-          <p:nvPr/>
-        </p:nvSpPr>
-        <p:spPr>
-          <a:xfrm>
-            <a:off x="8052129" y="3495561"/>
-            <a:ext cx="1537399" cy="738664"/>
-          </a:xfrm>
-          <a:prstGeom prst="rect">
-            <a:avLst/>
-          </a:prstGeom>
-          <a:noFill/>
-        </p:spPr>
-        <p:txBody>
-          <a:bodyPr wrap="square" lIns="0" tIns="0" rIns="0" bIns="0" rtlCol="0">
-            <a:spAutoFit/>
-          </a:bodyPr>
-          <a:lstStyle/>
-          <a:p>
-            <a:pPr algn="r"/>
-            <a:r>
-              <a:rPr lang="en-US" sz="2400" spc="-70" dirty="0" smtClean="0">
-                <a:solidFill>
-                  <a:schemeClr val="bg1"/>
-                </a:solidFill>
-              </a:rPr>
-              <a:t>SharePoint 2013</a:t>
-            </a:r>
-          </a:p>
-        </p:txBody>
-      </p:sp>
-      <p:cxnSp>
-        <p:nvCxnSpPr>
-          <p:cNvPr id="19" name="Elbow Connector 18"/>
-          <p:cNvCxnSpPr>
-            <a:stCxn id="32" idx="1"/>
-            <a:endCxn id="4" idx="3"/>
-          </p:cNvCxnSpPr>
-          <p:nvPr/>
-        </p:nvCxnSpPr>
-        <p:spPr>
-          <a:xfrm rot="10800000">
-            <a:off x="4933741" y="3478395"/>
-            <a:ext cx="2483809" cy="1072605"/>
-          </a:xfrm>
-          <a:prstGeom prst="bentConnector3">
-            <a:avLst/>
-          </a:prstGeom>
-          <a:ln>
-            <a:solidFill>
-              <a:schemeClr val="tx1"/>
-            </a:solidFill>
-            <a:headEnd type="triangle"/>
-            <a:tailEnd type="triangle"/>
-          </a:ln>
-        </p:spPr>
-        <p:style>
-          <a:lnRef idx="1">
-            <a:schemeClr val="accent1"/>
-          </a:lnRef>
-          <a:fillRef idx="0">
-            <a:schemeClr val="accent1"/>
-          </a:fillRef>
-          <a:effectRef idx="0">
-            <a:schemeClr val="accent1"/>
+            <a:schemeClr val="accent4"/>
           </a:effectRef>
           <a:fontRef idx="minor">
             <a:schemeClr val="tx1"/>
@@ -27444,40 +29558,38 @@
       </p:cxnSp>
       <p:cxnSp>
         <p:nvCxnSpPr>
-          <p:cNvPr id="38" name="Elbow Connector 37"/>
-          <p:cNvCxnSpPr>
-            <a:stCxn id="29" idx="1"/>
-            <a:endCxn id="4" idx="3"/>
-          </p:cNvCxnSpPr>
+          <p:cNvPr id="69" name="Straight Arrow Connector 68"/>
+          <p:cNvCxnSpPr/>
           <p:nvPr/>
         </p:nvCxnSpPr>
         <p:spPr>
-          <a:xfrm rot="10800000">
-            <a:off x="4933741" y="3478395"/>
-            <a:ext cx="1812105" cy="182171"/>
+          <a:xfrm flipV="1">
+            <a:off x="4714875" y="2980318"/>
+            <a:ext cx="2640587" cy="577598"/>
           </a:xfrm>
-          <a:prstGeom prst="bentConnector3">
-            <a:avLst>
-              <a:gd name="adj1" fmla="val 50000"/>
-            </a:avLst>
+          <a:prstGeom prst="straightConnector1">
+            <a:avLst/>
           </a:prstGeom>
-          <a:ln>
+          <a:ln w="41275">
             <a:solidFill>
-              <a:schemeClr val="tx1"/>
+              <a:schemeClr val="bg1">
+                <a:lumMod val="65000"/>
+              </a:schemeClr>
             </a:solidFill>
-            <a:headEnd type="triangle"/>
-            <a:tailEnd type="triangle"/>
+            <a:prstDash val="sysDash"/>
+            <a:tailEnd type="stealth" w="lg" len="lg"/>
           </a:ln>
+          <a:effectLst/>
         </p:spPr>
         <p:style>
           <a:lnRef idx="1">
-            <a:schemeClr val="accent1"/>
+            <a:schemeClr val="accent4"/>
           </a:lnRef>
           <a:fillRef idx="0">
-            <a:schemeClr val="accent1"/>
+            <a:schemeClr val="accent4"/>
           </a:fillRef>
           <a:effectRef idx="0">
-            <a:schemeClr val="accent1"/>
+            <a:schemeClr val="accent4"/>
           </a:effectRef>
           <a:fontRef idx="minor">
             <a:schemeClr val="tx1"/>
@@ -27486,38 +29598,38 @@
       </p:cxnSp>
       <p:cxnSp>
         <p:nvCxnSpPr>
-          <p:cNvPr id="55" name="Elbow Connector 54"/>
-          <p:cNvCxnSpPr>
-            <a:stCxn id="4" idx="2"/>
-            <a:endCxn id="7" idx="3"/>
-          </p:cNvCxnSpPr>
+          <p:cNvPr id="70" name="Straight Arrow Connector 69"/>
+          <p:cNvCxnSpPr/>
           <p:nvPr/>
         </p:nvCxnSpPr>
         <p:spPr>
-          <a:xfrm rot="16200000" flipH="1">
-            <a:off x="4137061" y="4157852"/>
-            <a:ext cx="987179" cy="1976247"/>
+          <a:xfrm>
+            <a:off x="4574335" y="3668293"/>
+            <a:ext cx="2886322" cy="1046582"/>
           </a:xfrm>
-          <a:prstGeom prst="bentConnector2">
+          <a:prstGeom prst="straightConnector1">
             <a:avLst/>
           </a:prstGeom>
-          <a:ln>
+          <a:ln w="41275">
             <a:solidFill>
-              <a:schemeClr val="tx1"/>
+              <a:schemeClr val="bg1">
+                <a:lumMod val="65000"/>
+              </a:schemeClr>
             </a:solidFill>
-            <a:headEnd type="triangle"/>
-            <a:tailEnd type="triangle"/>
+            <a:prstDash val="sysDash"/>
+            <a:tailEnd type="stealth" w="lg" len="lg"/>
           </a:ln>
+          <a:effectLst/>
         </p:spPr>
         <p:style>
           <a:lnRef idx="1">
-            <a:schemeClr val="accent1"/>
+            <a:schemeClr val="accent4"/>
           </a:lnRef>
           <a:fillRef idx="0">
-            <a:schemeClr val="accent1"/>
+            <a:schemeClr val="accent4"/>
           </a:fillRef>
           <a:effectRef idx="0">
-            <a:schemeClr val="accent1"/>
+            <a:schemeClr val="accent4"/>
           </a:effectRef>
           <a:fontRef idx="minor">
             <a:schemeClr val="tx1"/>
@@ -27526,239 +29638,78 @@
       </p:cxnSp>
       <p:cxnSp>
         <p:nvCxnSpPr>
-          <p:cNvPr id="57" name="Elbow Connector 56"/>
-          <p:cNvCxnSpPr>
-            <a:stCxn id="6" idx="2"/>
-            <a:endCxn id="7" idx="1"/>
-          </p:cNvCxnSpPr>
+          <p:cNvPr id="71" name="Straight Arrow Connector 70"/>
+          <p:cNvCxnSpPr/>
           <p:nvPr/>
         </p:nvCxnSpPr>
         <p:spPr>
-          <a:xfrm rot="5400000">
-            <a:off x="7151625" y="4541495"/>
-            <a:ext cx="514907" cy="1681234"/>
+          <a:xfrm>
+            <a:off x="5615196" y="5820922"/>
+            <a:ext cx="1407823" cy="1"/>
           </a:xfrm>
-          <a:prstGeom prst="bentConnector2">
+          <a:prstGeom prst="straightConnector1">
             <a:avLst/>
           </a:prstGeom>
-          <a:ln>
+          <a:ln w="41275">
             <a:solidFill>
-              <a:schemeClr val="tx1"/>
+              <a:schemeClr val="bg1">
+                <a:lumMod val="65000"/>
+              </a:schemeClr>
             </a:solidFill>
-            <a:headEnd type="triangle"/>
-            <a:tailEnd type="triangle"/>
+            <a:prstDash val="sysDash"/>
+            <a:tailEnd type="stealth" w="lg" len="lg"/>
           </a:ln>
+          <a:effectLst/>
         </p:spPr>
         <p:style>
           <a:lnRef idx="1">
-            <a:schemeClr val="accent1"/>
+            <a:schemeClr val="accent4"/>
           </a:lnRef>
           <a:fillRef idx="0">
-            <a:schemeClr val="accent1"/>
+            <a:schemeClr val="accent4"/>
           </a:fillRef>
           <a:effectRef idx="0">
-            <a:schemeClr val="accent1"/>
+            <a:schemeClr val="accent4"/>
           </a:effectRef>
           <a:fontRef idx="minor">
             <a:schemeClr val="tx1"/>
           </a:fontRef>
         </p:style>
       </p:cxnSp>
-      <p:sp>
-        <p:nvSpPr>
-          <p:cNvPr id="58" name="TextBox 57"/>
-          <p:cNvSpPr txBox="1"/>
+      <p:cxnSp>
+        <p:nvCxnSpPr>
+          <p:cNvPr id="72" name="Straight Arrow Connector 71"/>
+          <p:cNvCxnSpPr/>
           <p:nvPr/>
-        </p:nvSpPr>
+        </p:nvCxnSpPr>
         <p:spPr>
-          <a:xfrm>
-            <a:off x="7409078" y="5908251"/>
-            <a:ext cx="1786066" cy="246221"/>
+          <a:xfrm flipH="1" flipV="1">
+            <a:off x="3359820" y="4567892"/>
+            <a:ext cx="613227" cy="688920"/>
           </a:xfrm>
-          <a:prstGeom prst="rect">
+          <a:prstGeom prst="straightConnector1">
             <a:avLst/>
           </a:prstGeom>
-          <a:noFill/>
-        </p:spPr>
-        <p:txBody>
-          <a:bodyPr wrap="none" lIns="0" tIns="0" rIns="0" bIns="0" rtlCol="0">
-            <a:spAutoFit/>
-          </a:bodyPr>
-          <a:lstStyle/>
-          <a:p>
-            <a:r>
-              <a:rPr lang="en-US" sz="1600" spc="-70" baseline="30000" dirty="0" smtClean="0">
-                <a:gradFill>
-                  <a:gsLst>
-                    <a:gs pos="2917">
-                      <a:schemeClr val="bg2"/>
-                    </a:gs>
-                    <a:gs pos="95000">
-                      <a:schemeClr val="bg2"/>
-                    </a:gs>
-                  </a:gsLst>
-                  <a:lin ang="5400000" scaled="0"/>
-                </a:gradFill>
-              </a:rPr>
-              <a:t>1</a:t>
-            </a:r>
-            <a:r>
-              <a:rPr lang="en-US" sz="1600" spc="-70" dirty="0" smtClean="0">
-                <a:gradFill>
-                  <a:gsLst>
-                    <a:gs pos="2917">
-                      <a:schemeClr val="bg2"/>
-                    </a:gs>
-                    <a:gs pos="95000">
-                      <a:schemeClr val="bg2"/>
-                    </a:gs>
-                  </a:gsLst>
-                  <a:lin ang="5400000" scaled="0"/>
-                </a:gradFill>
-              </a:rPr>
-              <a:t>App Web </a:t>
-            </a:r>
-            <a:r>
-              <a:rPr lang="en-US" sz="1600" spc="-70" dirty="0" smtClean="0">
-                <a:gradFill>
-                  <a:gsLst>
-                    <a:gs pos="2917">
-                      <a:schemeClr val="bg2"/>
-                    </a:gs>
-                    <a:gs pos="95000">
-                      <a:schemeClr val="bg2"/>
-                    </a:gs>
-                  </a:gsLst>
-                  <a:lin ang="5400000" scaled="0"/>
-                </a:gradFill>
-              </a:rPr>
-              <a:t>is optional </a:t>
-            </a:r>
-            <a:endParaRPr lang="en-US" sz="1600" spc="-70" dirty="0" smtClean="0">
-              <a:gradFill>
-                <a:gsLst>
-                  <a:gs pos="2917">
-                    <a:schemeClr val="bg2"/>
-                  </a:gs>
-                  <a:gs pos="95000">
-                    <a:schemeClr val="bg2"/>
-                  </a:gs>
-                </a:gsLst>
-                <a:lin ang="5400000" scaled="0"/>
-              </a:gradFill>
-            </a:endParaRPr>
-          </a:p>
-        </p:txBody>
-      </p:sp>
-      <p:sp>
-        <p:nvSpPr>
-          <p:cNvPr id="61" name="Flowchart: Magnetic Disk 60"/>
-          <p:cNvSpPr/>
-          <p:nvPr/>
-        </p:nvSpPr>
-        <p:spPr bwMode="auto">
-          <a:xfrm>
-            <a:off x="7084086" y="1231873"/>
-            <a:ext cx="2703009" cy="874207"/>
-          </a:xfrm>
-          <a:prstGeom prst="flowChartMagneticDisk">
-            <a:avLst/>
-          </a:prstGeom>
-          <a:solidFill>
-            <a:srgbClr val="0070C0"/>
-          </a:solidFill>
-          <a:ln>
+          <a:ln w="41275">
             <a:solidFill>
-              <a:schemeClr val="tx1"/>
+              <a:schemeClr val="bg1">
+                <a:lumMod val="65000"/>
+              </a:schemeClr>
             </a:solidFill>
-            <a:headEnd type="none" w="med" len="med"/>
-            <a:tailEnd type="none" w="med" len="med"/>
+            <a:prstDash val="sysDash"/>
+            <a:tailEnd type="stealth" w="lg" len="lg"/>
           </a:ln>
           <a:effectLst/>
         </p:spPr>
         <p:style>
           <a:lnRef idx="1">
-            <a:schemeClr val="accent2"/>
-          </a:lnRef>
-          <a:fillRef idx="3">
-            <a:schemeClr val="accent2"/>
-          </a:fillRef>
-          <a:effectRef idx="2">
-            <a:schemeClr val="accent2"/>
-          </a:effectRef>
-          <a:fontRef idx="minor">
-            <a:schemeClr val="lt1"/>
-          </a:fontRef>
-        </p:style>
-        <p:txBody>
-          <a:bodyPr rot="0" spcFirstLastPara="0" vertOverflow="overflow" horzOverflow="overflow" vert="horz" wrap="square" lIns="45720" tIns="45720" rIns="45720" bIns="45720" numCol="1" spcCol="0" rtlCol="0" fromWordArt="0" anchor="ctr" anchorCtr="0" forceAA="0" compatLnSpc="1">
-            <a:prstTxWarp prst="textNoShape">
-              <a:avLst/>
-            </a:prstTxWarp>
-            <a:noAutofit/>
-          </a:bodyPr>
-          <a:lstStyle/>
-          <a:p>
-            <a:pPr algn="ctr" defTabSz="914099" fontAlgn="base">
-              <a:spcBef>
-                <a:spcPct val="0"/>
-              </a:spcBef>
-              <a:spcAft>
-                <a:spcPct val="0"/>
-              </a:spcAft>
-            </a:pPr>
-            <a:r>
-              <a:rPr lang="en-US" sz="2200" dirty="0" smtClean="0">
-                <a:gradFill>
-                  <a:gsLst>
-                    <a:gs pos="0">
-                      <a:srgbClr val="FFFFFF"/>
-                    </a:gs>
-                    <a:gs pos="100000">
-                      <a:srgbClr val="FFFFFF"/>
-                    </a:gs>
-                  </a:gsLst>
-                  <a:lin ang="5400000" scaled="0"/>
-                </a:gradFill>
-                <a:ea typeface="Segoe UI" pitchFamily="34" charset="0"/>
-                <a:cs typeface="Segoe UI" pitchFamily="34" charset="0"/>
-              </a:rPr>
-              <a:t>SQL Databases</a:t>
-            </a:r>
-          </a:p>
-        </p:txBody>
-      </p:sp>
-      <p:cxnSp>
-        <p:nvCxnSpPr>
-          <p:cNvPr id="64" name="Elbow Connector 63"/>
-          <p:cNvCxnSpPr/>
-          <p:nvPr/>
-        </p:nvCxnSpPr>
-        <p:spPr>
-          <a:xfrm rot="10800000" flipV="1">
-            <a:off x="4946948" y="1668976"/>
-            <a:ext cx="2127090" cy="1644919"/>
-          </a:xfrm>
-          <a:prstGeom prst="bentConnector3">
-            <a:avLst/>
-          </a:prstGeom>
-          <a:ln>
-            <a:solidFill>
-              <a:schemeClr val="tx1"/>
-            </a:solidFill>
-            <a:headEnd type="triangle"/>
-            <a:tailEnd type="triangle"/>
-          </a:ln>
-        </p:spPr>
-        <p:style>
-          <a:lnRef idx="1">
-            <a:schemeClr val="accent1"/>
+            <a:schemeClr val="accent4"/>
           </a:lnRef>
           <a:fillRef idx="0">
-            <a:schemeClr val="accent1"/>
+            <a:schemeClr val="accent4"/>
           </a:fillRef>
           <a:effectRef idx="0">
-            <a:schemeClr val="accent1"/>
+            <a:schemeClr val="accent4"/>
           </a:effectRef>
           <a:fontRef idx="minor">
             <a:schemeClr val="tx1"/>
@@ -27768,7 +29719,7 @@
     </p:spTree>
     <p:extLst>
       <p:ext uri="{BB962C8B-B14F-4D97-AF65-F5344CB8AC3E}">
-        <p14:creationId xmlns:p14="http://schemas.microsoft.com/office/powerpoint/2010/main" val="3528584388"/>
+        <p14:creationId xmlns:p14="http://schemas.microsoft.com/office/powerpoint/2010/main" val="3906973937"/>
       </p:ext>
     </p:extLst>
   </p:cSld>
@@ -27781,7 +29732,456 @@
   <p:timing>
     <p:tnLst>
       <p:par>
-        <p:cTn id="1" dur="indefinite" restart="never" nodeType="tmRoot"/>
+        <p:cTn id="1" dur="indefinite" restart="never" nodeType="tmRoot">
+          <p:childTnLst>
+            <p:seq concurrent="1" nextAc="seek">
+              <p:cTn id="2" dur="indefinite" nodeType="mainSeq">
+                <p:childTnLst>
+                  <p:par>
+                    <p:cTn id="3" fill="hold">
+                      <p:stCondLst>
+                        <p:cond delay="indefinite"/>
+                        <p:cond evt="onBegin" delay="0">
+                          <p:tn val="2"/>
+                        </p:cond>
+                      </p:stCondLst>
+                      <p:childTnLst>
+                        <p:par>
+                          <p:cTn id="4" fill="hold">
+                            <p:stCondLst>
+                              <p:cond delay="0"/>
+                            </p:stCondLst>
+                            <p:childTnLst>
+                              <p:par>
+                                <p:cTn id="5" presetID="42" presetClass="entr" presetSubtype="0" fill="hold" nodeType="withEffect">
+                                  <p:stCondLst>
+                                    <p:cond delay="0"/>
+                                  </p:stCondLst>
+                                  <p:childTnLst>
+                                    <p:set>
+                                      <p:cBhvr>
+                                        <p:cTn id="6" dur="1" fill="hold">
+                                          <p:stCondLst>
+                                            <p:cond delay="0"/>
+                                          </p:stCondLst>
+                                        </p:cTn>
+                                        <p:tgtEl>
+                                          <p:spTgt spid="68"/>
+                                        </p:tgtEl>
+                                        <p:attrNameLst>
+                                          <p:attrName>style.visibility</p:attrName>
+                                        </p:attrNameLst>
+                                      </p:cBhvr>
+                                      <p:to>
+                                        <p:strVal val="visible"/>
+                                      </p:to>
+                                    </p:set>
+                                    <p:animEffect transition="in" filter="fade">
+                                      <p:cBhvr>
+                                        <p:cTn id="7" dur="1000"/>
+                                        <p:tgtEl>
+                                          <p:spTgt spid="68"/>
+                                        </p:tgtEl>
+                                      </p:cBhvr>
+                                    </p:animEffect>
+                                    <p:anim calcmode="lin" valueType="num">
+                                      <p:cBhvr>
+                                        <p:cTn id="8" dur="1000" fill="hold"/>
+                                        <p:tgtEl>
+                                          <p:spTgt spid="68"/>
+                                        </p:tgtEl>
+                                        <p:attrNameLst>
+                                          <p:attrName>ppt_x</p:attrName>
+                                        </p:attrNameLst>
+                                      </p:cBhvr>
+                                      <p:tavLst>
+                                        <p:tav tm="0">
+                                          <p:val>
+                                            <p:strVal val="#ppt_x"/>
+                                          </p:val>
+                                        </p:tav>
+                                        <p:tav tm="100000">
+                                          <p:val>
+                                            <p:strVal val="#ppt_x"/>
+                                          </p:val>
+                                        </p:tav>
+                                      </p:tavLst>
+                                    </p:anim>
+                                    <p:anim calcmode="lin" valueType="num">
+                                      <p:cBhvr>
+                                        <p:cTn id="9" dur="1000" fill="hold"/>
+                                        <p:tgtEl>
+                                          <p:spTgt spid="68"/>
+                                        </p:tgtEl>
+                                        <p:attrNameLst>
+                                          <p:attrName>ppt_y</p:attrName>
+                                        </p:attrNameLst>
+                                      </p:cBhvr>
+                                      <p:tavLst>
+                                        <p:tav tm="0">
+                                          <p:val>
+                                            <p:strVal val="#ppt_y+.1"/>
+                                          </p:val>
+                                        </p:tav>
+                                        <p:tav tm="100000">
+                                          <p:val>
+                                            <p:strVal val="#ppt_y"/>
+                                          </p:val>
+                                        </p:tav>
+                                      </p:tavLst>
+                                    </p:anim>
+                                  </p:childTnLst>
+                                </p:cTn>
+                              </p:par>
+                              <p:par>
+                                <p:cTn id="10" presetID="42" presetClass="entr" presetSubtype="0" fill="hold" nodeType="withEffect">
+                                  <p:stCondLst>
+                                    <p:cond delay="0"/>
+                                  </p:stCondLst>
+                                  <p:childTnLst>
+                                    <p:set>
+                                      <p:cBhvr>
+                                        <p:cTn id="11" dur="1" fill="hold">
+                                          <p:stCondLst>
+                                            <p:cond delay="0"/>
+                                          </p:stCondLst>
+                                        </p:cTn>
+                                        <p:tgtEl>
+                                          <p:spTgt spid="69"/>
+                                        </p:tgtEl>
+                                        <p:attrNameLst>
+                                          <p:attrName>style.visibility</p:attrName>
+                                        </p:attrNameLst>
+                                      </p:cBhvr>
+                                      <p:to>
+                                        <p:strVal val="visible"/>
+                                      </p:to>
+                                    </p:set>
+                                    <p:animEffect transition="in" filter="fade">
+                                      <p:cBhvr>
+                                        <p:cTn id="12" dur="1000"/>
+                                        <p:tgtEl>
+                                          <p:spTgt spid="69"/>
+                                        </p:tgtEl>
+                                      </p:cBhvr>
+                                    </p:animEffect>
+                                    <p:anim calcmode="lin" valueType="num">
+                                      <p:cBhvr>
+                                        <p:cTn id="13" dur="1000" fill="hold"/>
+                                        <p:tgtEl>
+                                          <p:spTgt spid="69"/>
+                                        </p:tgtEl>
+                                        <p:attrNameLst>
+                                          <p:attrName>ppt_x</p:attrName>
+                                        </p:attrNameLst>
+                                      </p:cBhvr>
+                                      <p:tavLst>
+                                        <p:tav tm="0">
+                                          <p:val>
+                                            <p:strVal val="#ppt_x"/>
+                                          </p:val>
+                                        </p:tav>
+                                        <p:tav tm="100000">
+                                          <p:val>
+                                            <p:strVal val="#ppt_x"/>
+                                          </p:val>
+                                        </p:tav>
+                                      </p:tavLst>
+                                    </p:anim>
+                                    <p:anim calcmode="lin" valueType="num">
+                                      <p:cBhvr>
+                                        <p:cTn id="14" dur="1000" fill="hold"/>
+                                        <p:tgtEl>
+                                          <p:spTgt spid="69"/>
+                                        </p:tgtEl>
+                                        <p:attrNameLst>
+                                          <p:attrName>ppt_y</p:attrName>
+                                        </p:attrNameLst>
+                                      </p:cBhvr>
+                                      <p:tavLst>
+                                        <p:tav tm="0">
+                                          <p:val>
+                                            <p:strVal val="#ppt_y+.1"/>
+                                          </p:val>
+                                        </p:tav>
+                                        <p:tav tm="100000">
+                                          <p:val>
+                                            <p:strVal val="#ppt_y"/>
+                                          </p:val>
+                                        </p:tav>
+                                      </p:tavLst>
+                                    </p:anim>
+                                  </p:childTnLst>
+                                </p:cTn>
+                              </p:par>
+                              <p:par>
+                                <p:cTn id="15" presetID="42" presetClass="entr" presetSubtype="0" fill="hold" nodeType="withEffect">
+                                  <p:stCondLst>
+                                    <p:cond delay="0"/>
+                                  </p:stCondLst>
+                                  <p:childTnLst>
+                                    <p:set>
+                                      <p:cBhvr>
+                                        <p:cTn id="16" dur="1" fill="hold">
+                                          <p:stCondLst>
+                                            <p:cond delay="0"/>
+                                          </p:stCondLst>
+                                        </p:cTn>
+                                        <p:tgtEl>
+                                          <p:spTgt spid="70"/>
+                                        </p:tgtEl>
+                                        <p:attrNameLst>
+                                          <p:attrName>style.visibility</p:attrName>
+                                        </p:attrNameLst>
+                                      </p:cBhvr>
+                                      <p:to>
+                                        <p:strVal val="visible"/>
+                                      </p:to>
+                                    </p:set>
+                                    <p:animEffect transition="in" filter="fade">
+                                      <p:cBhvr>
+                                        <p:cTn id="17" dur="1000"/>
+                                        <p:tgtEl>
+                                          <p:spTgt spid="70"/>
+                                        </p:tgtEl>
+                                      </p:cBhvr>
+                                    </p:animEffect>
+                                    <p:anim calcmode="lin" valueType="num">
+                                      <p:cBhvr>
+                                        <p:cTn id="18" dur="1000" fill="hold"/>
+                                        <p:tgtEl>
+                                          <p:spTgt spid="70"/>
+                                        </p:tgtEl>
+                                        <p:attrNameLst>
+                                          <p:attrName>ppt_x</p:attrName>
+                                        </p:attrNameLst>
+                                      </p:cBhvr>
+                                      <p:tavLst>
+                                        <p:tav tm="0">
+                                          <p:val>
+                                            <p:strVal val="#ppt_x"/>
+                                          </p:val>
+                                        </p:tav>
+                                        <p:tav tm="100000">
+                                          <p:val>
+                                            <p:strVal val="#ppt_x"/>
+                                          </p:val>
+                                        </p:tav>
+                                      </p:tavLst>
+                                    </p:anim>
+                                    <p:anim calcmode="lin" valueType="num">
+                                      <p:cBhvr>
+                                        <p:cTn id="19" dur="1000" fill="hold"/>
+                                        <p:tgtEl>
+                                          <p:spTgt spid="70"/>
+                                        </p:tgtEl>
+                                        <p:attrNameLst>
+                                          <p:attrName>ppt_y</p:attrName>
+                                        </p:attrNameLst>
+                                      </p:cBhvr>
+                                      <p:tavLst>
+                                        <p:tav tm="0">
+                                          <p:val>
+                                            <p:strVal val="#ppt_y+.1"/>
+                                          </p:val>
+                                        </p:tav>
+                                        <p:tav tm="100000">
+                                          <p:val>
+                                            <p:strVal val="#ppt_y"/>
+                                          </p:val>
+                                        </p:tav>
+                                      </p:tavLst>
+                                    </p:anim>
+                                  </p:childTnLst>
+                                </p:cTn>
+                              </p:par>
+                              <p:par>
+                                <p:cTn id="20" presetID="42" presetClass="entr" presetSubtype="0" fill="hold" nodeType="withEffect">
+                                  <p:stCondLst>
+                                    <p:cond delay="0"/>
+                                  </p:stCondLst>
+                                  <p:childTnLst>
+                                    <p:set>
+                                      <p:cBhvr>
+                                        <p:cTn id="21" dur="1" fill="hold">
+                                          <p:stCondLst>
+                                            <p:cond delay="0"/>
+                                          </p:stCondLst>
+                                        </p:cTn>
+                                        <p:tgtEl>
+                                          <p:spTgt spid="71"/>
+                                        </p:tgtEl>
+                                        <p:attrNameLst>
+                                          <p:attrName>style.visibility</p:attrName>
+                                        </p:attrNameLst>
+                                      </p:cBhvr>
+                                      <p:to>
+                                        <p:strVal val="visible"/>
+                                      </p:to>
+                                    </p:set>
+                                    <p:animEffect transition="in" filter="fade">
+                                      <p:cBhvr>
+                                        <p:cTn id="22" dur="1000"/>
+                                        <p:tgtEl>
+                                          <p:spTgt spid="71"/>
+                                        </p:tgtEl>
+                                      </p:cBhvr>
+                                    </p:animEffect>
+                                    <p:anim calcmode="lin" valueType="num">
+                                      <p:cBhvr>
+                                        <p:cTn id="23" dur="1000" fill="hold"/>
+                                        <p:tgtEl>
+                                          <p:spTgt spid="71"/>
+                                        </p:tgtEl>
+                                        <p:attrNameLst>
+                                          <p:attrName>ppt_x</p:attrName>
+                                        </p:attrNameLst>
+                                      </p:cBhvr>
+                                      <p:tavLst>
+                                        <p:tav tm="0">
+                                          <p:val>
+                                            <p:strVal val="#ppt_x"/>
+                                          </p:val>
+                                        </p:tav>
+                                        <p:tav tm="100000">
+                                          <p:val>
+                                            <p:strVal val="#ppt_x"/>
+                                          </p:val>
+                                        </p:tav>
+                                      </p:tavLst>
+                                    </p:anim>
+                                    <p:anim calcmode="lin" valueType="num">
+                                      <p:cBhvr>
+                                        <p:cTn id="24" dur="1000" fill="hold"/>
+                                        <p:tgtEl>
+                                          <p:spTgt spid="71"/>
+                                        </p:tgtEl>
+                                        <p:attrNameLst>
+                                          <p:attrName>ppt_y</p:attrName>
+                                        </p:attrNameLst>
+                                      </p:cBhvr>
+                                      <p:tavLst>
+                                        <p:tav tm="0">
+                                          <p:val>
+                                            <p:strVal val="#ppt_y+.1"/>
+                                          </p:val>
+                                        </p:tav>
+                                        <p:tav tm="100000">
+                                          <p:val>
+                                            <p:strVal val="#ppt_y"/>
+                                          </p:val>
+                                        </p:tav>
+                                      </p:tavLst>
+                                    </p:anim>
+                                  </p:childTnLst>
+                                </p:cTn>
+                              </p:par>
+                              <p:par>
+                                <p:cTn id="25" presetID="42" presetClass="entr" presetSubtype="0" fill="hold" nodeType="withEffect">
+                                  <p:stCondLst>
+                                    <p:cond delay="0"/>
+                                  </p:stCondLst>
+                                  <p:childTnLst>
+                                    <p:set>
+                                      <p:cBhvr>
+                                        <p:cTn id="26" dur="1" fill="hold">
+                                          <p:stCondLst>
+                                            <p:cond delay="0"/>
+                                          </p:stCondLst>
+                                        </p:cTn>
+                                        <p:tgtEl>
+                                          <p:spTgt spid="72"/>
+                                        </p:tgtEl>
+                                        <p:attrNameLst>
+                                          <p:attrName>style.visibility</p:attrName>
+                                        </p:attrNameLst>
+                                      </p:cBhvr>
+                                      <p:to>
+                                        <p:strVal val="visible"/>
+                                      </p:to>
+                                    </p:set>
+                                    <p:animEffect transition="in" filter="fade">
+                                      <p:cBhvr>
+                                        <p:cTn id="27" dur="1000"/>
+                                        <p:tgtEl>
+                                          <p:spTgt spid="72"/>
+                                        </p:tgtEl>
+                                      </p:cBhvr>
+                                    </p:animEffect>
+                                    <p:anim calcmode="lin" valueType="num">
+                                      <p:cBhvr>
+                                        <p:cTn id="28" dur="1000" fill="hold"/>
+                                        <p:tgtEl>
+                                          <p:spTgt spid="72"/>
+                                        </p:tgtEl>
+                                        <p:attrNameLst>
+                                          <p:attrName>ppt_x</p:attrName>
+                                        </p:attrNameLst>
+                                      </p:cBhvr>
+                                      <p:tavLst>
+                                        <p:tav tm="0">
+                                          <p:val>
+                                            <p:strVal val="#ppt_x"/>
+                                          </p:val>
+                                        </p:tav>
+                                        <p:tav tm="100000">
+                                          <p:val>
+                                            <p:strVal val="#ppt_x"/>
+                                          </p:val>
+                                        </p:tav>
+                                      </p:tavLst>
+                                    </p:anim>
+                                    <p:anim calcmode="lin" valueType="num">
+                                      <p:cBhvr>
+                                        <p:cTn id="29" dur="1000" fill="hold"/>
+                                        <p:tgtEl>
+                                          <p:spTgt spid="72"/>
+                                        </p:tgtEl>
+                                        <p:attrNameLst>
+                                          <p:attrName>ppt_y</p:attrName>
+                                        </p:attrNameLst>
+                                      </p:cBhvr>
+                                      <p:tavLst>
+                                        <p:tav tm="0">
+                                          <p:val>
+                                            <p:strVal val="#ppt_y+.1"/>
+                                          </p:val>
+                                        </p:tav>
+                                        <p:tav tm="100000">
+                                          <p:val>
+                                            <p:strVal val="#ppt_y"/>
+                                          </p:val>
+                                        </p:tav>
+                                      </p:tavLst>
+                                    </p:anim>
+                                  </p:childTnLst>
+                                </p:cTn>
+                              </p:par>
+                            </p:childTnLst>
+                          </p:cTn>
+                        </p:par>
+                      </p:childTnLst>
+                    </p:cTn>
+                  </p:par>
+                </p:childTnLst>
+              </p:cTn>
+              <p:prevCondLst>
+                <p:cond evt="onPrev" delay="0">
+                  <p:tgtEl>
+                    <p:sldTgt/>
+                  </p:tgtEl>
+                </p:cond>
+              </p:prevCondLst>
+              <p:nextCondLst>
+                <p:cond evt="onNext" delay="0">
+                  <p:tgtEl>
+                    <p:sldTgt/>
+                  </p:tgtEl>
+                </p:cond>
+              </p:nextCondLst>
+            </p:seq>
+          </p:childTnLst>
+        </p:cTn>
       </p:par>
     </p:tnLst>
   </p:timing>
@@ -29271,12 +31671,6 @@
 </file>
 
 <file path=customXml/item1.xml><?xml version="1.0" encoding="utf-8"?>
-<p:properties xmlns:p="http://schemas.microsoft.com/office/2006/metadata/properties" xmlns:xsi="http://www.w3.org/2001/XMLSchema-instance" xmlns:pc="http://schemas.microsoft.com/office/infopath/2007/PartnerControls">
-  <documentManagement/>
-</p:properties>
-</file>
-
-<file path=customXml/item2.xml><?xml version="1.0" encoding="utf-8"?>
 <ct:contentTypeSchema xmlns:ct="http://schemas.microsoft.com/office/2006/metadata/contentType" xmlns:ma="http://schemas.microsoft.com/office/2006/metadata/properties/metaAttributes" ct:_="" ma:_="" ma:contentTypeName="Document" ma:contentTypeID="0x010100A2E4C90AA7333249A7DBC8CC6F49919B" ma:contentTypeVersion="1" ma:contentTypeDescription="Create a new document." ma:contentTypeScope="" ma:versionID="e7b09f0f38d7ed30c7da14951e97abcc">
   <xsd:schema xmlns:xsd="http://www.w3.org/2001/XMLSchema" xmlns:xs="http://www.w3.org/2001/XMLSchema" xmlns:p="http://schemas.microsoft.com/office/2006/metadata/properties" xmlns:ns2="5fad15d0-477e-40da-a20d-40d4ca777cbd" targetNamespace="http://schemas.microsoft.com/office/2006/metadata/properties" ma:root="true" ma:fieldsID="0cee24db179c30c5ebec40b677cadf70" ns2:_="">
     <xsd:import namespace="5fad15d0-477e-40da-a20d-40d4ca777cbd"/>
@@ -29416,7 +31810,7 @@
 </ct:contentTypeSchema>
 </file>
 
-<file path=customXml/item3.xml><?xml version="1.0" encoding="utf-8"?>
+<file path=customXml/item2.xml><?xml version="1.0" encoding="utf-8"?>
 <?mso-contentType ?>
 <FormTemplates xmlns="http://schemas.microsoft.com/sharepoint/v3/contenttype/forms">
   <Display>DocumentLibraryForm</Display>
@@ -29425,23 +31819,13 @@
 </FormTemplates>
 </file>
 
-<file path=customXml/itemProps1.xml><?xml version="1.0" encoding="utf-8"?>
-<ds:datastoreItem xmlns:ds="http://schemas.openxmlformats.org/officeDocument/2006/customXml" ds:itemID="{DA593625-DB14-4FB0-B5A9-3269FA9C120B}">
-  <ds:schemaRefs>
-    <ds:schemaRef ds:uri="http://schemas.microsoft.com/office/2006/documentManagement/types"/>
-    <ds:schemaRef ds:uri="http://purl.org/dc/elements/1.1/"/>
-    <ds:schemaRef ds:uri="http://schemas.microsoft.com/office/2006/metadata/properties"/>
-    <ds:schemaRef ds:uri="5fad15d0-477e-40da-a20d-40d4ca777cbd"/>
-    <ds:schemaRef ds:uri="http://www.w3.org/XML/1998/namespace"/>
-    <ds:schemaRef ds:uri="http://schemas.microsoft.com/office/infopath/2007/PartnerControls"/>
-    <ds:schemaRef ds:uri="http://purl.org/dc/dcmitype/"/>
-    <ds:schemaRef ds:uri="http://schemas.openxmlformats.org/package/2006/metadata/core-properties"/>
-    <ds:schemaRef ds:uri="http://purl.org/dc/terms/"/>
-  </ds:schemaRefs>
-</ds:datastoreItem>
+<file path=customXml/item3.xml><?xml version="1.0" encoding="utf-8"?>
+<p:properties xmlns:p="http://schemas.microsoft.com/office/2006/metadata/properties" xmlns:xsi="http://www.w3.org/2001/XMLSchema-instance" xmlns:pc="http://schemas.microsoft.com/office/infopath/2007/PartnerControls">
+  <documentManagement/>
+</p:properties>
 </file>
 
-<file path=customXml/itemProps2.xml><?xml version="1.0" encoding="utf-8"?>
+<file path=customXml/itemProps1.xml><?xml version="1.0" encoding="utf-8"?>
 <ds:datastoreItem xmlns:ds="http://schemas.openxmlformats.org/officeDocument/2006/customXml" ds:itemID="{F17DCE38-6787-497B-B958-75817420EB1E}">
   <ds:schemaRefs>
     <ds:schemaRef ds:uri="http://schemas.microsoft.com/office/2006/metadata/contentType"/>
@@ -29459,10 +31843,26 @@
 </ds:datastoreItem>
 </file>
 
-<file path=customXml/itemProps3.xml><?xml version="1.0" encoding="utf-8"?>
+<file path=customXml/itemProps2.xml><?xml version="1.0" encoding="utf-8"?>
 <ds:datastoreItem xmlns:ds="http://schemas.openxmlformats.org/officeDocument/2006/customXml" ds:itemID="{E1E0CE18-CA03-4891-9CD8-3448778E3D53}">
   <ds:schemaRefs>
     <ds:schemaRef ds:uri="http://schemas.microsoft.com/sharepoint/v3/contenttype/forms"/>
   </ds:schemaRefs>
 </ds:datastoreItem>
+</file>
+
+<file path=customXml/itemProps3.xml><?xml version="1.0" encoding="utf-8"?>
+<ds:datastoreItem xmlns:ds="http://schemas.openxmlformats.org/officeDocument/2006/customXml" ds:itemID="{DA593625-DB14-4FB0-B5A9-3269FA9C120B}">
+  <ds:schemaRefs>
+    <ds:schemaRef ds:uri="http://schemas.microsoft.com/office/2006/documentManagement/types"/>
+    <ds:schemaRef ds:uri="http://purl.org/dc/elements/1.1/"/>
+    <ds:schemaRef ds:uri="http://schemas.microsoft.com/office/2006/metadata/properties"/>
+    <ds:schemaRef ds:uri="5fad15d0-477e-40da-a20d-40d4ca777cbd"/>
+    <ds:schemaRef ds:uri="http://www.w3.org/XML/1998/namespace"/>
+    <ds:schemaRef ds:uri="http://schemas.microsoft.com/office/infopath/2007/PartnerControls"/>
+    <ds:schemaRef ds:uri="http://purl.org/dc/dcmitype/"/>
+    <ds:schemaRef ds:uri="http://schemas.openxmlformats.org/package/2006/metadata/core-properties"/>
+    <ds:schemaRef ds:uri="http://purl.org/dc/terms/"/>
+  </ds:schemaRefs>
+</ds:datastoreItem>
 </file>
--- a/O3652-6 Deep Dive into Provider Hosted Apps/O3652-6 Deep Dive into Provider Hosted Apps.pptx
+++ b/O3652-6 Deep Dive into Provider Hosted Apps/O3652-6 Deep Dive into Provider Hosted Apps.pptx
@@ -359,7 +359,7 @@
           <a:p>
             <a:fld id="{DE219B1A-AE41-483B-A766-69B9363DDA6A}" type="datetimeFigureOut">
               <a:rPr lang="en-US" smtClean="0"/>
-              <a:t>9/8/2014</a:t>
+              <a:t>9/18/2014</a:t>
             </a:fld>
             <a:endParaRPr lang="en-US"/>
           </a:p>
@@ -641,7 +641,7 @@
           <a:p>
             <a:fld id="{D51B1278-D92B-4AF3-A9C1-71DD298190CE}" type="datetimeFigureOut">
               <a:rPr lang="en-US" smtClean="0"/>
-              <a:t>9/8/2014</a:t>
+              <a:t>9/18/2014</a:t>
             </a:fld>
             <a:endParaRPr lang="en-US"/>
           </a:p>
@@ -1222,7 +1222,7 @@
           <a:p>
             <a:fld id="{94EE102F-BBA5-47B5-B3E7-AF35CCCF9F4D}" type="datetime1">
               <a:rPr lang="en-US" smtClean="0"/>
-              <a:t>9/8/2014</a:t>
+              <a:t>9/18/2014</a:t>
             </a:fld>
             <a:endParaRPr lang="en-US"/>
           </a:p>
@@ -1428,7 +1428,7 @@
           <a:p>
             <a:fld id="{6DFBD1BE-6A4F-4D98-BF0B-ADDB5A85FBE3}" type="datetime1">
               <a:rPr lang="en-US" smtClean="0"/>
-              <a:t>9/8/2014</a:t>
+              <a:t>9/18/2014</a:t>
             </a:fld>
             <a:endParaRPr lang="en-US"/>
           </a:p>
@@ -1660,7 +1660,7 @@
           <a:p>
             <a:fld id="{5CA12F01-F32E-42E6-9812-70BEA5DBCFD4}" type="datetime1">
               <a:rPr lang="en-US" smtClean="0"/>
-              <a:t>9/8/2014</a:t>
+              <a:t>9/18/2014</a:t>
             </a:fld>
             <a:endParaRPr lang="en-US"/>
           </a:p>
@@ -1870,7 +1870,7 @@
           <a:p>
             <a:fld id="{4ADE35DD-7265-41C6-9E2A-205ADF0B08D5}" type="datetime1">
               <a:rPr lang="en-US" smtClean="0"/>
-              <a:t>9/8/2014</a:t>
+              <a:t>9/18/2014</a:t>
             </a:fld>
             <a:endParaRPr lang="en-US"/>
           </a:p>
@@ -2152,7 +2152,7 @@
           <a:p>
             <a:fld id="{011330EA-3A2F-4AA6-9551-59328781FD06}" type="datetime1">
               <a:rPr lang="en-US" smtClean="0"/>
-              <a:t>9/8/2014</a:t>
+              <a:t>9/18/2014</a:t>
             </a:fld>
             <a:endParaRPr lang="en-US"/>
           </a:p>
@@ -2362,7 +2362,7 @@
           <a:p>
             <a:fld id="{64C927B8-48AC-4209-AA95-18D990AB88E8}" type="datetime1">
               <a:rPr lang="en-US" smtClean="0"/>
-              <a:t>9/8/2014</a:t>
+              <a:t>9/18/2014</a:t>
             </a:fld>
             <a:endParaRPr lang="en-US"/>
           </a:p>
@@ -2591,7 +2591,7 @@
           <a:p>
             <a:fld id="{BC8BD616-3C53-4769-B049-3FE930DDEF97}" type="datetime1">
               <a:rPr lang="en-US" smtClean="0"/>
-              <a:t>9/8/2014</a:t>
+              <a:t>9/18/2014</a:t>
             </a:fld>
             <a:endParaRPr lang="en-US"/>
           </a:p>
@@ -2797,7 +2797,7 @@
           <a:p>
             <a:fld id="{6DFBD1BE-6A4F-4D98-BF0B-ADDB5A85FBE3}" type="datetime1">
               <a:rPr lang="en-US" smtClean="0"/>
-              <a:t>9/8/2014</a:t>
+              <a:t>9/18/2014</a:t>
             </a:fld>
             <a:endParaRPr lang="en-US"/>
           </a:p>
@@ -3017,7 +3017,7 @@
           <a:p>
             <a:fld id="{14FCA8DF-D437-4F44-A7FA-1D633C225705}" type="datetime1">
               <a:rPr lang="en-US" smtClean="0"/>
-              <a:t>9/8/2014</a:t>
+              <a:t>9/18/2014</a:t>
             </a:fld>
             <a:endParaRPr lang="en-US"/>
           </a:p>
@@ -3255,7 +3255,7 @@
           <a:p>
             <a:fld id="{A889F05F-80B9-41D3-BF23-A8E444F74255}" type="datetime1">
               <a:rPr lang="en-US" smtClean="0"/>
-              <a:t>9/8/2014</a:t>
+              <a:t>9/18/2014</a:t>
             </a:fld>
             <a:endParaRPr lang="en-US"/>
           </a:p>
@@ -3515,7 +3515,7 @@
           <a:p>
             <a:fld id="{B079C3B8-7366-4A44-A34B-3977080C19E7}" type="datetime1">
               <a:rPr lang="en-US" smtClean="0"/>
-              <a:t>9/8/2014</a:t>
+              <a:t>9/18/2014</a:t>
             </a:fld>
             <a:endParaRPr lang="en-US" dirty="0"/>
           </a:p>
@@ -3666,7 +3666,7 @@
           <a:p>
             <a:fld id="{312D89D2-8BAD-4162-8E57-B687236DD4F5}" type="datetime1">
               <a:rPr lang="en-US" smtClean="0"/>
-              <a:t>9/8/2014</a:t>
+              <a:t>9/18/2014</a:t>
             </a:fld>
             <a:endParaRPr lang="en-US"/>
           </a:p>
@@ -3872,7 +3872,7 @@
           <a:p>
             <a:fld id="{6DFBD1BE-6A4F-4D98-BF0B-ADDB5A85FBE3}" type="datetime1">
               <a:rPr lang="en-US" smtClean="0"/>
-              <a:t>9/8/2014</a:t>
+              <a:t>9/18/2014</a:t>
             </a:fld>
             <a:endParaRPr lang="en-US"/>
           </a:p>
@@ -4120,7 +4120,7 @@
           <a:p>
             <a:fld id="{381A498E-1F91-490C-B0FC-CB0211CC8B4D}" type="datetime1">
               <a:rPr lang="en-US" smtClean="0"/>
-              <a:t>9/8/2014</a:t>
+              <a:t>9/18/2014</a:t>
             </a:fld>
             <a:endParaRPr lang="en-US"/>
           </a:p>
@@ -4305,6 +4305,102 @@
           <a:bodyPr/>
           <a:lstStyle/>
           <a:p>
+            <a:r>
+              <a:rPr lang="en-US" dirty="0" smtClean="0"/>
+              <a:t>Note that as of this writing, the Visual tooling only supports ACS strings</a:t>
+            </a:r>
+          </a:p>
+          <a:p>
+            <a:r>
+              <a:rPr lang="en-US" dirty="0" smtClean="0"/>
+              <a:t>The Azure interface only creates SAS</a:t>
+            </a:r>
+            <a:r>
+              <a:rPr lang="en-US" baseline="0" dirty="0" smtClean="0"/>
+              <a:t> strings</a:t>
+            </a:r>
+          </a:p>
+          <a:p>
+            <a:r>
+              <a:rPr lang="en-US" baseline="0" dirty="0" smtClean="0"/>
+              <a:t>So, you have to use PowerShell</a:t>
+            </a:r>
+          </a:p>
+          <a:p>
+            <a:endParaRPr lang="en-US" baseline="0" dirty="0" smtClean="0"/>
+          </a:p>
+          <a:p>
+            <a:pPr marL="228600" indent="-228600">
+              <a:buAutoNum type="arabicPeriod"/>
+            </a:pPr>
+            <a:r>
+              <a:rPr lang="en-US" baseline="0" dirty="0" smtClean="0"/>
+              <a:t>Download and Install Azure PowerShell environment</a:t>
+            </a:r>
+          </a:p>
+          <a:p>
+            <a:pPr marL="228600" indent="-228600">
+              <a:buAutoNum type="arabicPeriod"/>
+            </a:pPr>
+            <a:r>
+              <a:rPr lang="en-US" baseline="0" dirty="0" smtClean="0"/>
+              <a:t>Open PS window</a:t>
+            </a:r>
+          </a:p>
+          <a:p>
+            <a:pPr marL="228600" indent="-228600">
+              <a:buAutoNum type="arabicPeriod"/>
+            </a:pPr>
+            <a:r>
+              <a:rPr lang="en-US" baseline="0" dirty="0" smtClean="0"/>
+              <a:t>Add-</a:t>
+            </a:r>
+            <a:r>
+              <a:rPr lang="en-US" baseline="0" dirty="0" err="1" smtClean="0"/>
+              <a:t>AzureAccount</a:t>
+            </a:r>
+            <a:r>
+              <a:rPr lang="en-US" baseline="0" dirty="0" smtClean="0"/>
+              <a:t> to sign in</a:t>
+            </a:r>
+          </a:p>
+          <a:p>
+            <a:pPr marL="228600" indent="-228600">
+              <a:buAutoNum type="arabicPeriod"/>
+            </a:pPr>
+            <a:r>
+              <a:rPr lang="en-US" baseline="0" dirty="0" smtClean="0"/>
+              <a:t>New-</a:t>
+            </a:r>
+            <a:r>
+              <a:rPr lang="en-US" baseline="0" dirty="0" err="1" smtClean="0"/>
+              <a:t>AzureSBNamespace</a:t>
+            </a:r>
+            <a:r>
+              <a:rPr lang="en-US" baseline="0" dirty="0" smtClean="0"/>
+              <a:t> –Name “</a:t>
+            </a:r>
+            <a:r>
+              <a:rPr lang="en-US" baseline="0" dirty="0" err="1" smtClean="0"/>
+              <a:t>myns</a:t>
+            </a:r>
+            <a:r>
+              <a:rPr lang="en-US" baseline="0" dirty="0" smtClean="0"/>
+              <a:t>”  -Location “Central US”</a:t>
+            </a:r>
+          </a:p>
+          <a:p>
+            <a:pPr marL="228600" indent="-228600">
+              <a:buAutoNum type="arabicPeriod"/>
+            </a:pPr>
+            <a:r>
+              <a:rPr lang="en-US" baseline="0" dirty="0" smtClean="0"/>
+              <a:t>Results in an ACS string copy this </a:t>
+            </a:r>
+            <a:r>
+              <a:rPr lang="en-US" baseline="0" smtClean="0"/>
+              <a:t>to Visual Studio</a:t>
+            </a:r>
             <a:endParaRPr lang="en-US" dirty="0"/>
           </a:p>
         </p:txBody>
@@ -4324,9 +4420,9 @@
           <a:bodyPr/>
           <a:lstStyle/>
           <a:p>
-            <a:fld id="{6DFBD1BE-6A4F-4D98-BF0B-ADDB5A85FBE3}" type="datetime1">
+            <a:fld id="{0CB62432-FFB8-4D94-9C18-5F90CD76F83D}" type="datetime1">
               <a:rPr lang="en-US" smtClean="0"/>
-              <a:t>9/8/2014</a:t>
+              <a:t>9/18/2014</a:t>
             </a:fld>
             <a:endParaRPr lang="en-US"/>
           </a:p>
@@ -4349,7 +4445,7 @@
           <a:p>
             <a:fld id="{B4008EB6-D09E-4580-8CD6-DDB14511944F}" type="slidenum">
               <a:rPr lang="en-US" smtClean="0"/>
-              <a:t>43</a:t>
+              <a:t>42</a:t>
             </a:fld>
             <a:endParaRPr lang="en-US" dirty="0"/>
           </a:p>
@@ -4457,7 +4553,7 @@
     </p:spTree>
     <p:extLst>
       <p:ext uri="{BB962C8B-B14F-4D97-AF65-F5344CB8AC3E}">
-        <p14:creationId xmlns:p14="http://schemas.microsoft.com/office/powerpoint/2010/main" val="4086493756"/>
+        <p14:creationId xmlns:p14="http://schemas.microsoft.com/office/powerpoint/2010/main" val="1558814653"/>
       </p:ext>
     </p:extLst>
   </p:cSld>
@@ -4511,6 +4607,212 @@
           <a:bodyPr/>
           <a:lstStyle/>
           <a:p>
+            <a:endParaRPr lang="en-US" dirty="0"/>
+          </a:p>
+        </p:txBody>
+      </p:sp>
+      <p:sp>
+        <p:nvSpPr>
+          <p:cNvPr id="4" name="Date Placeholder 3"/>
+          <p:cNvSpPr>
+            <a:spLocks noGrp="1"/>
+          </p:cNvSpPr>
+          <p:nvPr>
+            <p:ph type="dt" idx="10"/>
+          </p:nvPr>
+        </p:nvSpPr>
+        <p:spPr/>
+        <p:txBody>
+          <a:bodyPr/>
+          <a:lstStyle/>
+          <a:p>
+            <a:fld id="{6DFBD1BE-6A4F-4D98-BF0B-ADDB5A85FBE3}" type="datetime1">
+              <a:rPr lang="en-US" smtClean="0"/>
+              <a:t>9/18/2014</a:t>
+            </a:fld>
+            <a:endParaRPr lang="en-US"/>
+          </a:p>
+        </p:txBody>
+      </p:sp>
+      <p:sp>
+        <p:nvSpPr>
+          <p:cNvPr id="5" name="Slide Number Placeholder 4"/>
+          <p:cNvSpPr>
+            <a:spLocks noGrp="1"/>
+          </p:cNvSpPr>
+          <p:nvPr>
+            <p:ph type="sldNum" sz="quarter" idx="11"/>
+          </p:nvPr>
+        </p:nvSpPr>
+        <p:spPr/>
+        <p:txBody>
+          <a:bodyPr/>
+          <a:lstStyle/>
+          <a:p>
+            <a:fld id="{B4008EB6-D09E-4580-8CD6-DDB14511944F}" type="slidenum">
+              <a:rPr lang="en-US" smtClean="0"/>
+              <a:t>43</a:t>
+            </a:fld>
+            <a:endParaRPr lang="en-US" dirty="0"/>
+          </a:p>
+        </p:txBody>
+      </p:sp>
+      <p:sp>
+        <p:nvSpPr>
+          <p:cNvPr id="6" name="Header Placeholder 5"/>
+          <p:cNvSpPr>
+            <a:spLocks noGrp="1"/>
+          </p:cNvSpPr>
+          <p:nvPr>
+            <p:ph type="hdr" sz="quarter" idx="12"/>
+          </p:nvPr>
+        </p:nvSpPr>
+        <p:spPr/>
+        <p:txBody>
+          <a:bodyPr/>
+          <a:lstStyle/>
+          <a:p>
+            <a:r>
+              <a:rPr lang="en-US" smtClean="0"/>
+              <a:t>Microsoft Office</a:t>
+            </a:r>
+            <a:endParaRPr lang="en-US" dirty="0"/>
+          </a:p>
+        </p:txBody>
+      </p:sp>
+      <p:sp>
+        <p:nvSpPr>
+          <p:cNvPr id="7" name="Footer Placeholder 6"/>
+          <p:cNvSpPr>
+            <a:spLocks noGrp="1"/>
+          </p:cNvSpPr>
+          <p:nvPr>
+            <p:ph type="ftr" sz="quarter" idx="13"/>
+          </p:nvPr>
+        </p:nvSpPr>
+        <p:spPr/>
+        <p:txBody>
+          <a:bodyPr/>
+          <a:lstStyle/>
+          <a:p>
+            <a:pPr marL="231775" defTabSz="914099" eaLnBrk="0" hangingPunct="0"/>
+            <a:r>
+              <a:rPr lang="en-US" sz="500" smtClean="0">
+                <a:gradFill>
+                  <a:gsLst>
+                    <a:gs pos="0">
+                      <a:schemeClr val="tx1"/>
+                    </a:gs>
+                    <a:gs pos="100000">
+                      <a:schemeClr val="tx1"/>
+                    </a:gs>
+                  </a:gsLst>
+                  <a:lin ang="5400000" scaled="0"/>
+                </a:gradFill>
+                <a:latin typeface="Segoe UI" pitchFamily="34" charset="0"/>
+                <a:ea typeface="Segoe UI" pitchFamily="34" charset="0"/>
+                <a:cs typeface="Segoe UI" pitchFamily="34" charset="0"/>
+              </a:rPr>
+              <a:t>© 2012 Microsoft Corporation. All rights reserved. Microsoft, Windows, and other product names are or may be registered trademarks and/or trademarks in the U.S. and/or other countries.</a:t>
+            </a:r>
+          </a:p>
+          <a:p>
+            <a:pPr marL="231775" defTabSz="914099" eaLnBrk="0" hangingPunct="0"/>
+            <a:r>
+              <a:rPr lang="en-US" sz="500" smtClean="0">
+                <a:gradFill>
+                  <a:gsLst>
+                    <a:gs pos="0">
+                      <a:schemeClr val="tx1"/>
+                    </a:gs>
+                    <a:gs pos="100000">
+                      <a:schemeClr val="tx1"/>
+                    </a:gs>
+                  </a:gsLst>
+                  <a:lin ang="5400000" scaled="0"/>
+                </a:gradFill>
+                <a:latin typeface="Segoe UI" pitchFamily="34" charset="0"/>
+                <a:ea typeface="Segoe UI" pitchFamily="34" charset="0"/>
+                <a:cs typeface="Segoe UI" pitchFamily="34" charset="0"/>
+              </a:rPr>
+              <a:t>The information herein is for informational purposes only and represents the current view of Microsoft Corporation as of the date of this presentation.  Because Microsoft must respond to changing market conditions, it should not be interpreted to be a commitment on the part of Microsoft, and Microsoft cannot guarantee the accuracy of any information provided after the date of this presentation.  MICROSOFT MAKES NO WARRANTIES, EXPRESS, IMPLIED OR STATUTORY, AS TO THE INFORMATION IN THIS PRESENTATION.</a:t>
+            </a:r>
+            <a:endParaRPr lang="en-US" sz="500" dirty="0">
+              <a:gradFill>
+                <a:gsLst>
+                  <a:gs pos="0">
+                    <a:schemeClr val="tx1"/>
+                  </a:gs>
+                  <a:gs pos="100000">
+                    <a:schemeClr val="tx1"/>
+                  </a:gs>
+                </a:gsLst>
+                <a:lin ang="5400000" scaled="0"/>
+              </a:gradFill>
+              <a:latin typeface="Segoe UI" pitchFamily="34" charset="0"/>
+              <a:ea typeface="Segoe UI" pitchFamily="34" charset="0"/>
+              <a:cs typeface="Segoe UI" pitchFamily="34" charset="0"/>
+            </a:endParaRPr>
+          </a:p>
+        </p:txBody>
+      </p:sp>
+    </p:spTree>
+    <p:extLst>
+      <p:ext uri="{BB962C8B-B14F-4D97-AF65-F5344CB8AC3E}">
+        <p14:creationId xmlns:p14="http://schemas.microsoft.com/office/powerpoint/2010/main" val="4086493756"/>
+      </p:ext>
+    </p:extLst>
+  </p:cSld>
+  <p:clrMapOvr>
+    <a:masterClrMapping/>
+  </p:clrMapOvr>
+</p:notes>
+</file>
+
+<file path=ppt/notesSlides/notesSlide25.xml><?xml version="1.0" encoding="utf-8"?>
+<p:notes xmlns:a="http://schemas.openxmlformats.org/drawingml/2006/main" xmlns:r="http://schemas.openxmlformats.org/officeDocument/2006/relationships" xmlns:p="http://schemas.openxmlformats.org/presentationml/2006/main">
+  <p:cSld>
+    <p:spTree>
+      <p:nvGrpSpPr>
+        <p:cNvPr id="1" name=""/>
+        <p:cNvGrpSpPr/>
+        <p:nvPr/>
+      </p:nvGrpSpPr>
+      <p:grpSpPr>
+        <a:xfrm>
+          <a:off x="0" y="0"/>
+          <a:ext cx="0" cy="0"/>
+          <a:chOff x="0" y="0"/>
+          <a:chExt cx="0" cy="0"/>
+        </a:xfrm>
+      </p:grpSpPr>
+      <p:sp>
+        <p:nvSpPr>
+          <p:cNvPr id="2" name="Slide Image Placeholder 1"/>
+          <p:cNvSpPr>
+            <a:spLocks noGrp="1" noRot="1" noChangeAspect="1"/>
+          </p:cNvSpPr>
+          <p:nvPr>
+            <p:ph type="sldImg"/>
+          </p:nvPr>
+        </p:nvSpPr>
+        <p:spPr/>
+      </p:sp>
+      <p:sp>
+        <p:nvSpPr>
+          <p:cNvPr id="3" name="Notes Placeholder 2"/>
+          <p:cNvSpPr>
+            <a:spLocks noGrp="1"/>
+          </p:cNvSpPr>
+          <p:nvPr>
+            <p:ph type="body" idx="1"/>
+          </p:nvPr>
+        </p:nvSpPr>
+        <p:spPr/>
+        <p:txBody>
+          <a:bodyPr/>
+          <a:lstStyle/>
+          <a:p>
             <a:endParaRPr lang="en-US"/>
           </a:p>
         </p:txBody>
@@ -4643,7 +4945,7 @@
           <a:p>
             <a:fld id="{0BB6559B-C68D-49B4-97AE-9BB74C417927}" type="datetime1">
               <a:rPr lang="en-US" smtClean="0"/>
-              <a:t>9/8/2014</a:t>
+              <a:t>9/18/2014</a:t>
             </a:fld>
             <a:endParaRPr lang="en-US"/>
           </a:p>
@@ -4750,7 +5052,7 @@
           <a:p>
             <a:fld id="{6E50E453-F0F1-4F28-9386-D0CC835A3436}" type="datetime1">
               <a:rPr lang="en-US" smtClean="0"/>
-              <a:t>9/8/2014</a:t>
+              <a:t>9/18/2014</a:t>
             </a:fld>
             <a:endParaRPr lang="en-US"/>
           </a:p>
@@ -4976,7 +5278,7 @@
           <a:p>
             <a:fld id="{C032A2CD-423F-467E-9AF6-DEA41E45D21C}" type="datetime1">
               <a:rPr lang="en-US" smtClean="0"/>
-              <a:t>9/8/2014</a:t>
+              <a:t>9/18/2014</a:t>
             </a:fld>
             <a:endParaRPr lang="en-US"/>
           </a:p>
@@ -5262,7 +5564,7 @@
           <a:p>
             <a:fld id="{09D58FB4-9AD0-481B-8C84-A17E43C7859F}" type="datetime1">
               <a:rPr lang="en-US" smtClean="0"/>
-              <a:t>9/8/2014</a:t>
+              <a:t>9/18/2014</a:t>
             </a:fld>
             <a:endParaRPr lang="en-US"/>
           </a:p>
@@ -5504,7 +5806,7 @@
           <a:p>
             <a:fld id="{89BD0C63-4500-46F0-B671-0411AD55F261}" type="datetime1">
               <a:rPr lang="en-US" smtClean="0"/>
-              <a:t>9/8/2014</a:t>
+              <a:t>9/18/2014</a:t>
             </a:fld>
             <a:endParaRPr lang="en-US"/>
           </a:p>
@@ -5747,7 +6049,7 @@
           <a:p>
             <a:fld id="{71F2E3B6-EB4C-45C4-A447-56FB08D12314}" type="datetime1">
               <a:rPr lang="en-US" smtClean="0"/>
-              <a:t>9/8/2014</a:t>
+              <a:t>9/18/2014</a:t>
             </a:fld>
             <a:endParaRPr lang="en-US"/>
           </a:p>
@@ -5980,7 +6282,7 @@
           <a:p>
             <a:fld id="{978E40F9-06EC-432F-9301-2E07F244FD92}" type="datetime1">
               <a:rPr lang="en-US" smtClean="0"/>
-              <a:t>9/8/2014</a:t>
+              <a:t>9/18/2014</a:t>
             </a:fld>
             <a:endParaRPr lang="en-US"/>
           </a:p>
@@ -6198,7 +6500,7 @@
           <a:p>
             <a:fld id="{20E03D06-7C91-4981-946C-5F87F4FCF9AD}" type="datetime1">
               <a:rPr lang="en-US" smtClean="0"/>
-              <a:t>9/8/2014</a:t>
+              <a:t>9/18/2014</a:t>
             </a:fld>
             <a:endParaRPr lang="en-US"/>
           </a:p>
@@ -17974,7 +18276,7 @@
                 <a:gridCol w="11225057">
                   <a:extLst>
                     <a:ext uri="{9D8B030D-6E8A-4147-A177-3AD203B41FA5}">
-                      <a16:colId xmlns="" xmlns:a16="http://schemas.microsoft.com/office/drawing/2014/main" val="1253488153"/>
+                      <a16:colId xmlns:a16="http://schemas.microsoft.com/office/drawing/2014/main" xmlns="" val="1253488153"/>
                     </a:ext>
                   </a:extLst>
                 </a:gridCol>
@@ -18004,7 +18306,7 @@
                 </a:tc>
                 <a:extLst>
                   <a:ext uri="{0D108BD9-81ED-4DB2-BD59-A6C34878D82A}">
-                    <a16:rowId xmlns="" xmlns:a16="http://schemas.microsoft.com/office/drawing/2014/main" val="829859176"/>
+                    <a16:rowId xmlns:a16="http://schemas.microsoft.com/office/drawing/2014/main" xmlns="" val="829859176"/>
                   </a:ext>
                 </a:extLst>
               </a:tr>
@@ -18025,7 +18327,7 @@
                 </a:tc>
                 <a:extLst>
                   <a:ext uri="{0D108BD9-81ED-4DB2-BD59-A6C34878D82A}">
-                    <a16:rowId xmlns="" xmlns:a16="http://schemas.microsoft.com/office/drawing/2014/main" val="1946132611"/>
+                    <a16:rowId xmlns:a16="http://schemas.microsoft.com/office/drawing/2014/main" xmlns="" val="1946132611"/>
                   </a:ext>
                 </a:extLst>
               </a:tr>
@@ -18062,7 +18364,7 @@
                 </a:tc>
                 <a:extLst>
                   <a:ext uri="{0D108BD9-81ED-4DB2-BD59-A6C34878D82A}">
-                    <a16:rowId xmlns="" xmlns:a16="http://schemas.microsoft.com/office/drawing/2014/main" val="3204002662"/>
+                    <a16:rowId xmlns:a16="http://schemas.microsoft.com/office/drawing/2014/main" xmlns="" val="3204002662"/>
                   </a:ext>
                 </a:extLst>
               </a:tr>
@@ -18103,7 +18405,7 @@
                 </a:tc>
                 <a:extLst>
                   <a:ext uri="{0D108BD9-81ED-4DB2-BD59-A6C34878D82A}">
-                    <a16:rowId xmlns="" xmlns:a16="http://schemas.microsoft.com/office/drawing/2014/main" val="4266278162"/>
+                    <a16:rowId xmlns:a16="http://schemas.microsoft.com/office/drawing/2014/main" xmlns="" val="4266278162"/>
                   </a:ext>
                 </a:extLst>
               </a:tr>
@@ -23897,7 +24199,15 @@
           <a:p>
             <a:r>
               <a:rPr lang="en-US" dirty="0" smtClean="0"/>
-              <a:t>Remote Event Receivers require Azure Service Bus to support debugging</a:t>
+              <a:t>Remote Event </a:t>
+            </a:r>
+            <a:r>
+              <a:rPr lang="en-US" smtClean="0"/>
+              <a:t>Receivers might require </a:t>
+            </a:r>
+            <a:r>
+              <a:rPr lang="en-US" dirty="0" smtClean="0"/>
+              <a:t>Azure Service Bus to support debugging</a:t>
             </a:r>
           </a:p>
           <a:p>
@@ -23973,7 +24283,7 @@
           <p:nvPr/>
         </p:nvPicPr>
         <p:blipFill>
-          <a:blip r:embed="rId2">
+          <a:blip r:embed="rId3">
             <a:extLst>
               <a:ext uri="{28A0092B-C50C-407E-A947-70E740481C1C}">
                 <a14:useLocalDpi xmlns:a14="http://schemas.microsoft.com/office/drawing/2010/main" val="0"/>
@@ -24003,7 +24313,7 @@
           <p:nvPr/>
         </p:nvPicPr>
         <p:blipFill>
-          <a:blip r:embed="rId3">
+          <a:blip r:embed="rId4">
             <a:extLst>
               <a:ext uri="{28A0092B-C50C-407E-A947-70E740481C1C}">
                 <a14:useLocalDpi xmlns:a14="http://schemas.microsoft.com/office/drawing/2010/main" val="0"/>
